--- a/2023-2024/synthèses de cours/structures de données.pptx
+++ b/2023-2024/synthèses de cours/structures de données.pptx
@@ -5,11 +5,13 @@
     <p:sldMasterId id="2147483648" r:id="rId2"/>
     <p:sldMasterId id="2147483661" r:id="rId3"/>
     <p:sldMasterId id="2147483674" r:id="rId4"/>
+    <p:sldMasterId id="2147483687" r:id="rId5"/>
   </p:sldMasterIdLst>
   <p:sldIdLst>
-    <p:sldId id="256" r:id="rId5"/>
-    <p:sldId id="257" r:id="rId6"/>
-    <p:sldId id="258" r:id="rId7"/>
+    <p:sldId id="256" r:id="rId6"/>
+    <p:sldId id="257" r:id="rId7"/>
+    <p:sldId id="258" r:id="rId8"/>
+    <p:sldId id="259" r:id="rId9"/>
   </p:sldIdLst>
   <p:sldSz cx="9144000" cy="5143500"/>
   <p:notesSz cx="7772400" cy="10058400"/>
@@ -68,7 +70,7 @@
         <p:spPr>
           <a:xfrm>
             <a:off x="457200" y="205200"/>
-            <a:ext cx="8229240" cy="858600"/>
+            <a:ext cx="8228880" cy="858240"/>
           </a:xfrm>
           <a:prstGeom prst="rect">
             <a:avLst/>
@@ -105,7 +107,7 @@
         <p:spPr>
           <a:xfrm>
             <a:off x="457200" y="1203480"/>
-            <a:ext cx="8229240" cy="1422720"/>
+            <a:ext cx="8228880" cy="1422360"/>
           </a:xfrm>
           <a:prstGeom prst="rect">
             <a:avLst/>
@@ -138,8 +140,8 @@
         </p:nvSpPr>
         <p:spPr>
           <a:xfrm>
-            <a:off x="457200" y="2761920"/>
-            <a:ext cx="8229240" cy="1422720"/>
+            <a:off x="457200" y="2761200"/>
+            <a:ext cx="8228880" cy="1422360"/>
           </a:xfrm>
           <a:prstGeom prst="rect">
             <a:avLst/>
@@ -195,7 +197,7 @@
         <p:spPr>
           <a:xfrm>
             <a:off x="457200" y="205200"/>
-            <a:ext cx="8229240" cy="858600"/>
+            <a:ext cx="8228880" cy="858240"/>
           </a:xfrm>
           <a:prstGeom prst="rect">
             <a:avLst/>
@@ -232,7 +234,7 @@
         <p:spPr>
           <a:xfrm>
             <a:off x="457200" y="1203480"/>
-            <a:ext cx="4015800" cy="1422720"/>
+            <a:ext cx="4015440" cy="1422360"/>
           </a:xfrm>
           <a:prstGeom prst="rect">
             <a:avLst/>
@@ -265,8 +267,8 @@
         </p:nvSpPr>
         <p:spPr>
           <a:xfrm>
-            <a:off x="4674240" y="1203480"/>
-            <a:ext cx="4015800" cy="1422720"/>
+            <a:off x="4673880" y="1203480"/>
+            <a:ext cx="4015440" cy="1422360"/>
           </a:xfrm>
           <a:prstGeom prst="rect">
             <a:avLst/>
@@ -299,8 +301,8 @@
         </p:nvSpPr>
         <p:spPr>
           <a:xfrm>
-            <a:off x="457200" y="2761920"/>
-            <a:ext cx="4015800" cy="1422720"/>
+            <a:off x="457200" y="2761200"/>
+            <a:ext cx="4015440" cy="1422360"/>
           </a:xfrm>
           <a:prstGeom prst="rect">
             <a:avLst/>
@@ -333,8 +335,8 @@
         </p:nvSpPr>
         <p:spPr>
           <a:xfrm>
-            <a:off x="4674240" y="2761920"/>
-            <a:ext cx="4015800" cy="1422720"/>
+            <a:off x="4673880" y="2761200"/>
+            <a:ext cx="4015440" cy="1422360"/>
           </a:xfrm>
           <a:prstGeom prst="rect">
             <a:avLst/>
@@ -390,7 +392,7 @@
         <p:spPr>
           <a:xfrm>
             <a:off x="457200" y="205200"/>
-            <a:ext cx="8229240" cy="858600"/>
+            <a:ext cx="8228880" cy="858240"/>
           </a:xfrm>
           <a:prstGeom prst="rect">
             <a:avLst/>
@@ -427,7 +429,7 @@
         <p:spPr>
           <a:xfrm>
             <a:off x="457200" y="1203480"/>
-            <a:ext cx="2649600" cy="1422720"/>
+            <a:ext cx="2649600" cy="1422360"/>
           </a:xfrm>
           <a:prstGeom prst="rect">
             <a:avLst/>
@@ -461,7 +463,7 @@
         <p:spPr>
           <a:xfrm>
             <a:off x="3239640" y="1203480"/>
-            <a:ext cx="2649600" cy="1422720"/>
+            <a:ext cx="2649600" cy="1422360"/>
           </a:xfrm>
           <a:prstGeom prst="rect">
             <a:avLst/>
@@ -495,7 +497,7 @@
         <p:spPr>
           <a:xfrm>
             <a:off x="6022080" y="1203480"/>
-            <a:ext cx="2649600" cy="1422720"/>
+            <a:ext cx="2649600" cy="1422360"/>
           </a:xfrm>
           <a:prstGeom prst="rect">
             <a:avLst/>
@@ -528,8 +530,8 @@
         </p:nvSpPr>
         <p:spPr>
           <a:xfrm>
-            <a:off x="457200" y="2761920"/>
-            <a:ext cx="2649600" cy="1422720"/>
+            <a:off x="457200" y="2761200"/>
+            <a:ext cx="2649600" cy="1422360"/>
           </a:xfrm>
           <a:prstGeom prst="rect">
             <a:avLst/>
@@ -562,8 +564,8 @@
         </p:nvSpPr>
         <p:spPr>
           <a:xfrm>
-            <a:off x="3239640" y="2761920"/>
-            <a:ext cx="2649600" cy="1422720"/>
+            <a:off x="3239640" y="2761200"/>
+            <a:ext cx="2649600" cy="1422360"/>
           </a:xfrm>
           <a:prstGeom prst="rect">
             <a:avLst/>
@@ -596,8 +598,8 @@
         </p:nvSpPr>
         <p:spPr>
           <a:xfrm>
-            <a:off x="6022080" y="2761920"/>
-            <a:ext cx="2649600" cy="1422720"/>
+            <a:off x="6022080" y="2761200"/>
+            <a:ext cx="2649600" cy="1422360"/>
           </a:xfrm>
           <a:prstGeom prst="rect">
             <a:avLst/>
@@ -675,7 +677,7 @@
         <p:spPr>
           <a:xfrm>
             <a:off x="457200" y="205200"/>
-            <a:ext cx="8229240" cy="858600"/>
+            <a:ext cx="8228880" cy="858240"/>
           </a:xfrm>
           <a:prstGeom prst="rect">
             <a:avLst/>
@@ -712,7 +714,7 @@
         <p:spPr>
           <a:xfrm>
             <a:off x="457200" y="1203480"/>
-            <a:ext cx="8229240" cy="2982960"/>
+            <a:ext cx="8228880" cy="2982600"/>
           </a:xfrm>
           <a:prstGeom prst="rect">
             <a:avLst/>
@@ -771,7 +773,7 @@
         <p:spPr>
           <a:xfrm>
             <a:off x="457200" y="205200"/>
-            <a:ext cx="8229240" cy="858600"/>
+            <a:ext cx="8228880" cy="858240"/>
           </a:xfrm>
           <a:prstGeom prst="rect">
             <a:avLst/>
@@ -808,7 +810,7 @@
         <p:spPr>
           <a:xfrm>
             <a:off x="457200" y="1203480"/>
-            <a:ext cx="8229240" cy="2982960"/>
+            <a:ext cx="8228880" cy="2982600"/>
           </a:xfrm>
           <a:prstGeom prst="rect">
             <a:avLst/>
@@ -864,7 +866,7 @@
         <p:spPr>
           <a:xfrm>
             <a:off x="457200" y="205200"/>
-            <a:ext cx="8229240" cy="858600"/>
+            <a:ext cx="8228880" cy="858240"/>
           </a:xfrm>
           <a:prstGeom prst="rect">
             <a:avLst/>
@@ -901,7 +903,7 @@
         <p:spPr>
           <a:xfrm>
             <a:off x="457200" y="1203480"/>
-            <a:ext cx="4015800" cy="2982960"/>
+            <a:ext cx="4015440" cy="2982600"/>
           </a:xfrm>
           <a:prstGeom prst="rect">
             <a:avLst/>
@@ -934,8 +936,8 @@
         </p:nvSpPr>
         <p:spPr>
           <a:xfrm>
-            <a:off x="4674240" y="1203480"/>
-            <a:ext cx="4015800" cy="2982960"/>
+            <a:off x="4673880" y="1203480"/>
+            <a:ext cx="4015440" cy="2982600"/>
           </a:xfrm>
           <a:prstGeom prst="rect">
             <a:avLst/>
@@ -991,7 +993,7 @@
         <p:spPr>
           <a:xfrm>
             <a:off x="457200" y="205200"/>
-            <a:ext cx="8229240" cy="858600"/>
+            <a:ext cx="8228880" cy="858240"/>
           </a:xfrm>
           <a:prstGeom prst="rect">
             <a:avLst/>
@@ -1050,7 +1052,7 @@
         <p:spPr>
           <a:xfrm>
             <a:off x="457200" y="205200"/>
-            <a:ext cx="8229240" cy="3981240"/>
+            <a:ext cx="8228880" cy="3979440"/>
           </a:xfrm>
           <a:prstGeom prst="rect">
             <a:avLst/>
@@ -1109,7 +1111,7 @@
         <p:spPr>
           <a:xfrm>
             <a:off x="457200" y="205200"/>
-            <a:ext cx="8229240" cy="858600"/>
+            <a:ext cx="8228880" cy="858240"/>
           </a:xfrm>
           <a:prstGeom prst="rect">
             <a:avLst/>
@@ -1146,7 +1148,7 @@
         <p:spPr>
           <a:xfrm>
             <a:off x="457200" y="1203480"/>
-            <a:ext cx="4015800" cy="1422720"/>
+            <a:ext cx="4015440" cy="1422360"/>
           </a:xfrm>
           <a:prstGeom prst="rect">
             <a:avLst/>
@@ -1179,8 +1181,8 @@
         </p:nvSpPr>
         <p:spPr>
           <a:xfrm>
-            <a:off x="4674240" y="1203480"/>
-            <a:ext cx="4015800" cy="2982960"/>
+            <a:off x="4673880" y="1203480"/>
+            <a:ext cx="4015440" cy="2982600"/>
           </a:xfrm>
           <a:prstGeom prst="rect">
             <a:avLst/>
@@ -1213,8 +1215,8 @@
         </p:nvSpPr>
         <p:spPr>
           <a:xfrm>
-            <a:off x="457200" y="2761920"/>
-            <a:ext cx="4015800" cy="1422720"/>
+            <a:off x="457200" y="2761200"/>
+            <a:ext cx="4015440" cy="1422360"/>
           </a:xfrm>
           <a:prstGeom prst="rect">
             <a:avLst/>
@@ -1270,7 +1272,7 @@
         <p:spPr>
           <a:xfrm>
             <a:off x="457200" y="205200"/>
-            <a:ext cx="8229240" cy="858600"/>
+            <a:ext cx="8228880" cy="858240"/>
           </a:xfrm>
           <a:prstGeom prst="rect">
             <a:avLst/>
@@ -1307,7 +1309,7 @@
         <p:spPr>
           <a:xfrm>
             <a:off x="457200" y="1203480"/>
-            <a:ext cx="8229240" cy="2982960"/>
+            <a:ext cx="8228880" cy="2982600"/>
           </a:xfrm>
           <a:prstGeom prst="rect">
             <a:avLst/>
@@ -1366,7 +1368,7 @@
         <p:spPr>
           <a:xfrm>
             <a:off x="457200" y="205200"/>
-            <a:ext cx="8229240" cy="858600"/>
+            <a:ext cx="8228880" cy="858240"/>
           </a:xfrm>
           <a:prstGeom prst="rect">
             <a:avLst/>
@@ -1403,7 +1405,7 @@
         <p:spPr>
           <a:xfrm>
             <a:off x="457200" y="1203480"/>
-            <a:ext cx="4015800" cy="2982960"/>
+            <a:ext cx="4015440" cy="2982600"/>
           </a:xfrm>
           <a:prstGeom prst="rect">
             <a:avLst/>
@@ -1436,8 +1438,8 @@
         </p:nvSpPr>
         <p:spPr>
           <a:xfrm>
-            <a:off x="4674240" y="1203480"/>
-            <a:ext cx="4015800" cy="1422720"/>
+            <a:off x="4673880" y="1203480"/>
+            <a:ext cx="4015440" cy="1422360"/>
           </a:xfrm>
           <a:prstGeom prst="rect">
             <a:avLst/>
@@ -1470,8 +1472,8 @@
         </p:nvSpPr>
         <p:spPr>
           <a:xfrm>
-            <a:off x="4674240" y="2761920"/>
-            <a:ext cx="4015800" cy="1422720"/>
+            <a:off x="4673880" y="2761200"/>
+            <a:ext cx="4015440" cy="1422360"/>
           </a:xfrm>
           <a:prstGeom prst="rect">
             <a:avLst/>
@@ -1527,7 +1529,7 @@
         <p:spPr>
           <a:xfrm>
             <a:off x="457200" y="205200"/>
-            <a:ext cx="8229240" cy="858600"/>
+            <a:ext cx="8228880" cy="858240"/>
           </a:xfrm>
           <a:prstGeom prst="rect">
             <a:avLst/>
@@ -1564,7 +1566,7 @@
         <p:spPr>
           <a:xfrm>
             <a:off x="457200" y="1203480"/>
-            <a:ext cx="4015800" cy="1422720"/>
+            <a:ext cx="4015440" cy="1422360"/>
           </a:xfrm>
           <a:prstGeom prst="rect">
             <a:avLst/>
@@ -1597,8 +1599,8 @@
         </p:nvSpPr>
         <p:spPr>
           <a:xfrm>
-            <a:off x="4674240" y="1203480"/>
-            <a:ext cx="4015800" cy="1422720"/>
+            <a:off x="4673880" y="1203480"/>
+            <a:ext cx="4015440" cy="1422360"/>
           </a:xfrm>
           <a:prstGeom prst="rect">
             <a:avLst/>
@@ -1631,8 +1633,8 @@
         </p:nvSpPr>
         <p:spPr>
           <a:xfrm>
-            <a:off x="457200" y="2761920"/>
-            <a:ext cx="8229240" cy="1422720"/>
+            <a:off x="457200" y="2761200"/>
+            <a:ext cx="8228880" cy="1422360"/>
           </a:xfrm>
           <a:prstGeom prst="rect">
             <a:avLst/>
@@ -1688,7 +1690,7 @@
         <p:spPr>
           <a:xfrm>
             <a:off x="457200" y="205200"/>
-            <a:ext cx="8229240" cy="858600"/>
+            <a:ext cx="8228880" cy="858240"/>
           </a:xfrm>
           <a:prstGeom prst="rect">
             <a:avLst/>
@@ -1725,7 +1727,7 @@
         <p:spPr>
           <a:xfrm>
             <a:off x="457200" y="1203480"/>
-            <a:ext cx="8229240" cy="1422720"/>
+            <a:ext cx="8228880" cy="1422360"/>
           </a:xfrm>
           <a:prstGeom prst="rect">
             <a:avLst/>
@@ -1758,8 +1760,8 @@
         </p:nvSpPr>
         <p:spPr>
           <a:xfrm>
-            <a:off x="457200" y="2761920"/>
-            <a:ext cx="8229240" cy="1422720"/>
+            <a:off x="457200" y="2761200"/>
+            <a:ext cx="8228880" cy="1422360"/>
           </a:xfrm>
           <a:prstGeom prst="rect">
             <a:avLst/>
@@ -1815,7 +1817,7 @@
         <p:spPr>
           <a:xfrm>
             <a:off x="457200" y="205200"/>
-            <a:ext cx="8229240" cy="858600"/>
+            <a:ext cx="8228880" cy="858240"/>
           </a:xfrm>
           <a:prstGeom prst="rect">
             <a:avLst/>
@@ -1852,7 +1854,7 @@
         <p:spPr>
           <a:xfrm>
             <a:off x="457200" y="1203480"/>
-            <a:ext cx="4015800" cy="1422720"/>
+            <a:ext cx="4015440" cy="1422360"/>
           </a:xfrm>
           <a:prstGeom prst="rect">
             <a:avLst/>
@@ -1885,8 +1887,8 @@
         </p:nvSpPr>
         <p:spPr>
           <a:xfrm>
-            <a:off x="4674240" y="1203480"/>
-            <a:ext cx="4015800" cy="1422720"/>
+            <a:off x="4673880" y="1203480"/>
+            <a:ext cx="4015440" cy="1422360"/>
           </a:xfrm>
           <a:prstGeom prst="rect">
             <a:avLst/>
@@ -1919,8 +1921,8 @@
         </p:nvSpPr>
         <p:spPr>
           <a:xfrm>
-            <a:off x="457200" y="2761920"/>
-            <a:ext cx="4015800" cy="1422720"/>
+            <a:off x="457200" y="2761200"/>
+            <a:ext cx="4015440" cy="1422360"/>
           </a:xfrm>
           <a:prstGeom prst="rect">
             <a:avLst/>
@@ -1953,8 +1955,8 @@
         </p:nvSpPr>
         <p:spPr>
           <a:xfrm>
-            <a:off x="4674240" y="2761920"/>
-            <a:ext cx="4015800" cy="1422720"/>
+            <a:off x="4673880" y="2761200"/>
+            <a:ext cx="4015440" cy="1422360"/>
           </a:xfrm>
           <a:prstGeom prst="rect">
             <a:avLst/>
@@ -2010,7 +2012,7 @@
         <p:spPr>
           <a:xfrm>
             <a:off x="457200" y="205200"/>
-            <a:ext cx="8229240" cy="858600"/>
+            <a:ext cx="8228880" cy="858240"/>
           </a:xfrm>
           <a:prstGeom prst="rect">
             <a:avLst/>
@@ -2047,7 +2049,7 @@
         <p:spPr>
           <a:xfrm>
             <a:off x="457200" y="1203480"/>
-            <a:ext cx="2649600" cy="1422720"/>
+            <a:ext cx="2649600" cy="1422360"/>
           </a:xfrm>
           <a:prstGeom prst="rect">
             <a:avLst/>
@@ -2081,7 +2083,7 @@
         <p:spPr>
           <a:xfrm>
             <a:off x="3239640" y="1203480"/>
-            <a:ext cx="2649600" cy="1422720"/>
+            <a:ext cx="2649600" cy="1422360"/>
           </a:xfrm>
           <a:prstGeom prst="rect">
             <a:avLst/>
@@ -2115,7 +2117,7 @@
         <p:spPr>
           <a:xfrm>
             <a:off x="6022080" y="1203480"/>
-            <a:ext cx="2649600" cy="1422720"/>
+            <a:ext cx="2649600" cy="1422360"/>
           </a:xfrm>
           <a:prstGeom prst="rect">
             <a:avLst/>
@@ -2148,8 +2150,8 @@
         </p:nvSpPr>
         <p:spPr>
           <a:xfrm>
-            <a:off x="457200" y="2761920"/>
-            <a:ext cx="2649600" cy="1422720"/>
+            <a:off x="457200" y="2761200"/>
+            <a:ext cx="2649600" cy="1422360"/>
           </a:xfrm>
           <a:prstGeom prst="rect">
             <a:avLst/>
@@ -2182,8 +2184,8 @@
         </p:nvSpPr>
         <p:spPr>
           <a:xfrm>
-            <a:off x="3239640" y="2761920"/>
-            <a:ext cx="2649600" cy="1422720"/>
+            <a:off x="3239640" y="2761200"/>
+            <a:ext cx="2649600" cy="1422360"/>
           </a:xfrm>
           <a:prstGeom prst="rect">
             <a:avLst/>
@@ -2216,8 +2218,8 @@
         </p:nvSpPr>
         <p:spPr>
           <a:xfrm>
-            <a:off x="6022080" y="2761920"/>
-            <a:ext cx="2649600" cy="1422720"/>
+            <a:off x="6022080" y="2761200"/>
+            <a:ext cx="2649600" cy="1422360"/>
           </a:xfrm>
           <a:prstGeom prst="rect">
             <a:avLst/>
@@ -2295,7 +2297,7 @@
         <p:spPr>
           <a:xfrm>
             <a:off x="457200" y="205200"/>
-            <a:ext cx="8229240" cy="858600"/>
+            <a:ext cx="8228880" cy="858240"/>
           </a:xfrm>
           <a:prstGeom prst="rect">
             <a:avLst/>
@@ -2332,7 +2334,7 @@
         <p:spPr>
           <a:xfrm>
             <a:off x="457200" y="1203480"/>
-            <a:ext cx="8229240" cy="2982960"/>
+            <a:ext cx="8228880" cy="2982600"/>
           </a:xfrm>
           <a:prstGeom prst="rect">
             <a:avLst/>
@@ -2391,7 +2393,7 @@
         <p:spPr>
           <a:xfrm>
             <a:off x="457200" y="205200"/>
-            <a:ext cx="8229240" cy="858600"/>
+            <a:ext cx="8228880" cy="858240"/>
           </a:xfrm>
           <a:prstGeom prst="rect">
             <a:avLst/>
@@ -2428,7 +2430,7 @@
         <p:spPr>
           <a:xfrm>
             <a:off x="457200" y="1203480"/>
-            <a:ext cx="8229240" cy="2982960"/>
+            <a:ext cx="8228880" cy="2982600"/>
           </a:xfrm>
           <a:prstGeom prst="rect">
             <a:avLst/>
@@ -2484,7 +2486,7 @@
         <p:spPr>
           <a:xfrm>
             <a:off x="457200" y="205200"/>
-            <a:ext cx="8229240" cy="858600"/>
+            <a:ext cx="8228880" cy="858240"/>
           </a:xfrm>
           <a:prstGeom prst="rect">
             <a:avLst/>
@@ -2521,7 +2523,7 @@
         <p:spPr>
           <a:xfrm>
             <a:off x="457200" y="1203480"/>
-            <a:ext cx="4015800" cy="2982960"/>
+            <a:ext cx="4015440" cy="2982600"/>
           </a:xfrm>
           <a:prstGeom prst="rect">
             <a:avLst/>
@@ -2554,8 +2556,8 @@
         </p:nvSpPr>
         <p:spPr>
           <a:xfrm>
-            <a:off x="4674240" y="1203480"/>
-            <a:ext cx="4015800" cy="2982960"/>
+            <a:off x="4673880" y="1203480"/>
+            <a:ext cx="4015440" cy="2982600"/>
           </a:xfrm>
           <a:prstGeom prst="rect">
             <a:avLst/>
@@ -2611,7 +2613,7 @@
         <p:spPr>
           <a:xfrm>
             <a:off x="457200" y="205200"/>
-            <a:ext cx="8229240" cy="858600"/>
+            <a:ext cx="8228880" cy="858240"/>
           </a:xfrm>
           <a:prstGeom prst="rect">
             <a:avLst/>
@@ -2670,7 +2672,7 @@
         <p:spPr>
           <a:xfrm>
             <a:off x="457200" y="205200"/>
-            <a:ext cx="8229240" cy="858600"/>
+            <a:ext cx="8228880" cy="858240"/>
           </a:xfrm>
           <a:prstGeom prst="rect">
             <a:avLst/>
@@ -2707,7 +2709,7 @@
         <p:spPr>
           <a:xfrm>
             <a:off x="457200" y="1203480"/>
-            <a:ext cx="8229240" cy="2982960"/>
+            <a:ext cx="8228880" cy="2982600"/>
           </a:xfrm>
           <a:prstGeom prst="rect">
             <a:avLst/>
@@ -2763,7 +2765,7 @@
         <p:spPr>
           <a:xfrm>
             <a:off x="457200" y="205200"/>
-            <a:ext cx="8229240" cy="3981240"/>
+            <a:ext cx="8228880" cy="3979440"/>
           </a:xfrm>
           <a:prstGeom prst="rect">
             <a:avLst/>
@@ -2822,7 +2824,7 @@
         <p:spPr>
           <a:xfrm>
             <a:off x="457200" y="205200"/>
-            <a:ext cx="8229240" cy="858600"/>
+            <a:ext cx="8228880" cy="858240"/>
           </a:xfrm>
           <a:prstGeom prst="rect">
             <a:avLst/>
@@ -2859,7 +2861,7 @@
         <p:spPr>
           <a:xfrm>
             <a:off x="457200" y="1203480"/>
-            <a:ext cx="4015800" cy="1422720"/>
+            <a:ext cx="4015440" cy="1422360"/>
           </a:xfrm>
           <a:prstGeom prst="rect">
             <a:avLst/>
@@ -2892,8 +2894,8 @@
         </p:nvSpPr>
         <p:spPr>
           <a:xfrm>
-            <a:off x="4674240" y="1203480"/>
-            <a:ext cx="4015800" cy="2982960"/>
+            <a:off x="4673880" y="1203480"/>
+            <a:ext cx="4015440" cy="2982600"/>
           </a:xfrm>
           <a:prstGeom prst="rect">
             <a:avLst/>
@@ -2926,8 +2928,8 @@
         </p:nvSpPr>
         <p:spPr>
           <a:xfrm>
-            <a:off x="457200" y="2761920"/>
-            <a:ext cx="4015800" cy="1422720"/>
+            <a:off x="457200" y="2761200"/>
+            <a:ext cx="4015440" cy="1422360"/>
           </a:xfrm>
           <a:prstGeom prst="rect">
             <a:avLst/>
@@ -2983,7 +2985,7 @@
         <p:spPr>
           <a:xfrm>
             <a:off x="457200" y="205200"/>
-            <a:ext cx="8229240" cy="858600"/>
+            <a:ext cx="8228880" cy="858240"/>
           </a:xfrm>
           <a:prstGeom prst="rect">
             <a:avLst/>
@@ -3020,7 +3022,7 @@
         <p:spPr>
           <a:xfrm>
             <a:off x="457200" y="1203480"/>
-            <a:ext cx="4015800" cy="2982960"/>
+            <a:ext cx="4015440" cy="2982600"/>
           </a:xfrm>
           <a:prstGeom prst="rect">
             <a:avLst/>
@@ -3053,8 +3055,8 @@
         </p:nvSpPr>
         <p:spPr>
           <a:xfrm>
-            <a:off x="4674240" y="1203480"/>
-            <a:ext cx="4015800" cy="1422720"/>
+            <a:off x="4673880" y="1203480"/>
+            <a:ext cx="4015440" cy="1422360"/>
           </a:xfrm>
           <a:prstGeom prst="rect">
             <a:avLst/>
@@ -3087,8 +3089,8 @@
         </p:nvSpPr>
         <p:spPr>
           <a:xfrm>
-            <a:off x="4674240" y="2761920"/>
-            <a:ext cx="4015800" cy="1422720"/>
+            <a:off x="4673880" y="2761200"/>
+            <a:ext cx="4015440" cy="1422360"/>
           </a:xfrm>
           <a:prstGeom prst="rect">
             <a:avLst/>
@@ -3144,7 +3146,7 @@
         <p:spPr>
           <a:xfrm>
             <a:off x="457200" y="205200"/>
-            <a:ext cx="8229240" cy="858600"/>
+            <a:ext cx="8228880" cy="858240"/>
           </a:xfrm>
           <a:prstGeom prst="rect">
             <a:avLst/>
@@ -3181,7 +3183,7 @@
         <p:spPr>
           <a:xfrm>
             <a:off x="457200" y="1203480"/>
-            <a:ext cx="4015800" cy="1422720"/>
+            <a:ext cx="4015440" cy="1422360"/>
           </a:xfrm>
           <a:prstGeom prst="rect">
             <a:avLst/>
@@ -3214,8 +3216,8 @@
         </p:nvSpPr>
         <p:spPr>
           <a:xfrm>
-            <a:off x="4674240" y="1203480"/>
-            <a:ext cx="4015800" cy="1422720"/>
+            <a:off x="4673880" y="1203480"/>
+            <a:ext cx="4015440" cy="1422360"/>
           </a:xfrm>
           <a:prstGeom prst="rect">
             <a:avLst/>
@@ -3248,8 +3250,8 @@
         </p:nvSpPr>
         <p:spPr>
           <a:xfrm>
-            <a:off x="457200" y="2761920"/>
-            <a:ext cx="8229240" cy="1422720"/>
+            <a:off x="457200" y="2761200"/>
+            <a:ext cx="8228880" cy="1422360"/>
           </a:xfrm>
           <a:prstGeom prst="rect">
             <a:avLst/>
@@ -3305,7 +3307,7 @@
         <p:spPr>
           <a:xfrm>
             <a:off x="457200" y="205200"/>
-            <a:ext cx="8229240" cy="858600"/>
+            <a:ext cx="8228880" cy="858240"/>
           </a:xfrm>
           <a:prstGeom prst="rect">
             <a:avLst/>
@@ -3342,7 +3344,7 @@
         <p:spPr>
           <a:xfrm>
             <a:off x="457200" y="1203480"/>
-            <a:ext cx="8229240" cy="1422720"/>
+            <a:ext cx="8228880" cy="1422360"/>
           </a:xfrm>
           <a:prstGeom prst="rect">
             <a:avLst/>
@@ -3375,8 +3377,8 @@
         </p:nvSpPr>
         <p:spPr>
           <a:xfrm>
-            <a:off x="457200" y="2761920"/>
-            <a:ext cx="8229240" cy="1422720"/>
+            <a:off x="457200" y="2761200"/>
+            <a:ext cx="8228880" cy="1422360"/>
           </a:xfrm>
           <a:prstGeom prst="rect">
             <a:avLst/>
@@ -3432,7 +3434,7 @@
         <p:spPr>
           <a:xfrm>
             <a:off x="457200" y="205200"/>
-            <a:ext cx="8229240" cy="858600"/>
+            <a:ext cx="8228880" cy="858240"/>
           </a:xfrm>
           <a:prstGeom prst="rect">
             <a:avLst/>
@@ -3469,7 +3471,7 @@
         <p:spPr>
           <a:xfrm>
             <a:off x="457200" y="1203480"/>
-            <a:ext cx="4015800" cy="1422720"/>
+            <a:ext cx="4015440" cy="1422360"/>
           </a:xfrm>
           <a:prstGeom prst="rect">
             <a:avLst/>
@@ -3502,8 +3504,8 @@
         </p:nvSpPr>
         <p:spPr>
           <a:xfrm>
-            <a:off x="4674240" y="1203480"/>
-            <a:ext cx="4015800" cy="1422720"/>
+            <a:off x="4673880" y="1203480"/>
+            <a:ext cx="4015440" cy="1422360"/>
           </a:xfrm>
           <a:prstGeom prst="rect">
             <a:avLst/>
@@ -3536,8 +3538,8 @@
         </p:nvSpPr>
         <p:spPr>
           <a:xfrm>
-            <a:off x="457200" y="2761920"/>
-            <a:ext cx="4015800" cy="1422720"/>
+            <a:off x="457200" y="2761200"/>
+            <a:ext cx="4015440" cy="1422360"/>
           </a:xfrm>
           <a:prstGeom prst="rect">
             <a:avLst/>
@@ -3570,8 +3572,8 @@
         </p:nvSpPr>
         <p:spPr>
           <a:xfrm>
-            <a:off x="4674240" y="2761920"/>
-            <a:ext cx="4015800" cy="1422720"/>
+            <a:off x="4673880" y="2761200"/>
+            <a:ext cx="4015440" cy="1422360"/>
           </a:xfrm>
           <a:prstGeom prst="rect">
             <a:avLst/>
@@ -3627,7 +3629,7 @@
         <p:spPr>
           <a:xfrm>
             <a:off x="457200" y="205200"/>
-            <a:ext cx="8229240" cy="858600"/>
+            <a:ext cx="8228880" cy="858240"/>
           </a:xfrm>
           <a:prstGeom prst="rect">
             <a:avLst/>
@@ -3664,7 +3666,7 @@
         <p:spPr>
           <a:xfrm>
             <a:off x="457200" y="1203480"/>
-            <a:ext cx="2649600" cy="1422720"/>
+            <a:ext cx="2649600" cy="1422360"/>
           </a:xfrm>
           <a:prstGeom prst="rect">
             <a:avLst/>
@@ -3698,7 +3700,7 @@
         <p:spPr>
           <a:xfrm>
             <a:off x="3239640" y="1203480"/>
-            <a:ext cx="2649600" cy="1422720"/>
+            <a:ext cx="2649600" cy="1422360"/>
           </a:xfrm>
           <a:prstGeom prst="rect">
             <a:avLst/>
@@ -3732,7 +3734,7 @@
         <p:spPr>
           <a:xfrm>
             <a:off x="6022080" y="1203480"/>
-            <a:ext cx="2649600" cy="1422720"/>
+            <a:ext cx="2649600" cy="1422360"/>
           </a:xfrm>
           <a:prstGeom prst="rect">
             <a:avLst/>
@@ -3765,8 +3767,8 @@
         </p:nvSpPr>
         <p:spPr>
           <a:xfrm>
-            <a:off x="457200" y="2761920"/>
-            <a:ext cx="2649600" cy="1422720"/>
+            <a:off x="457200" y="2761200"/>
+            <a:ext cx="2649600" cy="1422360"/>
           </a:xfrm>
           <a:prstGeom prst="rect">
             <a:avLst/>
@@ -3799,8 +3801,8 @@
         </p:nvSpPr>
         <p:spPr>
           <a:xfrm>
-            <a:off x="3239640" y="2761920"/>
-            <a:ext cx="2649600" cy="1422720"/>
+            <a:off x="3239640" y="2761200"/>
+            <a:ext cx="2649600" cy="1422360"/>
           </a:xfrm>
           <a:prstGeom prst="rect">
             <a:avLst/>
@@ -3833,8 +3835,219 @@
         </p:nvSpPr>
         <p:spPr>
           <a:xfrm>
-            <a:off x="6022080" y="2761920"/>
-            <a:ext cx="2649600" cy="1422720"/>
+            <a:off x="6022080" y="2761200"/>
+            <a:ext cx="2649600" cy="1422360"/>
+          </a:xfrm>
+          <a:prstGeom prst="rect">
+            <a:avLst/>
+          </a:prstGeom>
+          <a:noFill/>
+          <a:ln w="0">
+            <a:noFill/>
+          </a:ln>
+        </p:spPr>
+        <p:txBody>
+          <a:bodyPr lIns="0" rIns="0" tIns="0" bIns="0" anchor="t">
+            <a:normAutofit/>
+          </a:bodyPr>
+          <a:p>
+            <a:endParaRPr b="0" lang="en-US" sz="3200" spc="-1" strike="noStrike">
+              <a:latin typeface="Arial"/>
+            </a:endParaRPr>
+          </a:p>
+        </p:txBody>
+      </p:sp>
+    </p:spTree>
+  </p:cSld>
+</p:sldLayout>
+</file>
+
+<file path=ppt/slideLayouts/slideLayout37.xml><?xml version="1.0" encoding="utf-8"?>
+<p:sldLayout xmlns:a="http://schemas.openxmlformats.org/drawingml/2006/main" xmlns:p="http://schemas.openxmlformats.org/presentationml/2006/main" xmlns:r="http://schemas.openxmlformats.org/officeDocument/2006/relationships" xmlns:p14="http://schemas.microsoft.com/office/powerpoint/2010/main" xmlns:p15="http://schemas.microsoft.com/office/powerpoint/2012/main" xmlns:mc="http://schemas.openxmlformats.org/markup-compatibility/2006" type="blank" preserve="1">
+  <p:cSld name="Blank Slide">
+    <p:spTree>
+      <p:nvGrpSpPr>
+        <p:cNvPr id="1" name=""/>
+        <p:cNvGrpSpPr/>
+        <p:nvPr/>
+      </p:nvGrpSpPr>
+      <p:grpSpPr>
+        <a:xfrm>
+          <a:off x="0" y="0"/>
+          <a:ext cx="0" cy="0"/>
+          <a:chOff x="0" y="0"/>
+          <a:chExt cx="0" cy="0"/>
+        </a:xfrm>
+      </p:grpSpPr>
+    </p:spTree>
+  </p:cSld>
+</p:sldLayout>
+</file>
+
+<file path=ppt/slideLayouts/slideLayout38.xml><?xml version="1.0" encoding="utf-8"?>
+<p:sldLayout xmlns:a="http://schemas.openxmlformats.org/drawingml/2006/main" xmlns:p="http://schemas.openxmlformats.org/presentationml/2006/main" xmlns:r="http://schemas.openxmlformats.org/officeDocument/2006/relationships" xmlns:p14="http://schemas.microsoft.com/office/powerpoint/2010/main" xmlns:p15="http://schemas.microsoft.com/office/powerpoint/2012/main" xmlns:mc="http://schemas.openxmlformats.org/markup-compatibility/2006" type="tx" preserve="1">
+  <p:cSld name="Title Slide">
+    <p:spTree>
+      <p:nvGrpSpPr>
+        <p:cNvPr id="1" name=""/>
+        <p:cNvGrpSpPr/>
+        <p:nvPr/>
+      </p:nvGrpSpPr>
+      <p:grpSpPr>
+        <a:xfrm>
+          <a:off x="0" y="0"/>
+          <a:ext cx="0" cy="0"/>
+          <a:chOff x="0" y="0"/>
+          <a:chExt cx="0" cy="0"/>
+        </a:xfrm>
+      </p:grpSpPr>
+      <p:sp>
+        <p:nvSpPr>
+          <p:cNvPr id="124" name="PlaceHolder 1"/>
+          <p:cNvSpPr>
+            <a:spLocks noGrp="1"/>
+          </p:cNvSpPr>
+          <p:nvPr>
+            <p:ph type="title"/>
+          </p:nvPr>
+        </p:nvSpPr>
+        <p:spPr>
+          <a:xfrm>
+            <a:off x="457200" y="205200"/>
+            <a:ext cx="8228880" cy="858240"/>
+          </a:xfrm>
+          <a:prstGeom prst="rect">
+            <a:avLst/>
+          </a:prstGeom>
+          <a:noFill/>
+          <a:ln w="0">
+            <a:noFill/>
+          </a:ln>
+        </p:spPr>
+        <p:txBody>
+          <a:bodyPr lIns="0" rIns="0" tIns="0" bIns="0" anchor="ctr">
+            <a:noAutofit/>
+          </a:bodyPr>
+          <a:p>
+            <a:pPr algn="ctr">
+              <a:buNone/>
+            </a:pPr>
+            <a:endParaRPr b="0" lang="en-US" sz="4400" spc="-1" strike="noStrike">
+              <a:latin typeface="Arial"/>
+            </a:endParaRPr>
+          </a:p>
+        </p:txBody>
+      </p:sp>
+      <p:sp>
+        <p:nvSpPr>
+          <p:cNvPr id="125" name="PlaceHolder 2"/>
+          <p:cNvSpPr>
+            <a:spLocks noGrp="1"/>
+          </p:cNvSpPr>
+          <p:nvPr>
+            <p:ph type="subTitle"/>
+          </p:nvPr>
+        </p:nvSpPr>
+        <p:spPr>
+          <a:xfrm>
+            <a:off x="457200" y="1203480"/>
+            <a:ext cx="8228880" cy="2982600"/>
+          </a:xfrm>
+          <a:prstGeom prst="rect">
+            <a:avLst/>
+          </a:prstGeom>
+          <a:noFill/>
+          <a:ln w="0">
+            <a:noFill/>
+          </a:ln>
+        </p:spPr>
+        <p:txBody>
+          <a:bodyPr lIns="0" rIns="0" tIns="0" bIns="0" anchor="ctr">
+            <a:noAutofit/>
+          </a:bodyPr>
+          <a:p>
+            <a:pPr algn="ctr">
+              <a:buNone/>
+            </a:pPr>
+            <a:endParaRPr b="0" lang="en-US" sz="3200" spc="-1" strike="noStrike">
+              <a:latin typeface="Arial"/>
+            </a:endParaRPr>
+          </a:p>
+        </p:txBody>
+      </p:sp>
+    </p:spTree>
+  </p:cSld>
+</p:sldLayout>
+</file>
+
+<file path=ppt/slideLayouts/slideLayout39.xml><?xml version="1.0" encoding="utf-8"?>
+<p:sldLayout xmlns:a="http://schemas.openxmlformats.org/drawingml/2006/main" xmlns:p="http://schemas.openxmlformats.org/presentationml/2006/main" xmlns:r="http://schemas.openxmlformats.org/officeDocument/2006/relationships" xmlns:p14="http://schemas.microsoft.com/office/powerpoint/2010/main" xmlns:p15="http://schemas.microsoft.com/office/powerpoint/2012/main" xmlns:mc="http://schemas.openxmlformats.org/markup-compatibility/2006" type="obj" preserve="1">
+  <p:cSld name="Title, Content">
+    <p:spTree>
+      <p:nvGrpSpPr>
+        <p:cNvPr id="1" name=""/>
+        <p:cNvGrpSpPr/>
+        <p:nvPr/>
+      </p:nvGrpSpPr>
+      <p:grpSpPr>
+        <a:xfrm>
+          <a:off x="0" y="0"/>
+          <a:ext cx="0" cy="0"/>
+          <a:chOff x="0" y="0"/>
+          <a:chExt cx="0" cy="0"/>
+        </a:xfrm>
+      </p:grpSpPr>
+      <p:sp>
+        <p:nvSpPr>
+          <p:cNvPr id="126" name="PlaceHolder 1"/>
+          <p:cNvSpPr>
+            <a:spLocks noGrp="1"/>
+          </p:cNvSpPr>
+          <p:nvPr>
+            <p:ph type="title"/>
+          </p:nvPr>
+        </p:nvSpPr>
+        <p:spPr>
+          <a:xfrm>
+            <a:off x="457200" y="205200"/>
+            <a:ext cx="8228880" cy="858240"/>
+          </a:xfrm>
+          <a:prstGeom prst="rect">
+            <a:avLst/>
+          </a:prstGeom>
+          <a:noFill/>
+          <a:ln w="0">
+            <a:noFill/>
+          </a:ln>
+        </p:spPr>
+        <p:txBody>
+          <a:bodyPr lIns="0" rIns="0" tIns="0" bIns="0" anchor="ctr">
+            <a:noAutofit/>
+          </a:bodyPr>
+          <a:p>
+            <a:pPr algn="ctr">
+              <a:buNone/>
+            </a:pPr>
+            <a:endParaRPr b="0" lang="en-US" sz="4400" spc="-1" strike="noStrike">
+              <a:latin typeface="Arial"/>
+            </a:endParaRPr>
+          </a:p>
+        </p:txBody>
+      </p:sp>
+      <p:sp>
+        <p:nvSpPr>
+          <p:cNvPr id="127" name="PlaceHolder 2"/>
+          <p:cNvSpPr>
+            <a:spLocks noGrp="1"/>
+          </p:cNvSpPr>
+          <p:nvPr>
+            <p:ph/>
+          </p:nvPr>
+        </p:nvSpPr>
+        <p:spPr>
+          <a:xfrm>
+            <a:off x="457200" y="1203480"/>
+            <a:ext cx="8228880" cy="2982600"/>
           </a:xfrm>
           <a:prstGeom prst="rect">
             <a:avLst/>
@@ -3890,7 +4103,7 @@
         <p:spPr>
           <a:xfrm>
             <a:off x="457200" y="205200"/>
-            <a:ext cx="8229240" cy="858600"/>
+            <a:ext cx="8228880" cy="858240"/>
           </a:xfrm>
           <a:prstGeom prst="rect">
             <a:avLst/>
@@ -3927,7 +4140,7 @@
         <p:spPr>
           <a:xfrm>
             <a:off x="457200" y="1203480"/>
-            <a:ext cx="4015800" cy="2982960"/>
+            <a:ext cx="4015440" cy="2982600"/>
           </a:xfrm>
           <a:prstGeom prst="rect">
             <a:avLst/>
@@ -3960,8 +4173,1321 @@
         </p:nvSpPr>
         <p:spPr>
           <a:xfrm>
-            <a:off x="4674240" y="1203480"/>
-            <a:ext cx="4015800" cy="2982960"/>
+            <a:off x="4673880" y="1203480"/>
+            <a:ext cx="4015440" cy="2982600"/>
+          </a:xfrm>
+          <a:prstGeom prst="rect">
+            <a:avLst/>
+          </a:prstGeom>
+          <a:noFill/>
+          <a:ln w="0">
+            <a:noFill/>
+          </a:ln>
+        </p:spPr>
+        <p:txBody>
+          <a:bodyPr lIns="0" rIns="0" tIns="0" bIns="0" anchor="t">
+            <a:normAutofit/>
+          </a:bodyPr>
+          <a:p>
+            <a:endParaRPr b="0" lang="en-US" sz="3200" spc="-1" strike="noStrike">
+              <a:latin typeface="Arial"/>
+            </a:endParaRPr>
+          </a:p>
+        </p:txBody>
+      </p:sp>
+    </p:spTree>
+  </p:cSld>
+</p:sldLayout>
+</file>
+
+<file path=ppt/slideLayouts/slideLayout40.xml><?xml version="1.0" encoding="utf-8"?>
+<p:sldLayout xmlns:a="http://schemas.openxmlformats.org/drawingml/2006/main" xmlns:p="http://schemas.openxmlformats.org/presentationml/2006/main" xmlns:r="http://schemas.openxmlformats.org/officeDocument/2006/relationships" xmlns:p14="http://schemas.microsoft.com/office/powerpoint/2010/main" xmlns:p15="http://schemas.microsoft.com/office/powerpoint/2012/main" xmlns:mc="http://schemas.openxmlformats.org/markup-compatibility/2006" type="twoObj" preserve="1">
+  <p:cSld name="Title, 2 Content">
+    <p:spTree>
+      <p:nvGrpSpPr>
+        <p:cNvPr id="1" name=""/>
+        <p:cNvGrpSpPr/>
+        <p:nvPr/>
+      </p:nvGrpSpPr>
+      <p:grpSpPr>
+        <a:xfrm>
+          <a:off x="0" y="0"/>
+          <a:ext cx="0" cy="0"/>
+          <a:chOff x="0" y="0"/>
+          <a:chExt cx="0" cy="0"/>
+        </a:xfrm>
+      </p:grpSpPr>
+      <p:sp>
+        <p:nvSpPr>
+          <p:cNvPr id="128" name="PlaceHolder 1"/>
+          <p:cNvSpPr>
+            <a:spLocks noGrp="1"/>
+          </p:cNvSpPr>
+          <p:nvPr>
+            <p:ph type="title"/>
+          </p:nvPr>
+        </p:nvSpPr>
+        <p:spPr>
+          <a:xfrm>
+            <a:off x="457200" y="205200"/>
+            <a:ext cx="8228880" cy="858240"/>
+          </a:xfrm>
+          <a:prstGeom prst="rect">
+            <a:avLst/>
+          </a:prstGeom>
+          <a:noFill/>
+          <a:ln w="0">
+            <a:noFill/>
+          </a:ln>
+        </p:spPr>
+        <p:txBody>
+          <a:bodyPr lIns="0" rIns="0" tIns="0" bIns="0" anchor="ctr">
+            <a:noAutofit/>
+          </a:bodyPr>
+          <a:p>
+            <a:pPr algn="ctr">
+              <a:buNone/>
+            </a:pPr>
+            <a:endParaRPr b="0" lang="en-US" sz="4400" spc="-1" strike="noStrike">
+              <a:latin typeface="Arial"/>
+            </a:endParaRPr>
+          </a:p>
+        </p:txBody>
+      </p:sp>
+      <p:sp>
+        <p:nvSpPr>
+          <p:cNvPr id="129" name="PlaceHolder 2"/>
+          <p:cNvSpPr>
+            <a:spLocks noGrp="1"/>
+          </p:cNvSpPr>
+          <p:nvPr>
+            <p:ph/>
+          </p:nvPr>
+        </p:nvSpPr>
+        <p:spPr>
+          <a:xfrm>
+            <a:off x="457200" y="1203480"/>
+            <a:ext cx="4015440" cy="2982600"/>
+          </a:xfrm>
+          <a:prstGeom prst="rect">
+            <a:avLst/>
+          </a:prstGeom>
+          <a:noFill/>
+          <a:ln w="0">
+            <a:noFill/>
+          </a:ln>
+        </p:spPr>
+        <p:txBody>
+          <a:bodyPr lIns="0" rIns="0" tIns="0" bIns="0" anchor="t">
+            <a:normAutofit/>
+          </a:bodyPr>
+          <a:p>
+            <a:endParaRPr b="0" lang="en-US" sz="3200" spc="-1" strike="noStrike">
+              <a:latin typeface="Arial"/>
+            </a:endParaRPr>
+          </a:p>
+        </p:txBody>
+      </p:sp>
+      <p:sp>
+        <p:nvSpPr>
+          <p:cNvPr id="130" name="PlaceHolder 3"/>
+          <p:cNvSpPr>
+            <a:spLocks noGrp="1"/>
+          </p:cNvSpPr>
+          <p:nvPr>
+            <p:ph/>
+          </p:nvPr>
+        </p:nvSpPr>
+        <p:spPr>
+          <a:xfrm>
+            <a:off x="4673880" y="1203480"/>
+            <a:ext cx="4015440" cy="2982600"/>
+          </a:xfrm>
+          <a:prstGeom prst="rect">
+            <a:avLst/>
+          </a:prstGeom>
+          <a:noFill/>
+          <a:ln w="0">
+            <a:noFill/>
+          </a:ln>
+        </p:spPr>
+        <p:txBody>
+          <a:bodyPr lIns="0" rIns="0" tIns="0" bIns="0" anchor="t">
+            <a:normAutofit/>
+          </a:bodyPr>
+          <a:p>
+            <a:endParaRPr b="0" lang="en-US" sz="3200" spc="-1" strike="noStrike">
+              <a:latin typeface="Arial"/>
+            </a:endParaRPr>
+          </a:p>
+        </p:txBody>
+      </p:sp>
+    </p:spTree>
+  </p:cSld>
+</p:sldLayout>
+</file>
+
+<file path=ppt/slideLayouts/slideLayout41.xml><?xml version="1.0" encoding="utf-8"?>
+<p:sldLayout xmlns:a="http://schemas.openxmlformats.org/drawingml/2006/main" xmlns:p="http://schemas.openxmlformats.org/presentationml/2006/main" xmlns:r="http://schemas.openxmlformats.org/officeDocument/2006/relationships" xmlns:p14="http://schemas.microsoft.com/office/powerpoint/2010/main" xmlns:p15="http://schemas.microsoft.com/office/powerpoint/2012/main" xmlns:mc="http://schemas.openxmlformats.org/markup-compatibility/2006" type="titleOnly" preserve="1">
+  <p:cSld name="Title Only">
+    <p:spTree>
+      <p:nvGrpSpPr>
+        <p:cNvPr id="1" name=""/>
+        <p:cNvGrpSpPr/>
+        <p:nvPr/>
+      </p:nvGrpSpPr>
+      <p:grpSpPr>
+        <a:xfrm>
+          <a:off x="0" y="0"/>
+          <a:ext cx="0" cy="0"/>
+          <a:chOff x="0" y="0"/>
+          <a:chExt cx="0" cy="0"/>
+        </a:xfrm>
+      </p:grpSpPr>
+      <p:sp>
+        <p:nvSpPr>
+          <p:cNvPr id="131" name="PlaceHolder 1"/>
+          <p:cNvSpPr>
+            <a:spLocks noGrp="1"/>
+          </p:cNvSpPr>
+          <p:nvPr>
+            <p:ph type="title"/>
+          </p:nvPr>
+        </p:nvSpPr>
+        <p:spPr>
+          <a:xfrm>
+            <a:off x="457200" y="205200"/>
+            <a:ext cx="8228880" cy="858240"/>
+          </a:xfrm>
+          <a:prstGeom prst="rect">
+            <a:avLst/>
+          </a:prstGeom>
+          <a:noFill/>
+          <a:ln w="0">
+            <a:noFill/>
+          </a:ln>
+        </p:spPr>
+        <p:txBody>
+          <a:bodyPr lIns="0" rIns="0" tIns="0" bIns="0" anchor="ctr">
+            <a:noAutofit/>
+          </a:bodyPr>
+          <a:p>
+            <a:pPr algn="ctr">
+              <a:buNone/>
+            </a:pPr>
+            <a:endParaRPr b="0" lang="en-US" sz="4400" spc="-1" strike="noStrike">
+              <a:latin typeface="Arial"/>
+            </a:endParaRPr>
+          </a:p>
+        </p:txBody>
+      </p:sp>
+    </p:spTree>
+  </p:cSld>
+</p:sldLayout>
+</file>
+
+<file path=ppt/slideLayouts/slideLayout42.xml><?xml version="1.0" encoding="utf-8"?>
+<p:sldLayout xmlns:a="http://schemas.openxmlformats.org/drawingml/2006/main" xmlns:p="http://schemas.openxmlformats.org/presentationml/2006/main" xmlns:r="http://schemas.openxmlformats.org/officeDocument/2006/relationships" xmlns:p14="http://schemas.microsoft.com/office/powerpoint/2010/main" xmlns:p15="http://schemas.microsoft.com/office/powerpoint/2012/main" xmlns:mc="http://schemas.openxmlformats.org/markup-compatibility/2006" type="objOnly" preserve="1">
+  <p:cSld name="Centered Text">
+    <p:spTree>
+      <p:nvGrpSpPr>
+        <p:cNvPr id="1" name=""/>
+        <p:cNvGrpSpPr/>
+        <p:nvPr/>
+      </p:nvGrpSpPr>
+      <p:grpSpPr>
+        <a:xfrm>
+          <a:off x="0" y="0"/>
+          <a:ext cx="0" cy="0"/>
+          <a:chOff x="0" y="0"/>
+          <a:chExt cx="0" cy="0"/>
+        </a:xfrm>
+      </p:grpSpPr>
+      <p:sp>
+        <p:nvSpPr>
+          <p:cNvPr id="132" name="PlaceHolder 1"/>
+          <p:cNvSpPr>
+            <a:spLocks noGrp="1"/>
+          </p:cNvSpPr>
+          <p:nvPr>
+            <p:ph type="subTitle"/>
+          </p:nvPr>
+        </p:nvSpPr>
+        <p:spPr>
+          <a:xfrm>
+            <a:off x="457200" y="205200"/>
+            <a:ext cx="8228880" cy="3979440"/>
+          </a:xfrm>
+          <a:prstGeom prst="rect">
+            <a:avLst/>
+          </a:prstGeom>
+          <a:noFill/>
+          <a:ln w="0">
+            <a:noFill/>
+          </a:ln>
+        </p:spPr>
+        <p:txBody>
+          <a:bodyPr lIns="0" rIns="0" tIns="0" bIns="0" anchor="ctr">
+            <a:noAutofit/>
+          </a:bodyPr>
+          <a:p>
+            <a:pPr algn="ctr">
+              <a:buNone/>
+            </a:pPr>
+            <a:endParaRPr b="0" lang="en-US" sz="3200" spc="-1" strike="noStrike">
+              <a:latin typeface="Arial"/>
+            </a:endParaRPr>
+          </a:p>
+        </p:txBody>
+      </p:sp>
+    </p:spTree>
+  </p:cSld>
+</p:sldLayout>
+</file>
+
+<file path=ppt/slideLayouts/slideLayout43.xml><?xml version="1.0" encoding="utf-8"?>
+<p:sldLayout xmlns:a="http://schemas.openxmlformats.org/drawingml/2006/main" xmlns:p="http://schemas.openxmlformats.org/presentationml/2006/main" xmlns:r="http://schemas.openxmlformats.org/officeDocument/2006/relationships" xmlns:p14="http://schemas.microsoft.com/office/powerpoint/2010/main" xmlns:p15="http://schemas.microsoft.com/office/powerpoint/2012/main" xmlns:mc="http://schemas.openxmlformats.org/markup-compatibility/2006" type="twoObjAndObj" preserve="1">
+  <p:cSld name="Title, 2 Content and Content">
+    <p:spTree>
+      <p:nvGrpSpPr>
+        <p:cNvPr id="1" name=""/>
+        <p:cNvGrpSpPr/>
+        <p:nvPr/>
+      </p:nvGrpSpPr>
+      <p:grpSpPr>
+        <a:xfrm>
+          <a:off x="0" y="0"/>
+          <a:ext cx="0" cy="0"/>
+          <a:chOff x="0" y="0"/>
+          <a:chExt cx="0" cy="0"/>
+        </a:xfrm>
+      </p:grpSpPr>
+      <p:sp>
+        <p:nvSpPr>
+          <p:cNvPr id="133" name="PlaceHolder 1"/>
+          <p:cNvSpPr>
+            <a:spLocks noGrp="1"/>
+          </p:cNvSpPr>
+          <p:nvPr>
+            <p:ph type="title"/>
+          </p:nvPr>
+        </p:nvSpPr>
+        <p:spPr>
+          <a:xfrm>
+            <a:off x="457200" y="205200"/>
+            <a:ext cx="8228880" cy="858240"/>
+          </a:xfrm>
+          <a:prstGeom prst="rect">
+            <a:avLst/>
+          </a:prstGeom>
+          <a:noFill/>
+          <a:ln w="0">
+            <a:noFill/>
+          </a:ln>
+        </p:spPr>
+        <p:txBody>
+          <a:bodyPr lIns="0" rIns="0" tIns="0" bIns="0" anchor="ctr">
+            <a:noAutofit/>
+          </a:bodyPr>
+          <a:p>
+            <a:pPr algn="ctr">
+              <a:buNone/>
+            </a:pPr>
+            <a:endParaRPr b="0" lang="en-US" sz="4400" spc="-1" strike="noStrike">
+              <a:latin typeface="Arial"/>
+            </a:endParaRPr>
+          </a:p>
+        </p:txBody>
+      </p:sp>
+      <p:sp>
+        <p:nvSpPr>
+          <p:cNvPr id="134" name="PlaceHolder 2"/>
+          <p:cNvSpPr>
+            <a:spLocks noGrp="1"/>
+          </p:cNvSpPr>
+          <p:nvPr>
+            <p:ph/>
+          </p:nvPr>
+        </p:nvSpPr>
+        <p:spPr>
+          <a:xfrm>
+            <a:off x="457200" y="1203480"/>
+            <a:ext cx="4015440" cy="1422360"/>
+          </a:xfrm>
+          <a:prstGeom prst="rect">
+            <a:avLst/>
+          </a:prstGeom>
+          <a:noFill/>
+          <a:ln w="0">
+            <a:noFill/>
+          </a:ln>
+        </p:spPr>
+        <p:txBody>
+          <a:bodyPr lIns="0" rIns="0" tIns="0" bIns="0" anchor="t">
+            <a:normAutofit/>
+          </a:bodyPr>
+          <a:p>
+            <a:endParaRPr b="0" lang="en-US" sz="3200" spc="-1" strike="noStrike">
+              <a:latin typeface="Arial"/>
+            </a:endParaRPr>
+          </a:p>
+        </p:txBody>
+      </p:sp>
+      <p:sp>
+        <p:nvSpPr>
+          <p:cNvPr id="135" name="PlaceHolder 3"/>
+          <p:cNvSpPr>
+            <a:spLocks noGrp="1"/>
+          </p:cNvSpPr>
+          <p:nvPr>
+            <p:ph/>
+          </p:nvPr>
+        </p:nvSpPr>
+        <p:spPr>
+          <a:xfrm>
+            <a:off x="4673880" y="1203480"/>
+            <a:ext cx="4015440" cy="2982600"/>
+          </a:xfrm>
+          <a:prstGeom prst="rect">
+            <a:avLst/>
+          </a:prstGeom>
+          <a:noFill/>
+          <a:ln w="0">
+            <a:noFill/>
+          </a:ln>
+        </p:spPr>
+        <p:txBody>
+          <a:bodyPr lIns="0" rIns="0" tIns="0" bIns="0" anchor="t">
+            <a:normAutofit/>
+          </a:bodyPr>
+          <a:p>
+            <a:endParaRPr b="0" lang="en-US" sz="3200" spc="-1" strike="noStrike">
+              <a:latin typeface="Arial"/>
+            </a:endParaRPr>
+          </a:p>
+        </p:txBody>
+      </p:sp>
+      <p:sp>
+        <p:nvSpPr>
+          <p:cNvPr id="136" name="PlaceHolder 4"/>
+          <p:cNvSpPr>
+            <a:spLocks noGrp="1"/>
+          </p:cNvSpPr>
+          <p:nvPr>
+            <p:ph/>
+          </p:nvPr>
+        </p:nvSpPr>
+        <p:spPr>
+          <a:xfrm>
+            <a:off x="457200" y="2761200"/>
+            <a:ext cx="4015440" cy="1422360"/>
+          </a:xfrm>
+          <a:prstGeom prst="rect">
+            <a:avLst/>
+          </a:prstGeom>
+          <a:noFill/>
+          <a:ln w="0">
+            <a:noFill/>
+          </a:ln>
+        </p:spPr>
+        <p:txBody>
+          <a:bodyPr lIns="0" rIns="0" tIns="0" bIns="0" anchor="t">
+            <a:normAutofit/>
+          </a:bodyPr>
+          <a:p>
+            <a:endParaRPr b="0" lang="en-US" sz="3200" spc="-1" strike="noStrike">
+              <a:latin typeface="Arial"/>
+            </a:endParaRPr>
+          </a:p>
+        </p:txBody>
+      </p:sp>
+    </p:spTree>
+  </p:cSld>
+</p:sldLayout>
+</file>
+
+<file path=ppt/slideLayouts/slideLayout44.xml><?xml version="1.0" encoding="utf-8"?>
+<p:sldLayout xmlns:a="http://schemas.openxmlformats.org/drawingml/2006/main" xmlns:p="http://schemas.openxmlformats.org/presentationml/2006/main" xmlns:r="http://schemas.openxmlformats.org/officeDocument/2006/relationships" xmlns:p14="http://schemas.microsoft.com/office/powerpoint/2010/main" xmlns:p15="http://schemas.microsoft.com/office/powerpoint/2012/main" xmlns:mc="http://schemas.openxmlformats.org/markup-compatibility/2006" type="objAndTwoObj" preserve="1">
+  <p:cSld name="Title Content and 2 Content">
+    <p:spTree>
+      <p:nvGrpSpPr>
+        <p:cNvPr id="1" name=""/>
+        <p:cNvGrpSpPr/>
+        <p:nvPr/>
+      </p:nvGrpSpPr>
+      <p:grpSpPr>
+        <a:xfrm>
+          <a:off x="0" y="0"/>
+          <a:ext cx="0" cy="0"/>
+          <a:chOff x="0" y="0"/>
+          <a:chExt cx="0" cy="0"/>
+        </a:xfrm>
+      </p:grpSpPr>
+      <p:sp>
+        <p:nvSpPr>
+          <p:cNvPr id="137" name="PlaceHolder 1"/>
+          <p:cNvSpPr>
+            <a:spLocks noGrp="1"/>
+          </p:cNvSpPr>
+          <p:nvPr>
+            <p:ph type="title"/>
+          </p:nvPr>
+        </p:nvSpPr>
+        <p:spPr>
+          <a:xfrm>
+            <a:off x="457200" y="205200"/>
+            <a:ext cx="8228880" cy="858240"/>
+          </a:xfrm>
+          <a:prstGeom prst="rect">
+            <a:avLst/>
+          </a:prstGeom>
+          <a:noFill/>
+          <a:ln w="0">
+            <a:noFill/>
+          </a:ln>
+        </p:spPr>
+        <p:txBody>
+          <a:bodyPr lIns="0" rIns="0" tIns="0" bIns="0" anchor="ctr">
+            <a:noAutofit/>
+          </a:bodyPr>
+          <a:p>
+            <a:pPr algn="ctr">
+              <a:buNone/>
+            </a:pPr>
+            <a:endParaRPr b="0" lang="en-US" sz="4400" spc="-1" strike="noStrike">
+              <a:latin typeface="Arial"/>
+            </a:endParaRPr>
+          </a:p>
+        </p:txBody>
+      </p:sp>
+      <p:sp>
+        <p:nvSpPr>
+          <p:cNvPr id="138" name="PlaceHolder 2"/>
+          <p:cNvSpPr>
+            <a:spLocks noGrp="1"/>
+          </p:cNvSpPr>
+          <p:nvPr>
+            <p:ph/>
+          </p:nvPr>
+        </p:nvSpPr>
+        <p:spPr>
+          <a:xfrm>
+            <a:off x="457200" y="1203480"/>
+            <a:ext cx="4015440" cy="2982600"/>
+          </a:xfrm>
+          <a:prstGeom prst="rect">
+            <a:avLst/>
+          </a:prstGeom>
+          <a:noFill/>
+          <a:ln w="0">
+            <a:noFill/>
+          </a:ln>
+        </p:spPr>
+        <p:txBody>
+          <a:bodyPr lIns="0" rIns="0" tIns="0" bIns="0" anchor="t">
+            <a:normAutofit/>
+          </a:bodyPr>
+          <a:p>
+            <a:endParaRPr b="0" lang="en-US" sz="3200" spc="-1" strike="noStrike">
+              <a:latin typeface="Arial"/>
+            </a:endParaRPr>
+          </a:p>
+        </p:txBody>
+      </p:sp>
+      <p:sp>
+        <p:nvSpPr>
+          <p:cNvPr id="139" name="PlaceHolder 3"/>
+          <p:cNvSpPr>
+            <a:spLocks noGrp="1"/>
+          </p:cNvSpPr>
+          <p:nvPr>
+            <p:ph/>
+          </p:nvPr>
+        </p:nvSpPr>
+        <p:spPr>
+          <a:xfrm>
+            <a:off x="4673880" y="1203480"/>
+            <a:ext cx="4015440" cy="1422360"/>
+          </a:xfrm>
+          <a:prstGeom prst="rect">
+            <a:avLst/>
+          </a:prstGeom>
+          <a:noFill/>
+          <a:ln w="0">
+            <a:noFill/>
+          </a:ln>
+        </p:spPr>
+        <p:txBody>
+          <a:bodyPr lIns="0" rIns="0" tIns="0" bIns="0" anchor="t">
+            <a:normAutofit/>
+          </a:bodyPr>
+          <a:p>
+            <a:endParaRPr b="0" lang="en-US" sz="3200" spc="-1" strike="noStrike">
+              <a:latin typeface="Arial"/>
+            </a:endParaRPr>
+          </a:p>
+        </p:txBody>
+      </p:sp>
+      <p:sp>
+        <p:nvSpPr>
+          <p:cNvPr id="140" name="PlaceHolder 4"/>
+          <p:cNvSpPr>
+            <a:spLocks noGrp="1"/>
+          </p:cNvSpPr>
+          <p:nvPr>
+            <p:ph/>
+          </p:nvPr>
+        </p:nvSpPr>
+        <p:spPr>
+          <a:xfrm>
+            <a:off x="4673880" y="2761200"/>
+            <a:ext cx="4015440" cy="1422360"/>
+          </a:xfrm>
+          <a:prstGeom prst="rect">
+            <a:avLst/>
+          </a:prstGeom>
+          <a:noFill/>
+          <a:ln w="0">
+            <a:noFill/>
+          </a:ln>
+        </p:spPr>
+        <p:txBody>
+          <a:bodyPr lIns="0" rIns="0" tIns="0" bIns="0" anchor="t">
+            <a:normAutofit/>
+          </a:bodyPr>
+          <a:p>
+            <a:endParaRPr b="0" lang="en-US" sz="3200" spc="-1" strike="noStrike">
+              <a:latin typeface="Arial"/>
+            </a:endParaRPr>
+          </a:p>
+        </p:txBody>
+      </p:sp>
+    </p:spTree>
+  </p:cSld>
+</p:sldLayout>
+</file>
+
+<file path=ppt/slideLayouts/slideLayout45.xml><?xml version="1.0" encoding="utf-8"?>
+<p:sldLayout xmlns:a="http://schemas.openxmlformats.org/drawingml/2006/main" xmlns:p="http://schemas.openxmlformats.org/presentationml/2006/main" xmlns:r="http://schemas.openxmlformats.org/officeDocument/2006/relationships" xmlns:p14="http://schemas.microsoft.com/office/powerpoint/2010/main" xmlns:p15="http://schemas.microsoft.com/office/powerpoint/2012/main" xmlns:mc="http://schemas.openxmlformats.org/markup-compatibility/2006" type="twoObjOverTx" preserve="1">
+  <p:cSld name="Title, 2 Content over Content">
+    <p:spTree>
+      <p:nvGrpSpPr>
+        <p:cNvPr id="1" name=""/>
+        <p:cNvGrpSpPr/>
+        <p:nvPr/>
+      </p:nvGrpSpPr>
+      <p:grpSpPr>
+        <a:xfrm>
+          <a:off x="0" y="0"/>
+          <a:ext cx="0" cy="0"/>
+          <a:chOff x="0" y="0"/>
+          <a:chExt cx="0" cy="0"/>
+        </a:xfrm>
+      </p:grpSpPr>
+      <p:sp>
+        <p:nvSpPr>
+          <p:cNvPr id="141" name="PlaceHolder 1"/>
+          <p:cNvSpPr>
+            <a:spLocks noGrp="1"/>
+          </p:cNvSpPr>
+          <p:nvPr>
+            <p:ph type="title"/>
+          </p:nvPr>
+        </p:nvSpPr>
+        <p:spPr>
+          <a:xfrm>
+            <a:off x="457200" y="205200"/>
+            <a:ext cx="8228880" cy="858240"/>
+          </a:xfrm>
+          <a:prstGeom prst="rect">
+            <a:avLst/>
+          </a:prstGeom>
+          <a:noFill/>
+          <a:ln w="0">
+            <a:noFill/>
+          </a:ln>
+        </p:spPr>
+        <p:txBody>
+          <a:bodyPr lIns="0" rIns="0" tIns="0" bIns="0" anchor="ctr">
+            <a:noAutofit/>
+          </a:bodyPr>
+          <a:p>
+            <a:pPr algn="ctr">
+              <a:buNone/>
+            </a:pPr>
+            <a:endParaRPr b="0" lang="en-US" sz="4400" spc="-1" strike="noStrike">
+              <a:latin typeface="Arial"/>
+            </a:endParaRPr>
+          </a:p>
+        </p:txBody>
+      </p:sp>
+      <p:sp>
+        <p:nvSpPr>
+          <p:cNvPr id="142" name="PlaceHolder 2"/>
+          <p:cNvSpPr>
+            <a:spLocks noGrp="1"/>
+          </p:cNvSpPr>
+          <p:nvPr>
+            <p:ph/>
+          </p:nvPr>
+        </p:nvSpPr>
+        <p:spPr>
+          <a:xfrm>
+            <a:off x="457200" y="1203480"/>
+            <a:ext cx="4015440" cy="1422360"/>
+          </a:xfrm>
+          <a:prstGeom prst="rect">
+            <a:avLst/>
+          </a:prstGeom>
+          <a:noFill/>
+          <a:ln w="0">
+            <a:noFill/>
+          </a:ln>
+        </p:spPr>
+        <p:txBody>
+          <a:bodyPr lIns="0" rIns="0" tIns="0" bIns="0" anchor="t">
+            <a:normAutofit/>
+          </a:bodyPr>
+          <a:p>
+            <a:endParaRPr b="0" lang="en-US" sz="3200" spc="-1" strike="noStrike">
+              <a:latin typeface="Arial"/>
+            </a:endParaRPr>
+          </a:p>
+        </p:txBody>
+      </p:sp>
+      <p:sp>
+        <p:nvSpPr>
+          <p:cNvPr id="143" name="PlaceHolder 3"/>
+          <p:cNvSpPr>
+            <a:spLocks noGrp="1"/>
+          </p:cNvSpPr>
+          <p:nvPr>
+            <p:ph/>
+          </p:nvPr>
+        </p:nvSpPr>
+        <p:spPr>
+          <a:xfrm>
+            <a:off x="4673880" y="1203480"/>
+            <a:ext cx="4015440" cy="1422360"/>
+          </a:xfrm>
+          <a:prstGeom prst="rect">
+            <a:avLst/>
+          </a:prstGeom>
+          <a:noFill/>
+          <a:ln w="0">
+            <a:noFill/>
+          </a:ln>
+        </p:spPr>
+        <p:txBody>
+          <a:bodyPr lIns="0" rIns="0" tIns="0" bIns="0" anchor="t">
+            <a:normAutofit/>
+          </a:bodyPr>
+          <a:p>
+            <a:endParaRPr b="0" lang="en-US" sz="3200" spc="-1" strike="noStrike">
+              <a:latin typeface="Arial"/>
+            </a:endParaRPr>
+          </a:p>
+        </p:txBody>
+      </p:sp>
+      <p:sp>
+        <p:nvSpPr>
+          <p:cNvPr id="144" name="PlaceHolder 4"/>
+          <p:cNvSpPr>
+            <a:spLocks noGrp="1"/>
+          </p:cNvSpPr>
+          <p:nvPr>
+            <p:ph/>
+          </p:nvPr>
+        </p:nvSpPr>
+        <p:spPr>
+          <a:xfrm>
+            <a:off x="457200" y="2761200"/>
+            <a:ext cx="8228880" cy="1422360"/>
+          </a:xfrm>
+          <a:prstGeom prst="rect">
+            <a:avLst/>
+          </a:prstGeom>
+          <a:noFill/>
+          <a:ln w="0">
+            <a:noFill/>
+          </a:ln>
+        </p:spPr>
+        <p:txBody>
+          <a:bodyPr lIns="0" rIns="0" tIns="0" bIns="0" anchor="t">
+            <a:normAutofit/>
+          </a:bodyPr>
+          <a:p>
+            <a:endParaRPr b="0" lang="en-US" sz="3200" spc="-1" strike="noStrike">
+              <a:latin typeface="Arial"/>
+            </a:endParaRPr>
+          </a:p>
+        </p:txBody>
+      </p:sp>
+    </p:spTree>
+  </p:cSld>
+</p:sldLayout>
+</file>
+
+<file path=ppt/slideLayouts/slideLayout46.xml><?xml version="1.0" encoding="utf-8"?>
+<p:sldLayout xmlns:a="http://schemas.openxmlformats.org/drawingml/2006/main" xmlns:p="http://schemas.openxmlformats.org/presentationml/2006/main" xmlns:r="http://schemas.openxmlformats.org/officeDocument/2006/relationships" xmlns:p14="http://schemas.microsoft.com/office/powerpoint/2010/main" xmlns:p15="http://schemas.microsoft.com/office/powerpoint/2012/main" xmlns:mc="http://schemas.openxmlformats.org/markup-compatibility/2006" type="objOverTx" preserve="1">
+  <p:cSld name="Title, Content over Content">
+    <p:spTree>
+      <p:nvGrpSpPr>
+        <p:cNvPr id="1" name=""/>
+        <p:cNvGrpSpPr/>
+        <p:nvPr/>
+      </p:nvGrpSpPr>
+      <p:grpSpPr>
+        <a:xfrm>
+          <a:off x="0" y="0"/>
+          <a:ext cx="0" cy="0"/>
+          <a:chOff x="0" y="0"/>
+          <a:chExt cx="0" cy="0"/>
+        </a:xfrm>
+      </p:grpSpPr>
+      <p:sp>
+        <p:nvSpPr>
+          <p:cNvPr id="145" name="PlaceHolder 1"/>
+          <p:cNvSpPr>
+            <a:spLocks noGrp="1"/>
+          </p:cNvSpPr>
+          <p:nvPr>
+            <p:ph type="title"/>
+          </p:nvPr>
+        </p:nvSpPr>
+        <p:spPr>
+          <a:xfrm>
+            <a:off x="457200" y="205200"/>
+            <a:ext cx="8228880" cy="858240"/>
+          </a:xfrm>
+          <a:prstGeom prst="rect">
+            <a:avLst/>
+          </a:prstGeom>
+          <a:noFill/>
+          <a:ln w="0">
+            <a:noFill/>
+          </a:ln>
+        </p:spPr>
+        <p:txBody>
+          <a:bodyPr lIns="0" rIns="0" tIns="0" bIns="0" anchor="ctr">
+            <a:noAutofit/>
+          </a:bodyPr>
+          <a:p>
+            <a:pPr algn="ctr">
+              <a:buNone/>
+            </a:pPr>
+            <a:endParaRPr b="0" lang="en-US" sz="4400" spc="-1" strike="noStrike">
+              <a:latin typeface="Arial"/>
+            </a:endParaRPr>
+          </a:p>
+        </p:txBody>
+      </p:sp>
+      <p:sp>
+        <p:nvSpPr>
+          <p:cNvPr id="146" name="PlaceHolder 2"/>
+          <p:cNvSpPr>
+            <a:spLocks noGrp="1"/>
+          </p:cNvSpPr>
+          <p:nvPr>
+            <p:ph/>
+          </p:nvPr>
+        </p:nvSpPr>
+        <p:spPr>
+          <a:xfrm>
+            <a:off x="457200" y="1203480"/>
+            <a:ext cx="8228880" cy="1422360"/>
+          </a:xfrm>
+          <a:prstGeom prst="rect">
+            <a:avLst/>
+          </a:prstGeom>
+          <a:noFill/>
+          <a:ln w="0">
+            <a:noFill/>
+          </a:ln>
+        </p:spPr>
+        <p:txBody>
+          <a:bodyPr lIns="0" rIns="0" tIns="0" bIns="0" anchor="t">
+            <a:normAutofit/>
+          </a:bodyPr>
+          <a:p>
+            <a:endParaRPr b="0" lang="en-US" sz="3200" spc="-1" strike="noStrike">
+              <a:latin typeface="Arial"/>
+            </a:endParaRPr>
+          </a:p>
+        </p:txBody>
+      </p:sp>
+      <p:sp>
+        <p:nvSpPr>
+          <p:cNvPr id="147" name="PlaceHolder 3"/>
+          <p:cNvSpPr>
+            <a:spLocks noGrp="1"/>
+          </p:cNvSpPr>
+          <p:nvPr>
+            <p:ph/>
+          </p:nvPr>
+        </p:nvSpPr>
+        <p:spPr>
+          <a:xfrm>
+            <a:off x="457200" y="2761200"/>
+            <a:ext cx="8228880" cy="1422360"/>
+          </a:xfrm>
+          <a:prstGeom prst="rect">
+            <a:avLst/>
+          </a:prstGeom>
+          <a:noFill/>
+          <a:ln w="0">
+            <a:noFill/>
+          </a:ln>
+        </p:spPr>
+        <p:txBody>
+          <a:bodyPr lIns="0" rIns="0" tIns="0" bIns="0" anchor="t">
+            <a:normAutofit/>
+          </a:bodyPr>
+          <a:p>
+            <a:endParaRPr b="0" lang="en-US" sz="3200" spc="-1" strike="noStrike">
+              <a:latin typeface="Arial"/>
+            </a:endParaRPr>
+          </a:p>
+        </p:txBody>
+      </p:sp>
+    </p:spTree>
+  </p:cSld>
+</p:sldLayout>
+</file>
+
+<file path=ppt/slideLayouts/slideLayout47.xml><?xml version="1.0" encoding="utf-8"?>
+<p:sldLayout xmlns:a="http://schemas.openxmlformats.org/drawingml/2006/main" xmlns:p="http://schemas.openxmlformats.org/presentationml/2006/main" xmlns:r="http://schemas.openxmlformats.org/officeDocument/2006/relationships" xmlns:p14="http://schemas.microsoft.com/office/powerpoint/2010/main" xmlns:p15="http://schemas.microsoft.com/office/powerpoint/2012/main" xmlns:mc="http://schemas.openxmlformats.org/markup-compatibility/2006" type="fourObj" preserve="1">
+  <p:cSld name="Title, 4 Content">
+    <p:spTree>
+      <p:nvGrpSpPr>
+        <p:cNvPr id="1" name=""/>
+        <p:cNvGrpSpPr/>
+        <p:nvPr/>
+      </p:nvGrpSpPr>
+      <p:grpSpPr>
+        <a:xfrm>
+          <a:off x="0" y="0"/>
+          <a:ext cx="0" cy="0"/>
+          <a:chOff x="0" y="0"/>
+          <a:chExt cx="0" cy="0"/>
+        </a:xfrm>
+      </p:grpSpPr>
+      <p:sp>
+        <p:nvSpPr>
+          <p:cNvPr id="148" name="PlaceHolder 1"/>
+          <p:cNvSpPr>
+            <a:spLocks noGrp="1"/>
+          </p:cNvSpPr>
+          <p:nvPr>
+            <p:ph type="title"/>
+          </p:nvPr>
+        </p:nvSpPr>
+        <p:spPr>
+          <a:xfrm>
+            <a:off x="457200" y="205200"/>
+            <a:ext cx="8228880" cy="858240"/>
+          </a:xfrm>
+          <a:prstGeom prst="rect">
+            <a:avLst/>
+          </a:prstGeom>
+          <a:noFill/>
+          <a:ln w="0">
+            <a:noFill/>
+          </a:ln>
+        </p:spPr>
+        <p:txBody>
+          <a:bodyPr lIns="0" rIns="0" tIns="0" bIns="0" anchor="ctr">
+            <a:noAutofit/>
+          </a:bodyPr>
+          <a:p>
+            <a:pPr algn="ctr">
+              <a:buNone/>
+            </a:pPr>
+            <a:endParaRPr b="0" lang="en-US" sz="4400" spc="-1" strike="noStrike">
+              <a:latin typeface="Arial"/>
+            </a:endParaRPr>
+          </a:p>
+        </p:txBody>
+      </p:sp>
+      <p:sp>
+        <p:nvSpPr>
+          <p:cNvPr id="149" name="PlaceHolder 2"/>
+          <p:cNvSpPr>
+            <a:spLocks noGrp="1"/>
+          </p:cNvSpPr>
+          <p:nvPr>
+            <p:ph/>
+          </p:nvPr>
+        </p:nvSpPr>
+        <p:spPr>
+          <a:xfrm>
+            <a:off x="457200" y="1203480"/>
+            <a:ext cx="4015440" cy="1422360"/>
+          </a:xfrm>
+          <a:prstGeom prst="rect">
+            <a:avLst/>
+          </a:prstGeom>
+          <a:noFill/>
+          <a:ln w="0">
+            <a:noFill/>
+          </a:ln>
+        </p:spPr>
+        <p:txBody>
+          <a:bodyPr lIns="0" rIns="0" tIns="0" bIns="0" anchor="t">
+            <a:normAutofit/>
+          </a:bodyPr>
+          <a:p>
+            <a:endParaRPr b="0" lang="en-US" sz="3200" spc="-1" strike="noStrike">
+              <a:latin typeface="Arial"/>
+            </a:endParaRPr>
+          </a:p>
+        </p:txBody>
+      </p:sp>
+      <p:sp>
+        <p:nvSpPr>
+          <p:cNvPr id="150" name="PlaceHolder 3"/>
+          <p:cNvSpPr>
+            <a:spLocks noGrp="1"/>
+          </p:cNvSpPr>
+          <p:nvPr>
+            <p:ph/>
+          </p:nvPr>
+        </p:nvSpPr>
+        <p:spPr>
+          <a:xfrm>
+            <a:off x="4673880" y="1203480"/>
+            <a:ext cx="4015440" cy="1422360"/>
+          </a:xfrm>
+          <a:prstGeom prst="rect">
+            <a:avLst/>
+          </a:prstGeom>
+          <a:noFill/>
+          <a:ln w="0">
+            <a:noFill/>
+          </a:ln>
+        </p:spPr>
+        <p:txBody>
+          <a:bodyPr lIns="0" rIns="0" tIns="0" bIns="0" anchor="t">
+            <a:normAutofit/>
+          </a:bodyPr>
+          <a:p>
+            <a:endParaRPr b="0" lang="en-US" sz="3200" spc="-1" strike="noStrike">
+              <a:latin typeface="Arial"/>
+            </a:endParaRPr>
+          </a:p>
+        </p:txBody>
+      </p:sp>
+      <p:sp>
+        <p:nvSpPr>
+          <p:cNvPr id="151" name="PlaceHolder 4"/>
+          <p:cNvSpPr>
+            <a:spLocks noGrp="1"/>
+          </p:cNvSpPr>
+          <p:nvPr>
+            <p:ph/>
+          </p:nvPr>
+        </p:nvSpPr>
+        <p:spPr>
+          <a:xfrm>
+            <a:off x="457200" y="2761200"/>
+            <a:ext cx="4015440" cy="1422360"/>
+          </a:xfrm>
+          <a:prstGeom prst="rect">
+            <a:avLst/>
+          </a:prstGeom>
+          <a:noFill/>
+          <a:ln w="0">
+            <a:noFill/>
+          </a:ln>
+        </p:spPr>
+        <p:txBody>
+          <a:bodyPr lIns="0" rIns="0" tIns="0" bIns="0" anchor="t">
+            <a:normAutofit/>
+          </a:bodyPr>
+          <a:p>
+            <a:endParaRPr b="0" lang="en-US" sz="3200" spc="-1" strike="noStrike">
+              <a:latin typeface="Arial"/>
+            </a:endParaRPr>
+          </a:p>
+        </p:txBody>
+      </p:sp>
+      <p:sp>
+        <p:nvSpPr>
+          <p:cNvPr id="152" name="PlaceHolder 5"/>
+          <p:cNvSpPr>
+            <a:spLocks noGrp="1"/>
+          </p:cNvSpPr>
+          <p:nvPr>
+            <p:ph/>
+          </p:nvPr>
+        </p:nvSpPr>
+        <p:spPr>
+          <a:xfrm>
+            <a:off x="4673880" y="2761200"/>
+            <a:ext cx="4015440" cy="1422360"/>
+          </a:xfrm>
+          <a:prstGeom prst="rect">
+            <a:avLst/>
+          </a:prstGeom>
+          <a:noFill/>
+          <a:ln w="0">
+            <a:noFill/>
+          </a:ln>
+        </p:spPr>
+        <p:txBody>
+          <a:bodyPr lIns="0" rIns="0" tIns="0" bIns="0" anchor="t">
+            <a:normAutofit/>
+          </a:bodyPr>
+          <a:p>
+            <a:endParaRPr b="0" lang="en-US" sz="3200" spc="-1" strike="noStrike">
+              <a:latin typeface="Arial"/>
+            </a:endParaRPr>
+          </a:p>
+        </p:txBody>
+      </p:sp>
+    </p:spTree>
+  </p:cSld>
+</p:sldLayout>
+</file>
+
+<file path=ppt/slideLayouts/slideLayout48.xml><?xml version="1.0" encoding="utf-8"?>
+<p:sldLayout xmlns:a="http://schemas.openxmlformats.org/drawingml/2006/main" xmlns:p="http://schemas.openxmlformats.org/presentationml/2006/main" xmlns:r="http://schemas.openxmlformats.org/officeDocument/2006/relationships" xmlns:p14="http://schemas.microsoft.com/office/powerpoint/2010/main" xmlns:p15="http://schemas.microsoft.com/office/powerpoint/2012/main" xmlns:mc="http://schemas.openxmlformats.org/markup-compatibility/2006" type="blank" preserve="1">
+  <p:cSld name="Title, 6 Content">
+    <p:spTree>
+      <p:nvGrpSpPr>
+        <p:cNvPr id="1" name=""/>
+        <p:cNvGrpSpPr/>
+        <p:nvPr/>
+      </p:nvGrpSpPr>
+      <p:grpSpPr>
+        <a:xfrm>
+          <a:off x="0" y="0"/>
+          <a:ext cx="0" cy="0"/>
+          <a:chOff x="0" y="0"/>
+          <a:chExt cx="0" cy="0"/>
+        </a:xfrm>
+      </p:grpSpPr>
+      <p:sp>
+        <p:nvSpPr>
+          <p:cNvPr id="153" name="PlaceHolder 1"/>
+          <p:cNvSpPr>
+            <a:spLocks noGrp="1"/>
+          </p:cNvSpPr>
+          <p:nvPr>
+            <p:ph type="title"/>
+          </p:nvPr>
+        </p:nvSpPr>
+        <p:spPr>
+          <a:xfrm>
+            <a:off x="457200" y="205200"/>
+            <a:ext cx="8228880" cy="858240"/>
+          </a:xfrm>
+          <a:prstGeom prst="rect">
+            <a:avLst/>
+          </a:prstGeom>
+          <a:noFill/>
+          <a:ln w="0">
+            <a:noFill/>
+          </a:ln>
+        </p:spPr>
+        <p:txBody>
+          <a:bodyPr lIns="0" rIns="0" tIns="0" bIns="0" anchor="ctr">
+            <a:noAutofit/>
+          </a:bodyPr>
+          <a:p>
+            <a:pPr algn="ctr">
+              <a:buNone/>
+            </a:pPr>
+            <a:endParaRPr b="0" lang="en-US" sz="4400" spc="-1" strike="noStrike">
+              <a:latin typeface="Arial"/>
+            </a:endParaRPr>
+          </a:p>
+        </p:txBody>
+      </p:sp>
+      <p:sp>
+        <p:nvSpPr>
+          <p:cNvPr id="154" name="PlaceHolder 2"/>
+          <p:cNvSpPr>
+            <a:spLocks noGrp="1"/>
+          </p:cNvSpPr>
+          <p:nvPr>
+            <p:ph/>
+          </p:nvPr>
+        </p:nvSpPr>
+        <p:spPr>
+          <a:xfrm>
+            <a:off x="457200" y="1203480"/>
+            <a:ext cx="2649600" cy="1422360"/>
+          </a:xfrm>
+          <a:prstGeom prst="rect">
+            <a:avLst/>
+          </a:prstGeom>
+          <a:noFill/>
+          <a:ln w="0">
+            <a:noFill/>
+          </a:ln>
+        </p:spPr>
+        <p:txBody>
+          <a:bodyPr lIns="0" rIns="0" tIns="0" bIns="0" anchor="t">
+            <a:normAutofit/>
+          </a:bodyPr>
+          <a:p>
+            <a:endParaRPr b="0" lang="en-US" sz="3200" spc="-1" strike="noStrike">
+              <a:latin typeface="Arial"/>
+            </a:endParaRPr>
+          </a:p>
+        </p:txBody>
+      </p:sp>
+      <p:sp>
+        <p:nvSpPr>
+          <p:cNvPr id="155" name="PlaceHolder 3"/>
+          <p:cNvSpPr>
+            <a:spLocks noGrp="1"/>
+          </p:cNvSpPr>
+          <p:nvPr>
+            <p:ph/>
+          </p:nvPr>
+        </p:nvSpPr>
+        <p:spPr>
+          <a:xfrm>
+            <a:off x="3239640" y="1203480"/>
+            <a:ext cx="2649600" cy="1422360"/>
+          </a:xfrm>
+          <a:prstGeom prst="rect">
+            <a:avLst/>
+          </a:prstGeom>
+          <a:noFill/>
+          <a:ln w="0">
+            <a:noFill/>
+          </a:ln>
+        </p:spPr>
+        <p:txBody>
+          <a:bodyPr lIns="0" rIns="0" tIns="0" bIns="0" anchor="t">
+            <a:normAutofit/>
+          </a:bodyPr>
+          <a:p>
+            <a:endParaRPr b="0" lang="en-US" sz="3200" spc="-1" strike="noStrike">
+              <a:latin typeface="Arial"/>
+            </a:endParaRPr>
+          </a:p>
+        </p:txBody>
+      </p:sp>
+      <p:sp>
+        <p:nvSpPr>
+          <p:cNvPr id="156" name="PlaceHolder 4"/>
+          <p:cNvSpPr>
+            <a:spLocks noGrp="1"/>
+          </p:cNvSpPr>
+          <p:nvPr>
+            <p:ph/>
+          </p:nvPr>
+        </p:nvSpPr>
+        <p:spPr>
+          <a:xfrm>
+            <a:off x="6022080" y="1203480"/>
+            <a:ext cx="2649600" cy="1422360"/>
+          </a:xfrm>
+          <a:prstGeom prst="rect">
+            <a:avLst/>
+          </a:prstGeom>
+          <a:noFill/>
+          <a:ln w="0">
+            <a:noFill/>
+          </a:ln>
+        </p:spPr>
+        <p:txBody>
+          <a:bodyPr lIns="0" rIns="0" tIns="0" bIns="0" anchor="t">
+            <a:normAutofit/>
+          </a:bodyPr>
+          <a:p>
+            <a:endParaRPr b="0" lang="en-US" sz="3200" spc="-1" strike="noStrike">
+              <a:latin typeface="Arial"/>
+            </a:endParaRPr>
+          </a:p>
+        </p:txBody>
+      </p:sp>
+      <p:sp>
+        <p:nvSpPr>
+          <p:cNvPr id="157" name="PlaceHolder 5"/>
+          <p:cNvSpPr>
+            <a:spLocks noGrp="1"/>
+          </p:cNvSpPr>
+          <p:nvPr>
+            <p:ph/>
+          </p:nvPr>
+        </p:nvSpPr>
+        <p:spPr>
+          <a:xfrm>
+            <a:off x="457200" y="2761200"/>
+            <a:ext cx="2649600" cy="1422360"/>
+          </a:xfrm>
+          <a:prstGeom prst="rect">
+            <a:avLst/>
+          </a:prstGeom>
+          <a:noFill/>
+          <a:ln w="0">
+            <a:noFill/>
+          </a:ln>
+        </p:spPr>
+        <p:txBody>
+          <a:bodyPr lIns="0" rIns="0" tIns="0" bIns="0" anchor="t">
+            <a:normAutofit/>
+          </a:bodyPr>
+          <a:p>
+            <a:endParaRPr b="0" lang="en-US" sz="3200" spc="-1" strike="noStrike">
+              <a:latin typeface="Arial"/>
+            </a:endParaRPr>
+          </a:p>
+        </p:txBody>
+      </p:sp>
+      <p:sp>
+        <p:nvSpPr>
+          <p:cNvPr id="158" name="PlaceHolder 6"/>
+          <p:cNvSpPr>
+            <a:spLocks noGrp="1"/>
+          </p:cNvSpPr>
+          <p:nvPr>
+            <p:ph/>
+          </p:nvPr>
+        </p:nvSpPr>
+        <p:spPr>
+          <a:xfrm>
+            <a:off x="3239640" y="2761200"/>
+            <a:ext cx="2649600" cy="1422360"/>
+          </a:xfrm>
+          <a:prstGeom prst="rect">
+            <a:avLst/>
+          </a:prstGeom>
+          <a:noFill/>
+          <a:ln w="0">
+            <a:noFill/>
+          </a:ln>
+        </p:spPr>
+        <p:txBody>
+          <a:bodyPr lIns="0" rIns="0" tIns="0" bIns="0" anchor="t">
+            <a:normAutofit/>
+          </a:bodyPr>
+          <a:p>
+            <a:endParaRPr b="0" lang="en-US" sz="3200" spc="-1" strike="noStrike">
+              <a:latin typeface="Arial"/>
+            </a:endParaRPr>
+          </a:p>
+        </p:txBody>
+      </p:sp>
+      <p:sp>
+        <p:nvSpPr>
+          <p:cNvPr id="159" name="PlaceHolder 7"/>
+          <p:cNvSpPr>
+            <a:spLocks noGrp="1"/>
+          </p:cNvSpPr>
+          <p:nvPr>
+            <p:ph/>
+          </p:nvPr>
+        </p:nvSpPr>
+        <p:spPr>
+          <a:xfrm>
+            <a:off x="6022080" y="2761200"/>
+            <a:ext cx="2649600" cy="1422360"/>
           </a:xfrm>
           <a:prstGeom prst="rect">
             <a:avLst/>
@@ -4017,7 +5543,7 @@
         <p:spPr>
           <a:xfrm>
             <a:off x="457200" y="205200"/>
-            <a:ext cx="8229240" cy="858600"/>
+            <a:ext cx="8228880" cy="858240"/>
           </a:xfrm>
           <a:prstGeom prst="rect">
             <a:avLst/>
@@ -4076,7 +5602,7 @@
         <p:spPr>
           <a:xfrm>
             <a:off x="457200" y="205200"/>
-            <a:ext cx="8229240" cy="3981240"/>
+            <a:ext cx="8228880" cy="3979440"/>
           </a:xfrm>
           <a:prstGeom prst="rect">
             <a:avLst/>
@@ -4135,7 +5661,7 @@
         <p:spPr>
           <a:xfrm>
             <a:off x="457200" y="205200"/>
-            <a:ext cx="8229240" cy="858600"/>
+            <a:ext cx="8228880" cy="858240"/>
           </a:xfrm>
           <a:prstGeom prst="rect">
             <a:avLst/>
@@ -4172,7 +5698,7 @@
         <p:spPr>
           <a:xfrm>
             <a:off x="457200" y="1203480"/>
-            <a:ext cx="4015800" cy="1422720"/>
+            <a:ext cx="4015440" cy="1422360"/>
           </a:xfrm>
           <a:prstGeom prst="rect">
             <a:avLst/>
@@ -4205,8 +5731,8 @@
         </p:nvSpPr>
         <p:spPr>
           <a:xfrm>
-            <a:off x="4674240" y="1203480"/>
-            <a:ext cx="4015800" cy="2982960"/>
+            <a:off x="4673880" y="1203480"/>
+            <a:ext cx="4015440" cy="2982600"/>
           </a:xfrm>
           <a:prstGeom prst="rect">
             <a:avLst/>
@@ -4239,8 +5765,8 @@
         </p:nvSpPr>
         <p:spPr>
           <a:xfrm>
-            <a:off x="457200" y="2761920"/>
-            <a:ext cx="4015800" cy="1422720"/>
+            <a:off x="457200" y="2761200"/>
+            <a:ext cx="4015440" cy="1422360"/>
           </a:xfrm>
           <a:prstGeom prst="rect">
             <a:avLst/>
@@ -4296,7 +5822,7 @@
         <p:spPr>
           <a:xfrm>
             <a:off x="457200" y="205200"/>
-            <a:ext cx="8229240" cy="858600"/>
+            <a:ext cx="8228880" cy="858240"/>
           </a:xfrm>
           <a:prstGeom prst="rect">
             <a:avLst/>
@@ -4333,7 +5859,7 @@
         <p:spPr>
           <a:xfrm>
             <a:off x="457200" y="1203480"/>
-            <a:ext cx="4015800" cy="2982960"/>
+            <a:ext cx="4015440" cy="2982600"/>
           </a:xfrm>
           <a:prstGeom prst="rect">
             <a:avLst/>
@@ -4366,8 +5892,8 @@
         </p:nvSpPr>
         <p:spPr>
           <a:xfrm>
-            <a:off x="4674240" y="1203480"/>
-            <a:ext cx="4015800" cy="1422720"/>
+            <a:off x="4673880" y="1203480"/>
+            <a:ext cx="4015440" cy="1422360"/>
           </a:xfrm>
           <a:prstGeom prst="rect">
             <a:avLst/>
@@ -4400,8 +5926,8 @@
         </p:nvSpPr>
         <p:spPr>
           <a:xfrm>
-            <a:off x="4674240" y="2761920"/>
-            <a:ext cx="4015800" cy="1422720"/>
+            <a:off x="4673880" y="2761200"/>
+            <a:ext cx="4015440" cy="1422360"/>
           </a:xfrm>
           <a:prstGeom prst="rect">
             <a:avLst/>
@@ -4457,7 +5983,7 @@
         <p:spPr>
           <a:xfrm>
             <a:off x="457200" y="205200"/>
-            <a:ext cx="8229240" cy="858600"/>
+            <a:ext cx="8228880" cy="858240"/>
           </a:xfrm>
           <a:prstGeom prst="rect">
             <a:avLst/>
@@ -4494,7 +6020,7 @@
         <p:spPr>
           <a:xfrm>
             <a:off x="457200" y="1203480"/>
-            <a:ext cx="4015800" cy="1422720"/>
+            <a:ext cx="4015440" cy="1422360"/>
           </a:xfrm>
           <a:prstGeom prst="rect">
             <a:avLst/>
@@ -4527,8 +6053,8 @@
         </p:nvSpPr>
         <p:spPr>
           <a:xfrm>
-            <a:off x="4674240" y="1203480"/>
-            <a:ext cx="4015800" cy="1422720"/>
+            <a:off x="4673880" y="1203480"/>
+            <a:ext cx="4015440" cy="1422360"/>
           </a:xfrm>
           <a:prstGeom prst="rect">
             <a:avLst/>
@@ -4561,8 +6087,8 @@
         </p:nvSpPr>
         <p:spPr>
           <a:xfrm>
-            <a:off x="457200" y="2761920"/>
-            <a:ext cx="8229240" cy="1422720"/>
+            <a:off x="457200" y="2761200"/>
+            <a:ext cx="8228880" cy="1422360"/>
           </a:xfrm>
           <a:prstGeom prst="rect">
             <a:avLst/>
@@ -4621,7 +6147,7 @@
         <p:spPr>
           <a:xfrm>
             <a:off x="314280" y="4535640"/>
-            <a:ext cx="270360" cy="330120"/>
+            <a:ext cx="270000" cy="329760"/>
           </a:xfrm>
           <a:prstGeom prst="rect">
             <a:avLst/>
@@ -4651,7 +6177,7 @@
               </a:spcAft>
               <a:buNone/>
             </a:pPr>
-            <a:fld id="{9A498D13-E1A6-43C4-93A8-214D499A0851}" type="slidenum">
+            <a:fld id="{26869872-D582-4A34-B8A4-B7433276B5A7}" type="slidenum">
               <a:rPr b="0" lang="fr-FR" sz="800" spc="-1" strike="noStrike">
                 <a:solidFill>
                   <a:srgbClr val="000000"/>
@@ -4676,7 +6202,7 @@
         <p:spPr>
           <a:xfrm>
             <a:off x="619560" y="4749120"/>
-            <a:ext cx="360" cy="118440"/>
+            <a:ext cx="360" cy="118080"/>
           </a:xfrm>
           <a:prstGeom prst="rect">
             <a:avLst/>
@@ -4728,151 +6254,7 @@
               <a:rPr b="0" lang="en-US" sz="4400" spc="-1" strike="noStrike">
                 <a:latin typeface="Arial"/>
               </a:rPr>
-              <a:t>C</a:t>
-            </a:r>
-            <a:r>
-              <a:rPr b="0" lang="en-US" sz="4400" spc="-1" strike="noStrike">
-                <a:latin typeface="Arial"/>
-              </a:rPr>
-              <a:t>li</a:t>
-            </a:r>
-            <a:r>
-              <a:rPr b="0" lang="en-US" sz="4400" spc="-1" strike="noStrike">
-                <a:latin typeface="Arial"/>
-              </a:rPr>
-              <a:t>c</a:t>
-            </a:r>
-            <a:r>
-              <a:rPr b="0" lang="en-US" sz="4400" spc="-1" strike="noStrike">
-                <a:latin typeface="Arial"/>
-              </a:rPr>
-              <a:t>k </a:t>
-            </a:r>
-            <a:r>
-              <a:rPr b="0" lang="en-US" sz="4400" spc="-1" strike="noStrike">
-                <a:latin typeface="Arial"/>
-              </a:rPr>
-              <a:t>t</a:t>
-            </a:r>
-            <a:r>
-              <a:rPr b="0" lang="en-US" sz="4400" spc="-1" strike="noStrike">
-                <a:latin typeface="Arial"/>
-              </a:rPr>
-              <a:t>o </a:t>
-            </a:r>
-            <a:r>
-              <a:rPr b="0" lang="en-US" sz="4400" spc="-1" strike="noStrike">
-                <a:latin typeface="Arial"/>
-              </a:rPr>
-              <a:t>e</a:t>
-            </a:r>
-            <a:r>
-              <a:rPr b="0" lang="en-US" sz="4400" spc="-1" strike="noStrike">
-                <a:latin typeface="Arial"/>
-              </a:rPr>
-              <a:t>d</a:t>
-            </a:r>
-            <a:r>
-              <a:rPr b="0" lang="en-US" sz="4400" spc="-1" strike="noStrike">
-                <a:latin typeface="Arial"/>
-              </a:rPr>
-              <a:t>it </a:t>
-            </a:r>
-            <a:r>
-              <a:rPr b="0" lang="en-US" sz="4400" spc="-1" strike="noStrike">
-                <a:latin typeface="Arial"/>
-              </a:rPr>
-              <a:t>t</a:t>
-            </a:r>
-            <a:r>
-              <a:rPr b="0" lang="en-US" sz="4400" spc="-1" strike="noStrike">
-                <a:latin typeface="Arial"/>
-              </a:rPr>
-              <a:t>h</a:t>
-            </a:r>
-            <a:r>
-              <a:rPr b="0" lang="en-US" sz="4400" spc="-1" strike="noStrike">
-                <a:latin typeface="Arial"/>
-              </a:rPr>
-              <a:t>e </a:t>
-            </a:r>
-            <a:r>
-              <a:rPr b="0" lang="en-US" sz="4400" spc="-1" strike="noStrike">
-                <a:latin typeface="Arial"/>
-              </a:rPr>
-              <a:t>ti</a:t>
-            </a:r>
-            <a:r>
-              <a:rPr b="0" lang="en-US" sz="4400" spc="-1" strike="noStrike">
-                <a:latin typeface="Arial"/>
-              </a:rPr>
-              <a:t>tl</a:t>
-            </a:r>
-            <a:r>
-              <a:rPr b="0" lang="en-US" sz="4400" spc="-1" strike="noStrike">
-                <a:latin typeface="Arial"/>
-              </a:rPr>
-              <a:t>e </a:t>
-            </a:r>
-            <a:r>
-              <a:rPr b="0" lang="en-US" sz="4400" spc="-1" strike="noStrike">
-                <a:latin typeface="Arial"/>
-              </a:rPr>
-              <a:t>t</a:t>
-            </a:r>
-            <a:r>
-              <a:rPr b="0" lang="en-US" sz="4400" spc="-1" strike="noStrike">
-                <a:latin typeface="Arial"/>
-              </a:rPr>
-              <a:t>e</a:t>
-            </a:r>
-            <a:r>
-              <a:rPr b="0" lang="en-US" sz="4400" spc="-1" strike="noStrike">
-                <a:latin typeface="Arial"/>
-              </a:rPr>
-              <a:t>x</a:t>
-            </a:r>
-            <a:r>
-              <a:rPr b="0" lang="en-US" sz="4400" spc="-1" strike="noStrike">
-                <a:latin typeface="Arial"/>
-              </a:rPr>
-              <a:t>t </a:t>
-            </a:r>
-            <a:r>
-              <a:rPr b="0" lang="en-US" sz="4400" spc="-1" strike="noStrike">
-                <a:latin typeface="Arial"/>
-              </a:rPr>
-              <a:t>f</a:t>
-            </a:r>
-            <a:r>
-              <a:rPr b="0" lang="en-US" sz="4400" spc="-1" strike="noStrike">
-                <a:latin typeface="Arial"/>
-              </a:rPr>
-              <a:t>o</a:t>
-            </a:r>
-            <a:r>
-              <a:rPr b="0" lang="en-US" sz="4400" spc="-1" strike="noStrike">
-                <a:latin typeface="Arial"/>
-              </a:rPr>
-              <a:t>r</a:t>
-            </a:r>
-            <a:r>
-              <a:rPr b="0" lang="en-US" sz="4400" spc="-1" strike="noStrike">
-                <a:latin typeface="Arial"/>
-              </a:rPr>
-              <a:t>m</a:t>
-            </a:r>
-            <a:r>
-              <a:rPr b="0" lang="en-US" sz="4400" spc="-1" strike="noStrike">
-                <a:latin typeface="Arial"/>
-              </a:rPr>
-              <a:t>a</a:t>
-            </a:r>
-            <a:r>
-              <a:rPr b="0" lang="en-US" sz="4400" spc="-1" strike="noStrike">
-                <a:latin typeface="Arial"/>
-              </a:rPr>
-              <a:t>t</a:t>
+              <a:t>Click to edit the title text format</a:t>
             </a:r>
             <a:endParaRPr b="0" lang="en-US" sz="4400" spc="-1" strike="noStrike">
               <a:latin typeface="Arial"/>
@@ -5116,7 +6498,7 @@
         <p:spPr>
           <a:xfrm>
             <a:off x="314280" y="4535640"/>
-            <a:ext cx="270360" cy="330120"/>
+            <a:ext cx="270000" cy="329760"/>
           </a:xfrm>
           <a:prstGeom prst="rect">
             <a:avLst/>
@@ -5146,7 +6528,7 @@
               </a:spcAft>
               <a:buNone/>
             </a:pPr>
-            <a:fld id="{8C5F2CCE-08BC-4A32-87B5-0EC4D4D7546A}" type="slidenum">
+            <a:fld id="{8CBBF15A-2BF9-4FE5-AA96-02F33859C9E5}" type="slidenum">
               <a:rPr b="0" lang="fr-FR" sz="800" spc="-1" strike="noStrike">
                 <a:solidFill>
                   <a:srgbClr val="000000"/>
@@ -5171,7 +6553,7 @@
         <p:spPr>
           <a:xfrm>
             <a:off x="619560" y="4749120"/>
-            <a:ext cx="360" cy="118440"/>
+            <a:ext cx="360" cy="118080"/>
           </a:xfrm>
           <a:prstGeom prst="rect">
             <a:avLst/>
@@ -5223,103 +6605,7 @@
               <a:rPr b="0" lang="en-US" sz="4400" spc="-1" strike="noStrike">
                 <a:latin typeface="Arial"/>
               </a:rPr>
-              <a:t>Cl</a:t>
-            </a:r>
-            <a:r>
-              <a:rPr b="0" lang="en-US" sz="4400" spc="-1" strike="noStrike">
-                <a:latin typeface="Arial"/>
-              </a:rPr>
-              <a:t>ic</a:t>
-            </a:r>
-            <a:r>
-              <a:rPr b="0" lang="en-US" sz="4400" spc="-1" strike="noStrike">
-                <a:latin typeface="Arial"/>
-              </a:rPr>
-              <a:t>k </a:t>
-            </a:r>
-            <a:r>
-              <a:rPr b="0" lang="en-US" sz="4400" spc="-1" strike="noStrike">
-                <a:latin typeface="Arial"/>
-              </a:rPr>
-              <a:t>to </a:t>
-            </a:r>
-            <a:r>
-              <a:rPr b="0" lang="en-US" sz="4400" spc="-1" strike="noStrike">
-                <a:latin typeface="Arial"/>
-              </a:rPr>
-              <a:t>e</a:t>
-            </a:r>
-            <a:r>
-              <a:rPr b="0" lang="en-US" sz="4400" spc="-1" strike="noStrike">
-                <a:latin typeface="Arial"/>
-              </a:rPr>
-              <a:t>di</a:t>
-            </a:r>
-            <a:r>
-              <a:rPr b="0" lang="en-US" sz="4400" spc="-1" strike="noStrike">
-                <a:latin typeface="Arial"/>
-              </a:rPr>
-              <a:t>t </a:t>
-            </a:r>
-            <a:r>
-              <a:rPr b="0" lang="en-US" sz="4400" spc="-1" strike="noStrike">
-                <a:latin typeface="Arial"/>
-              </a:rPr>
-              <a:t>th</a:t>
-            </a:r>
-            <a:r>
-              <a:rPr b="0" lang="en-US" sz="4400" spc="-1" strike="noStrike">
-                <a:latin typeface="Arial"/>
-              </a:rPr>
-              <a:t>e </a:t>
-            </a:r>
-            <a:r>
-              <a:rPr b="0" lang="en-US" sz="4400" spc="-1" strike="noStrike">
-                <a:latin typeface="Arial"/>
-              </a:rPr>
-              <a:t>titl</a:t>
-            </a:r>
-            <a:r>
-              <a:rPr b="0" lang="en-US" sz="4400" spc="-1" strike="noStrike">
-                <a:latin typeface="Arial"/>
-              </a:rPr>
-              <a:t>e </a:t>
-            </a:r>
-            <a:r>
-              <a:rPr b="0" lang="en-US" sz="4400" spc="-1" strike="noStrike">
-                <a:latin typeface="Arial"/>
-              </a:rPr>
-              <a:t>te</a:t>
-            </a:r>
-            <a:r>
-              <a:rPr b="0" lang="en-US" sz="4400" spc="-1" strike="noStrike">
-                <a:latin typeface="Arial"/>
-              </a:rPr>
-              <a:t>xt </a:t>
-            </a:r>
-            <a:r>
-              <a:rPr b="0" lang="en-US" sz="4400" spc="-1" strike="noStrike">
-                <a:latin typeface="Arial"/>
-              </a:rPr>
-              <a:t>fo</a:t>
-            </a:r>
-            <a:r>
-              <a:rPr b="0" lang="en-US" sz="4400" spc="-1" strike="noStrike">
-                <a:latin typeface="Arial"/>
-              </a:rPr>
-              <a:t>r</a:t>
-            </a:r>
-            <a:r>
-              <a:rPr b="0" lang="en-US" sz="4400" spc="-1" strike="noStrike">
-                <a:latin typeface="Arial"/>
-              </a:rPr>
-              <a:t>m</a:t>
-            </a:r>
-            <a:r>
-              <a:rPr b="0" lang="en-US" sz="4400" spc="-1" strike="noStrike">
-                <a:latin typeface="Arial"/>
-              </a:rPr>
-              <a:t>at</a:t>
+              <a:t>Click to edit the title text format</a:t>
             </a:r>
             <a:endParaRPr b="0" lang="en-US" sz="4400" spc="-1" strike="noStrike">
               <a:latin typeface="Arial"/>
@@ -5563,7 +6849,7 @@
         <p:spPr>
           <a:xfrm>
             <a:off x="314280" y="4535640"/>
-            <a:ext cx="270360" cy="330120"/>
+            <a:ext cx="270000" cy="329760"/>
           </a:xfrm>
           <a:prstGeom prst="rect">
             <a:avLst/>
@@ -5593,7 +6879,7 @@
               </a:spcAft>
               <a:buNone/>
             </a:pPr>
-            <a:fld id="{80D83D20-80EA-4C67-88B6-DD34B5ADB45D}" type="slidenum">
+            <a:fld id="{FAA7D79B-3570-47C7-88F4-3517DC2668DB}" type="slidenum">
               <a:rPr b="0" lang="fr-FR" sz="800" spc="-1" strike="noStrike">
                 <a:solidFill>
                   <a:srgbClr val="000000"/>
@@ -5618,7 +6904,7 @@
         <p:spPr>
           <a:xfrm>
             <a:off x="619560" y="4749120"/>
-            <a:ext cx="360" cy="118440"/>
+            <a:ext cx="360" cy="118080"/>
           </a:xfrm>
           <a:prstGeom prst="rect">
             <a:avLst/>
@@ -5648,7 +6934,7 @@
         <p:spPr>
           <a:xfrm>
             <a:off x="457200" y="205200"/>
-            <a:ext cx="8229240" cy="858600"/>
+            <a:ext cx="8228880" cy="858240"/>
           </a:xfrm>
           <a:prstGeom prst="rect">
             <a:avLst/>
@@ -5663,160 +6949,13 @@
             <a:noAutofit/>
           </a:bodyPr>
           <a:p>
-            <a:pPr algn="ctr">
-              <a:buNone/>
-            </a:pPr>
             <a:r>
-              <a:rPr b="0" lang="en-US" sz="4400" spc="-1" strike="noStrike">
+              <a:rPr b="0" lang="en-US" sz="1800" spc="-1" strike="noStrike">
                 <a:latin typeface="Arial"/>
               </a:rPr>
-              <a:t>C</a:t>
+              <a:t>Click to edit the title text format</a:t>
             </a:r>
-            <a:r>
-              <a:rPr b="0" lang="en-US" sz="4400" spc="-1" strike="noStrike">
-                <a:latin typeface="Arial"/>
-              </a:rPr>
-              <a:t>li</a:t>
-            </a:r>
-            <a:r>
-              <a:rPr b="0" lang="en-US" sz="4400" spc="-1" strike="noStrike">
-                <a:latin typeface="Arial"/>
-              </a:rPr>
-              <a:t>c</a:t>
-            </a:r>
-            <a:r>
-              <a:rPr b="0" lang="en-US" sz="4400" spc="-1" strike="noStrike">
-                <a:latin typeface="Arial"/>
-              </a:rPr>
-              <a:t>k </a:t>
-            </a:r>
-            <a:r>
-              <a:rPr b="0" lang="en-US" sz="4400" spc="-1" strike="noStrike">
-                <a:latin typeface="Arial"/>
-              </a:rPr>
-              <a:t>t</a:t>
-            </a:r>
-            <a:r>
-              <a:rPr b="0" lang="en-US" sz="4400" spc="-1" strike="noStrike">
-                <a:latin typeface="Arial"/>
-              </a:rPr>
-              <a:t>o </a:t>
-            </a:r>
-            <a:r>
-              <a:rPr b="0" lang="en-US" sz="4400" spc="-1" strike="noStrike">
-                <a:latin typeface="Arial"/>
-              </a:rPr>
-              <a:t>e</a:t>
-            </a:r>
-            <a:r>
-              <a:rPr b="0" lang="en-US" sz="4400" spc="-1" strike="noStrike">
-                <a:latin typeface="Arial"/>
-              </a:rPr>
-              <a:t>d</a:t>
-            </a:r>
-            <a:r>
-              <a:rPr b="0" lang="en-US" sz="4400" spc="-1" strike="noStrike">
-                <a:latin typeface="Arial"/>
-              </a:rPr>
-              <a:t>it </a:t>
-            </a:r>
-            <a:r>
-              <a:rPr b="0" lang="en-US" sz="4400" spc="-1" strike="noStrike">
-                <a:latin typeface="Arial"/>
-              </a:rPr>
-              <a:t>t</a:t>
-            </a:r>
-            <a:r>
-              <a:rPr b="0" lang="en-US" sz="4400" spc="-1" strike="noStrike">
-                <a:latin typeface="Arial"/>
-              </a:rPr>
-              <a:t>h</a:t>
-            </a:r>
-            <a:r>
-              <a:rPr b="0" lang="en-US" sz="4400" spc="-1" strike="noStrike">
-                <a:latin typeface="Arial"/>
-              </a:rPr>
-              <a:t>e </a:t>
-            </a:r>
-            <a:r>
-              <a:rPr b="0" lang="en-US" sz="4400" spc="-1" strike="noStrike">
-                <a:latin typeface="Arial"/>
-              </a:rPr>
-              <a:t>ti</a:t>
-            </a:r>
-            <a:r>
-              <a:rPr b="0" lang="en-US" sz="4400" spc="-1" strike="noStrike">
-                <a:latin typeface="Arial"/>
-              </a:rPr>
-              <a:t>tl</a:t>
-            </a:r>
-            <a:r>
-              <a:rPr b="0" lang="en-US" sz="4400" spc="-1" strike="noStrike">
-                <a:latin typeface="Arial"/>
-              </a:rPr>
-              <a:t>e </a:t>
-            </a:r>
-            <a:r>
-              <a:rPr b="0" lang="en-US" sz="4400" spc="-1" strike="noStrike">
-                <a:latin typeface="Arial"/>
-              </a:rPr>
-              <a:t>t</a:t>
-            </a:r>
-            <a:r>
-              <a:rPr b="0" lang="en-US" sz="4400" spc="-1" strike="noStrike">
-                <a:latin typeface="Arial"/>
-              </a:rPr>
-              <a:t>e</a:t>
-            </a:r>
-            <a:r>
-              <a:rPr b="0" lang="en-US" sz="4400" spc="-1" strike="noStrike">
-                <a:latin typeface="Arial"/>
-              </a:rPr>
-              <a:t>x</a:t>
-            </a:r>
-            <a:r>
-              <a:rPr b="0" lang="en-US" sz="4400" spc="-1" strike="noStrike">
-                <a:latin typeface="Arial"/>
-              </a:rPr>
-              <a:t>t </a:t>
-            </a:r>
-            <a:r>
-              <a:rPr b="0" lang="en-US" sz="4400" spc="-1" strike="noStrike">
-                <a:latin typeface="Arial"/>
-              </a:rPr>
-              <a:t>f</a:t>
-            </a:r>
-            <a:r>
-              <a:rPr b="0" lang="en-US" sz="4400" spc="-1" strike="noStrike">
-                <a:latin typeface="Arial"/>
-              </a:rPr>
-              <a:t>o</a:t>
-            </a:r>
-            <a:r>
-              <a:rPr b="0" lang="en-US" sz="4400" spc="-1" strike="noStrike">
-                <a:latin typeface="Arial"/>
-              </a:rPr>
-              <a:t>r</a:t>
-            </a:r>
-            <a:r>
-              <a:rPr b="0" lang="en-US" sz="4400" spc="-1" strike="noStrike">
-                <a:latin typeface="Arial"/>
-              </a:rPr>
-              <a:t>m</a:t>
-            </a:r>
-            <a:r>
-              <a:rPr b="0" lang="en-US" sz="4400" spc="-1" strike="noStrike">
-                <a:latin typeface="Arial"/>
-              </a:rPr>
-              <a:t>a</a:t>
-            </a:r>
-            <a:r>
-              <a:rPr b="0" lang="en-US" sz="4400" spc="-1" strike="noStrike">
-                <a:latin typeface="Arial"/>
-              </a:rPr>
-              <a:t>t</a:t>
-            </a:r>
-            <a:endParaRPr b="0" lang="en-US" sz="4400" spc="-1" strike="noStrike">
+            <a:endParaRPr b="0" lang="en-US" sz="1800" spc="-1" strike="noStrike">
               <a:latin typeface="Arial"/>
             </a:endParaRPr>
           </a:p>
@@ -5835,7 +6974,7 @@
         <p:spPr>
           <a:xfrm>
             <a:off x="457200" y="1203480"/>
-            <a:ext cx="8229240" cy="2982960"/>
+            <a:ext cx="8228880" cy="2982600"/>
           </a:xfrm>
           <a:prstGeom prst="rect">
             <a:avLst/>
@@ -5862,12 +7001,12 @@
               <a:buChar char=""/>
             </a:pPr>
             <a:r>
-              <a:rPr b="0" lang="en-US" sz="3200" spc="-1" strike="noStrike">
+              <a:rPr b="0" lang="en-US" sz="1800" spc="-1" strike="noStrike">
                 <a:latin typeface="Arial"/>
               </a:rPr>
               <a:t>Click to edit the outline text format</a:t>
             </a:r>
-            <a:endParaRPr b="0" lang="en-US" sz="3200" spc="-1" strike="noStrike">
+            <a:endParaRPr b="0" lang="en-US" sz="1800" spc="-1" strike="noStrike">
               <a:latin typeface="Arial"/>
             </a:endParaRPr>
           </a:p>
@@ -5884,12 +7023,12 @@
               <a:buChar char=""/>
             </a:pPr>
             <a:r>
-              <a:rPr b="0" lang="en-US" sz="2800" spc="-1" strike="noStrike">
+              <a:rPr b="0" lang="en-US" sz="1800" spc="-1" strike="noStrike">
                 <a:latin typeface="Arial"/>
               </a:rPr>
               <a:t>Second Outline Level</a:t>
             </a:r>
-            <a:endParaRPr b="0" lang="en-US" sz="2800" spc="-1" strike="noStrike">
+            <a:endParaRPr b="0" lang="en-US" sz="1800" spc="-1" strike="noStrike">
               <a:latin typeface="Arial"/>
             </a:endParaRPr>
           </a:p>
@@ -5906,12 +7045,12 @@
               <a:buChar char=""/>
             </a:pPr>
             <a:r>
-              <a:rPr b="0" lang="en-US" sz="2400" spc="-1" strike="noStrike">
+              <a:rPr b="0" lang="en-US" sz="1800" spc="-1" strike="noStrike">
                 <a:latin typeface="Arial"/>
               </a:rPr>
               <a:t>Third Outline Level</a:t>
             </a:r>
-            <a:endParaRPr b="0" lang="en-US" sz="2400" spc="-1" strike="noStrike">
+            <a:endParaRPr b="0" lang="en-US" sz="1800" spc="-1" strike="noStrike">
               <a:latin typeface="Arial"/>
             </a:endParaRPr>
           </a:p>
@@ -5928,12 +7067,12 @@
               <a:buChar char=""/>
             </a:pPr>
             <a:r>
-              <a:rPr b="0" lang="en-US" sz="2000" spc="-1" strike="noStrike">
+              <a:rPr b="0" lang="en-US" sz="1800" spc="-1" strike="noStrike">
                 <a:latin typeface="Arial"/>
               </a:rPr>
               <a:t>Fourth Outline Level</a:t>
             </a:r>
-            <a:endParaRPr b="0" lang="en-US" sz="2000" spc="-1" strike="noStrike">
+            <a:endParaRPr b="0" lang="en-US" sz="1800" spc="-1" strike="noStrike">
               <a:latin typeface="Arial"/>
             </a:endParaRPr>
           </a:p>
@@ -5950,12 +7089,12 @@
               <a:buChar char=""/>
             </a:pPr>
             <a:r>
-              <a:rPr b="0" lang="en-US" sz="2000" spc="-1" strike="noStrike">
+              <a:rPr b="0" lang="en-US" sz="1800" spc="-1" strike="noStrike">
                 <a:latin typeface="Arial"/>
               </a:rPr>
               <a:t>Fifth Outline Level</a:t>
             </a:r>
-            <a:endParaRPr b="0" lang="en-US" sz="2000" spc="-1" strike="noStrike">
+            <a:endParaRPr b="0" lang="en-US" sz="1800" spc="-1" strike="noStrike">
               <a:latin typeface="Arial"/>
             </a:endParaRPr>
           </a:p>
@@ -5972,12 +7111,12 @@
               <a:buChar char=""/>
             </a:pPr>
             <a:r>
-              <a:rPr b="0" lang="en-US" sz="2000" spc="-1" strike="noStrike">
+              <a:rPr b="0" lang="en-US" sz="1800" spc="-1" strike="noStrike">
                 <a:latin typeface="Arial"/>
               </a:rPr>
               <a:t>Sixth Outline Level</a:t>
             </a:r>
-            <a:endParaRPr b="0" lang="en-US" sz="2000" spc="-1" strike="noStrike">
+            <a:endParaRPr b="0" lang="en-US" sz="1800" spc="-1" strike="noStrike">
               <a:latin typeface="Arial"/>
             </a:endParaRPr>
           </a:p>
@@ -5994,12 +7133,12 @@
               <a:buChar char=""/>
             </a:pPr>
             <a:r>
-              <a:rPr b="0" lang="en-US" sz="2000" spc="-1" strike="noStrike">
+              <a:rPr b="0" lang="en-US" sz="1800" spc="-1" strike="noStrike">
                 <a:latin typeface="Arial"/>
               </a:rPr>
               <a:t>Seventh Outline Level</a:t>
             </a:r>
-            <a:endParaRPr b="0" lang="en-US" sz="2000" spc="-1" strike="noStrike">
+            <a:endParaRPr b="0" lang="en-US" sz="1800" spc="-1" strike="noStrike">
               <a:latin typeface="Arial"/>
             </a:endParaRPr>
           </a:p>
@@ -6021,6 +7160,357 @@
     <p:sldLayoutId id="2147483684" r:id="rId11"/>
     <p:sldLayoutId id="2147483685" r:id="rId12"/>
     <p:sldLayoutId id="2147483686" r:id="rId13"/>
+  </p:sldLayoutIdLst>
+</p:sldMaster>
+</file>
+
+<file path=ppt/slideMasters/slideMaster4.xml><?xml version="1.0" encoding="utf-8"?>
+<p:sldMaster xmlns:a="http://schemas.openxmlformats.org/drawingml/2006/main" xmlns:p="http://schemas.openxmlformats.org/presentationml/2006/main" xmlns:r="http://schemas.openxmlformats.org/officeDocument/2006/relationships" xmlns:p14="http://schemas.microsoft.com/office/powerpoint/2010/main" xmlns:p15="http://schemas.microsoft.com/office/powerpoint/2012/main" xmlns:mc="http://schemas.openxmlformats.org/markup-compatibility/2006">
+  <p:cSld>
+    <p:bg>
+      <p:bgPr>
+        <a:solidFill>
+          <a:srgbClr val="ffffff"/>
+        </a:solidFill>
+      </p:bgPr>
+    </p:bg>
+    <p:spTree>
+      <p:nvGrpSpPr>
+        <p:cNvPr id="1" name=""/>
+        <p:cNvGrpSpPr/>
+        <p:nvPr/>
+      </p:nvGrpSpPr>
+      <p:grpSpPr>
+        <a:xfrm>
+          <a:off x="0" y="0"/>
+          <a:ext cx="0" cy="0"/>
+          <a:chOff x="0" y="0"/>
+          <a:chExt cx="0" cy="0"/>
+        </a:xfrm>
+      </p:grpSpPr>
+      <p:sp>
+        <p:nvSpPr>
+          <p:cNvPr id="120" name="CustomShape 1"/>
+          <p:cNvSpPr/>
+          <p:nvPr/>
+        </p:nvSpPr>
+        <p:spPr>
+          <a:xfrm>
+            <a:off x="314280" y="4535640"/>
+            <a:ext cx="270000" cy="329760"/>
+          </a:xfrm>
+          <a:prstGeom prst="rect">
+            <a:avLst/>
+          </a:prstGeom>
+          <a:noFill/>
+          <a:ln w="0">
+            <a:noFill/>
+          </a:ln>
+        </p:spPr>
+        <p:style>
+          <a:lnRef idx="0"/>
+          <a:fillRef idx="0"/>
+          <a:effectRef idx="0"/>
+          <a:fontRef idx="minor"/>
+        </p:style>
+        <p:txBody>
+          <a:bodyPr lIns="7200" rIns="0" tIns="0" bIns="0" anchor="b">
+            <a:normAutofit/>
+          </a:bodyPr>
+          <a:p>
+            <a:pPr>
+              <a:lnSpc>
+                <a:spcPct val="85000"/>
+              </a:lnSpc>
+              <a:spcAft>
+                <a:spcPts val="1199"/>
+              </a:spcAft>
+              <a:buNone/>
+            </a:pPr>
+            <a:fld id="{021FA8C3-C928-46B2-81F5-4D0A996904F0}" type="slidenum">
+              <a:rPr b="0" lang="fr-FR" sz="800" spc="-1" strike="noStrike">
+                <a:solidFill>
+                  <a:srgbClr val="000000"/>
+                </a:solidFill>
+                <a:latin typeface="Helvetica 75 Bold"/>
+                <a:ea typeface="DejaVu Sans"/>
+              </a:rPr>
+              <a:t>&lt;number&gt;</a:t>
+            </a:fld>
+            <a:endParaRPr b="0" lang="en-US" sz="800" spc="-1" strike="noStrike">
+              <a:latin typeface="Arial"/>
+            </a:endParaRPr>
+          </a:p>
+        </p:txBody>
+      </p:sp>
+      <p:sp>
+        <p:nvSpPr>
+          <p:cNvPr id="121" name="CustomShape 4"/>
+          <p:cNvSpPr/>
+          <p:nvPr/>
+        </p:nvSpPr>
+        <p:spPr>
+          <a:xfrm>
+            <a:off x="619560" y="4749120"/>
+            <a:ext cx="360" cy="118080"/>
+          </a:xfrm>
+          <a:prstGeom prst="rect">
+            <a:avLst/>
+          </a:prstGeom>
+          <a:noFill/>
+          <a:ln w="0">
+            <a:noFill/>
+          </a:ln>
+        </p:spPr>
+        <p:style>
+          <a:lnRef idx="0"/>
+          <a:fillRef idx="0"/>
+          <a:effectRef idx="0"/>
+          <a:fontRef idx="minor"/>
+        </p:style>
+      </p:sp>
+      <p:sp>
+        <p:nvSpPr>
+          <p:cNvPr id="122" name="PlaceHolder 1"/>
+          <p:cNvSpPr>
+            <a:spLocks noGrp="1"/>
+          </p:cNvSpPr>
+          <p:nvPr>
+            <p:ph type="title"/>
+          </p:nvPr>
+        </p:nvSpPr>
+        <p:spPr>
+          <a:xfrm>
+            <a:off x="457200" y="205200"/>
+            <a:ext cx="8229240" cy="858600"/>
+          </a:xfrm>
+          <a:prstGeom prst="rect">
+            <a:avLst/>
+          </a:prstGeom>
+          <a:noFill/>
+          <a:ln w="0">
+            <a:noFill/>
+          </a:ln>
+        </p:spPr>
+        <p:txBody>
+          <a:bodyPr lIns="0" rIns="0" tIns="0" bIns="0" anchor="ctr">
+            <a:noAutofit/>
+          </a:bodyPr>
+          <a:p>
+            <a:pPr algn="ctr">
+              <a:buNone/>
+            </a:pPr>
+            <a:r>
+              <a:rPr b="0" lang="en-US" sz="4400" spc="-1" strike="noStrike">
+                <a:latin typeface="Arial"/>
+              </a:rPr>
+              <a:t>Click to edit the title text format</a:t>
+            </a:r>
+            <a:endParaRPr b="0" lang="en-US" sz="4400" spc="-1" strike="noStrike">
+              <a:latin typeface="Arial"/>
+            </a:endParaRPr>
+          </a:p>
+        </p:txBody>
+      </p:sp>
+      <p:sp>
+        <p:nvSpPr>
+          <p:cNvPr id="123" name="PlaceHolder 2"/>
+          <p:cNvSpPr>
+            <a:spLocks noGrp="1"/>
+          </p:cNvSpPr>
+          <p:nvPr>
+            <p:ph type="body"/>
+          </p:nvPr>
+        </p:nvSpPr>
+        <p:spPr>
+          <a:xfrm>
+            <a:off x="457200" y="1203480"/>
+            <a:ext cx="8229240" cy="2982960"/>
+          </a:xfrm>
+          <a:prstGeom prst="rect">
+            <a:avLst/>
+          </a:prstGeom>
+          <a:noFill/>
+          <a:ln w="0">
+            <a:noFill/>
+          </a:ln>
+        </p:spPr>
+        <p:txBody>
+          <a:bodyPr lIns="0" rIns="0" tIns="0" bIns="0" anchor="t">
+            <a:normAutofit/>
+          </a:bodyPr>
+          <a:p>
+            <a:pPr marL="432000" indent="-324000">
+              <a:spcBef>
+                <a:spcPts val="1417"/>
+              </a:spcBef>
+              <a:buClr>
+                <a:srgbClr val="000000"/>
+              </a:buClr>
+              <a:buSzPct val="45000"/>
+              <a:buFont typeface="Wingdings" charset="2"/>
+              <a:buChar char=""/>
+            </a:pPr>
+            <a:r>
+              <a:rPr b="0" lang="en-US" sz="3200" spc="-1" strike="noStrike">
+                <a:latin typeface="Arial"/>
+              </a:rPr>
+              <a:t>Click to edit the outline text format</a:t>
+            </a:r>
+            <a:endParaRPr b="0" lang="en-US" sz="3200" spc="-1" strike="noStrike">
+              <a:latin typeface="Arial"/>
+            </a:endParaRPr>
+          </a:p>
+          <a:p>
+            <a:pPr lvl="1" marL="864000" indent="-324000">
+              <a:spcBef>
+                <a:spcPts val="1134"/>
+              </a:spcBef>
+              <a:buClr>
+                <a:srgbClr val="000000"/>
+              </a:buClr>
+              <a:buSzPct val="75000"/>
+              <a:buFont typeface="Symbol" charset="2"/>
+              <a:buChar char=""/>
+            </a:pPr>
+            <a:r>
+              <a:rPr b="0" lang="en-US" sz="2800" spc="-1" strike="noStrike">
+                <a:latin typeface="Arial"/>
+              </a:rPr>
+              <a:t>Second Outline Level</a:t>
+            </a:r>
+            <a:endParaRPr b="0" lang="en-US" sz="2800" spc="-1" strike="noStrike">
+              <a:latin typeface="Arial"/>
+            </a:endParaRPr>
+          </a:p>
+          <a:p>
+            <a:pPr lvl="2" marL="1296000" indent="-288000">
+              <a:spcBef>
+                <a:spcPts val="850"/>
+              </a:spcBef>
+              <a:buClr>
+                <a:srgbClr val="000000"/>
+              </a:buClr>
+              <a:buSzPct val="45000"/>
+              <a:buFont typeface="Wingdings" charset="2"/>
+              <a:buChar char=""/>
+            </a:pPr>
+            <a:r>
+              <a:rPr b="0" lang="en-US" sz="2400" spc="-1" strike="noStrike">
+                <a:latin typeface="Arial"/>
+              </a:rPr>
+              <a:t>Third Outline Level</a:t>
+            </a:r>
+            <a:endParaRPr b="0" lang="en-US" sz="2400" spc="-1" strike="noStrike">
+              <a:latin typeface="Arial"/>
+            </a:endParaRPr>
+          </a:p>
+          <a:p>
+            <a:pPr lvl="3" marL="1728000" indent="-216000">
+              <a:spcBef>
+                <a:spcPts val="567"/>
+              </a:spcBef>
+              <a:buClr>
+                <a:srgbClr val="000000"/>
+              </a:buClr>
+              <a:buSzPct val="75000"/>
+              <a:buFont typeface="Symbol" charset="2"/>
+              <a:buChar char=""/>
+            </a:pPr>
+            <a:r>
+              <a:rPr b="0" lang="en-US" sz="2000" spc="-1" strike="noStrike">
+                <a:latin typeface="Arial"/>
+              </a:rPr>
+              <a:t>Fourth Outline Level</a:t>
+            </a:r>
+            <a:endParaRPr b="0" lang="en-US" sz="2000" spc="-1" strike="noStrike">
+              <a:latin typeface="Arial"/>
+            </a:endParaRPr>
+          </a:p>
+          <a:p>
+            <a:pPr lvl="4" marL="2160000" indent="-216000">
+              <a:spcBef>
+                <a:spcPts val="283"/>
+              </a:spcBef>
+              <a:buClr>
+                <a:srgbClr val="000000"/>
+              </a:buClr>
+              <a:buSzPct val="45000"/>
+              <a:buFont typeface="Wingdings" charset="2"/>
+              <a:buChar char=""/>
+            </a:pPr>
+            <a:r>
+              <a:rPr b="0" lang="en-US" sz="2000" spc="-1" strike="noStrike">
+                <a:latin typeface="Arial"/>
+              </a:rPr>
+              <a:t>Fifth Outline Level</a:t>
+            </a:r>
+            <a:endParaRPr b="0" lang="en-US" sz="2000" spc="-1" strike="noStrike">
+              <a:latin typeface="Arial"/>
+            </a:endParaRPr>
+          </a:p>
+          <a:p>
+            <a:pPr lvl="5" marL="2592000" indent="-216000">
+              <a:spcBef>
+                <a:spcPts val="283"/>
+              </a:spcBef>
+              <a:buClr>
+                <a:srgbClr val="000000"/>
+              </a:buClr>
+              <a:buSzPct val="45000"/>
+              <a:buFont typeface="Wingdings" charset="2"/>
+              <a:buChar char=""/>
+            </a:pPr>
+            <a:r>
+              <a:rPr b="0" lang="en-US" sz="2000" spc="-1" strike="noStrike">
+                <a:latin typeface="Arial"/>
+              </a:rPr>
+              <a:t>Sixth Outline Level</a:t>
+            </a:r>
+            <a:endParaRPr b="0" lang="en-US" sz="2000" spc="-1" strike="noStrike">
+              <a:latin typeface="Arial"/>
+            </a:endParaRPr>
+          </a:p>
+          <a:p>
+            <a:pPr lvl="6" marL="3024000" indent="-216000">
+              <a:spcBef>
+                <a:spcPts val="283"/>
+              </a:spcBef>
+              <a:buClr>
+                <a:srgbClr val="000000"/>
+              </a:buClr>
+              <a:buSzPct val="45000"/>
+              <a:buFont typeface="Wingdings" charset="2"/>
+              <a:buChar char=""/>
+            </a:pPr>
+            <a:r>
+              <a:rPr b="0" lang="en-US" sz="2000" spc="-1" strike="noStrike">
+                <a:latin typeface="Arial"/>
+              </a:rPr>
+              <a:t>Seventh Outline Level</a:t>
+            </a:r>
+            <a:endParaRPr b="0" lang="en-US" sz="2000" spc="-1" strike="noStrike">
+              <a:latin typeface="Arial"/>
+            </a:endParaRPr>
+          </a:p>
+        </p:txBody>
+      </p:sp>
+    </p:spTree>
+  </p:cSld>
+  <p:clrMap bg1="lt1" bg2="lt2" tx1="dk1" tx2="dk2" accent1="accent1" accent2="accent2" accent3="accent3" accent4="accent4" accent5="accent5" accent6="accent6" hlink="hlink" folHlink="folHlink"/>
+  <p:sldLayoutIdLst>
+    <p:sldLayoutId id="2147483688" r:id="rId2"/>
+    <p:sldLayoutId id="2147483689" r:id="rId3"/>
+    <p:sldLayoutId id="2147483690" r:id="rId4"/>
+    <p:sldLayoutId id="2147483691" r:id="rId5"/>
+    <p:sldLayoutId id="2147483692" r:id="rId6"/>
+    <p:sldLayoutId id="2147483693" r:id="rId7"/>
+    <p:sldLayoutId id="2147483694" r:id="rId8"/>
+    <p:sldLayoutId id="2147483695" r:id="rId9"/>
+    <p:sldLayoutId id="2147483696" r:id="rId10"/>
+    <p:sldLayoutId id="2147483697" r:id="rId11"/>
+    <p:sldLayoutId id="2147483698" r:id="rId12"/>
+    <p:sldLayoutId id="2147483699" r:id="rId13"/>
   </p:sldLayoutIdLst>
 </p:sldMaster>
 </file>
@@ -6044,14 +7534,14 @@
       </p:grpSpPr>
       <p:sp>
         <p:nvSpPr>
-          <p:cNvPr id="120" name="TextShape 1"/>
+          <p:cNvPr id="160" name="TextShape 7"/>
           <p:cNvSpPr/>
           <p:nvPr/>
         </p:nvSpPr>
         <p:spPr>
           <a:xfrm>
             <a:off x="314280" y="1184400"/>
-            <a:ext cx="8510760" cy="3360960"/>
+            <a:ext cx="8510400" cy="3360600"/>
           </a:xfrm>
           <a:prstGeom prst="rect">
             <a:avLst/>
@@ -6151,14 +7641,14 @@
       </p:sp>
       <p:sp>
         <p:nvSpPr>
-          <p:cNvPr id="121" name="TextShape 2"/>
+          <p:cNvPr id="161" name="TextShape 8"/>
           <p:cNvSpPr/>
           <p:nvPr/>
         </p:nvSpPr>
         <p:spPr>
           <a:xfrm>
             <a:off x="314280" y="267480"/>
-            <a:ext cx="8510760" cy="739080"/>
+            <a:ext cx="8510400" cy="738720"/>
           </a:xfrm>
           <a:prstGeom prst="rect">
             <a:avLst/>
@@ -6193,7 +7683,7 @@
                 <a:latin typeface="Helvetica 75 Bold"/>
                 <a:ea typeface="DejaVu Sans"/>
               </a:rPr>
-              <a:t>Listes chaînées</a:t>
+              <a:t>Tableau </a:t>
             </a:r>
             <a:endParaRPr b="0" lang="en-US" sz="2000" spc="-1" strike="noStrike">
               <a:latin typeface="Arial"/>
@@ -6221,41 +7711,91 @@
               <a:latin typeface="Arial"/>
             </a:endParaRPr>
           </a:p>
-        </p:txBody>
-      </p:sp>
-      <p:pic>
-        <p:nvPicPr>
-          <p:cNvPr id="122" name="" descr=""/>
-          <p:cNvPicPr/>
-          <p:nvPr/>
-        </p:nvPicPr>
-        <p:blipFill>
-          <a:blip r:embed="rId1"/>
-          <a:stretch/>
-        </p:blipFill>
-        <p:spPr>
-          <a:xfrm>
-            <a:off x="457200" y="1579320"/>
-            <a:ext cx="3657600" cy="1544400"/>
-          </a:xfrm>
-          <a:prstGeom prst="rect">
-            <a:avLst/>
-          </a:prstGeom>
-          <a:ln w="0">
-            <a:noFill/>
-          </a:ln>
-        </p:spPr>
-      </p:pic>
-      <p:sp>
-        <p:nvSpPr>
-          <p:cNvPr id="123" name=""/>
+          <a:p>
+            <a:pPr>
+              <a:lnSpc>
+                <a:spcPct val="90000"/>
+              </a:lnSpc>
+              <a:buNone/>
+            </a:pPr>
+            <a:r>
+              <a:rPr b="0" lang="en-US" sz="2000" spc="-1" strike="noStrike">
+                <a:solidFill>
+                  <a:srgbClr val="000000"/>
+                </a:solidFill>
+                <a:latin typeface="Arial"/>
+                <a:ea typeface="DejaVu Sans"/>
+              </a:rPr>
+              <a:t>En Python : list est un tableau dynamique</a:t>
+            </a:r>
+            <a:endParaRPr b="0" lang="en-US" sz="2000" spc="-1" strike="noStrike">
+              <a:latin typeface="Arial"/>
+            </a:endParaRPr>
+          </a:p>
+          <a:p>
+            <a:pPr>
+              <a:lnSpc>
+                <a:spcPct val="90000"/>
+              </a:lnSpc>
+              <a:buNone/>
+            </a:pPr>
+            <a:r>
+              <a:rPr b="0" lang="en-US" sz="2000" spc="-1" strike="noStrike">
+                <a:solidFill>
+                  <a:srgbClr val="000000"/>
+                </a:solidFill>
+                <a:latin typeface="Arial"/>
+                <a:ea typeface="DejaVu Sans"/>
+              </a:rPr>
+              <a:t> </a:t>
+            </a:r>
+            <a:r>
+              <a:rPr b="0" lang="en-US" sz="2000" spc="-1" strike="noStrike">
+                <a:solidFill>
+                  <a:srgbClr val="000000"/>
+                </a:solidFill>
+                <a:latin typeface="Arial"/>
+                <a:ea typeface="DejaVu Sans"/>
+              </a:rPr>
+              <a:t>(on peut ajouter des élements en fin de liste, l’interpréteur</a:t>
+            </a:r>
+            <a:endParaRPr b="0" lang="en-US" sz="2000" spc="-1" strike="noStrike">
+              <a:latin typeface="Arial"/>
+            </a:endParaRPr>
+          </a:p>
+          <a:p>
+            <a:pPr>
+              <a:lnSpc>
+                <a:spcPct val="90000"/>
+              </a:lnSpc>
+              <a:buNone/>
+            </a:pPr>
+            <a:r>
+              <a:rPr b="0" lang="en-US" sz="2000" spc="-1" strike="noStrike">
+                <a:solidFill>
+                  <a:srgbClr val="000000"/>
+                </a:solidFill>
+                <a:latin typeface="Arial"/>
+                <a:ea typeface="DejaVu Sans"/>
+              </a:rPr>
+              <a:t>se charge d’augmenter la taille mémoire du tableau si nécessaire)</a:t>
+            </a:r>
+            <a:endParaRPr b="0" lang="en-US" sz="2000" spc="-1" strike="noStrike">
+              <a:latin typeface="Arial"/>
+            </a:endParaRPr>
+          </a:p>
+        </p:txBody>
+      </p:sp>
+      <p:sp>
+        <p:nvSpPr>
+          <p:cNvPr id="162" name=""/>
           <p:cNvSpPr/>
           <p:nvPr/>
         </p:nvSpPr>
         <p:spPr>
           <a:xfrm>
-            <a:off x="4114800" y="457200"/>
-            <a:ext cx="685800" cy="457200"/>
+            <a:off x="685800" y="2286000"/>
+            <a:ext cx="685440" cy="456840"/>
           </a:xfrm>
           <a:prstGeom prst="rect">
             <a:avLst/>
@@ -6281,11 +7821,18 @@
           </a:bodyPr>
           <a:p>
             <a:pPr algn="ctr">
+              <a:lnSpc>
+                <a:spcPct val="100000"/>
+              </a:lnSpc>
               <a:buNone/>
             </a:pPr>
             <a:r>
               <a:rPr b="0" lang="en-US" sz="1800" spc="-1" strike="noStrike">
+                <a:solidFill>
+                  <a:srgbClr val="000000"/>
+                </a:solidFill>
                 <a:latin typeface="Arial"/>
+                <a:ea typeface="DejaVu Sans"/>
               </a:rPr>
               <a:t>12</a:t>
             </a:r>
@@ -6297,14 +7844,14 @@
       </p:sp>
       <p:sp>
         <p:nvSpPr>
-          <p:cNvPr id="124" name=""/>
+          <p:cNvPr id="163" name=""/>
           <p:cNvSpPr/>
           <p:nvPr/>
         </p:nvSpPr>
         <p:spPr>
           <a:xfrm>
-            <a:off x="4800600" y="457200"/>
-            <a:ext cx="685800" cy="457200"/>
+            <a:off x="2057400" y="2286360"/>
+            <a:ext cx="685440" cy="456840"/>
           </a:xfrm>
           <a:prstGeom prst="rect">
             <a:avLst/>
@@ -6324,17 +7871,43 @@
           <a:effectRef idx="0"/>
           <a:fontRef idx="minor"/>
         </p:style>
-      </p:sp>
-      <p:sp>
-        <p:nvSpPr>
-          <p:cNvPr id="125" name=""/>
+        <p:txBody>
+          <a:bodyPr lIns="90000" rIns="90000" tIns="45000" bIns="45000" anchor="ctr">
+            <a:noAutofit/>
+          </a:bodyPr>
+          <a:p>
+            <a:pPr algn="ctr">
+              <a:lnSpc>
+                <a:spcPct val="100000"/>
+              </a:lnSpc>
+              <a:buNone/>
+            </a:pPr>
+            <a:r>
+              <a:rPr b="0" lang="en-US" sz="1800" spc="-1" strike="noStrike">
+                <a:solidFill>
+                  <a:srgbClr val="000000"/>
+                </a:solidFill>
+                <a:latin typeface="Arial"/>
+                <a:ea typeface="DejaVu Sans"/>
+              </a:rPr>
+              <a:t>12</a:t>
+            </a:r>
+            <a:endParaRPr b="0" lang="en-US" sz="1800" spc="-1" strike="noStrike">
+              <a:latin typeface="Arial"/>
+            </a:endParaRPr>
+          </a:p>
+        </p:txBody>
+      </p:sp>
+      <p:sp>
+        <p:nvSpPr>
+          <p:cNvPr id="164" name=""/>
           <p:cNvSpPr/>
           <p:nvPr/>
         </p:nvSpPr>
         <p:spPr>
           <a:xfrm>
-            <a:off x="5715000" y="914400"/>
-            <a:ext cx="685800" cy="457200"/>
+            <a:off x="3428640" y="2286000"/>
+            <a:ext cx="685440" cy="456840"/>
           </a:xfrm>
           <a:prstGeom prst="rect">
             <a:avLst/>
@@ -6360,13 +7933,20 @@
           </a:bodyPr>
           <a:p>
             <a:pPr algn="ctr">
+              <a:lnSpc>
+                <a:spcPct val="100000"/>
+              </a:lnSpc>
               <a:buNone/>
             </a:pPr>
             <a:r>
               <a:rPr b="0" lang="en-US" sz="1800" spc="-1" strike="noStrike">
+                <a:solidFill>
+                  <a:srgbClr val="000000"/>
+                </a:solidFill>
                 <a:latin typeface="Arial"/>
+                <a:ea typeface="DejaVu Sans"/>
               </a:rPr>
-              <a:t>4</a:t>
+              <a:t>15</a:t>
             </a:r>
             <a:endParaRPr b="0" lang="en-US" sz="1800" spc="-1" strike="noStrike">
               <a:latin typeface="Arial"/>
@@ -6376,14 +7956,14 @@
       </p:sp>
       <p:sp>
         <p:nvSpPr>
-          <p:cNvPr id="126" name=""/>
+          <p:cNvPr id="165" name=""/>
           <p:cNvSpPr/>
           <p:nvPr/>
         </p:nvSpPr>
         <p:spPr>
           <a:xfrm>
-            <a:off x="6400800" y="914400"/>
-            <a:ext cx="685800" cy="457200"/>
+            <a:off x="1371960" y="2286360"/>
+            <a:ext cx="685440" cy="456840"/>
           </a:xfrm>
           <a:prstGeom prst="rect">
             <a:avLst/>
@@ -6403,17 +7983,43 @@
           <a:effectRef idx="0"/>
           <a:fontRef idx="minor"/>
         </p:style>
-      </p:sp>
-      <p:sp>
-        <p:nvSpPr>
-          <p:cNvPr id="127" name=""/>
+        <p:txBody>
+          <a:bodyPr lIns="90000" rIns="90000" tIns="45000" bIns="45000" anchor="ctr">
+            <a:noAutofit/>
+          </a:bodyPr>
+          <a:p>
+            <a:pPr algn="ctr">
+              <a:lnSpc>
+                <a:spcPct val="100000"/>
+              </a:lnSpc>
+              <a:buNone/>
+            </a:pPr>
+            <a:r>
+              <a:rPr b="0" lang="en-US" sz="1800" spc="-1" strike="noStrike">
+                <a:solidFill>
+                  <a:srgbClr val="000000"/>
+                </a:solidFill>
+                <a:latin typeface="Arial"/>
+                <a:ea typeface="DejaVu Sans"/>
+              </a:rPr>
+              <a:t>15</a:t>
+            </a:r>
+            <a:endParaRPr b="0" lang="en-US" sz="1800" spc="-1" strike="noStrike">
+              <a:latin typeface="Arial"/>
+            </a:endParaRPr>
+          </a:p>
+        </p:txBody>
+      </p:sp>
+      <p:sp>
+        <p:nvSpPr>
+          <p:cNvPr id="166" name=""/>
           <p:cNvSpPr/>
           <p:nvPr/>
         </p:nvSpPr>
         <p:spPr>
           <a:xfrm>
-            <a:off x="7543800" y="685800"/>
-            <a:ext cx="685800" cy="457200"/>
+            <a:off x="2743560" y="2286000"/>
+            <a:ext cx="685440" cy="456840"/>
           </a:xfrm>
           <a:prstGeom prst="rect">
             <a:avLst/>
@@ -6439,13 +8045,20 @@
           </a:bodyPr>
           <a:p>
             <a:pPr algn="ctr">
+              <a:lnSpc>
+                <a:spcPct val="100000"/>
+              </a:lnSpc>
               <a:buNone/>
             </a:pPr>
             <a:r>
               <a:rPr b="0" lang="en-US" sz="1800" spc="-1" strike="noStrike">
+                <a:solidFill>
+                  <a:srgbClr val="000000"/>
+                </a:solidFill>
                 <a:latin typeface="Arial"/>
+                <a:ea typeface="DejaVu Sans"/>
               </a:rPr>
-              <a:t>1</a:t>
+              <a:t>15</a:t>
             </a:r>
             <a:endParaRPr b="0" lang="en-US" sz="1800" spc="-1" strike="noStrike">
               <a:latin typeface="Arial"/>
@@ -6455,14 +8068,14 @@
       </p:sp>
       <p:sp>
         <p:nvSpPr>
-          <p:cNvPr id="128" name=""/>
+          <p:cNvPr id="167" name=""/>
           <p:cNvSpPr/>
           <p:nvPr/>
         </p:nvSpPr>
         <p:spPr>
           <a:xfrm>
-            <a:off x="8229600" y="685800"/>
-            <a:ext cx="685800" cy="457200"/>
+            <a:off x="4115160" y="2286000"/>
+            <a:ext cx="685440" cy="456840"/>
           </a:xfrm>
           <a:prstGeom prst="rect">
             <a:avLst/>
@@ -6488,40 +8101,44 @@
           </a:bodyPr>
           <a:p>
             <a:pPr algn="ctr">
+              <a:lnSpc>
+                <a:spcPct val="100000"/>
+              </a:lnSpc>
               <a:buNone/>
             </a:pPr>
             <a:r>
-              <a:rPr b="0" lang="en-US" sz="1400" spc="-1" strike="noStrike">
+              <a:rPr b="0" lang="en-US" sz="1800" spc="-1" strike="noStrike">
+                <a:solidFill>
+                  <a:srgbClr val="000000"/>
+                </a:solidFill>
                 <a:latin typeface="Arial"/>
+                <a:ea typeface="DejaVu Sans"/>
               </a:rPr>
-              <a:t>None</a:t>
+              <a:t>15</a:t>
             </a:r>
-            <a:endParaRPr b="0" lang="en-US" sz="1400" spc="-1" strike="noStrike">
-              <a:latin typeface="Arial"/>
-            </a:endParaRPr>
-          </a:p>
-        </p:txBody>
-      </p:sp>
-      <p:sp>
-        <p:nvSpPr>
-          <p:cNvPr id="129" name=""/>
+            <a:endParaRPr b="0" lang="en-US" sz="1800" spc="-1" strike="noStrike">
+              <a:latin typeface="Arial"/>
+            </a:endParaRPr>
+          </a:p>
+        </p:txBody>
+      </p:sp>
+      <p:sp>
+        <p:nvSpPr>
+          <p:cNvPr id="168" name=""/>
           <p:cNvSpPr/>
           <p:nvPr/>
         </p:nvSpPr>
         <p:spPr>
           <a:xfrm>
-            <a:off x="5029200" y="685800"/>
-            <a:ext cx="685800" cy="498600"/>
-          </a:xfrm>
-          <a:prstGeom prst="line">
-            <a:avLst/>
-          </a:prstGeom>
-          <a:ln w="57240">
-            <a:solidFill>
-              <a:srgbClr val="111111"/>
-            </a:solidFill>
-            <a:round/>
-            <a:tailEnd len="med" type="triangle" w="med"/>
+            <a:off x="857160" y="2743200"/>
+            <a:ext cx="514800" cy="344880"/>
+          </a:xfrm>
+          <a:prstGeom prst="rect">
+            <a:avLst/>
+          </a:prstGeom>
+          <a:noFill/>
+          <a:ln w="0">
+            <a:noFill/>
           </a:ln>
         </p:spPr>
         <p:style>
@@ -6530,27 +8147,90 @@
           <a:effectRef idx="0"/>
           <a:fontRef idx="minor"/>
         </p:style>
-      </p:sp>
-      <p:sp>
-        <p:nvSpPr>
-          <p:cNvPr id="130" name=""/>
+        <p:txBody>
+          <a:bodyPr lIns="90000" rIns="90000" tIns="45000" bIns="45000" anchor="t">
+            <a:noAutofit/>
+          </a:bodyPr>
+          <a:p>
+            <a:pPr>
+              <a:lnSpc>
+                <a:spcPct val="100000"/>
+              </a:lnSpc>
+              <a:buNone/>
+            </a:pPr>
+            <a:r>
+              <a:rPr b="0" lang="en-US" sz="1000" spc="-18" strike="noStrike">
+                <a:solidFill>
+                  <a:srgbClr val="ff7900"/>
+                </a:solidFill>
+                <a:latin typeface="Helvetica 75 Bold"/>
+                <a:ea typeface="DejaVu Sans"/>
+              </a:rPr>
+              <a:t>0</a:t>
+            </a:r>
+            <a:endParaRPr b="0" lang="en-US" sz="1000" spc="-1" strike="noStrike">
+              <a:latin typeface="Arial"/>
+            </a:endParaRPr>
+          </a:p>
+        </p:txBody>
+      </p:sp>
+      <p:sp>
+        <p:nvSpPr>
+          <p:cNvPr id="169" name=""/>
+          <p:cNvSpPr txBox="1"/>
+          <p:nvPr/>
+        </p:nvSpPr>
+        <p:spPr>
+          <a:xfrm>
+            <a:off x="1544760" y="2779200"/>
+            <a:ext cx="250920" cy="217440"/>
+          </a:xfrm>
+          <a:prstGeom prst="rect">
+            <a:avLst/>
+          </a:prstGeom>
+          <a:noFill/>
+          <a:ln w="0">
+            <a:noFill/>
+          </a:ln>
+        </p:spPr>
+        <p:txBody>
+          <a:bodyPr lIns="90000" rIns="90000" tIns="45000" bIns="45000" anchor="t">
+            <a:noAutofit/>
+          </a:bodyPr>
+          <a:p>
+            <a:r>
+              <a:rPr b="0" lang="en-US" sz="1000" spc="-18" strike="noStrike">
+                <a:solidFill>
+                  <a:srgbClr val="ff7900"/>
+                </a:solidFill>
+                <a:latin typeface="Helvetica 75 Bold"/>
+                <a:ea typeface="DejaVu Sans"/>
+              </a:rPr>
+              <a:t>1</a:t>
+            </a:r>
+            <a:endParaRPr b="0" lang="en-US" sz="1000" spc="-1" strike="noStrike">
+              <a:latin typeface="Arial"/>
+            </a:endParaRPr>
+          </a:p>
+        </p:txBody>
+      </p:sp>
+      <p:sp>
+        <p:nvSpPr>
+          <p:cNvPr id="170" name=""/>
           <p:cNvSpPr/>
           <p:nvPr/>
         </p:nvSpPr>
         <p:spPr>
-          <a:xfrm flipV="1">
-            <a:off x="6629400" y="914400"/>
-            <a:ext cx="914400" cy="228600"/>
-          </a:xfrm>
-          <a:prstGeom prst="line">
-            <a:avLst/>
-          </a:prstGeom>
-          <a:ln w="57240">
-            <a:solidFill>
-              <a:srgbClr val="111111"/>
-            </a:solidFill>
-            <a:round/>
-            <a:tailEnd len="med" type="triangle" w="med"/>
+          <a:xfrm>
+            <a:off x="2261520" y="2743200"/>
+            <a:ext cx="514800" cy="344880"/>
+          </a:xfrm>
+          <a:prstGeom prst="rect">
+            <a:avLst/>
+          </a:prstGeom>
+          <a:noFill/>
+          <a:ln w="0">
+            <a:noFill/>
           </a:ln>
         </p:spPr>
         <p:style>
@@ -6559,6 +8239,164 @@
           <a:effectRef idx="0"/>
           <a:fontRef idx="minor"/>
         </p:style>
+        <p:txBody>
+          <a:bodyPr lIns="90000" rIns="90000" tIns="45000" bIns="45000" anchor="t">
+            <a:noAutofit/>
+          </a:bodyPr>
+          <a:p>
+            <a:pPr>
+              <a:lnSpc>
+                <a:spcPct val="100000"/>
+              </a:lnSpc>
+              <a:buNone/>
+            </a:pPr>
+            <a:r>
+              <a:rPr b="0" lang="en-US" sz="1000" spc="-18" strike="noStrike">
+                <a:solidFill>
+                  <a:srgbClr val="ff7900"/>
+                </a:solidFill>
+                <a:latin typeface="Helvetica 75 Bold"/>
+                <a:ea typeface="DejaVu Sans"/>
+              </a:rPr>
+              <a:t>2</a:t>
+            </a:r>
+            <a:endParaRPr b="0" lang="en-US" sz="1000" spc="-1" strike="noStrike">
+              <a:latin typeface="Arial"/>
+            </a:endParaRPr>
+          </a:p>
+        </p:txBody>
+      </p:sp>
+      <p:sp>
+        <p:nvSpPr>
+          <p:cNvPr id="171" name=""/>
+          <p:cNvSpPr txBox="1"/>
+          <p:nvPr/>
+        </p:nvSpPr>
+        <p:spPr>
+          <a:xfrm>
+            <a:off x="2949120" y="2779200"/>
+            <a:ext cx="250920" cy="217440"/>
+          </a:xfrm>
+          <a:prstGeom prst="rect">
+            <a:avLst/>
+          </a:prstGeom>
+          <a:noFill/>
+          <a:ln w="0">
+            <a:noFill/>
+          </a:ln>
+        </p:spPr>
+        <p:txBody>
+          <a:bodyPr lIns="90000" rIns="90000" tIns="45000" bIns="45000" anchor="t">
+            <a:noAutofit/>
+          </a:bodyPr>
+          <a:p>
+            <a:r>
+              <a:rPr b="0" lang="en-US" sz="1000" spc="-18" strike="noStrike">
+                <a:solidFill>
+                  <a:srgbClr val="ff7900"/>
+                </a:solidFill>
+                <a:latin typeface="Helvetica 75 Bold"/>
+                <a:ea typeface="DejaVu Sans"/>
+              </a:rPr>
+              <a:t>3</a:t>
+            </a:r>
+            <a:endParaRPr b="0" lang="en-US" sz="1000" spc="-1" strike="noStrike">
+              <a:latin typeface="Arial"/>
+            </a:endParaRPr>
+          </a:p>
+        </p:txBody>
+      </p:sp>
+      <p:sp>
+        <p:nvSpPr>
+          <p:cNvPr id="172" name=""/>
+          <p:cNvSpPr/>
+          <p:nvPr/>
+        </p:nvSpPr>
+        <p:spPr>
+          <a:xfrm>
+            <a:off x="3657600" y="2742840"/>
+            <a:ext cx="514800" cy="344880"/>
+          </a:xfrm>
+          <a:prstGeom prst="rect">
+            <a:avLst/>
+          </a:prstGeom>
+          <a:noFill/>
+          <a:ln w="0">
+            <a:noFill/>
+          </a:ln>
+        </p:spPr>
+        <p:style>
+          <a:lnRef idx="0"/>
+          <a:fillRef idx="0"/>
+          <a:effectRef idx="0"/>
+          <a:fontRef idx="minor"/>
+        </p:style>
+        <p:txBody>
+          <a:bodyPr lIns="90000" rIns="90000" tIns="45000" bIns="45000" anchor="t">
+            <a:noAutofit/>
+          </a:bodyPr>
+          <a:p>
+            <a:pPr>
+              <a:lnSpc>
+                <a:spcPct val="100000"/>
+              </a:lnSpc>
+              <a:buNone/>
+            </a:pPr>
+            <a:r>
+              <a:rPr b="0" lang="en-US" sz="1000" spc="-18" strike="noStrike">
+                <a:solidFill>
+                  <a:srgbClr val="ff7900"/>
+                </a:solidFill>
+                <a:latin typeface="Helvetica 75 Bold"/>
+                <a:ea typeface="DejaVu Sans"/>
+              </a:rPr>
+              <a:t>4</a:t>
+            </a:r>
+            <a:endParaRPr b="0" lang="en-US" sz="1000" spc="-1" strike="noStrike">
+              <a:latin typeface="Arial"/>
+            </a:endParaRPr>
+          </a:p>
+        </p:txBody>
+      </p:sp>
+      <p:sp>
+        <p:nvSpPr>
+          <p:cNvPr id="173" name=""/>
+          <p:cNvSpPr txBox="1"/>
+          <p:nvPr/>
+        </p:nvSpPr>
+        <p:spPr>
+          <a:xfrm>
+            <a:off x="4345200" y="2778840"/>
+            <a:ext cx="250920" cy="217440"/>
+          </a:xfrm>
+          <a:prstGeom prst="rect">
+            <a:avLst/>
+          </a:prstGeom>
+          <a:noFill/>
+          <a:ln w="0">
+            <a:noFill/>
+          </a:ln>
+        </p:spPr>
+        <p:txBody>
+          <a:bodyPr lIns="90000" rIns="90000" tIns="45000" bIns="45000" anchor="t">
+            <a:noAutofit/>
+          </a:bodyPr>
+          <a:p>
+            <a:r>
+              <a:rPr b="0" lang="en-US" sz="1000" spc="-18" strike="noStrike">
+                <a:solidFill>
+                  <a:srgbClr val="ff7900"/>
+                </a:solidFill>
+                <a:latin typeface="Helvetica 75 Bold"/>
+                <a:ea typeface="DejaVu Sans"/>
+              </a:rPr>
+              <a:t>5</a:t>
+            </a:r>
+            <a:endParaRPr b="0" lang="en-US" sz="1000" spc="-1" strike="noStrike">
+              <a:latin typeface="Arial"/>
+            </a:endParaRPr>
+          </a:p>
+        </p:txBody>
       </p:sp>
     </p:spTree>
   </p:cSld>
@@ -6587,14 +8425,14 @@
       </p:grpSpPr>
       <p:sp>
         <p:nvSpPr>
-          <p:cNvPr id="131" name="TextShape 4"/>
+          <p:cNvPr id="174" name="TextShape 1"/>
           <p:cNvSpPr/>
           <p:nvPr/>
         </p:nvSpPr>
         <p:spPr>
           <a:xfrm>
             <a:off x="314280" y="1184400"/>
-            <a:ext cx="8510760" cy="3360960"/>
+            <a:ext cx="8510400" cy="3360600"/>
           </a:xfrm>
           <a:prstGeom prst="rect">
             <a:avLst/>
@@ -6694,14 +8532,14 @@
       </p:sp>
       <p:sp>
         <p:nvSpPr>
-          <p:cNvPr id="132" name="TextShape 5"/>
+          <p:cNvPr id="175" name="TextShape 2"/>
           <p:cNvSpPr/>
           <p:nvPr/>
         </p:nvSpPr>
         <p:spPr>
           <a:xfrm>
             <a:off x="314280" y="267480"/>
-            <a:ext cx="8510760" cy="418320"/>
+            <a:ext cx="8510400" cy="738720"/>
           </a:xfrm>
           <a:prstGeom prst="rect">
             <a:avLst/>
@@ -6736,7 +8574,7 @@
                 <a:latin typeface="Helvetica 75 Bold"/>
                 <a:ea typeface="DejaVu Sans"/>
               </a:rPr>
-              <a:t>Liste doublement chaînée</a:t>
+              <a:t>Liste chaînée</a:t>
             </a:r>
             <a:endParaRPr b="0" lang="en-US" sz="2000" spc="-1" strike="noStrike">
               <a:latin typeface="Arial"/>
@@ -6766,614 +8604,9 @@
           </a:p>
         </p:txBody>
       </p:sp>
-      <p:sp>
-        <p:nvSpPr>
-          <p:cNvPr id="133" name=""/>
-          <p:cNvSpPr/>
-          <p:nvPr/>
-        </p:nvSpPr>
-        <p:spPr>
-          <a:xfrm>
-            <a:off x="6629400" y="1600200"/>
-            <a:ext cx="685800" cy="457200"/>
-          </a:xfrm>
-          <a:prstGeom prst="rect">
-            <a:avLst/>
-          </a:prstGeom>
-          <a:solidFill>
-            <a:srgbClr val="729fcf"/>
-          </a:solidFill>
-          <a:ln w="0">
-            <a:solidFill>
-              <a:srgbClr val="3465a4"/>
-            </a:solidFill>
-          </a:ln>
-        </p:spPr>
-        <p:style>
-          <a:lnRef idx="0"/>
-          <a:fillRef idx="0"/>
-          <a:effectRef idx="0"/>
-          <a:fontRef idx="minor"/>
-        </p:style>
-        <p:txBody>
-          <a:bodyPr lIns="90000" rIns="90000" tIns="45000" bIns="45000" anchor="ctr">
-            <a:noAutofit/>
-          </a:bodyPr>
-          <a:p>
-            <a:pPr algn="ctr">
-              <a:buNone/>
-            </a:pPr>
-            <a:r>
-              <a:rPr b="0" lang="en-US" sz="1800" spc="-1" strike="noStrike">
-                <a:latin typeface="Arial"/>
-              </a:rPr>
-              <a:t>12</a:t>
-            </a:r>
-            <a:endParaRPr b="0" lang="en-US" sz="1800" spc="-1" strike="noStrike">
-              <a:latin typeface="Arial"/>
-            </a:endParaRPr>
-          </a:p>
-        </p:txBody>
-      </p:sp>
-      <p:sp>
-        <p:nvSpPr>
-          <p:cNvPr id="134" name=""/>
-          <p:cNvSpPr/>
-          <p:nvPr/>
-        </p:nvSpPr>
-        <p:spPr>
-          <a:xfrm>
-            <a:off x="7315200" y="1600200"/>
-            <a:ext cx="685800" cy="457200"/>
-          </a:xfrm>
-          <a:prstGeom prst="rect">
-            <a:avLst/>
-          </a:prstGeom>
-          <a:solidFill>
-            <a:srgbClr val="729fcf"/>
-          </a:solidFill>
-          <a:ln w="0">
-            <a:solidFill>
-              <a:srgbClr val="3465a4"/>
-            </a:solidFill>
-          </a:ln>
-        </p:spPr>
-        <p:style>
-          <a:lnRef idx="0"/>
-          <a:fillRef idx="0"/>
-          <a:effectRef idx="0"/>
-          <a:fontRef idx="minor"/>
-        </p:style>
-      </p:sp>
-      <p:sp>
-        <p:nvSpPr>
-          <p:cNvPr id="135" name=""/>
-          <p:cNvSpPr/>
-          <p:nvPr/>
-        </p:nvSpPr>
-        <p:spPr>
-          <a:xfrm>
-            <a:off x="8001000" y="1600200"/>
-            <a:ext cx="685800" cy="457200"/>
-          </a:xfrm>
-          <a:prstGeom prst="rect">
-            <a:avLst/>
-          </a:prstGeom>
-          <a:solidFill>
-            <a:srgbClr val="729fcf"/>
-          </a:solidFill>
-          <a:ln w="0">
-            <a:solidFill>
-              <a:srgbClr val="3465a4"/>
-            </a:solidFill>
-          </a:ln>
-        </p:spPr>
-        <p:style>
-          <a:lnRef idx="0"/>
-          <a:fillRef idx="0"/>
-          <a:effectRef idx="0"/>
-          <a:fontRef idx="minor"/>
-        </p:style>
-        <p:txBody>
-          <a:bodyPr lIns="90000" rIns="90000" tIns="45000" bIns="45000" anchor="ctr">
-            <a:noAutofit/>
-          </a:bodyPr>
-          <a:p>
-            <a:pPr algn="ctr">
-              <a:buNone/>
-            </a:pPr>
-            <a:r>
-              <a:rPr b="0" lang="en-US" sz="1400" spc="-1" strike="noStrike">
-                <a:latin typeface="Arial"/>
-              </a:rPr>
-              <a:t>None</a:t>
-            </a:r>
-            <a:endParaRPr b="0" lang="en-US" sz="1400" spc="-1" strike="noStrike">
-              <a:latin typeface="Arial"/>
-            </a:endParaRPr>
-          </a:p>
-        </p:txBody>
-      </p:sp>
-      <p:sp>
-        <p:nvSpPr>
-          <p:cNvPr id="136" name=""/>
-          <p:cNvSpPr/>
-          <p:nvPr/>
-        </p:nvSpPr>
-        <p:spPr>
-          <a:xfrm>
-            <a:off x="5630400" y="3042000"/>
-            <a:ext cx="685800" cy="457200"/>
-          </a:xfrm>
-          <a:prstGeom prst="rect">
-            <a:avLst/>
-          </a:prstGeom>
-          <a:solidFill>
-            <a:srgbClr val="729fcf"/>
-          </a:solidFill>
-          <a:ln w="0">
-            <a:solidFill>
-              <a:srgbClr val="3465a4"/>
-            </a:solidFill>
-          </a:ln>
-        </p:spPr>
-        <p:style>
-          <a:lnRef idx="0"/>
-          <a:fillRef idx="0"/>
-          <a:effectRef idx="0"/>
-          <a:fontRef idx="minor"/>
-        </p:style>
-        <p:txBody>
-          <a:bodyPr lIns="90000" rIns="90000" tIns="45000" bIns="45000" anchor="ctr">
-            <a:noAutofit/>
-          </a:bodyPr>
-          <a:p>
-            <a:pPr algn="ctr">
-              <a:buNone/>
-            </a:pPr>
-            <a:r>
-              <a:rPr b="0" lang="en-US" sz="1800" spc="-1" strike="noStrike">
-                <a:latin typeface="Arial"/>
-              </a:rPr>
-              <a:t>12</a:t>
-            </a:r>
-            <a:endParaRPr b="0" lang="en-US" sz="1800" spc="-1" strike="noStrike">
-              <a:latin typeface="Arial"/>
-            </a:endParaRPr>
-          </a:p>
-        </p:txBody>
-      </p:sp>
-      <p:sp>
-        <p:nvSpPr>
-          <p:cNvPr id="137" name=""/>
-          <p:cNvSpPr/>
-          <p:nvPr/>
-        </p:nvSpPr>
-        <p:spPr>
-          <a:xfrm>
-            <a:off x="6316200" y="3042000"/>
-            <a:ext cx="685800" cy="457200"/>
-          </a:xfrm>
-          <a:prstGeom prst="rect">
-            <a:avLst/>
-          </a:prstGeom>
-          <a:solidFill>
-            <a:srgbClr val="729fcf"/>
-          </a:solidFill>
-          <a:ln w="0">
-            <a:solidFill>
-              <a:srgbClr val="3465a4"/>
-            </a:solidFill>
-          </a:ln>
-        </p:spPr>
-        <p:style>
-          <a:lnRef idx="0"/>
-          <a:fillRef idx="0"/>
-          <a:effectRef idx="0"/>
-          <a:fontRef idx="minor"/>
-        </p:style>
-      </p:sp>
-      <p:sp>
-        <p:nvSpPr>
-          <p:cNvPr id="138" name=""/>
-          <p:cNvSpPr/>
-          <p:nvPr/>
-        </p:nvSpPr>
-        <p:spPr>
-          <a:xfrm>
-            <a:off x="7002000" y="3042000"/>
-            <a:ext cx="685800" cy="457200"/>
-          </a:xfrm>
-          <a:prstGeom prst="rect">
-            <a:avLst/>
-          </a:prstGeom>
-          <a:solidFill>
-            <a:srgbClr val="729fcf"/>
-          </a:solidFill>
-          <a:ln w="0">
-            <a:solidFill>
-              <a:srgbClr val="3465a4"/>
-            </a:solidFill>
-          </a:ln>
-        </p:spPr>
-        <p:style>
-          <a:lnRef idx="0"/>
-          <a:fillRef idx="0"/>
-          <a:effectRef idx="0"/>
-          <a:fontRef idx="minor"/>
-        </p:style>
-      </p:sp>
-      <p:sp>
-        <p:nvSpPr>
-          <p:cNvPr id="139" name=""/>
-          <p:cNvSpPr/>
-          <p:nvPr/>
-        </p:nvSpPr>
-        <p:spPr>
-          <a:xfrm>
-            <a:off x="7002000" y="4413600"/>
-            <a:ext cx="685800" cy="457200"/>
-          </a:xfrm>
-          <a:prstGeom prst="rect">
-            <a:avLst/>
-          </a:prstGeom>
-          <a:solidFill>
-            <a:srgbClr val="729fcf"/>
-          </a:solidFill>
-          <a:ln w="0">
-            <a:solidFill>
-              <a:srgbClr val="3465a4"/>
-            </a:solidFill>
-          </a:ln>
-        </p:spPr>
-        <p:style>
-          <a:lnRef idx="0"/>
-          <a:fillRef idx="0"/>
-          <a:effectRef idx="0"/>
-          <a:fontRef idx="minor"/>
-        </p:style>
-        <p:txBody>
-          <a:bodyPr lIns="90000" rIns="90000" tIns="45000" bIns="45000" anchor="ctr">
-            <a:noAutofit/>
-          </a:bodyPr>
-          <a:p>
-            <a:pPr algn="ctr">
-              <a:buNone/>
-            </a:pPr>
-            <a:r>
-              <a:rPr b="0" lang="en-US" sz="1800" spc="-1" strike="noStrike">
-                <a:latin typeface="Arial"/>
-              </a:rPr>
-              <a:t>5</a:t>
-            </a:r>
-            <a:endParaRPr b="0" lang="en-US" sz="1800" spc="-1" strike="noStrike">
-              <a:latin typeface="Arial"/>
-            </a:endParaRPr>
-          </a:p>
-        </p:txBody>
-      </p:sp>
-      <p:sp>
-        <p:nvSpPr>
-          <p:cNvPr id="140" name=""/>
-          <p:cNvSpPr/>
-          <p:nvPr/>
-        </p:nvSpPr>
-        <p:spPr>
-          <a:xfrm>
-            <a:off x="7687800" y="4413600"/>
-            <a:ext cx="685800" cy="457200"/>
-          </a:xfrm>
-          <a:prstGeom prst="rect">
-            <a:avLst/>
-          </a:prstGeom>
-          <a:solidFill>
-            <a:srgbClr val="729fcf"/>
-          </a:solidFill>
-          <a:ln w="0">
-            <a:solidFill>
-              <a:srgbClr val="3465a4"/>
-            </a:solidFill>
-          </a:ln>
-        </p:spPr>
-        <p:style>
-          <a:lnRef idx="0"/>
-          <a:fillRef idx="0"/>
-          <a:effectRef idx="0"/>
-          <a:fontRef idx="minor"/>
-        </p:style>
-        <p:txBody>
-          <a:bodyPr lIns="90000" rIns="90000" tIns="45000" bIns="45000" anchor="ctr">
-            <a:noAutofit/>
-          </a:bodyPr>
-          <a:p>
-            <a:pPr algn="ctr">
-              <a:buNone/>
-            </a:pPr>
-            <a:r>
-              <a:rPr b="0" lang="en-US" sz="1400" spc="-1" strike="noStrike">
-                <a:latin typeface="Arial"/>
-              </a:rPr>
-              <a:t>Non</a:t>
-            </a:r>
-            <a:r>
-              <a:rPr b="0" lang="en-US" sz="1400" spc="-1" strike="noStrike">
-                <a:latin typeface="Arial"/>
-              </a:rPr>
-              <a:t>e</a:t>
-            </a:r>
-            <a:endParaRPr b="0" lang="en-US" sz="1400" spc="-1" strike="noStrike">
-              <a:latin typeface="Arial"/>
-            </a:endParaRPr>
-          </a:p>
-        </p:txBody>
-      </p:sp>
-      <p:sp>
-        <p:nvSpPr>
-          <p:cNvPr id="141" name=""/>
-          <p:cNvSpPr/>
-          <p:nvPr/>
-        </p:nvSpPr>
-        <p:spPr>
-          <a:xfrm>
-            <a:off x="8373600" y="4413600"/>
-            <a:ext cx="685800" cy="457200"/>
-          </a:xfrm>
-          <a:prstGeom prst="rect">
-            <a:avLst/>
-          </a:prstGeom>
-          <a:solidFill>
-            <a:srgbClr val="729fcf"/>
-          </a:solidFill>
-          <a:ln w="0">
-            <a:solidFill>
-              <a:srgbClr val="3465a4"/>
-            </a:solidFill>
-          </a:ln>
-        </p:spPr>
-        <p:style>
-          <a:lnRef idx="0"/>
-          <a:fillRef idx="0"/>
-          <a:effectRef idx="0"/>
-          <a:fontRef idx="minor"/>
-        </p:style>
-      </p:sp>
-      <p:sp>
-        <p:nvSpPr>
-          <p:cNvPr id="142" name=""/>
-          <p:cNvSpPr/>
-          <p:nvPr/>
-        </p:nvSpPr>
-        <p:spPr>
-          <a:xfrm flipH="1" flipV="1">
-            <a:off x="6629400" y="1828800"/>
-            <a:ext cx="603000" cy="1449000"/>
-          </a:xfrm>
-          <a:prstGeom prst="line">
-            <a:avLst/>
-          </a:prstGeom>
-          <a:ln w="19080">
-            <a:solidFill>
-              <a:srgbClr val="ff0000"/>
-            </a:solidFill>
-            <a:round/>
-            <a:tailEnd len="med" type="triangle" w="med"/>
-          </a:ln>
-        </p:spPr>
-        <p:style>
-          <a:lnRef idx="0"/>
-          <a:fillRef idx="0"/>
-          <a:effectRef idx="0"/>
-          <a:fontRef idx="minor"/>
-        </p:style>
-      </p:sp>
-      <p:sp>
-        <p:nvSpPr>
-          <p:cNvPr id="143" name=""/>
-          <p:cNvSpPr/>
-          <p:nvPr/>
-        </p:nvSpPr>
-        <p:spPr>
-          <a:xfrm flipH="1">
-            <a:off x="5630400" y="1828800"/>
-            <a:ext cx="1913400" cy="1441800"/>
-          </a:xfrm>
-          <a:prstGeom prst="line">
-            <a:avLst/>
-          </a:prstGeom>
-          <a:ln w="19080">
-            <a:solidFill>
-              <a:srgbClr val="ff0000"/>
-            </a:solidFill>
-            <a:round/>
-            <a:tailEnd len="med" type="triangle" w="med"/>
-          </a:ln>
-        </p:spPr>
-        <p:style>
-          <a:lnRef idx="0"/>
-          <a:fillRef idx="0"/>
-          <a:effectRef idx="0"/>
-          <a:fontRef idx="minor"/>
-        </p:style>
-      </p:sp>
-      <p:sp>
-        <p:nvSpPr>
-          <p:cNvPr id="144" name=""/>
-          <p:cNvSpPr/>
-          <p:nvPr/>
-        </p:nvSpPr>
-        <p:spPr>
-          <a:xfrm>
-            <a:off x="6773400" y="3270600"/>
-            <a:ext cx="228600" cy="1371600"/>
-          </a:xfrm>
-          <a:prstGeom prst="line">
-            <a:avLst/>
-          </a:prstGeom>
-          <a:ln w="19080">
-            <a:solidFill>
-              <a:srgbClr val="ff0000"/>
-            </a:solidFill>
-            <a:round/>
-            <a:tailEnd len="med" type="triangle" w="med"/>
-          </a:ln>
-        </p:spPr>
-        <p:style>
-          <a:lnRef idx="0"/>
-          <a:fillRef idx="0"/>
-          <a:effectRef idx="0"/>
-          <a:fontRef idx="minor"/>
-        </p:style>
-      </p:sp>
-      <p:sp>
-        <p:nvSpPr>
-          <p:cNvPr id="145" name=""/>
-          <p:cNvSpPr/>
-          <p:nvPr/>
-        </p:nvSpPr>
-        <p:spPr>
-          <a:xfrm flipH="1" flipV="1">
-            <a:off x="5630400" y="3270600"/>
-            <a:ext cx="3200400" cy="1378800"/>
-          </a:xfrm>
-          <a:prstGeom prst="line">
-            <a:avLst/>
-          </a:prstGeom>
-          <a:ln w="19080">
-            <a:solidFill>
-              <a:srgbClr val="ff0000"/>
-            </a:solidFill>
-            <a:round/>
-            <a:tailEnd len="med" type="triangle" w="med"/>
-          </a:ln>
-        </p:spPr>
-        <p:style>
-          <a:lnRef idx="0"/>
-          <a:fillRef idx="0"/>
-          <a:effectRef idx="0"/>
-          <a:fontRef idx="minor"/>
-        </p:style>
-      </p:sp>
-      <p:sp>
-        <p:nvSpPr>
-          <p:cNvPr id="146" name=""/>
-          <p:cNvSpPr/>
-          <p:nvPr/>
-        </p:nvSpPr>
-        <p:spPr>
-          <a:xfrm>
-            <a:off x="4114800" y="2514600"/>
-            <a:ext cx="685800" cy="457200"/>
-          </a:xfrm>
-          <a:prstGeom prst="rect">
-            <a:avLst/>
-          </a:prstGeom>
-          <a:solidFill>
-            <a:srgbClr val="729fcf"/>
-          </a:solidFill>
-          <a:ln w="0">
-            <a:solidFill>
-              <a:srgbClr val="3465a4"/>
-            </a:solidFill>
-          </a:ln>
-        </p:spPr>
-        <p:style>
-          <a:lnRef idx="0"/>
-          <a:fillRef idx="0"/>
-          <a:effectRef idx="0"/>
-          <a:fontRef idx="minor"/>
-        </p:style>
-      </p:sp>
-      <p:sp>
-        <p:nvSpPr>
-          <p:cNvPr id="147" name=""/>
-          <p:cNvSpPr/>
-          <p:nvPr/>
-        </p:nvSpPr>
-        <p:spPr>
-          <a:xfrm>
-            <a:off x="4114800" y="2971800"/>
-            <a:ext cx="685800" cy="457200"/>
-          </a:xfrm>
-          <a:prstGeom prst="rect">
-            <a:avLst/>
-          </a:prstGeom>
-          <a:solidFill>
-            <a:srgbClr val="729fcf"/>
-          </a:solidFill>
-          <a:ln w="0">
-            <a:solidFill>
-              <a:srgbClr val="3465a4"/>
-            </a:solidFill>
-          </a:ln>
-        </p:spPr>
-        <p:style>
-          <a:lnRef idx="0"/>
-          <a:fillRef idx="0"/>
-          <a:effectRef idx="0"/>
-          <a:fontRef idx="minor"/>
-        </p:style>
-      </p:sp>
-      <p:sp>
-        <p:nvSpPr>
-          <p:cNvPr id="148" name=""/>
-          <p:cNvSpPr/>
-          <p:nvPr/>
-        </p:nvSpPr>
-        <p:spPr>
-          <a:xfrm flipV="1">
-            <a:off x="4487400" y="1828800"/>
-            <a:ext cx="2142000" cy="914400"/>
-          </a:xfrm>
-          <a:prstGeom prst="line">
-            <a:avLst/>
-          </a:prstGeom>
-          <a:ln w="57240">
-            <a:solidFill>
-              <a:srgbClr val="111111"/>
-            </a:solidFill>
-            <a:round/>
-            <a:tailEnd len="med" type="triangle" w="med"/>
-          </a:ln>
-        </p:spPr>
-        <p:style>
-          <a:lnRef idx="0"/>
-          <a:fillRef idx="0"/>
-          <a:effectRef idx="0"/>
-          <a:fontRef idx="minor"/>
-        </p:style>
-      </p:sp>
-      <p:sp>
-        <p:nvSpPr>
-          <p:cNvPr id="149" name=""/>
-          <p:cNvSpPr/>
-          <p:nvPr/>
-        </p:nvSpPr>
-        <p:spPr>
-          <a:xfrm>
-            <a:off x="4343400" y="3200400"/>
-            <a:ext cx="2658600" cy="1449000"/>
-          </a:xfrm>
-          <a:prstGeom prst="line">
-            <a:avLst/>
-          </a:prstGeom>
-          <a:ln w="57240">
-            <a:solidFill>
-              <a:srgbClr val="111111"/>
-            </a:solidFill>
-            <a:round/>
-            <a:tailEnd len="med" type="triangle" w="med"/>
-          </a:ln>
-        </p:spPr>
-        <p:style>
-          <a:lnRef idx="0"/>
-          <a:fillRef idx="0"/>
-          <a:effectRef idx="0"/>
-          <a:fontRef idx="minor"/>
-        </p:style>
-      </p:sp>
       <p:pic>
         <p:nvPicPr>
-          <p:cNvPr id="150" name="" descr=""/>
+          <p:cNvPr id="176" name="" descr=""/>
           <p:cNvPicPr/>
           <p:nvPr/>
         </p:nvPicPr>
@@ -7383,8 +8616,8 @@
         </p:blipFill>
         <p:spPr>
           <a:xfrm>
-            <a:off x="314280" y="685800"/>
-            <a:ext cx="3255840" cy="3886200"/>
+            <a:off x="457200" y="1579320"/>
+            <a:ext cx="3657240" cy="1544040"/>
           </a:xfrm>
           <a:prstGeom prst="rect">
             <a:avLst/>
@@ -7396,453 +8629,345 @@
       </p:pic>
       <p:sp>
         <p:nvSpPr>
-          <p:cNvPr id="151" name=""/>
-          <p:cNvSpPr txBox="1"/>
+          <p:cNvPr id="177" name=""/>
+          <p:cNvSpPr/>
           <p:nvPr/>
         </p:nvSpPr>
         <p:spPr>
           <a:xfrm>
-            <a:off x="4114800" y="2514600"/>
-            <a:ext cx="515160" cy="345240"/>
-          </a:xfrm>
-          <a:prstGeom prst="rect">
-            <a:avLst/>
-          </a:prstGeom>
-          <a:noFill/>
-          <a:ln w="0">
-            <a:noFill/>
-          </a:ln>
-        </p:spPr>
-        <p:txBody>
-          <a:bodyPr lIns="90000" rIns="90000" tIns="45000" bIns="45000" anchor="t">
+            <a:off x="4114800" y="457200"/>
+            <a:ext cx="685440" cy="456840"/>
+          </a:xfrm>
+          <a:prstGeom prst="rect">
+            <a:avLst/>
+          </a:prstGeom>
+          <a:solidFill>
+            <a:srgbClr val="729fcf"/>
+          </a:solidFill>
+          <a:ln w="0">
+            <a:solidFill>
+              <a:srgbClr val="3465a4"/>
+            </a:solidFill>
+          </a:ln>
+        </p:spPr>
+        <p:style>
+          <a:lnRef idx="0"/>
+          <a:fillRef idx="0"/>
+          <a:effectRef idx="0"/>
+          <a:fontRef idx="minor"/>
+        </p:style>
+        <p:txBody>
+          <a:bodyPr lIns="90000" rIns="90000" tIns="45000" bIns="45000" anchor="ctr">
             <a:noAutofit/>
           </a:bodyPr>
           <a:p>
+            <a:pPr algn="ctr">
+              <a:lnSpc>
+                <a:spcPct val="100000"/>
+              </a:lnSpc>
+              <a:buNone/>
+            </a:pPr>
             <a:r>
-              <a:rPr b="0" lang="en-US" sz="1000" spc="-18" strike="noStrike">
+              <a:rPr b="0" lang="en-US" sz="1800" spc="-1" strike="noStrike">
                 <a:solidFill>
-                  <a:srgbClr val="ff7900"/>
+                  <a:srgbClr val="000000"/>
                 </a:solidFill>
-                <a:latin typeface="Helvetica 75 Bold"/>
+                <a:latin typeface="Arial"/>
                 <a:ea typeface="DejaVu Sans"/>
               </a:rPr>
-              <a:t>head</a:t>
+              <a:t>12</a:t>
             </a:r>
-            <a:endParaRPr b="0" lang="en-US" sz="1000" spc="-1" strike="noStrike">
-              <a:latin typeface="Arial"/>
-            </a:endParaRPr>
-          </a:p>
-        </p:txBody>
-      </p:sp>
-      <p:sp>
-        <p:nvSpPr>
-          <p:cNvPr id="152" name=""/>
-          <p:cNvSpPr txBox="1"/>
+            <a:endParaRPr b="0" lang="en-US" sz="1800" spc="-1" strike="noStrike">
+              <a:latin typeface="Arial"/>
+            </a:endParaRPr>
+          </a:p>
+        </p:txBody>
+      </p:sp>
+      <p:sp>
+        <p:nvSpPr>
+          <p:cNvPr id="178" name=""/>
+          <p:cNvSpPr/>
           <p:nvPr/>
         </p:nvSpPr>
         <p:spPr>
           <a:xfrm>
-            <a:off x="4114800" y="2971800"/>
-            <a:ext cx="515160" cy="345240"/>
-          </a:xfrm>
-          <a:prstGeom prst="rect">
-            <a:avLst/>
-          </a:prstGeom>
-          <a:noFill/>
-          <a:ln w="0">
-            <a:noFill/>
-          </a:ln>
-        </p:spPr>
-        <p:txBody>
-          <a:bodyPr lIns="90000" rIns="90000" tIns="45000" bIns="45000" anchor="t">
+            <a:off x="4800600" y="457200"/>
+            <a:ext cx="685440" cy="456840"/>
+          </a:xfrm>
+          <a:prstGeom prst="rect">
+            <a:avLst/>
+          </a:prstGeom>
+          <a:solidFill>
+            <a:srgbClr val="729fcf"/>
+          </a:solidFill>
+          <a:ln w="0">
+            <a:solidFill>
+              <a:srgbClr val="3465a4"/>
+            </a:solidFill>
+          </a:ln>
+        </p:spPr>
+        <p:style>
+          <a:lnRef idx="0"/>
+          <a:fillRef idx="0"/>
+          <a:effectRef idx="0"/>
+          <a:fontRef idx="minor"/>
+        </p:style>
+      </p:sp>
+      <p:sp>
+        <p:nvSpPr>
+          <p:cNvPr id="179" name=""/>
+          <p:cNvSpPr/>
+          <p:nvPr/>
+        </p:nvSpPr>
+        <p:spPr>
+          <a:xfrm>
+            <a:off x="5715000" y="914400"/>
+            <a:ext cx="685440" cy="456840"/>
+          </a:xfrm>
+          <a:prstGeom prst="rect">
+            <a:avLst/>
+          </a:prstGeom>
+          <a:solidFill>
+            <a:srgbClr val="729fcf"/>
+          </a:solidFill>
+          <a:ln w="0">
+            <a:solidFill>
+              <a:srgbClr val="3465a4"/>
+            </a:solidFill>
+          </a:ln>
+        </p:spPr>
+        <p:style>
+          <a:lnRef idx="0"/>
+          <a:fillRef idx="0"/>
+          <a:effectRef idx="0"/>
+          <a:fontRef idx="minor"/>
+        </p:style>
+        <p:txBody>
+          <a:bodyPr lIns="90000" rIns="90000" tIns="45000" bIns="45000" anchor="ctr">
             <a:noAutofit/>
           </a:bodyPr>
           <a:p>
+            <a:pPr algn="ctr">
+              <a:lnSpc>
+                <a:spcPct val="100000"/>
+              </a:lnSpc>
+              <a:buNone/>
+            </a:pPr>
             <a:r>
-              <a:rPr b="0" lang="en-US" sz="1000" spc="-18" strike="noStrike">
+              <a:rPr b="0" lang="en-US" sz="1800" spc="-1" strike="noStrike">
                 <a:solidFill>
-                  <a:srgbClr val="ff7900"/>
+                  <a:srgbClr val="000000"/>
                 </a:solidFill>
-                <a:latin typeface="Helvetica 75 Bold"/>
+                <a:latin typeface="Arial"/>
                 <a:ea typeface="DejaVu Sans"/>
               </a:rPr>
-              <a:t>tail</a:t>
+              <a:t>4</a:t>
             </a:r>
-            <a:endParaRPr b="0" lang="en-US" sz="1000" spc="-1" strike="noStrike">
-              <a:latin typeface="Arial"/>
-            </a:endParaRPr>
-          </a:p>
-        </p:txBody>
-      </p:sp>
-      <p:sp>
-        <p:nvSpPr>
-          <p:cNvPr id="153" name=""/>
-          <p:cNvSpPr txBox="1"/>
+            <a:endParaRPr b="0" lang="en-US" sz="1800" spc="-1" strike="noStrike">
+              <a:latin typeface="Arial"/>
+            </a:endParaRPr>
+          </a:p>
+        </p:txBody>
+      </p:sp>
+      <p:sp>
+        <p:nvSpPr>
+          <p:cNvPr id="180" name=""/>
+          <p:cNvSpPr/>
           <p:nvPr/>
         </p:nvSpPr>
         <p:spPr>
           <a:xfrm>
-            <a:off x="6717240" y="2057400"/>
-            <a:ext cx="515160" cy="345240"/>
-          </a:xfrm>
-          <a:prstGeom prst="rect">
-            <a:avLst/>
-          </a:prstGeom>
-          <a:noFill/>
-          <a:ln w="0">
-            <a:noFill/>
-          </a:ln>
-        </p:spPr>
-        <p:txBody>
-          <a:bodyPr lIns="90000" rIns="90000" tIns="45000" bIns="45000" anchor="t">
+            <a:off x="6400800" y="914400"/>
+            <a:ext cx="685440" cy="456840"/>
+          </a:xfrm>
+          <a:prstGeom prst="rect">
+            <a:avLst/>
+          </a:prstGeom>
+          <a:solidFill>
+            <a:srgbClr val="729fcf"/>
+          </a:solidFill>
+          <a:ln w="0">
+            <a:solidFill>
+              <a:srgbClr val="3465a4"/>
+            </a:solidFill>
+          </a:ln>
+        </p:spPr>
+        <p:style>
+          <a:lnRef idx="0"/>
+          <a:fillRef idx="0"/>
+          <a:effectRef idx="0"/>
+          <a:fontRef idx="minor"/>
+        </p:style>
+      </p:sp>
+      <p:sp>
+        <p:nvSpPr>
+          <p:cNvPr id="181" name=""/>
+          <p:cNvSpPr/>
+          <p:nvPr/>
+        </p:nvSpPr>
+        <p:spPr>
+          <a:xfrm>
+            <a:off x="7543800" y="685800"/>
+            <a:ext cx="685440" cy="456840"/>
+          </a:xfrm>
+          <a:prstGeom prst="rect">
+            <a:avLst/>
+          </a:prstGeom>
+          <a:solidFill>
+            <a:srgbClr val="729fcf"/>
+          </a:solidFill>
+          <a:ln w="0">
+            <a:solidFill>
+              <a:srgbClr val="3465a4"/>
+            </a:solidFill>
+          </a:ln>
+        </p:spPr>
+        <p:style>
+          <a:lnRef idx="0"/>
+          <a:fillRef idx="0"/>
+          <a:effectRef idx="0"/>
+          <a:fontRef idx="minor"/>
+        </p:style>
+        <p:txBody>
+          <a:bodyPr lIns="90000" rIns="90000" tIns="45000" bIns="45000" anchor="ctr">
             <a:noAutofit/>
           </a:bodyPr>
           <a:p>
+            <a:pPr algn="ctr">
+              <a:lnSpc>
+                <a:spcPct val="100000"/>
+              </a:lnSpc>
+              <a:buNone/>
+            </a:pPr>
             <a:r>
-              <a:rPr b="0" lang="en-US" sz="1000" spc="-18" strike="noStrike">
+              <a:rPr b="0" lang="en-US" sz="1800" spc="-1" strike="noStrike">
                 <a:solidFill>
-                  <a:srgbClr val="ff7900"/>
+                  <a:srgbClr val="000000"/>
                 </a:solidFill>
-                <a:latin typeface="Helvetica 75 Bold"/>
+                <a:latin typeface="Arial"/>
                 <a:ea typeface="DejaVu Sans"/>
               </a:rPr>
-              <a:t>value</a:t>
+              <a:t>1</a:t>
             </a:r>
-            <a:endParaRPr b="0" lang="en-US" sz="1000" spc="-1" strike="noStrike">
-              <a:latin typeface="Arial"/>
-            </a:endParaRPr>
-          </a:p>
-        </p:txBody>
-      </p:sp>
-      <p:sp>
-        <p:nvSpPr>
-          <p:cNvPr id="154" name=""/>
-          <p:cNvSpPr txBox="1"/>
+            <a:endParaRPr b="0" lang="en-US" sz="1800" spc="-1" strike="noStrike">
+              <a:latin typeface="Arial"/>
+            </a:endParaRPr>
+          </a:p>
+        </p:txBody>
+      </p:sp>
+      <p:sp>
+        <p:nvSpPr>
+          <p:cNvPr id="182" name=""/>
+          <p:cNvSpPr/>
           <p:nvPr/>
         </p:nvSpPr>
         <p:spPr>
           <a:xfrm>
-            <a:off x="5715000" y="3499200"/>
-            <a:ext cx="515160" cy="345240"/>
-          </a:xfrm>
-          <a:prstGeom prst="rect">
-            <a:avLst/>
-          </a:prstGeom>
-          <a:noFill/>
-          <a:ln w="0">
-            <a:noFill/>
-          </a:ln>
-        </p:spPr>
-        <p:txBody>
-          <a:bodyPr lIns="90000" rIns="90000" tIns="45000" bIns="45000" anchor="t">
+            <a:off x="8229600" y="685800"/>
+            <a:ext cx="685440" cy="456840"/>
+          </a:xfrm>
+          <a:prstGeom prst="rect">
+            <a:avLst/>
+          </a:prstGeom>
+          <a:solidFill>
+            <a:srgbClr val="729fcf"/>
+          </a:solidFill>
+          <a:ln w="0">
+            <a:solidFill>
+              <a:srgbClr val="3465a4"/>
+            </a:solidFill>
+          </a:ln>
+        </p:spPr>
+        <p:style>
+          <a:lnRef idx="0"/>
+          <a:fillRef idx="0"/>
+          <a:effectRef idx="0"/>
+          <a:fontRef idx="minor"/>
+        </p:style>
+        <p:txBody>
+          <a:bodyPr lIns="90000" rIns="90000" tIns="45000" bIns="45000" anchor="ctr">
             <a:noAutofit/>
           </a:bodyPr>
           <a:p>
+            <a:pPr algn="ctr">
+              <a:lnSpc>
+                <a:spcPct val="100000"/>
+              </a:lnSpc>
+              <a:buNone/>
+            </a:pPr>
             <a:r>
-              <a:rPr b="0" lang="en-US" sz="1000" spc="-18" strike="noStrike">
+              <a:rPr b="0" lang="en-US" sz="1400" spc="-1" strike="noStrike">
                 <a:solidFill>
-                  <a:srgbClr val="ff7900"/>
+                  <a:srgbClr val="000000"/>
                 </a:solidFill>
-                <a:latin typeface="Helvetica 75 Bold"/>
+                <a:latin typeface="Arial"/>
                 <a:ea typeface="DejaVu Sans"/>
               </a:rPr>
-              <a:t>value</a:t>
+              <a:t>None</a:t>
             </a:r>
-            <a:endParaRPr b="0" lang="en-US" sz="1000" spc="-1" strike="noStrike">
-              <a:latin typeface="Arial"/>
-            </a:endParaRPr>
-          </a:p>
-        </p:txBody>
-      </p:sp>
-      <p:sp>
-        <p:nvSpPr>
-          <p:cNvPr id="155" name=""/>
-          <p:cNvSpPr txBox="1"/>
+            <a:endParaRPr b="0" lang="en-US" sz="1400" spc="-1" strike="noStrike">
+              <a:latin typeface="Arial"/>
+            </a:endParaRPr>
+          </a:p>
+        </p:txBody>
+      </p:sp>
+      <p:sp>
+        <p:nvSpPr>
+          <p:cNvPr id="183" name=""/>
+          <p:cNvSpPr/>
           <p:nvPr/>
         </p:nvSpPr>
         <p:spPr>
           <a:xfrm>
-            <a:off x="6428880" y="3499200"/>
-            <a:ext cx="515160" cy="345240"/>
-          </a:xfrm>
-          <a:prstGeom prst="rect">
-            <a:avLst/>
-          </a:prstGeom>
-          <a:noFill/>
-          <a:ln w="0">
-            <a:noFill/>
-          </a:ln>
-        </p:spPr>
-        <p:txBody>
-          <a:bodyPr lIns="90000" rIns="90000" tIns="45000" bIns="45000" anchor="t">
-            <a:noAutofit/>
-          </a:bodyPr>
-          <a:p>
-            <a:r>
-              <a:rPr b="0" lang="en-US" sz="1000" spc="-18" strike="noStrike">
-                <a:solidFill>
-                  <a:srgbClr val="ff7900"/>
-                </a:solidFill>
-                <a:latin typeface="Helvetica 75 Bold"/>
-                <a:ea typeface="DejaVu Sans"/>
-              </a:rPr>
-              <a:t>next</a:t>
-            </a:r>
-            <a:endParaRPr b="0" lang="en-US" sz="1000" spc="-1" strike="noStrike">
-              <a:latin typeface="Arial"/>
-            </a:endParaRPr>
-          </a:p>
-        </p:txBody>
-      </p:sp>
-      <p:sp>
-        <p:nvSpPr>
-          <p:cNvPr id="156" name=""/>
-          <p:cNvSpPr txBox="1"/>
+            <a:off x="5029200" y="685800"/>
+            <a:ext cx="685800" cy="498600"/>
+          </a:xfrm>
+          <a:prstGeom prst="line">
+            <a:avLst/>
+          </a:prstGeom>
+          <a:ln w="57240">
+            <a:solidFill>
+              <a:srgbClr val="111111"/>
+            </a:solidFill>
+            <a:round/>
+            <a:tailEnd len="med" type="triangle" w="med"/>
+          </a:ln>
+        </p:spPr>
+        <p:style>
+          <a:lnRef idx="0"/>
+          <a:fillRef idx="0"/>
+          <a:effectRef idx="0"/>
+          <a:fontRef idx="minor"/>
+        </p:style>
+      </p:sp>
+      <p:sp>
+        <p:nvSpPr>
+          <p:cNvPr id="184" name=""/>
+          <p:cNvSpPr/>
           <p:nvPr/>
         </p:nvSpPr>
         <p:spPr>
-          <a:xfrm>
-            <a:off x="6944040" y="3499200"/>
-            <a:ext cx="743760" cy="345240"/>
-          </a:xfrm>
-          <a:prstGeom prst="rect">
-            <a:avLst/>
-          </a:prstGeom>
-          <a:noFill/>
-          <a:ln w="0">
-            <a:noFill/>
-          </a:ln>
-        </p:spPr>
-        <p:txBody>
-          <a:bodyPr lIns="90000" rIns="90000" tIns="45000" bIns="45000" anchor="t">
-            <a:noAutofit/>
-          </a:bodyPr>
-          <a:p>
-            <a:r>
-              <a:rPr b="0" lang="en-US" sz="1000" spc="-18" strike="noStrike">
-                <a:solidFill>
-                  <a:srgbClr val="ff7900"/>
-                </a:solidFill>
-                <a:latin typeface="Helvetica 75 Bold"/>
-                <a:ea typeface="DejaVu Sans"/>
-              </a:rPr>
-              <a:t>previ</a:t>
-            </a:r>
-            <a:r>
-              <a:rPr b="0" lang="en-US" sz="1000" spc="-18" strike="noStrike">
-                <a:solidFill>
-                  <a:srgbClr val="ff7900"/>
-                </a:solidFill>
-                <a:latin typeface="Helvetica 75 Bold"/>
-                <a:ea typeface="DejaVu Sans"/>
-              </a:rPr>
-              <a:t>ous</a:t>
-            </a:r>
-            <a:endParaRPr b="0" lang="en-US" sz="1000" spc="-1" strike="noStrike">
-              <a:latin typeface="Arial"/>
-            </a:endParaRPr>
-          </a:p>
-        </p:txBody>
-      </p:sp>
-      <p:sp>
-        <p:nvSpPr>
-          <p:cNvPr id="157" name=""/>
-          <p:cNvSpPr txBox="1"/>
-          <p:nvPr/>
-        </p:nvSpPr>
-        <p:spPr>
-          <a:xfrm>
-            <a:off x="7800480" y="4870800"/>
-            <a:ext cx="515160" cy="345240"/>
-          </a:xfrm>
-          <a:prstGeom prst="rect">
-            <a:avLst/>
-          </a:prstGeom>
-          <a:noFill/>
-          <a:ln w="0">
-            <a:noFill/>
-          </a:ln>
-        </p:spPr>
-        <p:txBody>
-          <a:bodyPr lIns="90000" rIns="90000" tIns="45000" bIns="45000" anchor="t">
-            <a:noAutofit/>
-          </a:bodyPr>
-          <a:p>
-            <a:r>
-              <a:rPr b="0" lang="en-US" sz="1000" spc="-18" strike="noStrike">
-                <a:solidFill>
-                  <a:srgbClr val="ff7900"/>
-                </a:solidFill>
-                <a:latin typeface="Helvetica 75 Bold"/>
-                <a:ea typeface="DejaVu Sans"/>
-              </a:rPr>
-              <a:t>next</a:t>
-            </a:r>
-            <a:endParaRPr b="0" lang="en-US" sz="1000" spc="-1" strike="noStrike">
-              <a:latin typeface="Arial"/>
-            </a:endParaRPr>
-          </a:p>
-        </p:txBody>
-      </p:sp>
-      <p:sp>
-        <p:nvSpPr>
-          <p:cNvPr id="158" name=""/>
-          <p:cNvSpPr txBox="1"/>
-          <p:nvPr/>
-        </p:nvSpPr>
-        <p:spPr>
-          <a:xfrm>
-            <a:off x="8315640" y="4870800"/>
-            <a:ext cx="743760" cy="345240"/>
-          </a:xfrm>
-          <a:prstGeom prst="rect">
-            <a:avLst/>
-          </a:prstGeom>
-          <a:noFill/>
-          <a:ln w="0">
-            <a:noFill/>
-          </a:ln>
-        </p:spPr>
-        <p:txBody>
-          <a:bodyPr lIns="90000" rIns="90000" tIns="45000" bIns="45000" anchor="t">
-            <a:noAutofit/>
-          </a:bodyPr>
-          <a:p>
-            <a:r>
-              <a:rPr b="0" lang="en-US" sz="1000" spc="-18" strike="noStrike">
-                <a:solidFill>
-                  <a:srgbClr val="ff7900"/>
-                </a:solidFill>
-                <a:latin typeface="Helvetica 75 Bold"/>
-                <a:ea typeface="DejaVu Sans"/>
-              </a:rPr>
-              <a:t>previous</a:t>
-            </a:r>
-            <a:endParaRPr b="0" lang="en-US" sz="1000" spc="-1" strike="noStrike">
-              <a:latin typeface="Arial"/>
-            </a:endParaRPr>
-          </a:p>
-        </p:txBody>
-      </p:sp>
-      <p:sp>
-        <p:nvSpPr>
-          <p:cNvPr id="159" name=""/>
-          <p:cNvSpPr txBox="1"/>
-          <p:nvPr/>
-        </p:nvSpPr>
-        <p:spPr>
-          <a:xfrm>
-            <a:off x="7086600" y="4870800"/>
-            <a:ext cx="515160" cy="345240"/>
-          </a:xfrm>
-          <a:prstGeom prst="rect">
-            <a:avLst/>
-          </a:prstGeom>
-          <a:noFill/>
-          <a:ln w="0">
-            <a:noFill/>
-          </a:ln>
-        </p:spPr>
-        <p:txBody>
-          <a:bodyPr lIns="90000" rIns="90000" tIns="45000" bIns="45000" anchor="t">
-            <a:noAutofit/>
-          </a:bodyPr>
-          <a:p>
-            <a:r>
-              <a:rPr b="0" lang="en-US" sz="1000" spc="-18" strike="noStrike">
-                <a:solidFill>
-                  <a:srgbClr val="ff7900"/>
-                </a:solidFill>
-                <a:latin typeface="Helvetica 75 Bold"/>
-                <a:ea typeface="DejaVu Sans"/>
-              </a:rPr>
-              <a:t>value</a:t>
-            </a:r>
-            <a:endParaRPr b="0" lang="en-US" sz="1000" spc="-1" strike="noStrike">
-              <a:latin typeface="Arial"/>
-            </a:endParaRPr>
-          </a:p>
-        </p:txBody>
-      </p:sp>
-      <p:sp>
-        <p:nvSpPr>
-          <p:cNvPr id="160" name=""/>
-          <p:cNvSpPr txBox="1"/>
-          <p:nvPr/>
-        </p:nvSpPr>
-        <p:spPr>
-          <a:xfrm>
-            <a:off x="7473240" y="2059560"/>
-            <a:ext cx="515160" cy="345240"/>
-          </a:xfrm>
-          <a:prstGeom prst="rect">
-            <a:avLst/>
-          </a:prstGeom>
-          <a:noFill/>
-          <a:ln w="0">
-            <a:noFill/>
-          </a:ln>
-        </p:spPr>
-        <p:txBody>
-          <a:bodyPr lIns="90000" rIns="90000" tIns="45000" bIns="45000" anchor="t">
-            <a:noAutofit/>
-          </a:bodyPr>
-          <a:p>
-            <a:r>
-              <a:rPr b="0" lang="en-US" sz="1000" spc="-18" strike="noStrike">
-                <a:solidFill>
-                  <a:srgbClr val="ff7900"/>
-                </a:solidFill>
-                <a:latin typeface="Helvetica 75 Bold"/>
-                <a:ea typeface="DejaVu Sans"/>
-              </a:rPr>
-              <a:t>next</a:t>
-            </a:r>
-            <a:endParaRPr b="0" lang="en-US" sz="1000" spc="-1" strike="noStrike">
-              <a:latin typeface="Arial"/>
-            </a:endParaRPr>
-          </a:p>
-        </p:txBody>
-      </p:sp>
-      <p:sp>
-        <p:nvSpPr>
-          <p:cNvPr id="161" name=""/>
-          <p:cNvSpPr txBox="1"/>
-          <p:nvPr/>
-        </p:nvSpPr>
-        <p:spPr>
-          <a:xfrm>
-            <a:off x="7988400" y="2059560"/>
-            <a:ext cx="743760" cy="345240"/>
-          </a:xfrm>
-          <a:prstGeom prst="rect">
-            <a:avLst/>
-          </a:prstGeom>
-          <a:noFill/>
-          <a:ln w="0">
-            <a:noFill/>
-          </a:ln>
-        </p:spPr>
-        <p:txBody>
-          <a:bodyPr lIns="90000" rIns="90000" tIns="45000" bIns="45000" anchor="t">
-            <a:noAutofit/>
-          </a:bodyPr>
-          <a:p>
-            <a:r>
-              <a:rPr b="0" lang="en-US" sz="1000" spc="-18" strike="noStrike">
-                <a:solidFill>
-                  <a:srgbClr val="ff7900"/>
-                </a:solidFill>
-                <a:latin typeface="Helvetica 75 Bold"/>
-                <a:ea typeface="DejaVu Sans"/>
-              </a:rPr>
-              <a:t>previous</a:t>
-            </a:r>
-            <a:endParaRPr b="0" lang="en-US" sz="1000" spc="-1" strike="noStrike">
-              <a:latin typeface="Arial"/>
-            </a:endParaRPr>
-          </a:p>
-        </p:txBody>
+          <a:xfrm flipV="1">
+            <a:off x="6629400" y="914400"/>
+            <a:ext cx="914400" cy="228600"/>
+          </a:xfrm>
+          <a:prstGeom prst="line">
+            <a:avLst/>
+          </a:prstGeom>
+          <a:ln w="57240">
+            <a:solidFill>
+              <a:srgbClr val="111111"/>
+            </a:solidFill>
+            <a:round/>
+            <a:tailEnd len="med" type="triangle" w="med"/>
+          </a:ln>
+        </p:spPr>
+        <p:style>
+          <a:lnRef idx="0"/>
+          <a:fillRef idx="0"/>
+          <a:effectRef idx="0"/>
+          <a:fontRef idx="minor"/>
+        </p:style>
       </p:sp>
     </p:spTree>
   </p:cSld>
@@ -7871,14 +8996,14 @@
       </p:grpSpPr>
       <p:sp>
         <p:nvSpPr>
-          <p:cNvPr id="162" name="TextShape 3"/>
+          <p:cNvPr id="185" name="TextShape 4"/>
           <p:cNvSpPr/>
           <p:nvPr/>
         </p:nvSpPr>
         <p:spPr>
           <a:xfrm>
             <a:off x="314280" y="1184400"/>
-            <a:ext cx="8510760" cy="3360960"/>
+            <a:ext cx="8510400" cy="3360600"/>
           </a:xfrm>
           <a:prstGeom prst="rect">
             <a:avLst/>
@@ -7978,14 +9103,1449 @@
       </p:sp>
       <p:sp>
         <p:nvSpPr>
-          <p:cNvPr id="163" name="TextShape 6"/>
+          <p:cNvPr id="186" name="TextShape 5"/>
           <p:cNvSpPr/>
           <p:nvPr/>
         </p:nvSpPr>
         <p:spPr>
           <a:xfrm>
             <a:off x="314280" y="267480"/>
-            <a:ext cx="8510760" cy="418320"/>
+            <a:ext cx="8510400" cy="417960"/>
+          </a:xfrm>
+          <a:prstGeom prst="rect">
+            <a:avLst/>
+          </a:prstGeom>
+          <a:noFill/>
+          <a:ln w="0">
+            <a:noFill/>
+          </a:ln>
+        </p:spPr>
+        <p:style>
+          <a:lnRef idx="0"/>
+          <a:fillRef idx="0"/>
+          <a:effectRef idx="0"/>
+          <a:fontRef idx="minor"/>
+        </p:style>
+        <p:txBody>
+          <a:bodyPr lIns="0" rIns="0" tIns="0" bIns="0" anchor="t">
+            <a:noAutofit/>
+          </a:bodyPr>
+          <a:p>
+            <a:pPr>
+              <a:lnSpc>
+                <a:spcPct val="90000"/>
+              </a:lnSpc>
+              <a:buNone/>
+            </a:pPr>
+            <a:r>
+              <a:rPr b="0" lang="fr-FR" sz="2000" spc="-18" strike="noStrike">
+                <a:solidFill>
+                  <a:srgbClr val="ff7900"/>
+                </a:solidFill>
+                <a:latin typeface="Helvetica 75 Bold"/>
+                <a:ea typeface="DejaVu Sans"/>
+              </a:rPr>
+              <a:t>Liste doublement chaînée</a:t>
+            </a:r>
+            <a:endParaRPr b="0" lang="en-US" sz="2000" spc="-1" strike="noStrike">
+              <a:latin typeface="Arial"/>
+            </a:endParaRPr>
+          </a:p>
+          <a:p>
+            <a:pPr>
+              <a:lnSpc>
+                <a:spcPct val="90000"/>
+              </a:lnSpc>
+              <a:buNone/>
+            </a:pPr>
+            <a:endParaRPr b="0" lang="en-US" sz="2000" spc="-1" strike="noStrike">
+              <a:latin typeface="Arial"/>
+            </a:endParaRPr>
+          </a:p>
+          <a:p>
+            <a:pPr>
+              <a:lnSpc>
+                <a:spcPct val="90000"/>
+              </a:lnSpc>
+              <a:buNone/>
+            </a:pPr>
+            <a:endParaRPr b="0" lang="en-US" sz="2000" spc="-1" strike="noStrike">
+              <a:latin typeface="Arial"/>
+            </a:endParaRPr>
+          </a:p>
+        </p:txBody>
+      </p:sp>
+      <p:sp>
+        <p:nvSpPr>
+          <p:cNvPr id="187" name=""/>
+          <p:cNvSpPr/>
+          <p:nvPr/>
+        </p:nvSpPr>
+        <p:spPr>
+          <a:xfrm>
+            <a:off x="6629400" y="1600200"/>
+            <a:ext cx="685440" cy="456840"/>
+          </a:xfrm>
+          <a:prstGeom prst="rect">
+            <a:avLst/>
+          </a:prstGeom>
+          <a:solidFill>
+            <a:srgbClr val="729fcf"/>
+          </a:solidFill>
+          <a:ln w="0">
+            <a:solidFill>
+              <a:srgbClr val="3465a4"/>
+            </a:solidFill>
+          </a:ln>
+        </p:spPr>
+        <p:style>
+          <a:lnRef idx="0"/>
+          <a:fillRef idx="0"/>
+          <a:effectRef idx="0"/>
+          <a:fontRef idx="minor"/>
+        </p:style>
+        <p:txBody>
+          <a:bodyPr lIns="90000" rIns="90000" tIns="45000" bIns="45000" anchor="ctr">
+            <a:noAutofit/>
+          </a:bodyPr>
+          <a:p>
+            <a:pPr algn="ctr">
+              <a:lnSpc>
+                <a:spcPct val="100000"/>
+              </a:lnSpc>
+              <a:buNone/>
+            </a:pPr>
+            <a:r>
+              <a:rPr b="0" lang="en-US" sz="1800" spc="-1" strike="noStrike">
+                <a:solidFill>
+                  <a:srgbClr val="000000"/>
+                </a:solidFill>
+                <a:latin typeface="Arial"/>
+                <a:ea typeface="DejaVu Sans"/>
+              </a:rPr>
+              <a:t>12</a:t>
+            </a:r>
+            <a:endParaRPr b="0" lang="en-US" sz="1800" spc="-1" strike="noStrike">
+              <a:latin typeface="Arial"/>
+            </a:endParaRPr>
+          </a:p>
+        </p:txBody>
+      </p:sp>
+      <p:sp>
+        <p:nvSpPr>
+          <p:cNvPr id="188" name=""/>
+          <p:cNvSpPr/>
+          <p:nvPr/>
+        </p:nvSpPr>
+        <p:spPr>
+          <a:xfrm>
+            <a:off x="7315200" y="1600200"/>
+            <a:ext cx="685440" cy="456840"/>
+          </a:xfrm>
+          <a:prstGeom prst="rect">
+            <a:avLst/>
+          </a:prstGeom>
+          <a:solidFill>
+            <a:srgbClr val="729fcf"/>
+          </a:solidFill>
+          <a:ln w="0">
+            <a:solidFill>
+              <a:srgbClr val="3465a4"/>
+            </a:solidFill>
+          </a:ln>
+        </p:spPr>
+        <p:style>
+          <a:lnRef idx="0"/>
+          <a:fillRef idx="0"/>
+          <a:effectRef idx="0"/>
+          <a:fontRef idx="minor"/>
+        </p:style>
+      </p:sp>
+      <p:sp>
+        <p:nvSpPr>
+          <p:cNvPr id="189" name=""/>
+          <p:cNvSpPr/>
+          <p:nvPr/>
+        </p:nvSpPr>
+        <p:spPr>
+          <a:xfrm>
+            <a:off x="8001000" y="1600200"/>
+            <a:ext cx="685440" cy="456840"/>
+          </a:xfrm>
+          <a:prstGeom prst="rect">
+            <a:avLst/>
+          </a:prstGeom>
+          <a:solidFill>
+            <a:srgbClr val="729fcf"/>
+          </a:solidFill>
+          <a:ln w="0">
+            <a:solidFill>
+              <a:srgbClr val="3465a4"/>
+            </a:solidFill>
+          </a:ln>
+        </p:spPr>
+        <p:style>
+          <a:lnRef idx="0"/>
+          <a:fillRef idx="0"/>
+          <a:effectRef idx="0"/>
+          <a:fontRef idx="minor"/>
+        </p:style>
+        <p:txBody>
+          <a:bodyPr lIns="90000" rIns="90000" tIns="45000" bIns="45000" anchor="ctr">
+            <a:noAutofit/>
+          </a:bodyPr>
+          <a:p>
+            <a:pPr algn="ctr">
+              <a:lnSpc>
+                <a:spcPct val="100000"/>
+              </a:lnSpc>
+              <a:buNone/>
+            </a:pPr>
+            <a:r>
+              <a:rPr b="0" lang="en-US" sz="1400" spc="-1" strike="noStrike">
+                <a:solidFill>
+                  <a:srgbClr val="000000"/>
+                </a:solidFill>
+                <a:latin typeface="Arial"/>
+                <a:ea typeface="DejaVu Sans"/>
+              </a:rPr>
+              <a:t>None</a:t>
+            </a:r>
+            <a:endParaRPr b="0" lang="en-US" sz="1400" spc="-1" strike="noStrike">
+              <a:latin typeface="Arial"/>
+            </a:endParaRPr>
+          </a:p>
+        </p:txBody>
+      </p:sp>
+      <p:sp>
+        <p:nvSpPr>
+          <p:cNvPr id="190" name=""/>
+          <p:cNvSpPr/>
+          <p:nvPr/>
+        </p:nvSpPr>
+        <p:spPr>
+          <a:xfrm>
+            <a:off x="5630400" y="3042000"/>
+            <a:ext cx="685440" cy="456840"/>
+          </a:xfrm>
+          <a:prstGeom prst="rect">
+            <a:avLst/>
+          </a:prstGeom>
+          <a:solidFill>
+            <a:srgbClr val="729fcf"/>
+          </a:solidFill>
+          <a:ln w="0">
+            <a:solidFill>
+              <a:srgbClr val="3465a4"/>
+            </a:solidFill>
+          </a:ln>
+        </p:spPr>
+        <p:style>
+          <a:lnRef idx="0"/>
+          <a:fillRef idx="0"/>
+          <a:effectRef idx="0"/>
+          <a:fontRef idx="minor"/>
+        </p:style>
+        <p:txBody>
+          <a:bodyPr lIns="90000" rIns="90000" tIns="45000" bIns="45000" anchor="ctr">
+            <a:noAutofit/>
+          </a:bodyPr>
+          <a:p>
+            <a:pPr algn="ctr">
+              <a:lnSpc>
+                <a:spcPct val="100000"/>
+              </a:lnSpc>
+              <a:buNone/>
+            </a:pPr>
+            <a:r>
+              <a:rPr b="0" lang="en-US" sz="1800" spc="-1" strike="noStrike">
+                <a:solidFill>
+                  <a:srgbClr val="000000"/>
+                </a:solidFill>
+                <a:latin typeface="Arial"/>
+                <a:ea typeface="DejaVu Sans"/>
+              </a:rPr>
+              <a:t>12</a:t>
+            </a:r>
+            <a:endParaRPr b="0" lang="en-US" sz="1800" spc="-1" strike="noStrike">
+              <a:latin typeface="Arial"/>
+            </a:endParaRPr>
+          </a:p>
+        </p:txBody>
+      </p:sp>
+      <p:sp>
+        <p:nvSpPr>
+          <p:cNvPr id="191" name=""/>
+          <p:cNvSpPr/>
+          <p:nvPr/>
+        </p:nvSpPr>
+        <p:spPr>
+          <a:xfrm>
+            <a:off x="6316200" y="3042000"/>
+            <a:ext cx="685440" cy="456840"/>
+          </a:xfrm>
+          <a:prstGeom prst="rect">
+            <a:avLst/>
+          </a:prstGeom>
+          <a:solidFill>
+            <a:srgbClr val="729fcf"/>
+          </a:solidFill>
+          <a:ln w="0">
+            <a:solidFill>
+              <a:srgbClr val="3465a4"/>
+            </a:solidFill>
+          </a:ln>
+        </p:spPr>
+        <p:style>
+          <a:lnRef idx="0"/>
+          <a:fillRef idx="0"/>
+          <a:effectRef idx="0"/>
+          <a:fontRef idx="minor"/>
+        </p:style>
+      </p:sp>
+      <p:sp>
+        <p:nvSpPr>
+          <p:cNvPr id="192" name=""/>
+          <p:cNvSpPr/>
+          <p:nvPr/>
+        </p:nvSpPr>
+        <p:spPr>
+          <a:xfrm>
+            <a:off x="7002000" y="3042000"/>
+            <a:ext cx="685440" cy="456840"/>
+          </a:xfrm>
+          <a:prstGeom prst="rect">
+            <a:avLst/>
+          </a:prstGeom>
+          <a:solidFill>
+            <a:srgbClr val="729fcf"/>
+          </a:solidFill>
+          <a:ln w="0">
+            <a:solidFill>
+              <a:srgbClr val="3465a4"/>
+            </a:solidFill>
+          </a:ln>
+        </p:spPr>
+        <p:style>
+          <a:lnRef idx="0"/>
+          <a:fillRef idx="0"/>
+          <a:effectRef idx="0"/>
+          <a:fontRef idx="minor"/>
+        </p:style>
+      </p:sp>
+      <p:sp>
+        <p:nvSpPr>
+          <p:cNvPr id="193" name=""/>
+          <p:cNvSpPr/>
+          <p:nvPr/>
+        </p:nvSpPr>
+        <p:spPr>
+          <a:xfrm>
+            <a:off x="7002000" y="4413600"/>
+            <a:ext cx="685440" cy="456840"/>
+          </a:xfrm>
+          <a:prstGeom prst="rect">
+            <a:avLst/>
+          </a:prstGeom>
+          <a:solidFill>
+            <a:srgbClr val="729fcf"/>
+          </a:solidFill>
+          <a:ln w="0">
+            <a:solidFill>
+              <a:srgbClr val="3465a4"/>
+            </a:solidFill>
+          </a:ln>
+        </p:spPr>
+        <p:style>
+          <a:lnRef idx="0"/>
+          <a:fillRef idx="0"/>
+          <a:effectRef idx="0"/>
+          <a:fontRef idx="minor"/>
+        </p:style>
+        <p:txBody>
+          <a:bodyPr lIns="90000" rIns="90000" tIns="45000" bIns="45000" anchor="ctr">
+            <a:noAutofit/>
+          </a:bodyPr>
+          <a:p>
+            <a:pPr algn="ctr">
+              <a:lnSpc>
+                <a:spcPct val="100000"/>
+              </a:lnSpc>
+              <a:buNone/>
+            </a:pPr>
+            <a:r>
+              <a:rPr b="0" lang="en-US" sz="1800" spc="-1" strike="noStrike">
+                <a:solidFill>
+                  <a:srgbClr val="000000"/>
+                </a:solidFill>
+                <a:latin typeface="Arial"/>
+                <a:ea typeface="DejaVu Sans"/>
+              </a:rPr>
+              <a:t>5</a:t>
+            </a:r>
+            <a:endParaRPr b="0" lang="en-US" sz="1800" spc="-1" strike="noStrike">
+              <a:latin typeface="Arial"/>
+            </a:endParaRPr>
+          </a:p>
+        </p:txBody>
+      </p:sp>
+      <p:sp>
+        <p:nvSpPr>
+          <p:cNvPr id="194" name=""/>
+          <p:cNvSpPr/>
+          <p:nvPr/>
+        </p:nvSpPr>
+        <p:spPr>
+          <a:xfrm>
+            <a:off x="7687800" y="4413600"/>
+            <a:ext cx="685440" cy="456840"/>
+          </a:xfrm>
+          <a:prstGeom prst="rect">
+            <a:avLst/>
+          </a:prstGeom>
+          <a:solidFill>
+            <a:srgbClr val="729fcf"/>
+          </a:solidFill>
+          <a:ln w="0">
+            <a:solidFill>
+              <a:srgbClr val="3465a4"/>
+            </a:solidFill>
+          </a:ln>
+        </p:spPr>
+        <p:style>
+          <a:lnRef idx="0"/>
+          <a:fillRef idx="0"/>
+          <a:effectRef idx="0"/>
+          <a:fontRef idx="minor"/>
+        </p:style>
+        <p:txBody>
+          <a:bodyPr lIns="90000" rIns="90000" tIns="45000" bIns="45000" anchor="ctr">
+            <a:noAutofit/>
+          </a:bodyPr>
+          <a:p>
+            <a:pPr algn="ctr">
+              <a:lnSpc>
+                <a:spcPct val="100000"/>
+              </a:lnSpc>
+              <a:buNone/>
+            </a:pPr>
+            <a:r>
+              <a:rPr b="0" lang="en-US" sz="1400" spc="-1" strike="noStrike">
+                <a:solidFill>
+                  <a:srgbClr val="000000"/>
+                </a:solidFill>
+                <a:latin typeface="Arial"/>
+                <a:ea typeface="DejaVu Sans"/>
+              </a:rPr>
+              <a:t>None</a:t>
+            </a:r>
+            <a:endParaRPr b="0" lang="en-US" sz="1400" spc="-1" strike="noStrike">
+              <a:latin typeface="Arial"/>
+            </a:endParaRPr>
+          </a:p>
+        </p:txBody>
+      </p:sp>
+      <p:sp>
+        <p:nvSpPr>
+          <p:cNvPr id="195" name=""/>
+          <p:cNvSpPr/>
+          <p:nvPr/>
+        </p:nvSpPr>
+        <p:spPr>
+          <a:xfrm>
+            <a:off x="8373600" y="4413600"/>
+            <a:ext cx="685440" cy="456840"/>
+          </a:xfrm>
+          <a:prstGeom prst="rect">
+            <a:avLst/>
+          </a:prstGeom>
+          <a:solidFill>
+            <a:srgbClr val="729fcf"/>
+          </a:solidFill>
+          <a:ln w="0">
+            <a:solidFill>
+              <a:srgbClr val="3465a4"/>
+            </a:solidFill>
+          </a:ln>
+        </p:spPr>
+        <p:style>
+          <a:lnRef idx="0"/>
+          <a:fillRef idx="0"/>
+          <a:effectRef idx="0"/>
+          <a:fontRef idx="minor"/>
+        </p:style>
+      </p:sp>
+      <p:sp>
+        <p:nvSpPr>
+          <p:cNvPr id="196" name=""/>
+          <p:cNvSpPr/>
+          <p:nvPr/>
+        </p:nvSpPr>
+        <p:spPr>
+          <a:xfrm flipH="1" flipV="1">
+            <a:off x="6629400" y="1828800"/>
+            <a:ext cx="603000" cy="1449000"/>
+          </a:xfrm>
+          <a:prstGeom prst="line">
+            <a:avLst/>
+          </a:prstGeom>
+          <a:ln w="19080">
+            <a:solidFill>
+              <a:srgbClr val="ff0000"/>
+            </a:solidFill>
+            <a:round/>
+            <a:tailEnd len="med" type="triangle" w="med"/>
+          </a:ln>
+        </p:spPr>
+        <p:style>
+          <a:lnRef idx="0"/>
+          <a:fillRef idx="0"/>
+          <a:effectRef idx="0"/>
+          <a:fontRef idx="minor"/>
+        </p:style>
+      </p:sp>
+      <p:sp>
+        <p:nvSpPr>
+          <p:cNvPr id="197" name=""/>
+          <p:cNvSpPr/>
+          <p:nvPr/>
+        </p:nvSpPr>
+        <p:spPr>
+          <a:xfrm flipH="1">
+            <a:off x="5630400" y="1828800"/>
+            <a:ext cx="1913400" cy="1441800"/>
+          </a:xfrm>
+          <a:prstGeom prst="line">
+            <a:avLst/>
+          </a:prstGeom>
+          <a:ln w="19080">
+            <a:solidFill>
+              <a:srgbClr val="ff0000"/>
+            </a:solidFill>
+            <a:round/>
+            <a:tailEnd len="med" type="triangle" w="med"/>
+          </a:ln>
+        </p:spPr>
+        <p:style>
+          <a:lnRef idx="0"/>
+          <a:fillRef idx="0"/>
+          <a:effectRef idx="0"/>
+          <a:fontRef idx="minor"/>
+        </p:style>
+      </p:sp>
+      <p:sp>
+        <p:nvSpPr>
+          <p:cNvPr id="198" name=""/>
+          <p:cNvSpPr/>
+          <p:nvPr/>
+        </p:nvSpPr>
+        <p:spPr>
+          <a:xfrm>
+            <a:off x="6773400" y="3270600"/>
+            <a:ext cx="228600" cy="1371600"/>
+          </a:xfrm>
+          <a:prstGeom prst="line">
+            <a:avLst/>
+          </a:prstGeom>
+          <a:ln w="19080">
+            <a:solidFill>
+              <a:srgbClr val="ff0000"/>
+            </a:solidFill>
+            <a:round/>
+            <a:tailEnd len="med" type="triangle" w="med"/>
+          </a:ln>
+        </p:spPr>
+        <p:style>
+          <a:lnRef idx="0"/>
+          <a:fillRef idx="0"/>
+          <a:effectRef idx="0"/>
+          <a:fontRef idx="minor"/>
+        </p:style>
+      </p:sp>
+      <p:sp>
+        <p:nvSpPr>
+          <p:cNvPr id="199" name=""/>
+          <p:cNvSpPr/>
+          <p:nvPr/>
+        </p:nvSpPr>
+        <p:spPr>
+          <a:xfrm flipH="1" flipV="1">
+            <a:off x="5630400" y="3270600"/>
+            <a:ext cx="3200400" cy="1378800"/>
+          </a:xfrm>
+          <a:prstGeom prst="line">
+            <a:avLst/>
+          </a:prstGeom>
+          <a:ln w="19080">
+            <a:solidFill>
+              <a:srgbClr val="ff0000"/>
+            </a:solidFill>
+            <a:round/>
+            <a:tailEnd len="med" type="triangle" w="med"/>
+          </a:ln>
+        </p:spPr>
+        <p:style>
+          <a:lnRef idx="0"/>
+          <a:fillRef idx="0"/>
+          <a:effectRef idx="0"/>
+          <a:fontRef idx="minor"/>
+        </p:style>
+      </p:sp>
+      <p:sp>
+        <p:nvSpPr>
+          <p:cNvPr id="200" name=""/>
+          <p:cNvSpPr/>
+          <p:nvPr/>
+        </p:nvSpPr>
+        <p:spPr>
+          <a:xfrm>
+            <a:off x="4114800" y="2514600"/>
+            <a:ext cx="685440" cy="456840"/>
+          </a:xfrm>
+          <a:prstGeom prst="rect">
+            <a:avLst/>
+          </a:prstGeom>
+          <a:solidFill>
+            <a:srgbClr val="729fcf"/>
+          </a:solidFill>
+          <a:ln w="0">
+            <a:solidFill>
+              <a:srgbClr val="3465a4"/>
+            </a:solidFill>
+          </a:ln>
+        </p:spPr>
+        <p:style>
+          <a:lnRef idx="0"/>
+          <a:fillRef idx="0"/>
+          <a:effectRef idx="0"/>
+          <a:fontRef idx="minor"/>
+        </p:style>
+      </p:sp>
+      <p:sp>
+        <p:nvSpPr>
+          <p:cNvPr id="201" name=""/>
+          <p:cNvSpPr/>
+          <p:nvPr/>
+        </p:nvSpPr>
+        <p:spPr>
+          <a:xfrm>
+            <a:off x="4114800" y="2971800"/>
+            <a:ext cx="685440" cy="456840"/>
+          </a:xfrm>
+          <a:prstGeom prst="rect">
+            <a:avLst/>
+          </a:prstGeom>
+          <a:solidFill>
+            <a:srgbClr val="729fcf"/>
+          </a:solidFill>
+          <a:ln w="0">
+            <a:solidFill>
+              <a:srgbClr val="3465a4"/>
+            </a:solidFill>
+          </a:ln>
+        </p:spPr>
+        <p:style>
+          <a:lnRef idx="0"/>
+          <a:fillRef idx="0"/>
+          <a:effectRef idx="0"/>
+          <a:fontRef idx="minor"/>
+        </p:style>
+      </p:sp>
+      <p:sp>
+        <p:nvSpPr>
+          <p:cNvPr id="202" name=""/>
+          <p:cNvSpPr/>
+          <p:nvPr/>
+        </p:nvSpPr>
+        <p:spPr>
+          <a:xfrm flipV="1">
+            <a:off x="4487400" y="1828800"/>
+            <a:ext cx="2142000" cy="914400"/>
+          </a:xfrm>
+          <a:prstGeom prst="line">
+            <a:avLst/>
+          </a:prstGeom>
+          <a:ln w="57240">
+            <a:solidFill>
+              <a:srgbClr val="111111"/>
+            </a:solidFill>
+            <a:round/>
+            <a:tailEnd len="med" type="triangle" w="med"/>
+          </a:ln>
+        </p:spPr>
+        <p:style>
+          <a:lnRef idx="0"/>
+          <a:fillRef idx="0"/>
+          <a:effectRef idx="0"/>
+          <a:fontRef idx="minor"/>
+        </p:style>
+      </p:sp>
+      <p:sp>
+        <p:nvSpPr>
+          <p:cNvPr id="203" name=""/>
+          <p:cNvSpPr/>
+          <p:nvPr/>
+        </p:nvSpPr>
+        <p:spPr>
+          <a:xfrm>
+            <a:off x="4343400" y="3200400"/>
+            <a:ext cx="2658600" cy="1449000"/>
+          </a:xfrm>
+          <a:prstGeom prst="line">
+            <a:avLst/>
+          </a:prstGeom>
+          <a:ln w="57240">
+            <a:solidFill>
+              <a:srgbClr val="111111"/>
+            </a:solidFill>
+            <a:round/>
+            <a:tailEnd len="med" type="triangle" w="med"/>
+          </a:ln>
+        </p:spPr>
+        <p:style>
+          <a:lnRef idx="0"/>
+          <a:fillRef idx="0"/>
+          <a:effectRef idx="0"/>
+          <a:fontRef idx="minor"/>
+        </p:style>
+      </p:sp>
+      <p:pic>
+        <p:nvPicPr>
+          <p:cNvPr id="204" name="" descr=""/>
+          <p:cNvPicPr/>
+          <p:nvPr/>
+        </p:nvPicPr>
+        <p:blipFill>
+          <a:blip r:embed="rId1"/>
+          <a:stretch/>
+        </p:blipFill>
+        <p:spPr>
+          <a:xfrm>
+            <a:off x="314280" y="685800"/>
+            <a:ext cx="3255480" cy="3885840"/>
+          </a:xfrm>
+          <a:prstGeom prst="rect">
+            <a:avLst/>
+          </a:prstGeom>
+          <a:ln w="0">
+            <a:noFill/>
+          </a:ln>
+        </p:spPr>
+      </p:pic>
+      <p:sp>
+        <p:nvSpPr>
+          <p:cNvPr id="205" name=""/>
+          <p:cNvSpPr/>
+          <p:nvPr/>
+        </p:nvSpPr>
+        <p:spPr>
+          <a:xfrm>
+            <a:off x="4114800" y="2514600"/>
+            <a:ext cx="514800" cy="344880"/>
+          </a:xfrm>
+          <a:prstGeom prst="rect">
+            <a:avLst/>
+          </a:prstGeom>
+          <a:noFill/>
+          <a:ln w="0">
+            <a:noFill/>
+          </a:ln>
+        </p:spPr>
+        <p:style>
+          <a:lnRef idx="0"/>
+          <a:fillRef idx="0"/>
+          <a:effectRef idx="0"/>
+          <a:fontRef idx="minor"/>
+        </p:style>
+        <p:txBody>
+          <a:bodyPr lIns="90000" rIns="90000" tIns="45000" bIns="45000" anchor="t">
+            <a:noAutofit/>
+          </a:bodyPr>
+          <a:p>
+            <a:pPr>
+              <a:lnSpc>
+                <a:spcPct val="100000"/>
+              </a:lnSpc>
+              <a:buNone/>
+            </a:pPr>
+            <a:r>
+              <a:rPr b="0" lang="en-US" sz="1000" spc="-18" strike="noStrike">
+                <a:solidFill>
+                  <a:srgbClr val="ff7900"/>
+                </a:solidFill>
+                <a:latin typeface="Helvetica 75 Bold"/>
+                <a:ea typeface="DejaVu Sans"/>
+              </a:rPr>
+              <a:t>head</a:t>
+            </a:r>
+            <a:endParaRPr b="0" lang="en-US" sz="1000" spc="-1" strike="noStrike">
+              <a:latin typeface="Arial"/>
+            </a:endParaRPr>
+          </a:p>
+        </p:txBody>
+      </p:sp>
+      <p:sp>
+        <p:nvSpPr>
+          <p:cNvPr id="206" name=""/>
+          <p:cNvSpPr/>
+          <p:nvPr/>
+        </p:nvSpPr>
+        <p:spPr>
+          <a:xfrm>
+            <a:off x="4114800" y="2971800"/>
+            <a:ext cx="514800" cy="344880"/>
+          </a:xfrm>
+          <a:prstGeom prst="rect">
+            <a:avLst/>
+          </a:prstGeom>
+          <a:noFill/>
+          <a:ln w="0">
+            <a:noFill/>
+          </a:ln>
+        </p:spPr>
+        <p:style>
+          <a:lnRef idx="0"/>
+          <a:fillRef idx="0"/>
+          <a:effectRef idx="0"/>
+          <a:fontRef idx="minor"/>
+        </p:style>
+        <p:txBody>
+          <a:bodyPr lIns="90000" rIns="90000" tIns="45000" bIns="45000" anchor="t">
+            <a:noAutofit/>
+          </a:bodyPr>
+          <a:p>
+            <a:pPr>
+              <a:lnSpc>
+                <a:spcPct val="100000"/>
+              </a:lnSpc>
+              <a:buNone/>
+            </a:pPr>
+            <a:r>
+              <a:rPr b="0" lang="en-US" sz="1000" spc="-18" strike="noStrike">
+                <a:solidFill>
+                  <a:srgbClr val="ff7900"/>
+                </a:solidFill>
+                <a:latin typeface="Helvetica 75 Bold"/>
+                <a:ea typeface="DejaVu Sans"/>
+              </a:rPr>
+              <a:t>tail</a:t>
+            </a:r>
+            <a:endParaRPr b="0" lang="en-US" sz="1000" spc="-1" strike="noStrike">
+              <a:latin typeface="Arial"/>
+            </a:endParaRPr>
+          </a:p>
+        </p:txBody>
+      </p:sp>
+      <p:sp>
+        <p:nvSpPr>
+          <p:cNvPr id="207" name=""/>
+          <p:cNvSpPr/>
+          <p:nvPr/>
+        </p:nvSpPr>
+        <p:spPr>
+          <a:xfrm>
+            <a:off x="6717240" y="2057400"/>
+            <a:ext cx="514800" cy="344880"/>
+          </a:xfrm>
+          <a:prstGeom prst="rect">
+            <a:avLst/>
+          </a:prstGeom>
+          <a:noFill/>
+          <a:ln w="0">
+            <a:noFill/>
+          </a:ln>
+        </p:spPr>
+        <p:style>
+          <a:lnRef idx="0"/>
+          <a:fillRef idx="0"/>
+          <a:effectRef idx="0"/>
+          <a:fontRef idx="minor"/>
+        </p:style>
+        <p:txBody>
+          <a:bodyPr lIns="90000" rIns="90000" tIns="45000" bIns="45000" anchor="t">
+            <a:noAutofit/>
+          </a:bodyPr>
+          <a:p>
+            <a:pPr>
+              <a:lnSpc>
+                <a:spcPct val="100000"/>
+              </a:lnSpc>
+              <a:buNone/>
+            </a:pPr>
+            <a:r>
+              <a:rPr b="0" lang="en-US" sz="1000" spc="-18" strike="noStrike">
+                <a:solidFill>
+                  <a:srgbClr val="ff7900"/>
+                </a:solidFill>
+                <a:latin typeface="Helvetica 75 Bold"/>
+                <a:ea typeface="DejaVu Sans"/>
+              </a:rPr>
+              <a:t>value</a:t>
+            </a:r>
+            <a:endParaRPr b="0" lang="en-US" sz="1000" spc="-1" strike="noStrike">
+              <a:latin typeface="Arial"/>
+            </a:endParaRPr>
+          </a:p>
+        </p:txBody>
+      </p:sp>
+      <p:sp>
+        <p:nvSpPr>
+          <p:cNvPr id="208" name=""/>
+          <p:cNvSpPr/>
+          <p:nvPr/>
+        </p:nvSpPr>
+        <p:spPr>
+          <a:xfrm>
+            <a:off x="5715000" y="3499200"/>
+            <a:ext cx="514800" cy="344880"/>
+          </a:xfrm>
+          <a:prstGeom prst="rect">
+            <a:avLst/>
+          </a:prstGeom>
+          <a:noFill/>
+          <a:ln w="0">
+            <a:noFill/>
+          </a:ln>
+        </p:spPr>
+        <p:style>
+          <a:lnRef idx="0"/>
+          <a:fillRef idx="0"/>
+          <a:effectRef idx="0"/>
+          <a:fontRef idx="minor"/>
+        </p:style>
+        <p:txBody>
+          <a:bodyPr lIns="90000" rIns="90000" tIns="45000" bIns="45000" anchor="t">
+            <a:noAutofit/>
+          </a:bodyPr>
+          <a:p>
+            <a:pPr>
+              <a:lnSpc>
+                <a:spcPct val="100000"/>
+              </a:lnSpc>
+              <a:buNone/>
+            </a:pPr>
+            <a:r>
+              <a:rPr b="0" lang="en-US" sz="1000" spc="-18" strike="noStrike">
+                <a:solidFill>
+                  <a:srgbClr val="ff7900"/>
+                </a:solidFill>
+                <a:latin typeface="Helvetica 75 Bold"/>
+                <a:ea typeface="DejaVu Sans"/>
+              </a:rPr>
+              <a:t>value</a:t>
+            </a:r>
+            <a:endParaRPr b="0" lang="en-US" sz="1000" spc="-1" strike="noStrike">
+              <a:latin typeface="Arial"/>
+            </a:endParaRPr>
+          </a:p>
+        </p:txBody>
+      </p:sp>
+      <p:sp>
+        <p:nvSpPr>
+          <p:cNvPr id="209" name=""/>
+          <p:cNvSpPr/>
+          <p:nvPr/>
+        </p:nvSpPr>
+        <p:spPr>
+          <a:xfrm>
+            <a:off x="6428880" y="3499200"/>
+            <a:ext cx="514800" cy="344880"/>
+          </a:xfrm>
+          <a:prstGeom prst="rect">
+            <a:avLst/>
+          </a:prstGeom>
+          <a:noFill/>
+          <a:ln w="0">
+            <a:noFill/>
+          </a:ln>
+        </p:spPr>
+        <p:style>
+          <a:lnRef idx="0"/>
+          <a:fillRef idx="0"/>
+          <a:effectRef idx="0"/>
+          <a:fontRef idx="minor"/>
+        </p:style>
+        <p:txBody>
+          <a:bodyPr lIns="90000" rIns="90000" tIns="45000" bIns="45000" anchor="t">
+            <a:noAutofit/>
+          </a:bodyPr>
+          <a:p>
+            <a:pPr>
+              <a:lnSpc>
+                <a:spcPct val="100000"/>
+              </a:lnSpc>
+              <a:buNone/>
+            </a:pPr>
+            <a:r>
+              <a:rPr b="0" lang="en-US" sz="1000" spc="-18" strike="noStrike">
+                <a:solidFill>
+                  <a:srgbClr val="ff7900"/>
+                </a:solidFill>
+                <a:latin typeface="Helvetica 75 Bold"/>
+                <a:ea typeface="DejaVu Sans"/>
+              </a:rPr>
+              <a:t>next</a:t>
+            </a:r>
+            <a:endParaRPr b="0" lang="en-US" sz="1000" spc="-1" strike="noStrike">
+              <a:latin typeface="Arial"/>
+            </a:endParaRPr>
+          </a:p>
+        </p:txBody>
+      </p:sp>
+      <p:sp>
+        <p:nvSpPr>
+          <p:cNvPr id="210" name=""/>
+          <p:cNvSpPr/>
+          <p:nvPr/>
+        </p:nvSpPr>
+        <p:spPr>
+          <a:xfrm>
+            <a:off x="6944040" y="3499200"/>
+            <a:ext cx="743400" cy="344880"/>
+          </a:xfrm>
+          <a:prstGeom prst="rect">
+            <a:avLst/>
+          </a:prstGeom>
+          <a:noFill/>
+          <a:ln w="0">
+            <a:noFill/>
+          </a:ln>
+        </p:spPr>
+        <p:style>
+          <a:lnRef idx="0"/>
+          <a:fillRef idx="0"/>
+          <a:effectRef idx="0"/>
+          <a:fontRef idx="minor"/>
+        </p:style>
+        <p:txBody>
+          <a:bodyPr lIns="90000" rIns="90000" tIns="45000" bIns="45000" anchor="t">
+            <a:noAutofit/>
+          </a:bodyPr>
+          <a:p>
+            <a:pPr>
+              <a:lnSpc>
+                <a:spcPct val="100000"/>
+              </a:lnSpc>
+              <a:buNone/>
+            </a:pPr>
+            <a:r>
+              <a:rPr b="0" lang="en-US" sz="1000" spc="-18" strike="noStrike">
+                <a:solidFill>
+                  <a:srgbClr val="ff7900"/>
+                </a:solidFill>
+                <a:latin typeface="Helvetica 75 Bold"/>
+                <a:ea typeface="DejaVu Sans"/>
+              </a:rPr>
+              <a:t>previous</a:t>
+            </a:r>
+            <a:endParaRPr b="0" lang="en-US" sz="1000" spc="-1" strike="noStrike">
+              <a:latin typeface="Arial"/>
+            </a:endParaRPr>
+          </a:p>
+        </p:txBody>
+      </p:sp>
+      <p:sp>
+        <p:nvSpPr>
+          <p:cNvPr id="211" name=""/>
+          <p:cNvSpPr/>
+          <p:nvPr/>
+        </p:nvSpPr>
+        <p:spPr>
+          <a:xfrm>
+            <a:off x="7800480" y="4870800"/>
+            <a:ext cx="514800" cy="344880"/>
+          </a:xfrm>
+          <a:prstGeom prst="rect">
+            <a:avLst/>
+          </a:prstGeom>
+          <a:noFill/>
+          <a:ln w="0">
+            <a:noFill/>
+          </a:ln>
+        </p:spPr>
+        <p:style>
+          <a:lnRef idx="0"/>
+          <a:fillRef idx="0"/>
+          <a:effectRef idx="0"/>
+          <a:fontRef idx="minor"/>
+        </p:style>
+        <p:txBody>
+          <a:bodyPr lIns="90000" rIns="90000" tIns="45000" bIns="45000" anchor="t">
+            <a:noAutofit/>
+          </a:bodyPr>
+          <a:p>
+            <a:pPr>
+              <a:lnSpc>
+                <a:spcPct val="100000"/>
+              </a:lnSpc>
+              <a:buNone/>
+            </a:pPr>
+            <a:r>
+              <a:rPr b="0" lang="en-US" sz="1000" spc="-18" strike="noStrike">
+                <a:solidFill>
+                  <a:srgbClr val="ff7900"/>
+                </a:solidFill>
+                <a:latin typeface="Helvetica 75 Bold"/>
+                <a:ea typeface="DejaVu Sans"/>
+              </a:rPr>
+              <a:t>next</a:t>
+            </a:r>
+            <a:endParaRPr b="0" lang="en-US" sz="1000" spc="-1" strike="noStrike">
+              <a:latin typeface="Arial"/>
+            </a:endParaRPr>
+          </a:p>
+        </p:txBody>
+      </p:sp>
+      <p:sp>
+        <p:nvSpPr>
+          <p:cNvPr id="212" name=""/>
+          <p:cNvSpPr/>
+          <p:nvPr/>
+        </p:nvSpPr>
+        <p:spPr>
+          <a:xfrm>
+            <a:off x="8315640" y="4870800"/>
+            <a:ext cx="743400" cy="344880"/>
+          </a:xfrm>
+          <a:prstGeom prst="rect">
+            <a:avLst/>
+          </a:prstGeom>
+          <a:noFill/>
+          <a:ln w="0">
+            <a:noFill/>
+          </a:ln>
+        </p:spPr>
+        <p:style>
+          <a:lnRef idx="0"/>
+          <a:fillRef idx="0"/>
+          <a:effectRef idx="0"/>
+          <a:fontRef idx="minor"/>
+        </p:style>
+        <p:txBody>
+          <a:bodyPr lIns="90000" rIns="90000" tIns="45000" bIns="45000" anchor="t">
+            <a:noAutofit/>
+          </a:bodyPr>
+          <a:p>
+            <a:pPr>
+              <a:lnSpc>
+                <a:spcPct val="100000"/>
+              </a:lnSpc>
+              <a:buNone/>
+            </a:pPr>
+            <a:r>
+              <a:rPr b="0" lang="en-US" sz="1000" spc="-18" strike="noStrike">
+                <a:solidFill>
+                  <a:srgbClr val="ff7900"/>
+                </a:solidFill>
+                <a:latin typeface="Helvetica 75 Bold"/>
+                <a:ea typeface="DejaVu Sans"/>
+              </a:rPr>
+              <a:t>previous</a:t>
+            </a:r>
+            <a:endParaRPr b="0" lang="en-US" sz="1000" spc="-1" strike="noStrike">
+              <a:latin typeface="Arial"/>
+            </a:endParaRPr>
+          </a:p>
+        </p:txBody>
+      </p:sp>
+      <p:sp>
+        <p:nvSpPr>
+          <p:cNvPr id="213" name=""/>
+          <p:cNvSpPr/>
+          <p:nvPr/>
+        </p:nvSpPr>
+        <p:spPr>
+          <a:xfrm>
+            <a:off x="7086600" y="4870800"/>
+            <a:ext cx="514800" cy="344880"/>
+          </a:xfrm>
+          <a:prstGeom prst="rect">
+            <a:avLst/>
+          </a:prstGeom>
+          <a:noFill/>
+          <a:ln w="0">
+            <a:noFill/>
+          </a:ln>
+        </p:spPr>
+        <p:style>
+          <a:lnRef idx="0"/>
+          <a:fillRef idx="0"/>
+          <a:effectRef idx="0"/>
+          <a:fontRef idx="minor"/>
+        </p:style>
+        <p:txBody>
+          <a:bodyPr lIns="90000" rIns="90000" tIns="45000" bIns="45000" anchor="t">
+            <a:noAutofit/>
+          </a:bodyPr>
+          <a:p>
+            <a:pPr>
+              <a:lnSpc>
+                <a:spcPct val="100000"/>
+              </a:lnSpc>
+              <a:buNone/>
+            </a:pPr>
+            <a:r>
+              <a:rPr b="0" lang="en-US" sz="1000" spc="-18" strike="noStrike">
+                <a:solidFill>
+                  <a:srgbClr val="ff7900"/>
+                </a:solidFill>
+                <a:latin typeface="Helvetica 75 Bold"/>
+                <a:ea typeface="DejaVu Sans"/>
+              </a:rPr>
+              <a:t>value</a:t>
+            </a:r>
+            <a:endParaRPr b="0" lang="en-US" sz="1000" spc="-1" strike="noStrike">
+              <a:latin typeface="Arial"/>
+            </a:endParaRPr>
+          </a:p>
+        </p:txBody>
+      </p:sp>
+      <p:sp>
+        <p:nvSpPr>
+          <p:cNvPr id="214" name=""/>
+          <p:cNvSpPr/>
+          <p:nvPr/>
+        </p:nvSpPr>
+        <p:spPr>
+          <a:xfrm>
+            <a:off x="7473240" y="2059560"/>
+            <a:ext cx="514800" cy="344880"/>
+          </a:xfrm>
+          <a:prstGeom prst="rect">
+            <a:avLst/>
+          </a:prstGeom>
+          <a:noFill/>
+          <a:ln w="0">
+            <a:noFill/>
+          </a:ln>
+        </p:spPr>
+        <p:style>
+          <a:lnRef idx="0"/>
+          <a:fillRef idx="0"/>
+          <a:effectRef idx="0"/>
+          <a:fontRef idx="minor"/>
+        </p:style>
+        <p:txBody>
+          <a:bodyPr lIns="90000" rIns="90000" tIns="45000" bIns="45000" anchor="t">
+            <a:noAutofit/>
+          </a:bodyPr>
+          <a:p>
+            <a:pPr>
+              <a:lnSpc>
+                <a:spcPct val="100000"/>
+              </a:lnSpc>
+              <a:buNone/>
+            </a:pPr>
+            <a:r>
+              <a:rPr b="0" lang="en-US" sz="1000" spc="-18" strike="noStrike">
+                <a:solidFill>
+                  <a:srgbClr val="ff7900"/>
+                </a:solidFill>
+                <a:latin typeface="Helvetica 75 Bold"/>
+                <a:ea typeface="DejaVu Sans"/>
+              </a:rPr>
+              <a:t>next</a:t>
+            </a:r>
+            <a:endParaRPr b="0" lang="en-US" sz="1000" spc="-1" strike="noStrike">
+              <a:latin typeface="Arial"/>
+            </a:endParaRPr>
+          </a:p>
+        </p:txBody>
+      </p:sp>
+      <p:sp>
+        <p:nvSpPr>
+          <p:cNvPr id="215" name=""/>
+          <p:cNvSpPr/>
+          <p:nvPr/>
+        </p:nvSpPr>
+        <p:spPr>
+          <a:xfrm>
+            <a:off x="7988400" y="2059560"/>
+            <a:ext cx="743400" cy="344880"/>
+          </a:xfrm>
+          <a:prstGeom prst="rect">
+            <a:avLst/>
+          </a:prstGeom>
+          <a:noFill/>
+          <a:ln w="0">
+            <a:noFill/>
+          </a:ln>
+        </p:spPr>
+        <p:style>
+          <a:lnRef idx="0"/>
+          <a:fillRef idx="0"/>
+          <a:effectRef idx="0"/>
+          <a:fontRef idx="minor"/>
+        </p:style>
+        <p:txBody>
+          <a:bodyPr lIns="90000" rIns="90000" tIns="45000" bIns="45000" anchor="t">
+            <a:noAutofit/>
+          </a:bodyPr>
+          <a:p>
+            <a:pPr>
+              <a:lnSpc>
+                <a:spcPct val="100000"/>
+              </a:lnSpc>
+              <a:buNone/>
+            </a:pPr>
+            <a:r>
+              <a:rPr b="0" lang="en-US" sz="1000" spc="-18" strike="noStrike">
+                <a:solidFill>
+                  <a:srgbClr val="ff7900"/>
+                </a:solidFill>
+                <a:latin typeface="Helvetica 75 Bold"/>
+                <a:ea typeface="DejaVu Sans"/>
+              </a:rPr>
+              <a:t>previous</a:t>
+            </a:r>
+            <a:endParaRPr b="0" lang="en-US" sz="1000" spc="-1" strike="noStrike">
+              <a:latin typeface="Arial"/>
+            </a:endParaRPr>
+          </a:p>
+        </p:txBody>
+      </p:sp>
+    </p:spTree>
+  </p:cSld>
+  <p:transition spd="med">
+    <p:fade/>
+  </p:transition>
+</p:sld>
+</file>
+
+<file path=ppt/slides/slide4.xml><?xml version="1.0" encoding="utf-8"?>
+<p:sld xmlns:a="http://schemas.openxmlformats.org/drawingml/2006/main" xmlns:p="http://schemas.openxmlformats.org/presentationml/2006/main" xmlns:r="http://schemas.openxmlformats.org/officeDocument/2006/relationships" xmlns:p14="http://schemas.microsoft.com/office/powerpoint/2010/main" xmlns:p15="http://schemas.microsoft.com/office/powerpoint/2012/main" xmlns:mc="http://schemas.openxmlformats.org/markup-compatibility/2006">
+  <p:cSld>
+    <p:spTree>
+      <p:nvGrpSpPr>
+        <p:cNvPr id="1" name=""/>
+        <p:cNvGrpSpPr/>
+        <p:nvPr/>
+      </p:nvGrpSpPr>
+      <p:grpSpPr>
+        <a:xfrm>
+          <a:off x="0" y="0"/>
+          <a:ext cx="0" cy="0"/>
+          <a:chOff x="0" y="0"/>
+          <a:chExt cx="0" cy="0"/>
+        </a:xfrm>
+      </p:grpSpPr>
+      <p:sp>
+        <p:nvSpPr>
+          <p:cNvPr id="216" name="TextShape 3"/>
+          <p:cNvSpPr/>
+          <p:nvPr/>
+        </p:nvSpPr>
+        <p:spPr>
+          <a:xfrm>
+            <a:off x="314280" y="1184400"/>
+            <a:ext cx="8510400" cy="3360600"/>
+          </a:xfrm>
+          <a:prstGeom prst="rect">
+            <a:avLst/>
+          </a:prstGeom>
+          <a:noFill/>
+          <a:ln w="0">
+            <a:noFill/>
+          </a:ln>
+        </p:spPr>
+        <p:style>
+          <a:lnRef idx="0"/>
+          <a:fillRef idx="0"/>
+          <a:effectRef idx="0"/>
+          <a:fontRef idx="minor"/>
+        </p:style>
+        <p:txBody>
+          <a:bodyPr lIns="0" rIns="0" tIns="0" bIns="0" anchor="t">
+            <a:noAutofit/>
+          </a:bodyPr>
+          <a:p>
+            <a:pPr>
+              <a:lnSpc>
+                <a:spcPct val="100000"/>
+              </a:lnSpc>
+              <a:spcBef>
+                <a:spcPts val="281"/>
+              </a:spcBef>
+              <a:buNone/>
+            </a:pPr>
+            <a:endParaRPr b="0" lang="en-US" sz="2000" spc="-1" strike="noStrike">
+              <a:latin typeface="Arial"/>
+            </a:endParaRPr>
+          </a:p>
+          <a:p>
+            <a:pPr>
+              <a:lnSpc>
+                <a:spcPct val="100000"/>
+              </a:lnSpc>
+              <a:spcBef>
+                <a:spcPts val="281"/>
+              </a:spcBef>
+              <a:buNone/>
+            </a:pPr>
+            <a:endParaRPr b="0" lang="en-US" sz="2000" spc="-1" strike="noStrike">
+              <a:latin typeface="Arial"/>
+            </a:endParaRPr>
+          </a:p>
+          <a:p>
+            <a:pPr>
+              <a:lnSpc>
+                <a:spcPct val="90000"/>
+              </a:lnSpc>
+              <a:spcBef>
+                <a:spcPts val="601"/>
+              </a:spcBef>
+              <a:buNone/>
+            </a:pPr>
+            <a:endParaRPr b="0" lang="en-US" sz="2000" spc="-1" strike="noStrike">
+              <a:latin typeface="Arial"/>
+            </a:endParaRPr>
+          </a:p>
+          <a:p>
+            <a:pPr>
+              <a:lnSpc>
+                <a:spcPct val="90000"/>
+              </a:lnSpc>
+              <a:spcBef>
+                <a:spcPts val="601"/>
+              </a:spcBef>
+              <a:buNone/>
+            </a:pPr>
+            <a:r>
+              <a:rPr b="0" lang="fr-FR" sz="1400" spc="-18" strike="noStrike" baseline="30000">
+                <a:solidFill>
+                  <a:srgbClr val="000000"/>
+                </a:solidFill>
+                <a:latin typeface="Helvetica 75 Bold"/>
+                <a:ea typeface="DejaVu Sans"/>
+              </a:rPr>
+              <a:t>	</a:t>
+            </a:r>
+            <a:r>
+              <a:rPr b="0" lang="fr-FR" sz="1400" spc="-18" strike="noStrike" baseline="30000">
+                <a:solidFill>
+                  <a:srgbClr val="000000"/>
+                </a:solidFill>
+                <a:latin typeface="Helvetica 75 Bold"/>
+                <a:ea typeface="DejaVu Sans"/>
+              </a:rPr>
+              <a:t>	</a:t>
+            </a:r>
+            <a:endParaRPr b="0" lang="en-US" sz="1400" spc="-1" strike="noStrike">
+              <a:latin typeface="Arial"/>
+            </a:endParaRPr>
+          </a:p>
+        </p:txBody>
+      </p:sp>
+      <p:sp>
+        <p:nvSpPr>
+          <p:cNvPr id="217" name="TextShape 6"/>
+          <p:cNvSpPr/>
+          <p:nvPr/>
+        </p:nvSpPr>
+        <p:spPr>
+          <a:xfrm>
+            <a:off x="314280" y="267480"/>
+            <a:ext cx="8510400" cy="417960"/>
           </a:xfrm>
           <a:prstGeom prst="rect">
             <a:avLst/>
@@ -8052,7 +10612,7 @@
       </p:sp>
       <p:sp>
         <p:nvSpPr>
-          <p:cNvPr id="164" name="PlaceHolder 1"/>
+          <p:cNvPr id="218" name="PlaceHolder 1"/>
           <p:cNvSpPr>
             <a:spLocks noGrp="1"/>
           </p:cNvSpPr>
@@ -8063,7 +10623,7 @@
         <p:spPr>
           <a:xfrm>
             <a:off x="457200" y="1203480"/>
-            <a:ext cx="8229240" cy="2982960"/>
+            <a:ext cx="8228880" cy="2982600"/>
           </a:xfrm>
           <a:prstGeom prst="rect">
             <a:avLst/>
@@ -8079,6 +10639,9 @@
           </a:bodyPr>
           <a:p>
             <a:pPr marL="432000" indent="-324000">
+              <a:lnSpc>
+                <a:spcPct val="100000"/>
+              </a:lnSpc>
               <a:spcBef>
                 <a:spcPts val="1417"/>
               </a:spcBef>
@@ -8101,6 +10664,9 @@
           </a:p>
           <a:p>
             <a:pPr lvl="1" marL="864000" indent="-324000">
+              <a:lnSpc>
+                <a:spcPct val="100000"/>
+              </a:lnSpc>
               <a:spcBef>
                 <a:spcPts val="1134"/>
               </a:spcBef>
@@ -8109,13 +10675,13 @@
               </a:buClr>
               <a:buSzPct val="75000"/>
               <a:buFont typeface="Symbol" charset="2"/>
-              <a:buChar char=""/>
+              <a:buChar char=""/>
             </a:pPr>
             <a:r>
               <a:rPr b="0" lang="en-US" sz="2400" spc="-1" strike="noStrike">
                 <a:latin typeface="Arial"/>
               </a:rPr>
-              <a:t>Utilisation recommandée : tableau (list en Python)</a:t>
+              <a:t>Structure de donnée : tableau (list en Python)</a:t>
             </a:r>
             <a:endParaRPr b="0" lang="en-US" sz="2400" spc="-1" strike="noStrike">
               <a:latin typeface="Arial"/>
@@ -8123,6 +10689,9 @@
           </a:p>
           <a:p>
             <a:pPr marL="432000" indent="-324000">
+              <a:lnSpc>
+                <a:spcPct val="100000"/>
+              </a:lnSpc>
               <a:spcBef>
                 <a:spcPts val="1417"/>
               </a:spcBef>
@@ -8145,6 +10714,9 @@
           </a:p>
           <a:p>
             <a:pPr lvl="1" marL="864000" indent="-324000">
+              <a:lnSpc>
+                <a:spcPct val="100000"/>
+              </a:lnSpc>
               <a:spcBef>
                 <a:spcPts val="1134"/>
               </a:spcBef>
@@ -8153,13 +10725,13 @@
               </a:buClr>
               <a:buSzPct val="75000"/>
               <a:buFont typeface="Symbol" charset="2"/>
-              <a:buChar char=""/>
+              <a:buChar char=""/>
             </a:pPr>
             <a:r>
               <a:rPr b="0" lang="en-US" sz="2400" spc="-1" strike="noStrike">
                 <a:latin typeface="Arial"/>
               </a:rPr>
-              <a:t>Utilisation recommandée pour des volumétries importantes : liste doublement chaînée </a:t>
+              <a:t>Structure de donnée adaptée (pour des volumétries importantes) : liste doublement chaînée </a:t>
             </a:r>
             <a:endParaRPr b="0" lang="en-US" sz="2400" spc="-1" strike="noStrike">
               <a:latin typeface="Arial"/>
@@ -8851,4 +11423,230 @@
     </a:fmtScheme>
   </a:themeElements>
 </a:theme>
+</file>
+
+<file path=ppt/theme/theme4.xml><?xml version="1.0" encoding="utf-8"?>
+<a:theme xmlns:a="http://schemas.openxmlformats.org/drawingml/2006/main" name="Office Theme">
+  <a:themeElements>
+    <a:clrScheme name="Office">
+      <a:dk1>
+        <a:sysClr val="windowText" lastClr="000000"/>
+      </a:dk1>
+      <a:lt1>
+        <a:sysClr val="window" lastClr="FFFFFF"/>
+      </a:lt1>
+      <a:dk2>
+        <a:srgbClr val="8f8f8f"/>
+      </a:dk2>
+      <a:lt2>
+        <a:srgbClr val="ff7900"/>
+      </a:lt2>
+      <a:accent1>
+        <a:srgbClr val="ff7900"/>
+      </a:accent1>
+      <a:accent2>
+        <a:srgbClr val="4bb4e6"/>
+      </a:accent2>
+      <a:accent3>
+        <a:srgbClr val="50be87"/>
+      </a:accent3>
+      <a:accent4>
+        <a:srgbClr val="ffb4e6"/>
+      </a:accent4>
+      <a:accent5>
+        <a:srgbClr val="a885d8"/>
+      </a:accent5>
+      <a:accent6>
+        <a:srgbClr val="ffd200"/>
+      </a:accent6>
+      <a:hlink>
+        <a:srgbClr val="ff7900"/>
+      </a:hlink>
+      <a:folHlink>
+        <a:srgbClr val="ff7900"/>
+      </a:folHlink>
+    </a:clrScheme>
+    <a:fontScheme name="Office">
+      <a:majorFont>
+        <a:latin typeface="Arial"/>
+        <a:ea typeface="DejaVu Sans"/>
+        <a:cs typeface="DejaVu Sans"/>
+      </a:majorFont>
+      <a:minorFont>
+        <a:latin typeface="Arial"/>
+        <a:ea typeface="DejaVu Sans"/>
+        <a:cs typeface="DejaVu Sans"/>
+      </a:minorFont>
+    </a:fontScheme>
+    <a:fmtScheme name="Office">
+      <a:fillStyleLst>
+        <a:solidFill>
+          <a:schemeClr val="phClr"/>
+        </a:solidFill>
+        <a:gradFill rotWithShape="1">
+          <a:gsLst>
+            <a:gs pos="0">
+              <a:schemeClr val="phClr">
+                <a:tint val="50000"/>
+                <a:satMod val="300000"/>
+              </a:schemeClr>
+            </a:gs>
+            <a:gs pos="35000">
+              <a:schemeClr val="phClr">
+                <a:tint val="37000"/>
+                <a:satMod val="300000"/>
+              </a:schemeClr>
+            </a:gs>
+            <a:gs pos="100000">
+              <a:schemeClr val="phClr">
+                <a:tint val="15000"/>
+                <a:satMod val="350000"/>
+              </a:schemeClr>
+            </a:gs>
+          </a:gsLst>
+          <a:lin ang="16200000" scaled="1"/>
+        </a:gradFill>
+        <a:gradFill rotWithShape="1">
+          <a:gsLst>
+            <a:gs pos="0">
+              <a:schemeClr val="phClr">
+                <a:shade val="51000"/>
+                <a:satMod val="130000"/>
+              </a:schemeClr>
+            </a:gs>
+            <a:gs pos="80000">
+              <a:schemeClr val="phClr">
+                <a:shade val="93000"/>
+                <a:satMod val="130000"/>
+              </a:schemeClr>
+            </a:gs>
+            <a:gs pos="100000">
+              <a:schemeClr val="phClr">
+                <a:shade val="94000"/>
+                <a:satMod val="135000"/>
+              </a:schemeClr>
+            </a:gs>
+          </a:gsLst>
+          <a:lin ang="16200000" scaled="0"/>
+        </a:gradFill>
+      </a:fillStyleLst>
+      <a:lnStyleLst>
+        <a:ln w="9525" cap="flat" cmpd="sng" algn="ctr">
+          <a:solidFill>
+            <a:schemeClr val="phClr">
+              <a:shade val="95000"/>
+              <a:satMod val="105000"/>
+            </a:schemeClr>
+          </a:solidFill>
+          <a:prstDash val="solid"/>
+          <a:miter/>
+        </a:ln>
+        <a:ln w="25400" cap="flat" cmpd="sng" algn="ctr">
+          <a:solidFill>
+            <a:schemeClr val="phClr"/>
+          </a:solidFill>
+          <a:prstDash val="solid"/>
+          <a:miter/>
+        </a:ln>
+        <a:ln w="38100" cap="flat" cmpd="sng" algn="ctr">
+          <a:solidFill>
+            <a:schemeClr val="phClr"/>
+          </a:solidFill>
+          <a:prstDash val="solid"/>
+          <a:miter/>
+        </a:ln>
+      </a:lnStyleLst>
+      <a:effectStyleLst>
+        <a:effectStyle>
+          <a:effectLst>
+            <a:outerShdw blurRad="40000" dist="20000" dir="5400000" rotWithShape="0">
+              <a:srgbClr val="000000">
+                <a:alpha val="38000"/>
+              </a:srgbClr>
+            </a:outerShdw>
+          </a:effectLst>
+        </a:effectStyle>
+        <a:effectStyle>
+          <a:effectLst>
+            <a:outerShdw blurRad="40000" dist="23000" dir="5400000" rotWithShape="0">
+              <a:srgbClr val="000000">
+                <a:alpha val="35000"/>
+              </a:srgbClr>
+            </a:outerShdw>
+          </a:effectLst>
+        </a:effectStyle>
+        <a:effectStyle>
+          <a:effectLst>
+            <a:outerShdw blurRad="40000" dist="23000" dir="5400000" rotWithShape="0">
+              <a:srgbClr val="000000">
+                <a:alpha val="35000"/>
+              </a:srgbClr>
+            </a:outerShdw>
+          </a:effectLst>
+          <a:scene3d>
+            <a:camera prst="orthographicFront">
+              <a:rot lat="0" lon="0" rev="0"/>
+            </a:camera>
+            <a:lightRig rig="threePt" dir="t">
+              <a:rot lat="0" lon="0" rev="1200000"/>
+            </a:lightRig>
+          </a:scene3d>
+          <a:sp3d>
+            <a:bevelT w="63500" h="25400"/>
+          </a:sp3d>
+        </a:effectStyle>
+      </a:effectStyleLst>
+      <a:bgFillStyleLst>
+        <a:solidFill>
+          <a:schemeClr val="phClr"/>
+        </a:solidFill>
+        <a:gradFill rotWithShape="1">
+          <a:gsLst>
+            <a:gs pos="0">
+              <a:schemeClr val="phClr">
+                <a:tint val="40000"/>
+                <a:satMod val="350000"/>
+              </a:schemeClr>
+            </a:gs>
+            <a:gs pos="40000">
+              <a:schemeClr val="phClr">
+                <a:tint val="45000"/>
+                <a:shade val="99000"/>
+                <a:satMod val="350000"/>
+              </a:schemeClr>
+            </a:gs>
+            <a:gs pos="100000">
+              <a:schemeClr val="phClr">
+                <a:shade val="20000"/>
+                <a:satMod val="255000"/>
+              </a:schemeClr>
+            </a:gs>
+          </a:gsLst>
+          <a:path path="circle">
+            <a:fillToRect l="50000" t="-80000" r="50000" b="180000"/>
+          </a:path>
+        </a:gradFill>
+        <a:gradFill rotWithShape="1">
+          <a:gsLst>
+            <a:gs pos="0">
+              <a:schemeClr val="phClr">
+                <a:tint val="80000"/>
+                <a:satMod val="300000"/>
+              </a:schemeClr>
+            </a:gs>
+            <a:gs pos="100000">
+              <a:schemeClr val="phClr">
+                <a:shade val="30000"/>
+                <a:satMod val="200000"/>
+              </a:schemeClr>
+            </a:gs>
+          </a:gsLst>
+          <a:path path="circle">
+            <a:fillToRect l="50000" t="50000" r="50000" b="50000"/>
+          </a:path>
+        </a:gradFill>
+      </a:bgFillStyleLst>
+    </a:fmtScheme>
+  </a:themeElements>
+</a:theme>
 </file>
--- a/2023-2024/synthèses de cours/structures de données.pptx
+++ b/2023-2024/synthèses de cours/structures de données.pptx
@@ -6,12 +6,14 @@
     <p:sldMasterId id="2147483661" r:id="rId3"/>
     <p:sldMasterId id="2147483674" r:id="rId4"/>
     <p:sldMasterId id="2147483687" r:id="rId5"/>
+    <p:sldMasterId id="2147483700" r:id="rId6"/>
   </p:sldMasterIdLst>
   <p:sldIdLst>
-    <p:sldId id="256" r:id="rId6"/>
-    <p:sldId id="257" r:id="rId7"/>
-    <p:sldId id="258" r:id="rId8"/>
-    <p:sldId id="259" r:id="rId9"/>
+    <p:sldId id="256" r:id="rId7"/>
+    <p:sldId id="257" r:id="rId8"/>
+    <p:sldId id="258" r:id="rId9"/>
+    <p:sldId id="259" r:id="rId10"/>
+    <p:sldId id="260" r:id="rId11"/>
   </p:sldIdLst>
   <p:sldSz cx="9144000" cy="5143500"/>
   <p:notesSz cx="7772400" cy="10058400"/>
@@ -70,7 +72,7 @@
         <p:spPr>
           <a:xfrm>
             <a:off x="457200" y="205200"/>
-            <a:ext cx="8228880" cy="858240"/>
+            <a:ext cx="8229240" cy="858600"/>
           </a:xfrm>
           <a:prstGeom prst="rect">
             <a:avLst/>
@@ -107,7 +109,7 @@
         <p:spPr>
           <a:xfrm>
             <a:off x="457200" y="1203480"/>
-            <a:ext cx="8228880" cy="1422360"/>
+            <a:ext cx="8229240" cy="1422720"/>
           </a:xfrm>
           <a:prstGeom prst="rect">
             <a:avLst/>
@@ -140,8 +142,8 @@
         </p:nvSpPr>
         <p:spPr>
           <a:xfrm>
-            <a:off x="457200" y="2761200"/>
-            <a:ext cx="8228880" cy="1422360"/>
+            <a:off x="457200" y="2761920"/>
+            <a:ext cx="8229240" cy="1422720"/>
           </a:xfrm>
           <a:prstGeom prst="rect">
             <a:avLst/>
@@ -197,7 +199,7 @@
         <p:spPr>
           <a:xfrm>
             <a:off x="457200" y="205200"/>
-            <a:ext cx="8228880" cy="858240"/>
+            <a:ext cx="8229240" cy="858600"/>
           </a:xfrm>
           <a:prstGeom prst="rect">
             <a:avLst/>
@@ -234,7 +236,7 @@
         <p:spPr>
           <a:xfrm>
             <a:off x="457200" y="1203480"/>
-            <a:ext cx="4015440" cy="1422360"/>
+            <a:ext cx="4015800" cy="1422720"/>
           </a:xfrm>
           <a:prstGeom prst="rect">
             <a:avLst/>
@@ -267,8 +269,8 @@
         </p:nvSpPr>
         <p:spPr>
           <a:xfrm>
-            <a:off x="4673880" y="1203480"/>
-            <a:ext cx="4015440" cy="1422360"/>
+            <a:off x="4674240" y="1203480"/>
+            <a:ext cx="4015800" cy="1422720"/>
           </a:xfrm>
           <a:prstGeom prst="rect">
             <a:avLst/>
@@ -301,8 +303,8 @@
         </p:nvSpPr>
         <p:spPr>
           <a:xfrm>
-            <a:off x="457200" y="2761200"/>
-            <a:ext cx="4015440" cy="1422360"/>
+            <a:off x="457200" y="2761920"/>
+            <a:ext cx="4015800" cy="1422720"/>
           </a:xfrm>
           <a:prstGeom prst="rect">
             <a:avLst/>
@@ -335,8 +337,8 @@
         </p:nvSpPr>
         <p:spPr>
           <a:xfrm>
-            <a:off x="4673880" y="2761200"/>
-            <a:ext cx="4015440" cy="1422360"/>
+            <a:off x="4674240" y="2761920"/>
+            <a:ext cx="4015800" cy="1422720"/>
           </a:xfrm>
           <a:prstGeom prst="rect">
             <a:avLst/>
@@ -392,7 +394,7 @@
         <p:spPr>
           <a:xfrm>
             <a:off x="457200" y="205200"/>
-            <a:ext cx="8228880" cy="858240"/>
+            <a:ext cx="8229240" cy="858600"/>
           </a:xfrm>
           <a:prstGeom prst="rect">
             <a:avLst/>
@@ -429,7 +431,7 @@
         <p:spPr>
           <a:xfrm>
             <a:off x="457200" y="1203480"/>
-            <a:ext cx="2649600" cy="1422360"/>
+            <a:ext cx="2649600" cy="1422720"/>
           </a:xfrm>
           <a:prstGeom prst="rect">
             <a:avLst/>
@@ -463,7 +465,7 @@
         <p:spPr>
           <a:xfrm>
             <a:off x="3239640" y="1203480"/>
-            <a:ext cx="2649600" cy="1422360"/>
+            <a:ext cx="2649600" cy="1422720"/>
           </a:xfrm>
           <a:prstGeom prst="rect">
             <a:avLst/>
@@ -497,7 +499,7 @@
         <p:spPr>
           <a:xfrm>
             <a:off x="6022080" y="1203480"/>
-            <a:ext cx="2649600" cy="1422360"/>
+            <a:ext cx="2649600" cy="1422720"/>
           </a:xfrm>
           <a:prstGeom prst="rect">
             <a:avLst/>
@@ -530,8 +532,8 @@
         </p:nvSpPr>
         <p:spPr>
           <a:xfrm>
-            <a:off x="457200" y="2761200"/>
-            <a:ext cx="2649600" cy="1422360"/>
+            <a:off x="457200" y="2761920"/>
+            <a:ext cx="2649600" cy="1422720"/>
           </a:xfrm>
           <a:prstGeom prst="rect">
             <a:avLst/>
@@ -564,8 +566,8 @@
         </p:nvSpPr>
         <p:spPr>
           <a:xfrm>
-            <a:off x="3239640" y="2761200"/>
-            <a:ext cx="2649600" cy="1422360"/>
+            <a:off x="3239640" y="2761920"/>
+            <a:ext cx="2649600" cy="1422720"/>
           </a:xfrm>
           <a:prstGeom prst="rect">
             <a:avLst/>
@@ -598,8 +600,8 @@
         </p:nvSpPr>
         <p:spPr>
           <a:xfrm>
-            <a:off x="6022080" y="2761200"/>
-            <a:ext cx="2649600" cy="1422360"/>
+            <a:off x="6022080" y="2761920"/>
+            <a:ext cx="2649600" cy="1422720"/>
           </a:xfrm>
           <a:prstGeom prst="rect">
             <a:avLst/>
@@ -677,7 +679,7 @@
         <p:spPr>
           <a:xfrm>
             <a:off x="457200" y="205200"/>
-            <a:ext cx="8228880" cy="858240"/>
+            <a:ext cx="8229240" cy="858600"/>
           </a:xfrm>
           <a:prstGeom prst="rect">
             <a:avLst/>
@@ -714,7 +716,7 @@
         <p:spPr>
           <a:xfrm>
             <a:off x="457200" y="1203480"/>
-            <a:ext cx="8228880" cy="2982600"/>
+            <a:ext cx="8229240" cy="2982960"/>
           </a:xfrm>
           <a:prstGeom prst="rect">
             <a:avLst/>
@@ -773,7 +775,7 @@
         <p:spPr>
           <a:xfrm>
             <a:off x="457200" y="205200"/>
-            <a:ext cx="8228880" cy="858240"/>
+            <a:ext cx="8229240" cy="858600"/>
           </a:xfrm>
           <a:prstGeom prst="rect">
             <a:avLst/>
@@ -810,7 +812,7 @@
         <p:spPr>
           <a:xfrm>
             <a:off x="457200" y="1203480"/>
-            <a:ext cx="8228880" cy="2982600"/>
+            <a:ext cx="8229240" cy="2982960"/>
           </a:xfrm>
           <a:prstGeom prst="rect">
             <a:avLst/>
@@ -866,7 +868,7 @@
         <p:spPr>
           <a:xfrm>
             <a:off x="457200" y="205200"/>
-            <a:ext cx="8228880" cy="858240"/>
+            <a:ext cx="8229240" cy="858600"/>
           </a:xfrm>
           <a:prstGeom prst="rect">
             <a:avLst/>
@@ -903,7 +905,7 @@
         <p:spPr>
           <a:xfrm>
             <a:off x="457200" y="1203480"/>
-            <a:ext cx="4015440" cy="2982600"/>
+            <a:ext cx="4015800" cy="2982960"/>
           </a:xfrm>
           <a:prstGeom prst="rect">
             <a:avLst/>
@@ -936,8 +938,8 @@
         </p:nvSpPr>
         <p:spPr>
           <a:xfrm>
-            <a:off x="4673880" y="1203480"/>
-            <a:ext cx="4015440" cy="2982600"/>
+            <a:off x="4674240" y="1203480"/>
+            <a:ext cx="4015800" cy="2982960"/>
           </a:xfrm>
           <a:prstGeom prst="rect">
             <a:avLst/>
@@ -993,7 +995,7 @@
         <p:spPr>
           <a:xfrm>
             <a:off x="457200" y="205200"/>
-            <a:ext cx="8228880" cy="858240"/>
+            <a:ext cx="8229240" cy="858600"/>
           </a:xfrm>
           <a:prstGeom prst="rect">
             <a:avLst/>
@@ -1052,7 +1054,7 @@
         <p:spPr>
           <a:xfrm>
             <a:off x="457200" y="205200"/>
-            <a:ext cx="8228880" cy="3979440"/>
+            <a:ext cx="8229240" cy="3981240"/>
           </a:xfrm>
           <a:prstGeom prst="rect">
             <a:avLst/>
@@ -1111,7 +1113,7 @@
         <p:spPr>
           <a:xfrm>
             <a:off x="457200" y="205200"/>
-            <a:ext cx="8228880" cy="858240"/>
+            <a:ext cx="8229240" cy="858600"/>
           </a:xfrm>
           <a:prstGeom prst="rect">
             <a:avLst/>
@@ -1148,7 +1150,7 @@
         <p:spPr>
           <a:xfrm>
             <a:off x="457200" y="1203480"/>
-            <a:ext cx="4015440" cy="1422360"/>
+            <a:ext cx="4015800" cy="1422720"/>
           </a:xfrm>
           <a:prstGeom prst="rect">
             <a:avLst/>
@@ -1181,8 +1183,8 @@
         </p:nvSpPr>
         <p:spPr>
           <a:xfrm>
-            <a:off x="4673880" y="1203480"/>
-            <a:ext cx="4015440" cy="2982600"/>
+            <a:off x="4674240" y="1203480"/>
+            <a:ext cx="4015800" cy="2982960"/>
           </a:xfrm>
           <a:prstGeom prst="rect">
             <a:avLst/>
@@ -1215,8 +1217,8 @@
         </p:nvSpPr>
         <p:spPr>
           <a:xfrm>
-            <a:off x="457200" y="2761200"/>
-            <a:ext cx="4015440" cy="1422360"/>
+            <a:off x="457200" y="2761920"/>
+            <a:ext cx="4015800" cy="1422720"/>
           </a:xfrm>
           <a:prstGeom prst="rect">
             <a:avLst/>
@@ -1272,7 +1274,7 @@
         <p:spPr>
           <a:xfrm>
             <a:off x="457200" y="205200"/>
-            <a:ext cx="8228880" cy="858240"/>
+            <a:ext cx="8229240" cy="858600"/>
           </a:xfrm>
           <a:prstGeom prst="rect">
             <a:avLst/>
@@ -1309,7 +1311,7 @@
         <p:spPr>
           <a:xfrm>
             <a:off x="457200" y="1203480"/>
-            <a:ext cx="8228880" cy="2982600"/>
+            <a:ext cx="8229240" cy="2982960"/>
           </a:xfrm>
           <a:prstGeom prst="rect">
             <a:avLst/>
@@ -1368,7 +1370,7 @@
         <p:spPr>
           <a:xfrm>
             <a:off x="457200" y="205200"/>
-            <a:ext cx="8228880" cy="858240"/>
+            <a:ext cx="8229240" cy="858600"/>
           </a:xfrm>
           <a:prstGeom prst="rect">
             <a:avLst/>
@@ -1405,7 +1407,7 @@
         <p:spPr>
           <a:xfrm>
             <a:off x="457200" y="1203480"/>
-            <a:ext cx="4015440" cy="2982600"/>
+            <a:ext cx="4015800" cy="2982960"/>
           </a:xfrm>
           <a:prstGeom prst="rect">
             <a:avLst/>
@@ -1438,8 +1440,8 @@
         </p:nvSpPr>
         <p:spPr>
           <a:xfrm>
-            <a:off x="4673880" y="1203480"/>
-            <a:ext cx="4015440" cy="1422360"/>
+            <a:off x="4674240" y="1203480"/>
+            <a:ext cx="4015800" cy="1422720"/>
           </a:xfrm>
           <a:prstGeom prst="rect">
             <a:avLst/>
@@ -1472,8 +1474,8 @@
         </p:nvSpPr>
         <p:spPr>
           <a:xfrm>
-            <a:off x="4673880" y="2761200"/>
-            <a:ext cx="4015440" cy="1422360"/>
+            <a:off x="4674240" y="2761920"/>
+            <a:ext cx="4015800" cy="1422720"/>
           </a:xfrm>
           <a:prstGeom prst="rect">
             <a:avLst/>
@@ -1529,7 +1531,7 @@
         <p:spPr>
           <a:xfrm>
             <a:off x="457200" y="205200"/>
-            <a:ext cx="8228880" cy="858240"/>
+            <a:ext cx="8229240" cy="858600"/>
           </a:xfrm>
           <a:prstGeom prst="rect">
             <a:avLst/>
@@ -1566,7 +1568,7 @@
         <p:spPr>
           <a:xfrm>
             <a:off x="457200" y="1203480"/>
-            <a:ext cx="4015440" cy="1422360"/>
+            <a:ext cx="4015800" cy="1422720"/>
           </a:xfrm>
           <a:prstGeom prst="rect">
             <a:avLst/>
@@ -1599,8 +1601,8 @@
         </p:nvSpPr>
         <p:spPr>
           <a:xfrm>
-            <a:off x="4673880" y="1203480"/>
-            <a:ext cx="4015440" cy="1422360"/>
+            <a:off x="4674240" y="1203480"/>
+            <a:ext cx="4015800" cy="1422720"/>
           </a:xfrm>
           <a:prstGeom prst="rect">
             <a:avLst/>
@@ -1633,8 +1635,8 @@
         </p:nvSpPr>
         <p:spPr>
           <a:xfrm>
-            <a:off x="457200" y="2761200"/>
-            <a:ext cx="8228880" cy="1422360"/>
+            <a:off x="457200" y="2761920"/>
+            <a:ext cx="8229240" cy="1422720"/>
           </a:xfrm>
           <a:prstGeom prst="rect">
             <a:avLst/>
@@ -1690,7 +1692,7 @@
         <p:spPr>
           <a:xfrm>
             <a:off x="457200" y="205200"/>
-            <a:ext cx="8228880" cy="858240"/>
+            <a:ext cx="8229240" cy="858600"/>
           </a:xfrm>
           <a:prstGeom prst="rect">
             <a:avLst/>
@@ -1727,7 +1729,7 @@
         <p:spPr>
           <a:xfrm>
             <a:off x="457200" y="1203480"/>
-            <a:ext cx="8228880" cy="1422360"/>
+            <a:ext cx="8229240" cy="1422720"/>
           </a:xfrm>
           <a:prstGeom prst="rect">
             <a:avLst/>
@@ -1760,8 +1762,8 @@
         </p:nvSpPr>
         <p:spPr>
           <a:xfrm>
-            <a:off x="457200" y="2761200"/>
-            <a:ext cx="8228880" cy="1422360"/>
+            <a:off x="457200" y="2761920"/>
+            <a:ext cx="8229240" cy="1422720"/>
           </a:xfrm>
           <a:prstGeom prst="rect">
             <a:avLst/>
@@ -1817,7 +1819,7 @@
         <p:spPr>
           <a:xfrm>
             <a:off x="457200" y="205200"/>
-            <a:ext cx="8228880" cy="858240"/>
+            <a:ext cx="8229240" cy="858600"/>
           </a:xfrm>
           <a:prstGeom prst="rect">
             <a:avLst/>
@@ -1854,7 +1856,7 @@
         <p:spPr>
           <a:xfrm>
             <a:off x="457200" y="1203480"/>
-            <a:ext cx="4015440" cy="1422360"/>
+            <a:ext cx="4015800" cy="1422720"/>
           </a:xfrm>
           <a:prstGeom prst="rect">
             <a:avLst/>
@@ -1887,8 +1889,8 @@
         </p:nvSpPr>
         <p:spPr>
           <a:xfrm>
-            <a:off x="4673880" y="1203480"/>
-            <a:ext cx="4015440" cy="1422360"/>
+            <a:off x="4674240" y="1203480"/>
+            <a:ext cx="4015800" cy="1422720"/>
           </a:xfrm>
           <a:prstGeom prst="rect">
             <a:avLst/>
@@ -1921,8 +1923,8 @@
         </p:nvSpPr>
         <p:spPr>
           <a:xfrm>
-            <a:off x="457200" y="2761200"/>
-            <a:ext cx="4015440" cy="1422360"/>
+            <a:off x="457200" y="2761920"/>
+            <a:ext cx="4015800" cy="1422720"/>
           </a:xfrm>
           <a:prstGeom prst="rect">
             <a:avLst/>
@@ -1955,8 +1957,8 @@
         </p:nvSpPr>
         <p:spPr>
           <a:xfrm>
-            <a:off x="4673880" y="2761200"/>
-            <a:ext cx="4015440" cy="1422360"/>
+            <a:off x="4674240" y="2761920"/>
+            <a:ext cx="4015800" cy="1422720"/>
           </a:xfrm>
           <a:prstGeom prst="rect">
             <a:avLst/>
@@ -2012,7 +2014,7 @@
         <p:spPr>
           <a:xfrm>
             <a:off x="457200" y="205200"/>
-            <a:ext cx="8228880" cy="858240"/>
+            <a:ext cx="8229240" cy="858600"/>
           </a:xfrm>
           <a:prstGeom prst="rect">
             <a:avLst/>
@@ -2049,7 +2051,7 @@
         <p:spPr>
           <a:xfrm>
             <a:off x="457200" y="1203480"/>
-            <a:ext cx="2649600" cy="1422360"/>
+            <a:ext cx="2649600" cy="1422720"/>
           </a:xfrm>
           <a:prstGeom prst="rect">
             <a:avLst/>
@@ -2083,7 +2085,7 @@
         <p:spPr>
           <a:xfrm>
             <a:off x="3239640" y="1203480"/>
-            <a:ext cx="2649600" cy="1422360"/>
+            <a:ext cx="2649600" cy="1422720"/>
           </a:xfrm>
           <a:prstGeom prst="rect">
             <a:avLst/>
@@ -2117,7 +2119,7 @@
         <p:spPr>
           <a:xfrm>
             <a:off x="6022080" y="1203480"/>
-            <a:ext cx="2649600" cy="1422360"/>
+            <a:ext cx="2649600" cy="1422720"/>
           </a:xfrm>
           <a:prstGeom prst="rect">
             <a:avLst/>
@@ -2150,8 +2152,8 @@
         </p:nvSpPr>
         <p:spPr>
           <a:xfrm>
-            <a:off x="457200" y="2761200"/>
-            <a:ext cx="2649600" cy="1422360"/>
+            <a:off x="457200" y="2761920"/>
+            <a:ext cx="2649600" cy="1422720"/>
           </a:xfrm>
           <a:prstGeom prst="rect">
             <a:avLst/>
@@ -2184,8 +2186,8 @@
         </p:nvSpPr>
         <p:spPr>
           <a:xfrm>
-            <a:off x="3239640" y="2761200"/>
-            <a:ext cx="2649600" cy="1422360"/>
+            <a:off x="3239640" y="2761920"/>
+            <a:ext cx="2649600" cy="1422720"/>
           </a:xfrm>
           <a:prstGeom prst="rect">
             <a:avLst/>
@@ -2218,8 +2220,8 @@
         </p:nvSpPr>
         <p:spPr>
           <a:xfrm>
-            <a:off x="6022080" y="2761200"/>
-            <a:ext cx="2649600" cy="1422360"/>
+            <a:off x="6022080" y="2761920"/>
+            <a:ext cx="2649600" cy="1422720"/>
           </a:xfrm>
           <a:prstGeom prst="rect">
             <a:avLst/>
@@ -2297,7 +2299,7 @@
         <p:spPr>
           <a:xfrm>
             <a:off x="457200" y="205200"/>
-            <a:ext cx="8228880" cy="858240"/>
+            <a:ext cx="8229240" cy="858600"/>
           </a:xfrm>
           <a:prstGeom prst="rect">
             <a:avLst/>
@@ -2334,7 +2336,7 @@
         <p:spPr>
           <a:xfrm>
             <a:off x="457200" y="1203480"/>
-            <a:ext cx="8228880" cy="2982600"/>
+            <a:ext cx="8229240" cy="2982960"/>
           </a:xfrm>
           <a:prstGeom prst="rect">
             <a:avLst/>
@@ -2393,7 +2395,7 @@
         <p:spPr>
           <a:xfrm>
             <a:off x="457200" y="205200"/>
-            <a:ext cx="8228880" cy="858240"/>
+            <a:ext cx="8229240" cy="858600"/>
           </a:xfrm>
           <a:prstGeom prst="rect">
             <a:avLst/>
@@ -2430,7 +2432,7 @@
         <p:spPr>
           <a:xfrm>
             <a:off x="457200" y="1203480"/>
-            <a:ext cx="8228880" cy="2982600"/>
+            <a:ext cx="8229240" cy="2982960"/>
           </a:xfrm>
           <a:prstGeom prst="rect">
             <a:avLst/>
@@ -2486,7 +2488,7 @@
         <p:spPr>
           <a:xfrm>
             <a:off x="457200" y="205200"/>
-            <a:ext cx="8228880" cy="858240"/>
+            <a:ext cx="8229240" cy="858600"/>
           </a:xfrm>
           <a:prstGeom prst="rect">
             <a:avLst/>
@@ -2523,7 +2525,7 @@
         <p:spPr>
           <a:xfrm>
             <a:off x="457200" y="1203480"/>
-            <a:ext cx="4015440" cy="2982600"/>
+            <a:ext cx="4015800" cy="2982960"/>
           </a:xfrm>
           <a:prstGeom prst="rect">
             <a:avLst/>
@@ -2556,8 +2558,8 @@
         </p:nvSpPr>
         <p:spPr>
           <a:xfrm>
-            <a:off x="4673880" y="1203480"/>
-            <a:ext cx="4015440" cy="2982600"/>
+            <a:off x="4674240" y="1203480"/>
+            <a:ext cx="4015800" cy="2982960"/>
           </a:xfrm>
           <a:prstGeom prst="rect">
             <a:avLst/>
@@ -2613,7 +2615,7 @@
         <p:spPr>
           <a:xfrm>
             <a:off x="457200" y="205200"/>
-            <a:ext cx="8228880" cy="858240"/>
+            <a:ext cx="8229240" cy="858600"/>
           </a:xfrm>
           <a:prstGeom prst="rect">
             <a:avLst/>
@@ -2672,7 +2674,7 @@
         <p:spPr>
           <a:xfrm>
             <a:off x="457200" y="205200"/>
-            <a:ext cx="8228880" cy="858240"/>
+            <a:ext cx="8229240" cy="858600"/>
           </a:xfrm>
           <a:prstGeom prst="rect">
             <a:avLst/>
@@ -2709,7 +2711,7 @@
         <p:spPr>
           <a:xfrm>
             <a:off x="457200" y="1203480"/>
-            <a:ext cx="8228880" cy="2982600"/>
+            <a:ext cx="8229240" cy="2982960"/>
           </a:xfrm>
           <a:prstGeom prst="rect">
             <a:avLst/>
@@ -2765,7 +2767,7 @@
         <p:spPr>
           <a:xfrm>
             <a:off x="457200" y="205200"/>
-            <a:ext cx="8228880" cy="3979440"/>
+            <a:ext cx="8229240" cy="3981240"/>
           </a:xfrm>
           <a:prstGeom prst="rect">
             <a:avLst/>
@@ -2824,7 +2826,7 @@
         <p:spPr>
           <a:xfrm>
             <a:off x="457200" y="205200"/>
-            <a:ext cx="8228880" cy="858240"/>
+            <a:ext cx="8229240" cy="858600"/>
           </a:xfrm>
           <a:prstGeom prst="rect">
             <a:avLst/>
@@ -2861,7 +2863,7 @@
         <p:spPr>
           <a:xfrm>
             <a:off x="457200" y="1203480"/>
-            <a:ext cx="4015440" cy="1422360"/>
+            <a:ext cx="4015800" cy="1422720"/>
           </a:xfrm>
           <a:prstGeom prst="rect">
             <a:avLst/>
@@ -2894,8 +2896,8 @@
         </p:nvSpPr>
         <p:spPr>
           <a:xfrm>
-            <a:off x="4673880" y="1203480"/>
-            <a:ext cx="4015440" cy="2982600"/>
+            <a:off x="4674240" y="1203480"/>
+            <a:ext cx="4015800" cy="2982960"/>
           </a:xfrm>
           <a:prstGeom prst="rect">
             <a:avLst/>
@@ -2928,8 +2930,8 @@
         </p:nvSpPr>
         <p:spPr>
           <a:xfrm>
-            <a:off x="457200" y="2761200"/>
-            <a:ext cx="4015440" cy="1422360"/>
+            <a:off x="457200" y="2761920"/>
+            <a:ext cx="4015800" cy="1422720"/>
           </a:xfrm>
           <a:prstGeom prst="rect">
             <a:avLst/>
@@ -2985,7 +2987,7 @@
         <p:spPr>
           <a:xfrm>
             <a:off x="457200" y="205200"/>
-            <a:ext cx="8228880" cy="858240"/>
+            <a:ext cx="8229240" cy="858600"/>
           </a:xfrm>
           <a:prstGeom prst="rect">
             <a:avLst/>
@@ -3022,7 +3024,7 @@
         <p:spPr>
           <a:xfrm>
             <a:off x="457200" y="1203480"/>
-            <a:ext cx="4015440" cy="2982600"/>
+            <a:ext cx="4015800" cy="2982960"/>
           </a:xfrm>
           <a:prstGeom prst="rect">
             <a:avLst/>
@@ -3055,8 +3057,8 @@
         </p:nvSpPr>
         <p:spPr>
           <a:xfrm>
-            <a:off x="4673880" y="1203480"/>
-            <a:ext cx="4015440" cy="1422360"/>
+            <a:off x="4674240" y="1203480"/>
+            <a:ext cx="4015800" cy="1422720"/>
           </a:xfrm>
           <a:prstGeom prst="rect">
             <a:avLst/>
@@ -3089,8 +3091,8 @@
         </p:nvSpPr>
         <p:spPr>
           <a:xfrm>
-            <a:off x="4673880" y="2761200"/>
-            <a:ext cx="4015440" cy="1422360"/>
+            <a:off x="4674240" y="2761920"/>
+            <a:ext cx="4015800" cy="1422720"/>
           </a:xfrm>
           <a:prstGeom prst="rect">
             <a:avLst/>
@@ -3146,7 +3148,7 @@
         <p:spPr>
           <a:xfrm>
             <a:off x="457200" y="205200"/>
-            <a:ext cx="8228880" cy="858240"/>
+            <a:ext cx="8229240" cy="858600"/>
           </a:xfrm>
           <a:prstGeom prst="rect">
             <a:avLst/>
@@ -3183,7 +3185,7 @@
         <p:spPr>
           <a:xfrm>
             <a:off x="457200" y="1203480"/>
-            <a:ext cx="4015440" cy="1422360"/>
+            <a:ext cx="4015800" cy="1422720"/>
           </a:xfrm>
           <a:prstGeom prst="rect">
             <a:avLst/>
@@ -3216,8 +3218,8 @@
         </p:nvSpPr>
         <p:spPr>
           <a:xfrm>
-            <a:off x="4673880" y="1203480"/>
-            <a:ext cx="4015440" cy="1422360"/>
+            <a:off x="4674240" y="1203480"/>
+            <a:ext cx="4015800" cy="1422720"/>
           </a:xfrm>
           <a:prstGeom prst="rect">
             <a:avLst/>
@@ -3250,8 +3252,8 @@
         </p:nvSpPr>
         <p:spPr>
           <a:xfrm>
-            <a:off x="457200" y="2761200"/>
-            <a:ext cx="8228880" cy="1422360"/>
+            <a:off x="457200" y="2761920"/>
+            <a:ext cx="8229240" cy="1422720"/>
           </a:xfrm>
           <a:prstGeom prst="rect">
             <a:avLst/>
@@ -3307,7 +3309,7 @@
         <p:spPr>
           <a:xfrm>
             <a:off x="457200" y="205200"/>
-            <a:ext cx="8228880" cy="858240"/>
+            <a:ext cx="8229240" cy="858600"/>
           </a:xfrm>
           <a:prstGeom prst="rect">
             <a:avLst/>
@@ -3344,7 +3346,7 @@
         <p:spPr>
           <a:xfrm>
             <a:off x="457200" y="1203480"/>
-            <a:ext cx="8228880" cy="1422360"/>
+            <a:ext cx="8229240" cy="1422720"/>
           </a:xfrm>
           <a:prstGeom prst="rect">
             <a:avLst/>
@@ -3377,8 +3379,8 @@
         </p:nvSpPr>
         <p:spPr>
           <a:xfrm>
-            <a:off x="457200" y="2761200"/>
-            <a:ext cx="8228880" cy="1422360"/>
+            <a:off x="457200" y="2761920"/>
+            <a:ext cx="8229240" cy="1422720"/>
           </a:xfrm>
           <a:prstGeom prst="rect">
             <a:avLst/>
@@ -3434,7 +3436,7 @@
         <p:spPr>
           <a:xfrm>
             <a:off x="457200" y="205200"/>
-            <a:ext cx="8228880" cy="858240"/>
+            <a:ext cx="8229240" cy="858600"/>
           </a:xfrm>
           <a:prstGeom prst="rect">
             <a:avLst/>
@@ -3471,7 +3473,7 @@
         <p:spPr>
           <a:xfrm>
             <a:off x="457200" y="1203480"/>
-            <a:ext cx="4015440" cy="1422360"/>
+            <a:ext cx="4015800" cy="1422720"/>
           </a:xfrm>
           <a:prstGeom prst="rect">
             <a:avLst/>
@@ -3504,8 +3506,8 @@
         </p:nvSpPr>
         <p:spPr>
           <a:xfrm>
-            <a:off x="4673880" y="1203480"/>
-            <a:ext cx="4015440" cy="1422360"/>
+            <a:off x="4674240" y="1203480"/>
+            <a:ext cx="4015800" cy="1422720"/>
           </a:xfrm>
           <a:prstGeom prst="rect">
             <a:avLst/>
@@ -3538,8 +3540,8 @@
         </p:nvSpPr>
         <p:spPr>
           <a:xfrm>
-            <a:off x="457200" y="2761200"/>
-            <a:ext cx="4015440" cy="1422360"/>
+            <a:off x="457200" y="2761920"/>
+            <a:ext cx="4015800" cy="1422720"/>
           </a:xfrm>
           <a:prstGeom prst="rect">
             <a:avLst/>
@@ -3572,8 +3574,8 @@
         </p:nvSpPr>
         <p:spPr>
           <a:xfrm>
-            <a:off x="4673880" y="2761200"/>
-            <a:ext cx="4015440" cy="1422360"/>
+            <a:off x="4674240" y="2761920"/>
+            <a:ext cx="4015800" cy="1422720"/>
           </a:xfrm>
           <a:prstGeom prst="rect">
             <a:avLst/>
@@ -3629,7 +3631,7 @@
         <p:spPr>
           <a:xfrm>
             <a:off x="457200" y="205200"/>
-            <a:ext cx="8228880" cy="858240"/>
+            <a:ext cx="8229240" cy="858600"/>
           </a:xfrm>
           <a:prstGeom prst="rect">
             <a:avLst/>
@@ -3666,7 +3668,7 @@
         <p:spPr>
           <a:xfrm>
             <a:off x="457200" y="1203480"/>
-            <a:ext cx="2649600" cy="1422360"/>
+            <a:ext cx="2649600" cy="1422720"/>
           </a:xfrm>
           <a:prstGeom prst="rect">
             <a:avLst/>
@@ -3700,7 +3702,7 @@
         <p:spPr>
           <a:xfrm>
             <a:off x="3239640" y="1203480"/>
-            <a:ext cx="2649600" cy="1422360"/>
+            <a:ext cx="2649600" cy="1422720"/>
           </a:xfrm>
           <a:prstGeom prst="rect">
             <a:avLst/>
@@ -3734,7 +3736,7 @@
         <p:spPr>
           <a:xfrm>
             <a:off x="6022080" y="1203480"/>
-            <a:ext cx="2649600" cy="1422360"/>
+            <a:ext cx="2649600" cy="1422720"/>
           </a:xfrm>
           <a:prstGeom prst="rect">
             <a:avLst/>
@@ -3767,8 +3769,8 @@
         </p:nvSpPr>
         <p:spPr>
           <a:xfrm>
-            <a:off x="457200" y="2761200"/>
-            <a:ext cx="2649600" cy="1422360"/>
+            <a:off x="457200" y="2761920"/>
+            <a:ext cx="2649600" cy="1422720"/>
           </a:xfrm>
           <a:prstGeom prst="rect">
             <a:avLst/>
@@ -3801,8 +3803,8 @@
         </p:nvSpPr>
         <p:spPr>
           <a:xfrm>
-            <a:off x="3239640" y="2761200"/>
-            <a:ext cx="2649600" cy="1422360"/>
+            <a:off x="3239640" y="2761920"/>
+            <a:ext cx="2649600" cy="1422720"/>
           </a:xfrm>
           <a:prstGeom prst="rect">
             <a:avLst/>
@@ -3835,8 +3837,8 @@
         </p:nvSpPr>
         <p:spPr>
           <a:xfrm>
-            <a:off x="6022080" y="2761200"/>
-            <a:ext cx="2649600" cy="1422360"/>
+            <a:off x="6022080" y="2761920"/>
+            <a:ext cx="2649600" cy="1422720"/>
           </a:xfrm>
           <a:prstGeom prst="rect">
             <a:avLst/>
@@ -3903,7 +3905,7 @@
       </p:grpSpPr>
       <p:sp>
         <p:nvSpPr>
-          <p:cNvPr id="124" name="PlaceHolder 1"/>
+          <p:cNvPr id="122" name="PlaceHolder 1"/>
           <p:cNvSpPr>
             <a:spLocks noGrp="1"/>
           </p:cNvSpPr>
@@ -3914,7 +3916,7 @@
         <p:spPr>
           <a:xfrm>
             <a:off x="457200" y="205200"/>
-            <a:ext cx="8228880" cy="858240"/>
+            <a:ext cx="8229240" cy="858600"/>
           </a:xfrm>
           <a:prstGeom prst="rect">
             <a:avLst/>
@@ -3940,7 +3942,7 @@
       </p:sp>
       <p:sp>
         <p:nvSpPr>
-          <p:cNvPr id="125" name="PlaceHolder 2"/>
+          <p:cNvPr id="123" name="PlaceHolder 2"/>
           <p:cNvSpPr>
             <a:spLocks noGrp="1"/>
           </p:cNvSpPr>
@@ -3951,7 +3953,7 @@
         <p:spPr>
           <a:xfrm>
             <a:off x="457200" y="1203480"/>
-            <a:ext cx="8228880" cy="2982600"/>
+            <a:ext cx="8229240" cy="2982960"/>
           </a:xfrm>
           <a:prstGeom prst="rect">
             <a:avLst/>
@@ -3999,7 +4001,7 @@
       </p:grpSpPr>
       <p:sp>
         <p:nvSpPr>
-          <p:cNvPr id="126" name="PlaceHolder 1"/>
+          <p:cNvPr id="124" name="PlaceHolder 1"/>
           <p:cNvSpPr>
             <a:spLocks noGrp="1"/>
           </p:cNvSpPr>
@@ -4010,7 +4012,7 @@
         <p:spPr>
           <a:xfrm>
             <a:off x="457200" y="205200"/>
-            <a:ext cx="8228880" cy="858240"/>
+            <a:ext cx="8229240" cy="858600"/>
           </a:xfrm>
           <a:prstGeom prst="rect">
             <a:avLst/>
@@ -4036,7 +4038,7 @@
       </p:sp>
       <p:sp>
         <p:nvSpPr>
-          <p:cNvPr id="127" name="PlaceHolder 2"/>
+          <p:cNvPr id="125" name="PlaceHolder 2"/>
           <p:cNvSpPr>
             <a:spLocks noGrp="1"/>
           </p:cNvSpPr>
@@ -4047,7 +4049,7 @@
         <p:spPr>
           <a:xfrm>
             <a:off x="457200" y="1203480"/>
-            <a:ext cx="8228880" cy="2982600"/>
+            <a:ext cx="8229240" cy="2982960"/>
           </a:xfrm>
           <a:prstGeom prst="rect">
             <a:avLst/>
@@ -4103,7 +4105,7 @@
         <p:spPr>
           <a:xfrm>
             <a:off x="457200" y="205200"/>
-            <a:ext cx="8228880" cy="858240"/>
+            <a:ext cx="8229240" cy="858600"/>
           </a:xfrm>
           <a:prstGeom prst="rect">
             <a:avLst/>
@@ -4140,7 +4142,7 @@
         <p:spPr>
           <a:xfrm>
             <a:off x="457200" y="1203480"/>
-            <a:ext cx="4015440" cy="2982600"/>
+            <a:ext cx="4015800" cy="2982960"/>
           </a:xfrm>
           <a:prstGeom prst="rect">
             <a:avLst/>
@@ -4173,8 +4175,8 @@
         </p:nvSpPr>
         <p:spPr>
           <a:xfrm>
-            <a:off x="4673880" y="1203480"/>
-            <a:ext cx="4015440" cy="2982600"/>
+            <a:off x="4674240" y="1203480"/>
+            <a:ext cx="4015800" cy="2982960"/>
           </a:xfrm>
           <a:prstGeom prst="rect">
             <a:avLst/>
@@ -4219,7 +4221,7 @@
       </p:grpSpPr>
       <p:sp>
         <p:nvSpPr>
-          <p:cNvPr id="128" name="PlaceHolder 1"/>
+          <p:cNvPr id="126" name="PlaceHolder 1"/>
           <p:cNvSpPr>
             <a:spLocks noGrp="1"/>
           </p:cNvSpPr>
@@ -4230,7 +4232,7 @@
         <p:spPr>
           <a:xfrm>
             <a:off x="457200" y="205200"/>
-            <a:ext cx="8228880" cy="858240"/>
+            <a:ext cx="8229240" cy="858600"/>
           </a:xfrm>
           <a:prstGeom prst="rect">
             <a:avLst/>
@@ -4256,7 +4258,7 @@
       </p:sp>
       <p:sp>
         <p:nvSpPr>
-          <p:cNvPr id="129" name="PlaceHolder 2"/>
+          <p:cNvPr id="127" name="PlaceHolder 2"/>
           <p:cNvSpPr>
             <a:spLocks noGrp="1"/>
           </p:cNvSpPr>
@@ -4267,7 +4269,7 @@
         <p:spPr>
           <a:xfrm>
             <a:off x="457200" y="1203480"/>
-            <a:ext cx="4015440" cy="2982600"/>
+            <a:ext cx="4015800" cy="2982960"/>
           </a:xfrm>
           <a:prstGeom prst="rect">
             <a:avLst/>
@@ -4290,7 +4292,7 @@
       </p:sp>
       <p:sp>
         <p:nvSpPr>
-          <p:cNvPr id="130" name="PlaceHolder 3"/>
+          <p:cNvPr id="128" name="PlaceHolder 3"/>
           <p:cNvSpPr>
             <a:spLocks noGrp="1"/>
           </p:cNvSpPr>
@@ -4300,8 +4302,8 @@
         </p:nvSpPr>
         <p:spPr>
           <a:xfrm>
-            <a:off x="4673880" y="1203480"/>
-            <a:ext cx="4015440" cy="2982600"/>
+            <a:off x="4674240" y="1203480"/>
+            <a:ext cx="4015800" cy="2982960"/>
           </a:xfrm>
           <a:prstGeom prst="rect">
             <a:avLst/>
@@ -4346,7 +4348,7 @@
       </p:grpSpPr>
       <p:sp>
         <p:nvSpPr>
-          <p:cNvPr id="131" name="PlaceHolder 1"/>
+          <p:cNvPr id="129" name="PlaceHolder 1"/>
           <p:cNvSpPr>
             <a:spLocks noGrp="1"/>
           </p:cNvSpPr>
@@ -4357,7 +4359,7 @@
         <p:spPr>
           <a:xfrm>
             <a:off x="457200" y="205200"/>
-            <a:ext cx="8228880" cy="858240"/>
+            <a:ext cx="8229240" cy="858600"/>
           </a:xfrm>
           <a:prstGeom prst="rect">
             <a:avLst/>
@@ -4405,7 +4407,7 @@
       </p:grpSpPr>
       <p:sp>
         <p:nvSpPr>
-          <p:cNvPr id="132" name="PlaceHolder 1"/>
+          <p:cNvPr id="130" name="PlaceHolder 1"/>
           <p:cNvSpPr>
             <a:spLocks noGrp="1"/>
           </p:cNvSpPr>
@@ -4416,7 +4418,7 @@
         <p:spPr>
           <a:xfrm>
             <a:off x="457200" y="205200"/>
-            <a:ext cx="8228880" cy="3979440"/>
+            <a:ext cx="8229240" cy="3981240"/>
           </a:xfrm>
           <a:prstGeom prst="rect">
             <a:avLst/>
@@ -4464,7 +4466,7 @@
       </p:grpSpPr>
       <p:sp>
         <p:nvSpPr>
-          <p:cNvPr id="133" name="PlaceHolder 1"/>
+          <p:cNvPr id="131" name="PlaceHolder 1"/>
           <p:cNvSpPr>
             <a:spLocks noGrp="1"/>
           </p:cNvSpPr>
@@ -4475,7 +4477,7 @@
         <p:spPr>
           <a:xfrm>
             <a:off x="457200" y="205200"/>
-            <a:ext cx="8228880" cy="858240"/>
+            <a:ext cx="8229240" cy="858600"/>
           </a:xfrm>
           <a:prstGeom prst="rect">
             <a:avLst/>
@@ -4501,7 +4503,7 @@
       </p:sp>
       <p:sp>
         <p:nvSpPr>
-          <p:cNvPr id="134" name="PlaceHolder 2"/>
+          <p:cNvPr id="132" name="PlaceHolder 2"/>
           <p:cNvSpPr>
             <a:spLocks noGrp="1"/>
           </p:cNvSpPr>
@@ -4512,7 +4514,7 @@
         <p:spPr>
           <a:xfrm>
             <a:off x="457200" y="1203480"/>
-            <a:ext cx="4015440" cy="1422360"/>
+            <a:ext cx="4015800" cy="1422720"/>
           </a:xfrm>
           <a:prstGeom prst="rect">
             <a:avLst/>
@@ -4535,7 +4537,7 @@
       </p:sp>
       <p:sp>
         <p:nvSpPr>
-          <p:cNvPr id="135" name="PlaceHolder 3"/>
+          <p:cNvPr id="133" name="PlaceHolder 3"/>
           <p:cNvSpPr>
             <a:spLocks noGrp="1"/>
           </p:cNvSpPr>
@@ -4545,8 +4547,8 @@
         </p:nvSpPr>
         <p:spPr>
           <a:xfrm>
-            <a:off x="4673880" y="1203480"/>
-            <a:ext cx="4015440" cy="2982600"/>
+            <a:off x="4674240" y="1203480"/>
+            <a:ext cx="4015800" cy="2982960"/>
           </a:xfrm>
           <a:prstGeom prst="rect">
             <a:avLst/>
@@ -4569,7 +4571,7 @@
       </p:sp>
       <p:sp>
         <p:nvSpPr>
-          <p:cNvPr id="136" name="PlaceHolder 4"/>
+          <p:cNvPr id="134" name="PlaceHolder 4"/>
           <p:cNvSpPr>
             <a:spLocks noGrp="1"/>
           </p:cNvSpPr>
@@ -4579,8 +4581,8 @@
         </p:nvSpPr>
         <p:spPr>
           <a:xfrm>
-            <a:off x="457200" y="2761200"/>
-            <a:ext cx="4015440" cy="1422360"/>
+            <a:off x="457200" y="2761920"/>
+            <a:ext cx="4015800" cy="1422720"/>
           </a:xfrm>
           <a:prstGeom prst="rect">
             <a:avLst/>
@@ -4625,7 +4627,7 @@
       </p:grpSpPr>
       <p:sp>
         <p:nvSpPr>
-          <p:cNvPr id="137" name="PlaceHolder 1"/>
+          <p:cNvPr id="135" name="PlaceHolder 1"/>
           <p:cNvSpPr>
             <a:spLocks noGrp="1"/>
           </p:cNvSpPr>
@@ -4636,7 +4638,7 @@
         <p:spPr>
           <a:xfrm>
             <a:off x="457200" y="205200"/>
-            <a:ext cx="8228880" cy="858240"/>
+            <a:ext cx="8229240" cy="858600"/>
           </a:xfrm>
           <a:prstGeom prst="rect">
             <a:avLst/>
@@ -4662,7 +4664,7 @@
       </p:sp>
       <p:sp>
         <p:nvSpPr>
-          <p:cNvPr id="138" name="PlaceHolder 2"/>
+          <p:cNvPr id="136" name="PlaceHolder 2"/>
           <p:cNvSpPr>
             <a:spLocks noGrp="1"/>
           </p:cNvSpPr>
@@ -4673,7 +4675,7 @@
         <p:spPr>
           <a:xfrm>
             <a:off x="457200" y="1203480"/>
-            <a:ext cx="4015440" cy="2982600"/>
+            <a:ext cx="4015800" cy="2982960"/>
           </a:xfrm>
           <a:prstGeom prst="rect">
             <a:avLst/>
@@ -4696,7 +4698,7 @@
       </p:sp>
       <p:sp>
         <p:nvSpPr>
-          <p:cNvPr id="139" name="PlaceHolder 3"/>
+          <p:cNvPr id="137" name="PlaceHolder 3"/>
           <p:cNvSpPr>
             <a:spLocks noGrp="1"/>
           </p:cNvSpPr>
@@ -4706,8 +4708,8 @@
         </p:nvSpPr>
         <p:spPr>
           <a:xfrm>
-            <a:off x="4673880" y="1203480"/>
-            <a:ext cx="4015440" cy="1422360"/>
+            <a:off x="4674240" y="1203480"/>
+            <a:ext cx="4015800" cy="1422720"/>
           </a:xfrm>
           <a:prstGeom prst="rect">
             <a:avLst/>
@@ -4730,7 +4732,7 @@
       </p:sp>
       <p:sp>
         <p:nvSpPr>
-          <p:cNvPr id="140" name="PlaceHolder 4"/>
+          <p:cNvPr id="138" name="PlaceHolder 4"/>
           <p:cNvSpPr>
             <a:spLocks noGrp="1"/>
           </p:cNvSpPr>
@@ -4740,8 +4742,8 @@
         </p:nvSpPr>
         <p:spPr>
           <a:xfrm>
-            <a:off x="4673880" y="2761200"/>
-            <a:ext cx="4015440" cy="1422360"/>
+            <a:off x="4674240" y="2761920"/>
+            <a:ext cx="4015800" cy="1422720"/>
           </a:xfrm>
           <a:prstGeom prst="rect">
             <a:avLst/>
@@ -4786,7 +4788,7 @@
       </p:grpSpPr>
       <p:sp>
         <p:nvSpPr>
-          <p:cNvPr id="141" name="PlaceHolder 1"/>
+          <p:cNvPr id="139" name="PlaceHolder 1"/>
           <p:cNvSpPr>
             <a:spLocks noGrp="1"/>
           </p:cNvSpPr>
@@ -4797,7 +4799,7 @@
         <p:spPr>
           <a:xfrm>
             <a:off x="457200" y="205200"/>
-            <a:ext cx="8228880" cy="858240"/>
+            <a:ext cx="8229240" cy="858600"/>
           </a:xfrm>
           <a:prstGeom prst="rect">
             <a:avLst/>
@@ -4823,7 +4825,7 @@
       </p:sp>
       <p:sp>
         <p:nvSpPr>
-          <p:cNvPr id="142" name="PlaceHolder 2"/>
+          <p:cNvPr id="140" name="PlaceHolder 2"/>
           <p:cNvSpPr>
             <a:spLocks noGrp="1"/>
           </p:cNvSpPr>
@@ -4834,7 +4836,7 @@
         <p:spPr>
           <a:xfrm>
             <a:off x="457200" y="1203480"/>
-            <a:ext cx="4015440" cy="1422360"/>
+            <a:ext cx="4015800" cy="1422720"/>
           </a:xfrm>
           <a:prstGeom prst="rect">
             <a:avLst/>
@@ -4857,7 +4859,7 @@
       </p:sp>
       <p:sp>
         <p:nvSpPr>
-          <p:cNvPr id="143" name="PlaceHolder 3"/>
+          <p:cNvPr id="141" name="PlaceHolder 3"/>
           <p:cNvSpPr>
             <a:spLocks noGrp="1"/>
           </p:cNvSpPr>
@@ -4867,8 +4869,8 @@
         </p:nvSpPr>
         <p:spPr>
           <a:xfrm>
-            <a:off x="4673880" y="1203480"/>
-            <a:ext cx="4015440" cy="1422360"/>
+            <a:off x="4674240" y="1203480"/>
+            <a:ext cx="4015800" cy="1422720"/>
           </a:xfrm>
           <a:prstGeom prst="rect">
             <a:avLst/>
@@ -4891,7 +4893,7 @@
       </p:sp>
       <p:sp>
         <p:nvSpPr>
-          <p:cNvPr id="144" name="PlaceHolder 4"/>
+          <p:cNvPr id="142" name="PlaceHolder 4"/>
           <p:cNvSpPr>
             <a:spLocks noGrp="1"/>
           </p:cNvSpPr>
@@ -4901,8 +4903,8 @@
         </p:nvSpPr>
         <p:spPr>
           <a:xfrm>
-            <a:off x="457200" y="2761200"/>
-            <a:ext cx="8228880" cy="1422360"/>
+            <a:off x="457200" y="2761920"/>
+            <a:ext cx="8229240" cy="1422720"/>
           </a:xfrm>
           <a:prstGeom prst="rect">
             <a:avLst/>
@@ -4947,7 +4949,7 @@
       </p:grpSpPr>
       <p:sp>
         <p:nvSpPr>
-          <p:cNvPr id="145" name="PlaceHolder 1"/>
+          <p:cNvPr id="143" name="PlaceHolder 1"/>
           <p:cNvSpPr>
             <a:spLocks noGrp="1"/>
           </p:cNvSpPr>
@@ -4958,7 +4960,7 @@
         <p:spPr>
           <a:xfrm>
             <a:off x="457200" y="205200"/>
-            <a:ext cx="8228880" cy="858240"/>
+            <a:ext cx="8229240" cy="858600"/>
           </a:xfrm>
           <a:prstGeom prst="rect">
             <a:avLst/>
@@ -4984,7 +4986,7 @@
       </p:sp>
       <p:sp>
         <p:nvSpPr>
-          <p:cNvPr id="146" name="PlaceHolder 2"/>
+          <p:cNvPr id="144" name="PlaceHolder 2"/>
           <p:cNvSpPr>
             <a:spLocks noGrp="1"/>
           </p:cNvSpPr>
@@ -4995,7 +4997,7 @@
         <p:spPr>
           <a:xfrm>
             <a:off x="457200" y="1203480"/>
-            <a:ext cx="8228880" cy="1422360"/>
+            <a:ext cx="8229240" cy="1422720"/>
           </a:xfrm>
           <a:prstGeom prst="rect">
             <a:avLst/>
@@ -5018,7 +5020,7 @@
       </p:sp>
       <p:sp>
         <p:nvSpPr>
-          <p:cNvPr id="147" name="PlaceHolder 3"/>
+          <p:cNvPr id="145" name="PlaceHolder 3"/>
           <p:cNvSpPr>
             <a:spLocks noGrp="1"/>
           </p:cNvSpPr>
@@ -5028,8 +5030,8 @@
         </p:nvSpPr>
         <p:spPr>
           <a:xfrm>
-            <a:off x="457200" y="2761200"/>
-            <a:ext cx="8228880" cy="1422360"/>
+            <a:off x="457200" y="2761920"/>
+            <a:ext cx="8229240" cy="1422720"/>
           </a:xfrm>
           <a:prstGeom prst="rect">
             <a:avLst/>
@@ -5074,7 +5076,7 @@
       </p:grpSpPr>
       <p:sp>
         <p:nvSpPr>
-          <p:cNvPr id="148" name="PlaceHolder 1"/>
+          <p:cNvPr id="146" name="PlaceHolder 1"/>
           <p:cNvSpPr>
             <a:spLocks noGrp="1"/>
           </p:cNvSpPr>
@@ -5085,7 +5087,7 @@
         <p:spPr>
           <a:xfrm>
             <a:off x="457200" y="205200"/>
-            <a:ext cx="8228880" cy="858240"/>
+            <a:ext cx="8229240" cy="858600"/>
           </a:xfrm>
           <a:prstGeom prst="rect">
             <a:avLst/>
@@ -5111,7 +5113,7 @@
       </p:sp>
       <p:sp>
         <p:nvSpPr>
-          <p:cNvPr id="149" name="PlaceHolder 2"/>
+          <p:cNvPr id="147" name="PlaceHolder 2"/>
           <p:cNvSpPr>
             <a:spLocks noGrp="1"/>
           </p:cNvSpPr>
@@ -5122,7 +5124,7 @@
         <p:spPr>
           <a:xfrm>
             <a:off x="457200" y="1203480"/>
-            <a:ext cx="4015440" cy="1422360"/>
+            <a:ext cx="4015800" cy="1422720"/>
           </a:xfrm>
           <a:prstGeom prst="rect">
             <a:avLst/>
@@ -5145,7 +5147,7 @@
       </p:sp>
       <p:sp>
         <p:nvSpPr>
-          <p:cNvPr id="150" name="PlaceHolder 3"/>
+          <p:cNvPr id="148" name="PlaceHolder 3"/>
           <p:cNvSpPr>
             <a:spLocks noGrp="1"/>
           </p:cNvSpPr>
@@ -5155,8 +5157,8 @@
         </p:nvSpPr>
         <p:spPr>
           <a:xfrm>
-            <a:off x="4673880" y="1203480"/>
-            <a:ext cx="4015440" cy="1422360"/>
+            <a:off x="4674240" y="1203480"/>
+            <a:ext cx="4015800" cy="1422720"/>
           </a:xfrm>
           <a:prstGeom prst="rect">
             <a:avLst/>
@@ -5179,7 +5181,7 @@
       </p:sp>
       <p:sp>
         <p:nvSpPr>
-          <p:cNvPr id="151" name="PlaceHolder 4"/>
+          <p:cNvPr id="149" name="PlaceHolder 4"/>
           <p:cNvSpPr>
             <a:spLocks noGrp="1"/>
           </p:cNvSpPr>
@@ -5189,8 +5191,8 @@
         </p:nvSpPr>
         <p:spPr>
           <a:xfrm>
-            <a:off x="457200" y="2761200"/>
-            <a:ext cx="4015440" cy="1422360"/>
+            <a:off x="457200" y="2761920"/>
+            <a:ext cx="4015800" cy="1422720"/>
           </a:xfrm>
           <a:prstGeom prst="rect">
             <a:avLst/>
@@ -5213,7 +5215,7 @@
       </p:sp>
       <p:sp>
         <p:nvSpPr>
-          <p:cNvPr id="152" name="PlaceHolder 5"/>
+          <p:cNvPr id="150" name="PlaceHolder 5"/>
           <p:cNvSpPr>
             <a:spLocks noGrp="1"/>
           </p:cNvSpPr>
@@ -5223,8 +5225,8 @@
         </p:nvSpPr>
         <p:spPr>
           <a:xfrm>
-            <a:off x="4673880" y="2761200"/>
-            <a:ext cx="4015440" cy="1422360"/>
+            <a:off x="4674240" y="2761920"/>
+            <a:ext cx="4015800" cy="1422720"/>
           </a:xfrm>
           <a:prstGeom prst="rect">
             <a:avLst/>
@@ -5269,7 +5271,7 @@
       </p:grpSpPr>
       <p:sp>
         <p:nvSpPr>
-          <p:cNvPr id="153" name="PlaceHolder 1"/>
+          <p:cNvPr id="151" name="PlaceHolder 1"/>
           <p:cNvSpPr>
             <a:spLocks noGrp="1"/>
           </p:cNvSpPr>
@@ -5280,7 +5282,7 @@
         <p:spPr>
           <a:xfrm>
             <a:off x="457200" y="205200"/>
-            <a:ext cx="8228880" cy="858240"/>
+            <a:ext cx="8229240" cy="858600"/>
           </a:xfrm>
           <a:prstGeom prst="rect">
             <a:avLst/>
@@ -5306,7 +5308,7 @@
       </p:sp>
       <p:sp>
         <p:nvSpPr>
-          <p:cNvPr id="154" name="PlaceHolder 2"/>
+          <p:cNvPr id="152" name="PlaceHolder 2"/>
           <p:cNvSpPr>
             <a:spLocks noGrp="1"/>
           </p:cNvSpPr>
@@ -5317,7 +5319,7 @@
         <p:spPr>
           <a:xfrm>
             <a:off x="457200" y="1203480"/>
-            <a:ext cx="2649600" cy="1422360"/>
+            <a:ext cx="2649600" cy="1422720"/>
           </a:xfrm>
           <a:prstGeom prst="rect">
             <a:avLst/>
@@ -5340,7 +5342,7 @@
       </p:sp>
       <p:sp>
         <p:nvSpPr>
-          <p:cNvPr id="155" name="PlaceHolder 3"/>
+          <p:cNvPr id="153" name="PlaceHolder 3"/>
           <p:cNvSpPr>
             <a:spLocks noGrp="1"/>
           </p:cNvSpPr>
@@ -5351,7 +5353,7 @@
         <p:spPr>
           <a:xfrm>
             <a:off x="3239640" y="1203480"/>
-            <a:ext cx="2649600" cy="1422360"/>
+            <a:ext cx="2649600" cy="1422720"/>
           </a:xfrm>
           <a:prstGeom prst="rect">
             <a:avLst/>
@@ -5374,7 +5376,7 @@
       </p:sp>
       <p:sp>
         <p:nvSpPr>
-          <p:cNvPr id="156" name="PlaceHolder 4"/>
+          <p:cNvPr id="154" name="PlaceHolder 4"/>
           <p:cNvSpPr>
             <a:spLocks noGrp="1"/>
           </p:cNvSpPr>
@@ -5385,7 +5387,7 @@
         <p:spPr>
           <a:xfrm>
             <a:off x="6022080" y="1203480"/>
-            <a:ext cx="2649600" cy="1422360"/>
+            <a:ext cx="2649600" cy="1422720"/>
           </a:xfrm>
           <a:prstGeom prst="rect">
             <a:avLst/>
@@ -5408,7 +5410,7 @@
       </p:sp>
       <p:sp>
         <p:nvSpPr>
-          <p:cNvPr id="157" name="PlaceHolder 5"/>
+          <p:cNvPr id="155" name="PlaceHolder 5"/>
           <p:cNvSpPr>
             <a:spLocks noGrp="1"/>
           </p:cNvSpPr>
@@ -5418,8 +5420,8 @@
         </p:nvSpPr>
         <p:spPr>
           <a:xfrm>
-            <a:off x="457200" y="2761200"/>
-            <a:ext cx="2649600" cy="1422360"/>
+            <a:off x="457200" y="2761920"/>
+            <a:ext cx="2649600" cy="1422720"/>
           </a:xfrm>
           <a:prstGeom prst="rect">
             <a:avLst/>
@@ -5442,7 +5444,7 @@
       </p:sp>
       <p:sp>
         <p:nvSpPr>
-          <p:cNvPr id="158" name="PlaceHolder 6"/>
+          <p:cNvPr id="156" name="PlaceHolder 6"/>
           <p:cNvSpPr>
             <a:spLocks noGrp="1"/>
           </p:cNvSpPr>
@@ -5452,8 +5454,8 @@
         </p:nvSpPr>
         <p:spPr>
           <a:xfrm>
-            <a:off x="3239640" y="2761200"/>
-            <a:ext cx="2649600" cy="1422360"/>
+            <a:off x="3239640" y="2761920"/>
+            <a:ext cx="2649600" cy="1422720"/>
           </a:xfrm>
           <a:prstGeom prst="rect">
             <a:avLst/>
@@ -5476,7 +5478,7 @@
       </p:sp>
       <p:sp>
         <p:nvSpPr>
-          <p:cNvPr id="159" name="PlaceHolder 7"/>
+          <p:cNvPr id="157" name="PlaceHolder 7"/>
           <p:cNvSpPr>
             <a:spLocks noGrp="1"/>
           </p:cNvSpPr>
@@ -5486,8 +5488,8 @@
         </p:nvSpPr>
         <p:spPr>
           <a:xfrm>
-            <a:off x="6022080" y="2761200"/>
-            <a:ext cx="2649600" cy="1422360"/>
+            <a:off x="6022080" y="2761920"/>
+            <a:ext cx="2649600" cy="1422720"/>
           </a:xfrm>
           <a:prstGeom prst="rect">
             <a:avLst/>
@@ -5508,6 +5510,28 @@
           </a:p>
         </p:txBody>
       </p:sp>
+    </p:spTree>
+  </p:cSld>
+</p:sldLayout>
+</file>
+
+<file path=ppt/slideLayouts/slideLayout49.xml><?xml version="1.0" encoding="utf-8"?>
+<p:sldLayout xmlns:a="http://schemas.openxmlformats.org/drawingml/2006/main" xmlns:p="http://schemas.openxmlformats.org/presentationml/2006/main" xmlns:r="http://schemas.openxmlformats.org/officeDocument/2006/relationships" xmlns:p14="http://schemas.microsoft.com/office/powerpoint/2010/main" xmlns:p15="http://schemas.microsoft.com/office/powerpoint/2012/main" xmlns:mc="http://schemas.openxmlformats.org/markup-compatibility/2006" type="blank" preserve="1">
+  <p:cSld name="Blank Slide">
+    <p:spTree>
+      <p:nvGrpSpPr>
+        <p:cNvPr id="1" name=""/>
+        <p:cNvGrpSpPr/>
+        <p:nvPr/>
+      </p:nvGrpSpPr>
+      <p:grpSpPr>
+        <a:xfrm>
+          <a:off x="0" y="0"/>
+          <a:ext cx="0" cy="0"/>
+          <a:chOff x="0" y="0"/>
+          <a:chExt cx="0" cy="0"/>
+        </a:xfrm>
+      </p:grpSpPr>
     </p:spTree>
   </p:cSld>
 </p:sldLayout>
@@ -5543,7 +5567,7 @@
         <p:spPr>
           <a:xfrm>
             <a:off x="457200" y="205200"/>
-            <a:ext cx="8228880" cy="858240"/>
+            <a:ext cx="8229240" cy="858600"/>
           </a:xfrm>
           <a:prstGeom prst="rect">
             <a:avLst/>
@@ -5562,6 +5586,1245 @@
               <a:buNone/>
             </a:pPr>
             <a:endParaRPr b="0" lang="en-US" sz="4400" spc="-1" strike="noStrike">
+              <a:latin typeface="Arial"/>
+            </a:endParaRPr>
+          </a:p>
+        </p:txBody>
+      </p:sp>
+    </p:spTree>
+  </p:cSld>
+</p:sldLayout>
+</file>
+
+<file path=ppt/slideLayouts/slideLayout50.xml><?xml version="1.0" encoding="utf-8"?>
+<p:sldLayout xmlns:a="http://schemas.openxmlformats.org/drawingml/2006/main" xmlns:p="http://schemas.openxmlformats.org/presentationml/2006/main" xmlns:r="http://schemas.openxmlformats.org/officeDocument/2006/relationships" xmlns:p14="http://schemas.microsoft.com/office/powerpoint/2010/main" xmlns:p15="http://schemas.microsoft.com/office/powerpoint/2012/main" xmlns:mc="http://schemas.openxmlformats.org/markup-compatibility/2006" type="tx" preserve="1">
+  <p:cSld name="Title Slide">
+    <p:spTree>
+      <p:nvGrpSpPr>
+        <p:cNvPr id="1" name=""/>
+        <p:cNvGrpSpPr/>
+        <p:nvPr/>
+      </p:nvGrpSpPr>
+      <p:grpSpPr>
+        <a:xfrm>
+          <a:off x="0" y="0"/>
+          <a:ext cx="0" cy="0"/>
+          <a:chOff x="0" y="0"/>
+          <a:chExt cx="0" cy="0"/>
+        </a:xfrm>
+      </p:grpSpPr>
+      <p:sp>
+        <p:nvSpPr>
+          <p:cNvPr id="162" name="PlaceHolder 1"/>
+          <p:cNvSpPr>
+            <a:spLocks noGrp="1"/>
+          </p:cNvSpPr>
+          <p:nvPr>
+            <p:ph type="title"/>
+          </p:nvPr>
+        </p:nvSpPr>
+        <p:spPr>
+          <a:xfrm>
+            <a:off x="457200" y="205200"/>
+            <a:ext cx="8229240" cy="858600"/>
+          </a:xfrm>
+          <a:prstGeom prst="rect">
+            <a:avLst/>
+          </a:prstGeom>
+          <a:noFill/>
+          <a:ln w="0">
+            <a:noFill/>
+          </a:ln>
+        </p:spPr>
+        <p:txBody>
+          <a:bodyPr lIns="0" rIns="0" tIns="0" bIns="0" anchor="ctr">
+            <a:noAutofit/>
+          </a:bodyPr>
+          <a:p>
+            <a:pPr algn="ctr">
+              <a:buNone/>
+            </a:pPr>
+            <a:endParaRPr b="0" lang="en-US" sz="4400" spc="-1" strike="noStrike">
+              <a:latin typeface="Arial"/>
+            </a:endParaRPr>
+          </a:p>
+        </p:txBody>
+      </p:sp>
+      <p:sp>
+        <p:nvSpPr>
+          <p:cNvPr id="163" name="PlaceHolder 2"/>
+          <p:cNvSpPr>
+            <a:spLocks noGrp="1"/>
+          </p:cNvSpPr>
+          <p:nvPr>
+            <p:ph type="subTitle"/>
+          </p:nvPr>
+        </p:nvSpPr>
+        <p:spPr>
+          <a:xfrm>
+            <a:off x="457200" y="1203480"/>
+            <a:ext cx="8229240" cy="2982960"/>
+          </a:xfrm>
+          <a:prstGeom prst="rect">
+            <a:avLst/>
+          </a:prstGeom>
+          <a:noFill/>
+          <a:ln w="0">
+            <a:noFill/>
+          </a:ln>
+        </p:spPr>
+        <p:txBody>
+          <a:bodyPr lIns="0" rIns="0" tIns="0" bIns="0" anchor="ctr">
+            <a:noAutofit/>
+          </a:bodyPr>
+          <a:p>
+            <a:pPr algn="ctr">
+              <a:buNone/>
+            </a:pPr>
+            <a:endParaRPr b="0" lang="en-US" sz="3200" spc="-1" strike="noStrike">
+              <a:latin typeface="Arial"/>
+            </a:endParaRPr>
+          </a:p>
+        </p:txBody>
+      </p:sp>
+    </p:spTree>
+  </p:cSld>
+</p:sldLayout>
+</file>
+
+<file path=ppt/slideLayouts/slideLayout51.xml><?xml version="1.0" encoding="utf-8"?>
+<p:sldLayout xmlns:a="http://schemas.openxmlformats.org/drawingml/2006/main" xmlns:p="http://schemas.openxmlformats.org/presentationml/2006/main" xmlns:r="http://schemas.openxmlformats.org/officeDocument/2006/relationships" xmlns:p14="http://schemas.microsoft.com/office/powerpoint/2010/main" xmlns:p15="http://schemas.microsoft.com/office/powerpoint/2012/main" xmlns:mc="http://schemas.openxmlformats.org/markup-compatibility/2006" type="obj" preserve="1">
+  <p:cSld name="Title, Content">
+    <p:spTree>
+      <p:nvGrpSpPr>
+        <p:cNvPr id="1" name=""/>
+        <p:cNvGrpSpPr/>
+        <p:nvPr/>
+      </p:nvGrpSpPr>
+      <p:grpSpPr>
+        <a:xfrm>
+          <a:off x="0" y="0"/>
+          <a:ext cx="0" cy="0"/>
+          <a:chOff x="0" y="0"/>
+          <a:chExt cx="0" cy="0"/>
+        </a:xfrm>
+      </p:grpSpPr>
+      <p:sp>
+        <p:nvSpPr>
+          <p:cNvPr id="164" name="PlaceHolder 1"/>
+          <p:cNvSpPr>
+            <a:spLocks noGrp="1"/>
+          </p:cNvSpPr>
+          <p:nvPr>
+            <p:ph type="title"/>
+          </p:nvPr>
+        </p:nvSpPr>
+        <p:spPr>
+          <a:xfrm>
+            <a:off x="457200" y="205200"/>
+            <a:ext cx="8229240" cy="858600"/>
+          </a:xfrm>
+          <a:prstGeom prst="rect">
+            <a:avLst/>
+          </a:prstGeom>
+          <a:noFill/>
+          <a:ln w="0">
+            <a:noFill/>
+          </a:ln>
+        </p:spPr>
+        <p:txBody>
+          <a:bodyPr lIns="0" rIns="0" tIns="0" bIns="0" anchor="ctr">
+            <a:noAutofit/>
+          </a:bodyPr>
+          <a:p>
+            <a:pPr algn="ctr">
+              <a:buNone/>
+            </a:pPr>
+            <a:endParaRPr b="0" lang="en-US" sz="4400" spc="-1" strike="noStrike">
+              <a:latin typeface="Arial"/>
+            </a:endParaRPr>
+          </a:p>
+        </p:txBody>
+      </p:sp>
+      <p:sp>
+        <p:nvSpPr>
+          <p:cNvPr id="165" name="PlaceHolder 2"/>
+          <p:cNvSpPr>
+            <a:spLocks noGrp="1"/>
+          </p:cNvSpPr>
+          <p:nvPr>
+            <p:ph/>
+          </p:nvPr>
+        </p:nvSpPr>
+        <p:spPr>
+          <a:xfrm>
+            <a:off x="457200" y="1203480"/>
+            <a:ext cx="8229240" cy="2982960"/>
+          </a:xfrm>
+          <a:prstGeom prst="rect">
+            <a:avLst/>
+          </a:prstGeom>
+          <a:noFill/>
+          <a:ln w="0">
+            <a:noFill/>
+          </a:ln>
+        </p:spPr>
+        <p:txBody>
+          <a:bodyPr lIns="0" rIns="0" tIns="0" bIns="0" anchor="t">
+            <a:normAutofit/>
+          </a:bodyPr>
+          <a:p>
+            <a:endParaRPr b="0" lang="en-US" sz="3200" spc="-1" strike="noStrike">
+              <a:latin typeface="Arial"/>
+            </a:endParaRPr>
+          </a:p>
+        </p:txBody>
+      </p:sp>
+    </p:spTree>
+  </p:cSld>
+</p:sldLayout>
+</file>
+
+<file path=ppt/slideLayouts/slideLayout52.xml><?xml version="1.0" encoding="utf-8"?>
+<p:sldLayout xmlns:a="http://schemas.openxmlformats.org/drawingml/2006/main" xmlns:p="http://schemas.openxmlformats.org/presentationml/2006/main" xmlns:r="http://schemas.openxmlformats.org/officeDocument/2006/relationships" xmlns:p14="http://schemas.microsoft.com/office/powerpoint/2010/main" xmlns:p15="http://schemas.microsoft.com/office/powerpoint/2012/main" xmlns:mc="http://schemas.openxmlformats.org/markup-compatibility/2006" type="twoObj" preserve="1">
+  <p:cSld name="Title, 2 Content">
+    <p:spTree>
+      <p:nvGrpSpPr>
+        <p:cNvPr id="1" name=""/>
+        <p:cNvGrpSpPr/>
+        <p:nvPr/>
+      </p:nvGrpSpPr>
+      <p:grpSpPr>
+        <a:xfrm>
+          <a:off x="0" y="0"/>
+          <a:ext cx="0" cy="0"/>
+          <a:chOff x="0" y="0"/>
+          <a:chExt cx="0" cy="0"/>
+        </a:xfrm>
+      </p:grpSpPr>
+      <p:sp>
+        <p:nvSpPr>
+          <p:cNvPr id="166" name="PlaceHolder 1"/>
+          <p:cNvSpPr>
+            <a:spLocks noGrp="1"/>
+          </p:cNvSpPr>
+          <p:nvPr>
+            <p:ph type="title"/>
+          </p:nvPr>
+        </p:nvSpPr>
+        <p:spPr>
+          <a:xfrm>
+            <a:off x="457200" y="205200"/>
+            <a:ext cx="8229240" cy="858600"/>
+          </a:xfrm>
+          <a:prstGeom prst="rect">
+            <a:avLst/>
+          </a:prstGeom>
+          <a:noFill/>
+          <a:ln w="0">
+            <a:noFill/>
+          </a:ln>
+        </p:spPr>
+        <p:txBody>
+          <a:bodyPr lIns="0" rIns="0" tIns="0" bIns="0" anchor="ctr">
+            <a:noAutofit/>
+          </a:bodyPr>
+          <a:p>
+            <a:pPr algn="ctr">
+              <a:buNone/>
+            </a:pPr>
+            <a:endParaRPr b="0" lang="en-US" sz="4400" spc="-1" strike="noStrike">
+              <a:latin typeface="Arial"/>
+            </a:endParaRPr>
+          </a:p>
+        </p:txBody>
+      </p:sp>
+      <p:sp>
+        <p:nvSpPr>
+          <p:cNvPr id="167" name="PlaceHolder 2"/>
+          <p:cNvSpPr>
+            <a:spLocks noGrp="1"/>
+          </p:cNvSpPr>
+          <p:nvPr>
+            <p:ph/>
+          </p:nvPr>
+        </p:nvSpPr>
+        <p:spPr>
+          <a:xfrm>
+            <a:off x="457200" y="1203480"/>
+            <a:ext cx="4015800" cy="2982960"/>
+          </a:xfrm>
+          <a:prstGeom prst="rect">
+            <a:avLst/>
+          </a:prstGeom>
+          <a:noFill/>
+          <a:ln w="0">
+            <a:noFill/>
+          </a:ln>
+        </p:spPr>
+        <p:txBody>
+          <a:bodyPr lIns="0" rIns="0" tIns="0" bIns="0" anchor="t">
+            <a:normAutofit/>
+          </a:bodyPr>
+          <a:p>
+            <a:endParaRPr b="0" lang="en-US" sz="3200" spc="-1" strike="noStrike">
+              <a:latin typeface="Arial"/>
+            </a:endParaRPr>
+          </a:p>
+        </p:txBody>
+      </p:sp>
+      <p:sp>
+        <p:nvSpPr>
+          <p:cNvPr id="168" name="PlaceHolder 3"/>
+          <p:cNvSpPr>
+            <a:spLocks noGrp="1"/>
+          </p:cNvSpPr>
+          <p:nvPr>
+            <p:ph/>
+          </p:nvPr>
+        </p:nvSpPr>
+        <p:spPr>
+          <a:xfrm>
+            <a:off x="4674240" y="1203480"/>
+            <a:ext cx="4015800" cy="2982960"/>
+          </a:xfrm>
+          <a:prstGeom prst="rect">
+            <a:avLst/>
+          </a:prstGeom>
+          <a:noFill/>
+          <a:ln w="0">
+            <a:noFill/>
+          </a:ln>
+        </p:spPr>
+        <p:txBody>
+          <a:bodyPr lIns="0" rIns="0" tIns="0" bIns="0" anchor="t">
+            <a:normAutofit/>
+          </a:bodyPr>
+          <a:p>
+            <a:endParaRPr b="0" lang="en-US" sz="3200" spc="-1" strike="noStrike">
+              <a:latin typeface="Arial"/>
+            </a:endParaRPr>
+          </a:p>
+        </p:txBody>
+      </p:sp>
+    </p:spTree>
+  </p:cSld>
+</p:sldLayout>
+</file>
+
+<file path=ppt/slideLayouts/slideLayout53.xml><?xml version="1.0" encoding="utf-8"?>
+<p:sldLayout xmlns:a="http://schemas.openxmlformats.org/drawingml/2006/main" xmlns:p="http://schemas.openxmlformats.org/presentationml/2006/main" xmlns:r="http://schemas.openxmlformats.org/officeDocument/2006/relationships" xmlns:p14="http://schemas.microsoft.com/office/powerpoint/2010/main" xmlns:p15="http://schemas.microsoft.com/office/powerpoint/2012/main" xmlns:mc="http://schemas.openxmlformats.org/markup-compatibility/2006" type="titleOnly" preserve="1">
+  <p:cSld name="Title Only">
+    <p:spTree>
+      <p:nvGrpSpPr>
+        <p:cNvPr id="1" name=""/>
+        <p:cNvGrpSpPr/>
+        <p:nvPr/>
+      </p:nvGrpSpPr>
+      <p:grpSpPr>
+        <a:xfrm>
+          <a:off x="0" y="0"/>
+          <a:ext cx="0" cy="0"/>
+          <a:chOff x="0" y="0"/>
+          <a:chExt cx="0" cy="0"/>
+        </a:xfrm>
+      </p:grpSpPr>
+      <p:sp>
+        <p:nvSpPr>
+          <p:cNvPr id="169" name="PlaceHolder 1"/>
+          <p:cNvSpPr>
+            <a:spLocks noGrp="1"/>
+          </p:cNvSpPr>
+          <p:nvPr>
+            <p:ph type="title"/>
+          </p:nvPr>
+        </p:nvSpPr>
+        <p:spPr>
+          <a:xfrm>
+            <a:off x="457200" y="205200"/>
+            <a:ext cx="8229240" cy="858600"/>
+          </a:xfrm>
+          <a:prstGeom prst="rect">
+            <a:avLst/>
+          </a:prstGeom>
+          <a:noFill/>
+          <a:ln w="0">
+            <a:noFill/>
+          </a:ln>
+        </p:spPr>
+        <p:txBody>
+          <a:bodyPr lIns="0" rIns="0" tIns="0" bIns="0" anchor="ctr">
+            <a:noAutofit/>
+          </a:bodyPr>
+          <a:p>
+            <a:pPr algn="ctr">
+              <a:buNone/>
+            </a:pPr>
+            <a:endParaRPr b="0" lang="en-US" sz="4400" spc="-1" strike="noStrike">
+              <a:latin typeface="Arial"/>
+            </a:endParaRPr>
+          </a:p>
+        </p:txBody>
+      </p:sp>
+    </p:spTree>
+  </p:cSld>
+</p:sldLayout>
+</file>
+
+<file path=ppt/slideLayouts/slideLayout54.xml><?xml version="1.0" encoding="utf-8"?>
+<p:sldLayout xmlns:a="http://schemas.openxmlformats.org/drawingml/2006/main" xmlns:p="http://schemas.openxmlformats.org/presentationml/2006/main" xmlns:r="http://schemas.openxmlformats.org/officeDocument/2006/relationships" xmlns:p14="http://schemas.microsoft.com/office/powerpoint/2010/main" xmlns:p15="http://schemas.microsoft.com/office/powerpoint/2012/main" xmlns:mc="http://schemas.openxmlformats.org/markup-compatibility/2006" type="objOnly" preserve="1">
+  <p:cSld name="Centered Text">
+    <p:spTree>
+      <p:nvGrpSpPr>
+        <p:cNvPr id="1" name=""/>
+        <p:cNvGrpSpPr/>
+        <p:nvPr/>
+      </p:nvGrpSpPr>
+      <p:grpSpPr>
+        <a:xfrm>
+          <a:off x="0" y="0"/>
+          <a:ext cx="0" cy="0"/>
+          <a:chOff x="0" y="0"/>
+          <a:chExt cx="0" cy="0"/>
+        </a:xfrm>
+      </p:grpSpPr>
+      <p:sp>
+        <p:nvSpPr>
+          <p:cNvPr id="170" name="PlaceHolder 1"/>
+          <p:cNvSpPr>
+            <a:spLocks noGrp="1"/>
+          </p:cNvSpPr>
+          <p:nvPr>
+            <p:ph type="subTitle"/>
+          </p:nvPr>
+        </p:nvSpPr>
+        <p:spPr>
+          <a:xfrm>
+            <a:off x="457200" y="205200"/>
+            <a:ext cx="8229240" cy="3981240"/>
+          </a:xfrm>
+          <a:prstGeom prst="rect">
+            <a:avLst/>
+          </a:prstGeom>
+          <a:noFill/>
+          <a:ln w="0">
+            <a:noFill/>
+          </a:ln>
+        </p:spPr>
+        <p:txBody>
+          <a:bodyPr lIns="0" rIns="0" tIns="0" bIns="0" anchor="ctr">
+            <a:noAutofit/>
+          </a:bodyPr>
+          <a:p>
+            <a:pPr algn="ctr">
+              <a:buNone/>
+            </a:pPr>
+            <a:endParaRPr b="0" lang="en-US" sz="3200" spc="-1" strike="noStrike">
+              <a:latin typeface="Arial"/>
+            </a:endParaRPr>
+          </a:p>
+        </p:txBody>
+      </p:sp>
+    </p:spTree>
+  </p:cSld>
+</p:sldLayout>
+</file>
+
+<file path=ppt/slideLayouts/slideLayout55.xml><?xml version="1.0" encoding="utf-8"?>
+<p:sldLayout xmlns:a="http://schemas.openxmlformats.org/drawingml/2006/main" xmlns:p="http://schemas.openxmlformats.org/presentationml/2006/main" xmlns:r="http://schemas.openxmlformats.org/officeDocument/2006/relationships" xmlns:p14="http://schemas.microsoft.com/office/powerpoint/2010/main" xmlns:p15="http://schemas.microsoft.com/office/powerpoint/2012/main" xmlns:mc="http://schemas.openxmlformats.org/markup-compatibility/2006" type="twoObjAndObj" preserve="1">
+  <p:cSld name="Title, 2 Content and Content">
+    <p:spTree>
+      <p:nvGrpSpPr>
+        <p:cNvPr id="1" name=""/>
+        <p:cNvGrpSpPr/>
+        <p:nvPr/>
+      </p:nvGrpSpPr>
+      <p:grpSpPr>
+        <a:xfrm>
+          <a:off x="0" y="0"/>
+          <a:ext cx="0" cy="0"/>
+          <a:chOff x="0" y="0"/>
+          <a:chExt cx="0" cy="0"/>
+        </a:xfrm>
+      </p:grpSpPr>
+      <p:sp>
+        <p:nvSpPr>
+          <p:cNvPr id="171" name="PlaceHolder 1"/>
+          <p:cNvSpPr>
+            <a:spLocks noGrp="1"/>
+          </p:cNvSpPr>
+          <p:nvPr>
+            <p:ph type="title"/>
+          </p:nvPr>
+        </p:nvSpPr>
+        <p:spPr>
+          <a:xfrm>
+            <a:off x="457200" y="205200"/>
+            <a:ext cx="8229240" cy="858600"/>
+          </a:xfrm>
+          <a:prstGeom prst="rect">
+            <a:avLst/>
+          </a:prstGeom>
+          <a:noFill/>
+          <a:ln w="0">
+            <a:noFill/>
+          </a:ln>
+        </p:spPr>
+        <p:txBody>
+          <a:bodyPr lIns="0" rIns="0" tIns="0" bIns="0" anchor="ctr">
+            <a:noAutofit/>
+          </a:bodyPr>
+          <a:p>
+            <a:pPr algn="ctr">
+              <a:buNone/>
+            </a:pPr>
+            <a:endParaRPr b="0" lang="en-US" sz="4400" spc="-1" strike="noStrike">
+              <a:latin typeface="Arial"/>
+            </a:endParaRPr>
+          </a:p>
+        </p:txBody>
+      </p:sp>
+      <p:sp>
+        <p:nvSpPr>
+          <p:cNvPr id="172" name="PlaceHolder 2"/>
+          <p:cNvSpPr>
+            <a:spLocks noGrp="1"/>
+          </p:cNvSpPr>
+          <p:nvPr>
+            <p:ph/>
+          </p:nvPr>
+        </p:nvSpPr>
+        <p:spPr>
+          <a:xfrm>
+            <a:off x="457200" y="1203480"/>
+            <a:ext cx="4015800" cy="1422720"/>
+          </a:xfrm>
+          <a:prstGeom prst="rect">
+            <a:avLst/>
+          </a:prstGeom>
+          <a:noFill/>
+          <a:ln w="0">
+            <a:noFill/>
+          </a:ln>
+        </p:spPr>
+        <p:txBody>
+          <a:bodyPr lIns="0" rIns="0" tIns="0" bIns="0" anchor="t">
+            <a:normAutofit/>
+          </a:bodyPr>
+          <a:p>
+            <a:endParaRPr b="0" lang="en-US" sz="3200" spc="-1" strike="noStrike">
+              <a:latin typeface="Arial"/>
+            </a:endParaRPr>
+          </a:p>
+        </p:txBody>
+      </p:sp>
+      <p:sp>
+        <p:nvSpPr>
+          <p:cNvPr id="173" name="PlaceHolder 3"/>
+          <p:cNvSpPr>
+            <a:spLocks noGrp="1"/>
+          </p:cNvSpPr>
+          <p:nvPr>
+            <p:ph/>
+          </p:nvPr>
+        </p:nvSpPr>
+        <p:spPr>
+          <a:xfrm>
+            <a:off x="4674240" y="1203480"/>
+            <a:ext cx="4015800" cy="2982960"/>
+          </a:xfrm>
+          <a:prstGeom prst="rect">
+            <a:avLst/>
+          </a:prstGeom>
+          <a:noFill/>
+          <a:ln w="0">
+            <a:noFill/>
+          </a:ln>
+        </p:spPr>
+        <p:txBody>
+          <a:bodyPr lIns="0" rIns="0" tIns="0" bIns="0" anchor="t">
+            <a:normAutofit/>
+          </a:bodyPr>
+          <a:p>
+            <a:endParaRPr b="0" lang="en-US" sz="3200" spc="-1" strike="noStrike">
+              <a:latin typeface="Arial"/>
+            </a:endParaRPr>
+          </a:p>
+        </p:txBody>
+      </p:sp>
+      <p:sp>
+        <p:nvSpPr>
+          <p:cNvPr id="174" name="PlaceHolder 4"/>
+          <p:cNvSpPr>
+            <a:spLocks noGrp="1"/>
+          </p:cNvSpPr>
+          <p:nvPr>
+            <p:ph/>
+          </p:nvPr>
+        </p:nvSpPr>
+        <p:spPr>
+          <a:xfrm>
+            <a:off x="457200" y="2761920"/>
+            <a:ext cx="4015800" cy="1422720"/>
+          </a:xfrm>
+          <a:prstGeom prst="rect">
+            <a:avLst/>
+          </a:prstGeom>
+          <a:noFill/>
+          <a:ln w="0">
+            <a:noFill/>
+          </a:ln>
+        </p:spPr>
+        <p:txBody>
+          <a:bodyPr lIns="0" rIns="0" tIns="0" bIns="0" anchor="t">
+            <a:normAutofit/>
+          </a:bodyPr>
+          <a:p>
+            <a:endParaRPr b="0" lang="en-US" sz="3200" spc="-1" strike="noStrike">
+              <a:latin typeface="Arial"/>
+            </a:endParaRPr>
+          </a:p>
+        </p:txBody>
+      </p:sp>
+    </p:spTree>
+  </p:cSld>
+</p:sldLayout>
+</file>
+
+<file path=ppt/slideLayouts/slideLayout56.xml><?xml version="1.0" encoding="utf-8"?>
+<p:sldLayout xmlns:a="http://schemas.openxmlformats.org/drawingml/2006/main" xmlns:p="http://schemas.openxmlformats.org/presentationml/2006/main" xmlns:r="http://schemas.openxmlformats.org/officeDocument/2006/relationships" xmlns:p14="http://schemas.microsoft.com/office/powerpoint/2010/main" xmlns:p15="http://schemas.microsoft.com/office/powerpoint/2012/main" xmlns:mc="http://schemas.openxmlformats.org/markup-compatibility/2006" type="objAndTwoObj" preserve="1">
+  <p:cSld name="Title Content and 2 Content">
+    <p:spTree>
+      <p:nvGrpSpPr>
+        <p:cNvPr id="1" name=""/>
+        <p:cNvGrpSpPr/>
+        <p:nvPr/>
+      </p:nvGrpSpPr>
+      <p:grpSpPr>
+        <a:xfrm>
+          <a:off x="0" y="0"/>
+          <a:ext cx="0" cy="0"/>
+          <a:chOff x="0" y="0"/>
+          <a:chExt cx="0" cy="0"/>
+        </a:xfrm>
+      </p:grpSpPr>
+      <p:sp>
+        <p:nvSpPr>
+          <p:cNvPr id="175" name="PlaceHolder 1"/>
+          <p:cNvSpPr>
+            <a:spLocks noGrp="1"/>
+          </p:cNvSpPr>
+          <p:nvPr>
+            <p:ph type="title"/>
+          </p:nvPr>
+        </p:nvSpPr>
+        <p:spPr>
+          <a:xfrm>
+            <a:off x="457200" y="205200"/>
+            <a:ext cx="8229240" cy="858600"/>
+          </a:xfrm>
+          <a:prstGeom prst="rect">
+            <a:avLst/>
+          </a:prstGeom>
+          <a:noFill/>
+          <a:ln w="0">
+            <a:noFill/>
+          </a:ln>
+        </p:spPr>
+        <p:txBody>
+          <a:bodyPr lIns="0" rIns="0" tIns="0" bIns="0" anchor="ctr">
+            <a:noAutofit/>
+          </a:bodyPr>
+          <a:p>
+            <a:pPr algn="ctr">
+              <a:buNone/>
+            </a:pPr>
+            <a:endParaRPr b="0" lang="en-US" sz="4400" spc="-1" strike="noStrike">
+              <a:latin typeface="Arial"/>
+            </a:endParaRPr>
+          </a:p>
+        </p:txBody>
+      </p:sp>
+      <p:sp>
+        <p:nvSpPr>
+          <p:cNvPr id="176" name="PlaceHolder 2"/>
+          <p:cNvSpPr>
+            <a:spLocks noGrp="1"/>
+          </p:cNvSpPr>
+          <p:nvPr>
+            <p:ph/>
+          </p:nvPr>
+        </p:nvSpPr>
+        <p:spPr>
+          <a:xfrm>
+            <a:off x="457200" y="1203480"/>
+            <a:ext cx="4015800" cy="2982960"/>
+          </a:xfrm>
+          <a:prstGeom prst="rect">
+            <a:avLst/>
+          </a:prstGeom>
+          <a:noFill/>
+          <a:ln w="0">
+            <a:noFill/>
+          </a:ln>
+        </p:spPr>
+        <p:txBody>
+          <a:bodyPr lIns="0" rIns="0" tIns="0" bIns="0" anchor="t">
+            <a:normAutofit/>
+          </a:bodyPr>
+          <a:p>
+            <a:endParaRPr b="0" lang="en-US" sz="3200" spc="-1" strike="noStrike">
+              <a:latin typeface="Arial"/>
+            </a:endParaRPr>
+          </a:p>
+        </p:txBody>
+      </p:sp>
+      <p:sp>
+        <p:nvSpPr>
+          <p:cNvPr id="177" name="PlaceHolder 3"/>
+          <p:cNvSpPr>
+            <a:spLocks noGrp="1"/>
+          </p:cNvSpPr>
+          <p:nvPr>
+            <p:ph/>
+          </p:nvPr>
+        </p:nvSpPr>
+        <p:spPr>
+          <a:xfrm>
+            <a:off x="4674240" y="1203480"/>
+            <a:ext cx="4015800" cy="1422720"/>
+          </a:xfrm>
+          <a:prstGeom prst="rect">
+            <a:avLst/>
+          </a:prstGeom>
+          <a:noFill/>
+          <a:ln w="0">
+            <a:noFill/>
+          </a:ln>
+        </p:spPr>
+        <p:txBody>
+          <a:bodyPr lIns="0" rIns="0" tIns="0" bIns="0" anchor="t">
+            <a:normAutofit/>
+          </a:bodyPr>
+          <a:p>
+            <a:endParaRPr b="0" lang="en-US" sz="3200" spc="-1" strike="noStrike">
+              <a:latin typeface="Arial"/>
+            </a:endParaRPr>
+          </a:p>
+        </p:txBody>
+      </p:sp>
+      <p:sp>
+        <p:nvSpPr>
+          <p:cNvPr id="178" name="PlaceHolder 4"/>
+          <p:cNvSpPr>
+            <a:spLocks noGrp="1"/>
+          </p:cNvSpPr>
+          <p:nvPr>
+            <p:ph/>
+          </p:nvPr>
+        </p:nvSpPr>
+        <p:spPr>
+          <a:xfrm>
+            <a:off x="4674240" y="2761920"/>
+            <a:ext cx="4015800" cy="1422720"/>
+          </a:xfrm>
+          <a:prstGeom prst="rect">
+            <a:avLst/>
+          </a:prstGeom>
+          <a:noFill/>
+          <a:ln w="0">
+            <a:noFill/>
+          </a:ln>
+        </p:spPr>
+        <p:txBody>
+          <a:bodyPr lIns="0" rIns="0" tIns="0" bIns="0" anchor="t">
+            <a:normAutofit/>
+          </a:bodyPr>
+          <a:p>
+            <a:endParaRPr b="0" lang="en-US" sz="3200" spc="-1" strike="noStrike">
+              <a:latin typeface="Arial"/>
+            </a:endParaRPr>
+          </a:p>
+        </p:txBody>
+      </p:sp>
+    </p:spTree>
+  </p:cSld>
+</p:sldLayout>
+</file>
+
+<file path=ppt/slideLayouts/slideLayout57.xml><?xml version="1.0" encoding="utf-8"?>
+<p:sldLayout xmlns:a="http://schemas.openxmlformats.org/drawingml/2006/main" xmlns:p="http://schemas.openxmlformats.org/presentationml/2006/main" xmlns:r="http://schemas.openxmlformats.org/officeDocument/2006/relationships" xmlns:p14="http://schemas.microsoft.com/office/powerpoint/2010/main" xmlns:p15="http://schemas.microsoft.com/office/powerpoint/2012/main" xmlns:mc="http://schemas.openxmlformats.org/markup-compatibility/2006" type="twoObjOverTx" preserve="1">
+  <p:cSld name="Title, 2 Content over Content">
+    <p:spTree>
+      <p:nvGrpSpPr>
+        <p:cNvPr id="1" name=""/>
+        <p:cNvGrpSpPr/>
+        <p:nvPr/>
+      </p:nvGrpSpPr>
+      <p:grpSpPr>
+        <a:xfrm>
+          <a:off x="0" y="0"/>
+          <a:ext cx="0" cy="0"/>
+          <a:chOff x="0" y="0"/>
+          <a:chExt cx="0" cy="0"/>
+        </a:xfrm>
+      </p:grpSpPr>
+      <p:sp>
+        <p:nvSpPr>
+          <p:cNvPr id="179" name="PlaceHolder 1"/>
+          <p:cNvSpPr>
+            <a:spLocks noGrp="1"/>
+          </p:cNvSpPr>
+          <p:nvPr>
+            <p:ph type="title"/>
+          </p:nvPr>
+        </p:nvSpPr>
+        <p:spPr>
+          <a:xfrm>
+            <a:off x="457200" y="205200"/>
+            <a:ext cx="8229240" cy="858600"/>
+          </a:xfrm>
+          <a:prstGeom prst="rect">
+            <a:avLst/>
+          </a:prstGeom>
+          <a:noFill/>
+          <a:ln w="0">
+            <a:noFill/>
+          </a:ln>
+        </p:spPr>
+        <p:txBody>
+          <a:bodyPr lIns="0" rIns="0" tIns="0" bIns="0" anchor="ctr">
+            <a:noAutofit/>
+          </a:bodyPr>
+          <a:p>
+            <a:pPr algn="ctr">
+              <a:buNone/>
+            </a:pPr>
+            <a:endParaRPr b="0" lang="en-US" sz="4400" spc="-1" strike="noStrike">
+              <a:latin typeface="Arial"/>
+            </a:endParaRPr>
+          </a:p>
+        </p:txBody>
+      </p:sp>
+      <p:sp>
+        <p:nvSpPr>
+          <p:cNvPr id="180" name="PlaceHolder 2"/>
+          <p:cNvSpPr>
+            <a:spLocks noGrp="1"/>
+          </p:cNvSpPr>
+          <p:nvPr>
+            <p:ph/>
+          </p:nvPr>
+        </p:nvSpPr>
+        <p:spPr>
+          <a:xfrm>
+            <a:off x="457200" y="1203480"/>
+            <a:ext cx="4015800" cy="1422720"/>
+          </a:xfrm>
+          <a:prstGeom prst="rect">
+            <a:avLst/>
+          </a:prstGeom>
+          <a:noFill/>
+          <a:ln w="0">
+            <a:noFill/>
+          </a:ln>
+        </p:spPr>
+        <p:txBody>
+          <a:bodyPr lIns="0" rIns="0" tIns="0" bIns="0" anchor="t">
+            <a:normAutofit/>
+          </a:bodyPr>
+          <a:p>
+            <a:endParaRPr b="0" lang="en-US" sz="3200" spc="-1" strike="noStrike">
+              <a:latin typeface="Arial"/>
+            </a:endParaRPr>
+          </a:p>
+        </p:txBody>
+      </p:sp>
+      <p:sp>
+        <p:nvSpPr>
+          <p:cNvPr id="181" name="PlaceHolder 3"/>
+          <p:cNvSpPr>
+            <a:spLocks noGrp="1"/>
+          </p:cNvSpPr>
+          <p:nvPr>
+            <p:ph/>
+          </p:nvPr>
+        </p:nvSpPr>
+        <p:spPr>
+          <a:xfrm>
+            <a:off x="4674240" y="1203480"/>
+            <a:ext cx="4015800" cy="1422720"/>
+          </a:xfrm>
+          <a:prstGeom prst="rect">
+            <a:avLst/>
+          </a:prstGeom>
+          <a:noFill/>
+          <a:ln w="0">
+            <a:noFill/>
+          </a:ln>
+        </p:spPr>
+        <p:txBody>
+          <a:bodyPr lIns="0" rIns="0" tIns="0" bIns="0" anchor="t">
+            <a:normAutofit/>
+          </a:bodyPr>
+          <a:p>
+            <a:endParaRPr b="0" lang="en-US" sz="3200" spc="-1" strike="noStrike">
+              <a:latin typeface="Arial"/>
+            </a:endParaRPr>
+          </a:p>
+        </p:txBody>
+      </p:sp>
+      <p:sp>
+        <p:nvSpPr>
+          <p:cNvPr id="182" name="PlaceHolder 4"/>
+          <p:cNvSpPr>
+            <a:spLocks noGrp="1"/>
+          </p:cNvSpPr>
+          <p:nvPr>
+            <p:ph/>
+          </p:nvPr>
+        </p:nvSpPr>
+        <p:spPr>
+          <a:xfrm>
+            <a:off x="457200" y="2761920"/>
+            <a:ext cx="8229240" cy="1422720"/>
+          </a:xfrm>
+          <a:prstGeom prst="rect">
+            <a:avLst/>
+          </a:prstGeom>
+          <a:noFill/>
+          <a:ln w="0">
+            <a:noFill/>
+          </a:ln>
+        </p:spPr>
+        <p:txBody>
+          <a:bodyPr lIns="0" rIns="0" tIns="0" bIns="0" anchor="t">
+            <a:normAutofit/>
+          </a:bodyPr>
+          <a:p>
+            <a:endParaRPr b="0" lang="en-US" sz="3200" spc="-1" strike="noStrike">
+              <a:latin typeface="Arial"/>
+            </a:endParaRPr>
+          </a:p>
+        </p:txBody>
+      </p:sp>
+    </p:spTree>
+  </p:cSld>
+</p:sldLayout>
+</file>
+
+<file path=ppt/slideLayouts/slideLayout58.xml><?xml version="1.0" encoding="utf-8"?>
+<p:sldLayout xmlns:a="http://schemas.openxmlformats.org/drawingml/2006/main" xmlns:p="http://schemas.openxmlformats.org/presentationml/2006/main" xmlns:r="http://schemas.openxmlformats.org/officeDocument/2006/relationships" xmlns:p14="http://schemas.microsoft.com/office/powerpoint/2010/main" xmlns:p15="http://schemas.microsoft.com/office/powerpoint/2012/main" xmlns:mc="http://schemas.openxmlformats.org/markup-compatibility/2006" type="objOverTx" preserve="1">
+  <p:cSld name="Title, Content over Content">
+    <p:spTree>
+      <p:nvGrpSpPr>
+        <p:cNvPr id="1" name=""/>
+        <p:cNvGrpSpPr/>
+        <p:nvPr/>
+      </p:nvGrpSpPr>
+      <p:grpSpPr>
+        <a:xfrm>
+          <a:off x="0" y="0"/>
+          <a:ext cx="0" cy="0"/>
+          <a:chOff x="0" y="0"/>
+          <a:chExt cx="0" cy="0"/>
+        </a:xfrm>
+      </p:grpSpPr>
+      <p:sp>
+        <p:nvSpPr>
+          <p:cNvPr id="183" name="PlaceHolder 1"/>
+          <p:cNvSpPr>
+            <a:spLocks noGrp="1"/>
+          </p:cNvSpPr>
+          <p:nvPr>
+            <p:ph type="title"/>
+          </p:nvPr>
+        </p:nvSpPr>
+        <p:spPr>
+          <a:xfrm>
+            <a:off x="457200" y="205200"/>
+            <a:ext cx="8229240" cy="858600"/>
+          </a:xfrm>
+          <a:prstGeom prst="rect">
+            <a:avLst/>
+          </a:prstGeom>
+          <a:noFill/>
+          <a:ln w="0">
+            <a:noFill/>
+          </a:ln>
+        </p:spPr>
+        <p:txBody>
+          <a:bodyPr lIns="0" rIns="0" tIns="0" bIns="0" anchor="ctr">
+            <a:noAutofit/>
+          </a:bodyPr>
+          <a:p>
+            <a:pPr algn="ctr">
+              <a:buNone/>
+            </a:pPr>
+            <a:endParaRPr b="0" lang="en-US" sz="4400" spc="-1" strike="noStrike">
+              <a:latin typeface="Arial"/>
+            </a:endParaRPr>
+          </a:p>
+        </p:txBody>
+      </p:sp>
+      <p:sp>
+        <p:nvSpPr>
+          <p:cNvPr id="184" name="PlaceHolder 2"/>
+          <p:cNvSpPr>
+            <a:spLocks noGrp="1"/>
+          </p:cNvSpPr>
+          <p:nvPr>
+            <p:ph/>
+          </p:nvPr>
+        </p:nvSpPr>
+        <p:spPr>
+          <a:xfrm>
+            <a:off x="457200" y="1203480"/>
+            <a:ext cx="8229240" cy="1422720"/>
+          </a:xfrm>
+          <a:prstGeom prst="rect">
+            <a:avLst/>
+          </a:prstGeom>
+          <a:noFill/>
+          <a:ln w="0">
+            <a:noFill/>
+          </a:ln>
+        </p:spPr>
+        <p:txBody>
+          <a:bodyPr lIns="0" rIns="0" tIns="0" bIns="0" anchor="t">
+            <a:normAutofit/>
+          </a:bodyPr>
+          <a:p>
+            <a:endParaRPr b="0" lang="en-US" sz="3200" spc="-1" strike="noStrike">
+              <a:latin typeface="Arial"/>
+            </a:endParaRPr>
+          </a:p>
+        </p:txBody>
+      </p:sp>
+      <p:sp>
+        <p:nvSpPr>
+          <p:cNvPr id="185" name="PlaceHolder 3"/>
+          <p:cNvSpPr>
+            <a:spLocks noGrp="1"/>
+          </p:cNvSpPr>
+          <p:nvPr>
+            <p:ph/>
+          </p:nvPr>
+        </p:nvSpPr>
+        <p:spPr>
+          <a:xfrm>
+            <a:off x="457200" y="2761920"/>
+            <a:ext cx="8229240" cy="1422720"/>
+          </a:xfrm>
+          <a:prstGeom prst="rect">
+            <a:avLst/>
+          </a:prstGeom>
+          <a:noFill/>
+          <a:ln w="0">
+            <a:noFill/>
+          </a:ln>
+        </p:spPr>
+        <p:txBody>
+          <a:bodyPr lIns="0" rIns="0" tIns="0" bIns="0" anchor="t">
+            <a:normAutofit/>
+          </a:bodyPr>
+          <a:p>
+            <a:endParaRPr b="0" lang="en-US" sz="3200" spc="-1" strike="noStrike">
+              <a:latin typeface="Arial"/>
+            </a:endParaRPr>
+          </a:p>
+        </p:txBody>
+      </p:sp>
+    </p:spTree>
+  </p:cSld>
+</p:sldLayout>
+</file>
+
+<file path=ppt/slideLayouts/slideLayout59.xml><?xml version="1.0" encoding="utf-8"?>
+<p:sldLayout xmlns:a="http://schemas.openxmlformats.org/drawingml/2006/main" xmlns:p="http://schemas.openxmlformats.org/presentationml/2006/main" xmlns:r="http://schemas.openxmlformats.org/officeDocument/2006/relationships" xmlns:p14="http://schemas.microsoft.com/office/powerpoint/2010/main" xmlns:p15="http://schemas.microsoft.com/office/powerpoint/2012/main" xmlns:mc="http://schemas.openxmlformats.org/markup-compatibility/2006" type="fourObj" preserve="1">
+  <p:cSld name="Title, 4 Content">
+    <p:spTree>
+      <p:nvGrpSpPr>
+        <p:cNvPr id="1" name=""/>
+        <p:cNvGrpSpPr/>
+        <p:nvPr/>
+      </p:nvGrpSpPr>
+      <p:grpSpPr>
+        <a:xfrm>
+          <a:off x="0" y="0"/>
+          <a:ext cx="0" cy="0"/>
+          <a:chOff x="0" y="0"/>
+          <a:chExt cx="0" cy="0"/>
+        </a:xfrm>
+      </p:grpSpPr>
+      <p:sp>
+        <p:nvSpPr>
+          <p:cNvPr id="186" name="PlaceHolder 1"/>
+          <p:cNvSpPr>
+            <a:spLocks noGrp="1"/>
+          </p:cNvSpPr>
+          <p:nvPr>
+            <p:ph type="title"/>
+          </p:nvPr>
+        </p:nvSpPr>
+        <p:spPr>
+          <a:xfrm>
+            <a:off x="457200" y="205200"/>
+            <a:ext cx="8229240" cy="858600"/>
+          </a:xfrm>
+          <a:prstGeom prst="rect">
+            <a:avLst/>
+          </a:prstGeom>
+          <a:noFill/>
+          <a:ln w="0">
+            <a:noFill/>
+          </a:ln>
+        </p:spPr>
+        <p:txBody>
+          <a:bodyPr lIns="0" rIns="0" tIns="0" bIns="0" anchor="ctr">
+            <a:noAutofit/>
+          </a:bodyPr>
+          <a:p>
+            <a:pPr algn="ctr">
+              <a:buNone/>
+            </a:pPr>
+            <a:endParaRPr b="0" lang="en-US" sz="4400" spc="-1" strike="noStrike">
+              <a:latin typeface="Arial"/>
+            </a:endParaRPr>
+          </a:p>
+        </p:txBody>
+      </p:sp>
+      <p:sp>
+        <p:nvSpPr>
+          <p:cNvPr id="187" name="PlaceHolder 2"/>
+          <p:cNvSpPr>
+            <a:spLocks noGrp="1"/>
+          </p:cNvSpPr>
+          <p:nvPr>
+            <p:ph/>
+          </p:nvPr>
+        </p:nvSpPr>
+        <p:spPr>
+          <a:xfrm>
+            <a:off x="457200" y="1203480"/>
+            <a:ext cx="4015800" cy="1422720"/>
+          </a:xfrm>
+          <a:prstGeom prst="rect">
+            <a:avLst/>
+          </a:prstGeom>
+          <a:noFill/>
+          <a:ln w="0">
+            <a:noFill/>
+          </a:ln>
+        </p:spPr>
+        <p:txBody>
+          <a:bodyPr lIns="0" rIns="0" tIns="0" bIns="0" anchor="t">
+            <a:normAutofit/>
+          </a:bodyPr>
+          <a:p>
+            <a:endParaRPr b="0" lang="en-US" sz="3200" spc="-1" strike="noStrike">
+              <a:latin typeface="Arial"/>
+            </a:endParaRPr>
+          </a:p>
+        </p:txBody>
+      </p:sp>
+      <p:sp>
+        <p:nvSpPr>
+          <p:cNvPr id="188" name="PlaceHolder 3"/>
+          <p:cNvSpPr>
+            <a:spLocks noGrp="1"/>
+          </p:cNvSpPr>
+          <p:nvPr>
+            <p:ph/>
+          </p:nvPr>
+        </p:nvSpPr>
+        <p:spPr>
+          <a:xfrm>
+            <a:off x="4674240" y="1203480"/>
+            <a:ext cx="4015800" cy="1422720"/>
+          </a:xfrm>
+          <a:prstGeom prst="rect">
+            <a:avLst/>
+          </a:prstGeom>
+          <a:noFill/>
+          <a:ln w="0">
+            <a:noFill/>
+          </a:ln>
+        </p:spPr>
+        <p:txBody>
+          <a:bodyPr lIns="0" rIns="0" tIns="0" bIns="0" anchor="t">
+            <a:normAutofit/>
+          </a:bodyPr>
+          <a:p>
+            <a:endParaRPr b="0" lang="en-US" sz="3200" spc="-1" strike="noStrike">
+              <a:latin typeface="Arial"/>
+            </a:endParaRPr>
+          </a:p>
+        </p:txBody>
+      </p:sp>
+      <p:sp>
+        <p:nvSpPr>
+          <p:cNvPr id="189" name="PlaceHolder 4"/>
+          <p:cNvSpPr>
+            <a:spLocks noGrp="1"/>
+          </p:cNvSpPr>
+          <p:nvPr>
+            <p:ph/>
+          </p:nvPr>
+        </p:nvSpPr>
+        <p:spPr>
+          <a:xfrm>
+            <a:off x="457200" y="2761920"/>
+            <a:ext cx="4015800" cy="1422720"/>
+          </a:xfrm>
+          <a:prstGeom prst="rect">
+            <a:avLst/>
+          </a:prstGeom>
+          <a:noFill/>
+          <a:ln w="0">
+            <a:noFill/>
+          </a:ln>
+        </p:spPr>
+        <p:txBody>
+          <a:bodyPr lIns="0" rIns="0" tIns="0" bIns="0" anchor="t">
+            <a:normAutofit/>
+          </a:bodyPr>
+          <a:p>
+            <a:endParaRPr b="0" lang="en-US" sz="3200" spc="-1" strike="noStrike">
+              <a:latin typeface="Arial"/>
+            </a:endParaRPr>
+          </a:p>
+        </p:txBody>
+      </p:sp>
+      <p:sp>
+        <p:nvSpPr>
+          <p:cNvPr id="190" name="PlaceHolder 5"/>
+          <p:cNvSpPr>
+            <a:spLocks noGrp="1"/>
+          </p:cNvSpPr>
+          <p:nvPr>
+            <p:ph/>
+          </p:nvPr>
+        </p:nvSpPr>
+        <p:spPr>
+          <a:xfrm>
+            <a:off x="4674240" y="2761920"/>
+            <a:ext cx="4015800" cy="1422720"/>
+          </a:xfrm>
+          <a:prstGeom prst="rect">
+            <a:avLst/>
+          </a:prstGeom>
+          <a:noFill/>
+          <a:ln w="0">
+            <a:noFill/>
+          </a:ln>
+        </p:spPr>
+        <p:txBody>
+          <a:bodyPr lIns="0" rIns="0" tIns="0" bIns="0" anchor="t">
+            <a:normAutofit/>
+          </a:bodyPr>
+          <a:p>
+            <a:endParaRPr b="0" lang="en-US" sz="3200" spc="-1" strike="noStrike">
               <a:latin typeface="Arial"/>
             </a:endParaRPr>
           </a:p>
@@ -5602,7 +6865,7 @@
         <p:spPr>
           <a:xfrm>
             <a:off x="457200" y="205200"/>
-            <a:ext cx="8228880" cy="3979440"/>
+            <a:ext cx="8229240" cy="3981240"/>
           </a:xfrm>
           <a:prstGeom prst="rect">
             <a:avLst/>
@@ -5620,6 +6883,269 @@
             <a:pPr algn="ctr">
               <a:buNone/>
             </a:pPr>
+            <a:endParaRPr b="0" lang="en-US" sz="3200" spc="-1" strike="noStrike">
+              <a:latin typeface="Arial"/>
+            </a:endParaRPr>
+          </a:p>
+        </p:txBody>
+      </p:sp>
+    </p:spTree>
+  </p:cSld>
+</p:sldLayout>
+</file>
+
+<file path=ppt/slideLayouts/slideLayout60.xml><?xml version="1.0" encoding="utf-8"?>
+<p:sldLayout xmlns:a="http://schemas.openxmlformats.org/drawingml/2006/main" xmlns:p="http://schemas.openxmlformats.org/presentationml/2006/main" xmlns:r="http://schemas.openxmlformats.org/officeDocument/2006/relationships" xmlns:p14="http://schemas.microsoft.com/office/powerpoint/2010/main" xmlns:p15="http://schemas.microsoft.com/office/powerpoint/2012/main" xmlns:mc="http://schemas.openxmlformats.org/markup-compatibility/2006" type="blank" preserve="1">
+  <p:cSld name="Title, 6 Content">
+    <p:spTree>
+      <p:nvGrpSpPr>
+        <p:cNvPr id="1" name=""/>
+        <p:cNvGrpSpPr/>
+        <p:nvPr/>
+      </p:nvGrpSpPr>
+      <p:grpSpPr>
+        <a:xfrm>
+          <a:off x="0" y="0"/>
+          <a:ext cx="0" cy="0"/>
+          <a:chOff x="0" y="0"/>
+          <a:chExt cx="0" cy="0"/>
+        </a:xfrm>
+      </p:grpSpPr>
+      <p:sp>
+        <p:nvSpPr>
+          <p:cNvPr id="191" name="PlaceHolder 1"/>
+          <p:cNvSpPr>
+            <a:spLocks noGrp="1"/>
+          </p:cNvSpPr>
+          <p:nvPr>
+            <p:ph type="title"/>
+          </p:nvPr>
+        </p:nvSpPr>
+        <p:spPr>
+          <a:xfrm>
+            <a:off x="457200" y="205200"/>
+            <a:ext cx="8229240" cy="858600"/>
+          </a:xfrm>
+          <a:prstGeom prst="rect">
+            <a:avLst/>
+          </a:prstGeom>
+          <a:noFill/>
+          <a:ln w="0">
+            <a:noFill/>
+          </a:ln>
+        </p:spPr>
+        <p:txBody>
+          <a:bodyPr lIns="0" rIns="0" tIns="0" bIns="0" anchor="ctr">
+            <a:noAutofit/>
+          </a:bodyPr>
+          <a:p>
+            <a:pPr algn="ctr">
+              <a:buNone/>
+            </a:pPr>
+            <a:endParaRPr b="0" lang="en-US" sz="4400" spc="-1" strike="noStrike">
+              <a:latin typeface="Arial"/>
+            </a:endParaRPr>
+          </a:p>
+        </p:txBody>
+      </p:sp>
+      <p:sp>
+        <p:nvSpPr>
+          <p:cNvPr id="192" name="PlaceHolder 2"/>
+          <p:cNvSpPr>
+            <a:spLocks noGrp="1"/>
+          </p:cNvSpPr>
+          <p:nvPr>
+            <p:ph/>
+          </p:nvPr>
+        </p:nvSpPr>
+        <p:spPr>
+          <a:xfrm>
+            <a:off x="457200" y="1203480"/>
+            <a:ext cx="2649600" cy="1422720"/>
+          </a:xfrm>
+          <a:prstGeom prst="rect">
+            <a:avLst/>
+          </a:prstGeom>
+          <a:noFill/>
+          <a:ln w="0">
+            <a:noFill/>
+          </a:ln>
+        </p:spPr>
+        <p:txBody>
+          <a:bodyPr lIns="0" rIns="0" tIns="0" bIns="0" anchor="t">
+            <a:normAutofit/>
+          </a:bodyPr>
+          <a:p>
+            <a:endParaRPr b="0" lang="en-US" sz="3200" spc="-1" strike="noStrike">
+              <a:latin typeface="Arial"/>
+            </a:endParaRPr>
+          </a:p>
+        </p:txBody>
+      </p:sp>
+      <p:sp>
+        <p:nvSpPr>
+          <p:cNvPr id="193" name="PlaceHolder 3"/>
+          <p:cNvSpPr>
+            <a:spLocks noGrp="1"/>
+          </p:cNvSpPr>
+          <p:nvPr>
+            <p:ph/>
+          </p:nvPr>
+        </p:nvSpPr>
+        <p:spPr>
+          <a:xfrm>
+            <a:off x="3239640" y="1203480"/>
+            <a:ext cx="2649600" cy="1422720"/>
+          </a:xfrm>
+          <a:prstGeom prst="rect">
+            <a:avLst/>
+          </a:prstGeom>
+          <a:noFill/>
+          <a:ln w="0">
+            <a:noFill/>
+          </a:ln>
+        </p:spPr>
+        <p:txBody>
+          <a:bodyPr lIns="0" rIns="0" tIns="0" bIns="0" anchor="t">
+            <a:normAutofit/>
+          </a:bodyPr>
+          <a:p>
+            <a:endParaRPr b="0" lang="en-US" sz="3200" spc="-1" strike="noStrike">
+              <a:latin typeface="Arial"/>
+            </a:endParaRPr>
+          </a:p>
+        </p:txBody>
+      </p:sp>
+      <p:sp>
+        <p:nvSpPr>
+          <p:cNvPr id="194" name="PlaceHolder 4"/>
+          <p:cNvSpPr>
+            <a:spLocks noGrp="1"/>
+          </p:cNvSpPr>
+          <p:nvPr>
+            <p:ph/>
+          </p:nvPr>
+        </p:nvSpPr>
+        <p:spPr>
+          <a:xfrm>
+            <a:off x="6022080" y="1203480"/>
+            <a:ext cx="2649600" cy="1422720"/>
+          </a:xfrm>
+          <a:prstGeom prst="rect">
+            <a:avLst/>
+          </a:prstGeom>
+          <a:noFill/>
+          <a:ln w="0">
+            <a:noFill/>
+          </a:ln>
+        </p:spPr>
+        <p:txBody>
+          <a:bodyPr lIns="0" rIns="0" tIns="0" bIns="0" anchor="t">
+            <a:normAutofit/>
+          </a:bodyPr>
+          <a:p>
+            <a:endParaRPr b="0" lang="en-US" sz="3200" spc="-1" strike="noStrike">
+              <a:latin typeface="Arial"/>
+            </a:endParaRPr>
+          </a:p>
+        </p:txBody>
+      </p:sp>
+      <p:sp>
+        <p:nvSpPr>
+          <p:cNvPr id="195" name="PlaceHolder 5"/>
+          <p:cNvSpPr>
+            <a:spLocks noGrp="1"/>
+          </p:cNvSpPr>
+          <p:nvPr>
+            <p:ph/>
+          </p:nvPr>
+        </p:nvSpPr>
+        <p:spPr>
+          <a:xfrm>
+            <a:off x="457200" y="2761920"/>
+            <a:ext cx="2649600" cy="1422720"/>
+          </a:xfrm>
+          <a:prstGeom prst="rect">
+            <a:avLst/>
+          </a:prstGeom>
+          <a:noFill/>
+          <a:ln w="0">
+            <a:noFill/>
+          </a:ln>
+        </p:spPr>
+        <p:txBody>
+          <a:bodyPr lIns="0" rIns="0" tIns="0" bIns="0" anchor="t">
+            <a:normAutofit/>
+          </a:bodyPr>
+          <a:p>
+            <a:endParaRPr b="0" lang="en-US" sz="3200" spc="-1" strike="noStrike">
+              <a:latin typeface="Arial"/>
+            </a:endParaRPr>
+          </a:p>
+        </p:txBody>
+      </p:sp>
+      <p:sp>
+        <p:nvSpPr>
+          <p:cNvPr id="196" name="PlaceHolder 6"/>
+          <p:cNvSpPr>
+            <a:spLocks noGrp="1"/>
+          </p:cNvSpPr>
+          <p:nvPr>
+            <p:ph/>
+          </p:nvPr>
+        </p:nvSpPr>
+        <p:spPr>
+          <a:xfrm>
+            <a:off x="3239640" y="2761920"/>
+            <a:ext cx="2649600" cy="1422720"/>
+          </a:xfrm>
+          <a:prstGeom prst="rect">
+            <a:avLst/>
+          </a:prstGeom>
+          <a:noFill/>
+          <a:ln w="0">
+            <a:noFill/>
+          </a:ln>
+        </p:spPr>
+        <p:txBody>
+          <a:bodyPr lIns="0" rIns="0" tIns="0" bIns="0" anchor="t">
+            <a:normAutofit/>
+          </a:bodyPr>
+          <a:p>
+            <a:endParaRPr b="0" lang="en-US" sz="3200" spc="-1" strike="noStrike">
+              <a:latin typeface="Arial"/>
+            </a:endParaRPr>
+          </a:p>
+        </p:txBody>
+      </p:sp>
+      <p:sp>
+        <p:nvSpPr>
+          <p:cNvPr id="197" name="PlaceHolder 7"/>
+          <p:cNvSpPr>
+            <a:spLocks noGrp="1"/>
+          </p:cNvSpPr>
+          <p:nvPr>
+            <p:ph/>
+          </p:nvPr>
+        </p:nvSpPr>
+        <p:spPr>
+          <a:xfrm>
+            <a:off x="6022080" y="2761920"/>
+            <a:ext cx="2649600" cy="1422720"/>
+          </a:xfrm>
+          <a:prstGeom prst="rect">
+            <a:avLst/>
+          </a:prstGeom>
+          <a:noFill/>
+          <a:ln w="0">
+            <a:noFill/>
+          </a:ln>
+        </p:spPr>
+        <p:txBody>
+          <a:bodyPr lIns="0" rIns="0" tIns="0" bIns="0" anchor="t">
+            <a:normAutofit/>
+          </a:bodyPr>
+          <a:p>
             <a:endParaRPr b="0" lang="en-US" sz="3200" spc="-1" strike="noStrike">
               <a:latin typeface="Arial"/>
             </a:endParaRPr>
@@ -5661,7 +7187,7 @@
         <p:spPr>
           <a:xfrm>
             <a:off x="457200" y="205200"/>
-            <a:ext cx="8228880" cy="858240"/>
+            <a:ext cx="8229240" cy="858600"/>
           </a:xfrm>
           <a:prstGeom prst="rect">
             <a:avLst/>
@@ -5698,7 +7224,7 @@
         <p:spPr>
           <a:xfrm>
             <a:off x="457200" y="1203480"/>
-            <a:ext cx="4015440" cy="1422360"/>
+            <a:ext cx="4015800" cy="1422720"/>
           </a:xfrm>
           <a:prstGeom prst="rect">
             <a:avLst/>
@@ -5731,8 +7257,8 @@
         </p:nvSpPr>
         <p:spPr>
           <a:xfrm>
-            <a:off x="4673880" y="1203480"/>
-            <a:ext cx="4015440" cy="2982600"/>
+            <a:off x="4674240" y="1203480"/>
+            <a:ext cx="4015800" cy="2982960"/>
           </a:xfrm>
           <a:prstGeom prst="rect">
             <a:avLst/>
@@ -5765,8 +7291,8 @@
         </p:nvSpPr>
         <p:spPr>
           <a:xfrm>
-            <a:off x="457200" y="2761200"/>
-            <a:ext cx="4015440" cy="1422360"/>
+            <a:off x="457200" y="2761920"/>
+            <a:ext cx="4015800" cy="1422720"/>
           </a:xfrm>
           <a:prstGeom prst="rect">
             <a:avLst/>
@@ -5822,7 +7348,7 @@
         <p:spPr>
           <a:xfrm>
             <a:off x="457200" y="205200"/>
-            <a:ext cx="8228880" cy="858240"/>
+            <a:ext cx="8229240" cy="858600"/>
           </a:xfrm>
           <a:prstGeom prst="rect">
             <a:avLst/>
@@ -5859,7 +7385,7 @@
         <p:spPr>
           <a:xfrm>
             <a:off x="457200" y="1203480"/>
-            <a:ext cx="4015440" cy="2982600"/>
+            <a:ext cx="4015800" cy="2982960"/>
           </a:xfrm>
           <a:prstGeom prst="rect">
             <a:avLst/>
@@ -5892,8 +7418,8 @@
         </p:nvSpPr>
         <p:spPr>
           <a:xfrm>
-            <a:off x="4673880" y="1203480"/>
-            <a:ext cx="4015440" cy="1422360"/>
+            <a:off x="4674240" y="1203480"/>
+            <a:ext cx="4015800" cy="1422720"/>
           </a:xfrm>
           <a:prstGeom prst="rect">
             <a:avLst/>
@@ -5926,8 +7452,8 @@
         </p:nvSpPr>
         <p:spPr>
           <a:xfrm>
-            <a:off x="4673880" y="2761200"/>
-            <a:ext cx="4015440" cy="1422360"/>
+            <a:off x="4674240" y="2761920"/>
+            <a:ext cx="4015800" cy="1422720"/>
           </a:xfrm>
           <a:prstGeom prst="rect">
             <a:avLst/>
@@ -5983,7 +7509,7 @@
         <p:spPr>
           <a:xfrm>
             <a:off x="457200" y="205200"/>
-            <a:ext cx="8228880" cy="858240"/>
+            <a:ext cx="8229240" cy="858600"/>
           </a:xfrm>
           <a:prstGeom prst="rect">
             <a:avLst/>
@@ -6020,7 +7546,7 @@
         <p:spPr>
           <a:xfrm>
             <a:off x="457200" y="1203480"/>
-            <a:ext cx="4015440" cy="1422360"/>
+            <a:ext cx="4015800" cy="1422720"/>
           </a:xfrm>
           <a:prstGeom prst="rect">
             <a:avLst/>
@@ -6053,8 +7579,8 @@
         </p:nvSpPr>
         <p:spPr>
           <a:xfrm>
-            <a:off x="4673880" y="1203480"/>
-            <a:ext cx="4015440" cy="1422360"/>
+            <a:off x="4674240" y="1203480"/>
+            <a:ext cx="4015800" cy="1422720"/>
           </a:xfrm>
           <a:prstGeom prst="rect">
             <a:avLst/>
@@ -6087,8 +7613,8 @@
         </p:nvSpPr>
         <p:spPr>
           <a:xfrm>
-            <a:off x="457200" y="2761200"/>
-            <a:ext cx="8228880" cy="1422360"/>
+            <a:off x="457200" y="2761920"/>
+            <a:ext cx="8229240" cy="1422720"/>
           </a:xfrm>
           <a:prstGeom prst="rect">
             <a:avLst/>
@@ -6147,7 +7673,7 @@
         <p:spPr>
           <a:xfrm>
             <a:off x="314280" y="4535640"/>
-            <a:ext cx="270000" cy="329760"/>
+            <a:ext cx="269640" cy="329400"/>
           </a:xfrm>
           <a:prstGeom prst="rect">
             <a:avLst/>
@@ -6177,7 +7703,7 @@
               </a:spcAft>
               <a:buNone/>
             </a:pPr>
-            <a:fld id="{26869872-D582-4A34-B8A4-B7433276B5A7}" type="slidenum">
+            <a:fld id="{AAFB93A8-CB24-4984-8926-5718E06F22A0}" type="slidenum">
               <a:rPr b="0" lang="fr-FR" sz="800" spc="-1" strike="noStrike">
                 <a:solidFill>
                   <a:srgbClr val="000000"/>
@@ -6202,7 +7728,7 @@
         <p:spPr>
           <a:xfrm>
             <a:off x="619560" y="4749120"/>
-            <a:ext cx="360" cy="118080"/>
+            <a:ext cx="360" cy="117720"/>
           </a:xfrm>
           <a:prstGeom prst="rect">
             <a:avLst/>
@@ -6254,7 +7780,211 @@
               <a:rPr b="0" lang="en-US" sz="4400" spc="-1" strike="noStrike">
                 <a:latin typeface="Arial"/>
               </a:rPr>
-              <a:t>Click to edit the title text format</a:t>
+              <a:t>C</a:t>
+            </a:r>
+            <a:r>
+              <a:rPr b="0" lang="en-US" sz="4400" spc="-1" strike="noStrike">
+                <a:latin typeface="Arial"/>
+              </a:rPr>
+              <a:t>l</a:t>
+            </a:r>
+            <a:r>
+              <a:rPr b="0" lang="en-US" sz="4400" spc="-1" strike="noStrike">
+                <a:latin typeface="Arial"/>
+              </a:rPr>
+              <a:t>i</a:t>
+            </a:r>
+            <a:r>
+              <a:rPr b="0" lang="en-US" sz="4400" spc="-1" strike="noStrike">
+                <a:latin typeface="Arial"/>
+              </a:rPr>
+              <a:t>c</a:t>
+            </a:r>
+            <a:r>
+              <a:rPr b="0" lang="en-US" sz="4400" spc="-1" strike="noStrike">
+                <a:latin typeface="Arial"/>
+              </a:rPr>
+              <a:t>k</a:t>
+            </a:r>
+            <a:r>
+              <a:rPr b="0" lang="en-US" sz="4400" spc="-1" strike="noStrike">
+                <a:latin typeface="Arial"/>
+              </a:rPr>
+              <a:t> </a:t>
+            </a:r>
+            <a:r>
+              <a:rPr b="0" lang="en-US" sz="4400" spc="-1" strike="noStrike">
+                <a:latin typeface="Arial"/>
+              </a:rPr>
+              <a:t>t</a:t>
+            </a:r>
+            <a:r>
+              <a:rPr b="0" lang="en-US" sz="4400" spc="-1" strike="noStrike">
+                <a:latin typeface="Arial"/>
+              </a:rPr>
+              <a:t>o</a:t>
+            </a:r>
+            <a:r>
+              <a:rPr b="0" lang="en-US" sz="4400" spc="-1" strike="noStrike">
+                <a:latin typeface="Arial"/>
+              </a:rPr>
+              <a:t> </a:t>
+            </a:r>
+            <a:r>
+              <a:rPr b="0" lang="en-US" sz="4400" spc="-1" strike="noStrike">
+                <a:latin typeface="Arial"/>
+              </a:rPr>
+              <a:t>e</a:t>
+            </a:r>
+            <a:r>
+              <a:rPr b="0" lang="en-US" sz="4400" spc="-1" strike="noStrike">
+                <a:latin typeface="Arial"/>
+              </a:rPr>
+              <a:t>d</a:t>
+            </a:r>
+            <a:r>
+              <a:rPr b="0" lang="en-US" sz="4400" spc="-1" strike="noStrike">
+                <a:latin typeface="Arial"/>
+              </a:rPr>
+              <a:t>i</a:t>
+            </a:r>
+            <a:r>
+              <a:rPr b="0" lang="en-US" sz="4400" spc="-1" strike="noStrike">
+                <a:latin typeface="Arial"/>
+              </a:rPr>
+              <a:t>t</a:t>
+            </a:r>
+            <a:r>
+              <a:rPr b="0" lang="en-US" sz="4400" spc="-1" strike="noStrike">
+                <a:latin typeface="Arial"/>
+              </a:rPr>
+              <a:t> </a:t>
+            </a:r>
+            <a:r>
+              <a:rPr b="0" lang="en-US" sz="4400" spc="-1" strike="noStrike">
+                <a:latin typeface="Arial"/>
+              </a:rPr>
+              <a:t>t</a:t>
+            </a:r>
+            <a:r>
+              <a:rPr b="0" lang="en-US" sz="4400" spc="-1" strike="noStrike">
+                <a:latin typeface="Arial"/>
+              </a:rPr>
+              <a:t>h</a:t>
+            </a:r>
+            <a:r>
+              <a:rPr b="0" lang="en-US" sz="4400" spc="-1" strike="noStrike">
+                <a:latin typeface="Arial"/>
+              </a:rPr>
+              <a:t>e</a:t>
+            </a:r>
+            <a:r>
+              <a:rPr b="0" lang="en-US" sz="4400" spc="-1" strike="noStrike">
+                <a:latin typeface="Arial"/>
+              </a:rPr>
+              <a:t> </a:t>
+            </a:r>
+            <a:r>
+              <a:rPr b="0" lang="en-US" sz="4400" spc="-1" strike="noStrike">
+                <a:latin typeface="Arial"/>
+              </a:rPr>
+              <a:t>t</a:t>
+            </a:r>
+            <a:r>
+              <a:rPr b="0" lang="en-US" sz="4400" spc="-1" strike="noStrike">
+                <a:latin typeface="Arial"/>
+              </a:rPr>
+              <a:t>i</a:t>
+            </a:r>
+            <a:r>
+              <a:rPr b="0" lang="en-US" sz="4400" spc="-1" strike="noStrike">
+                <a:latin typeface="Arial"/>
+              </a:rPr>
+              <a:t>t</a:t>
+            </a:r>
+            <a:r>
+              <a:rPr b="0" lang="en-US" sz="4400" spc="-1" strike="noStrike">
+                <a:latin typeface="Arial"/>
+              </a:rPr>
+              <a:t>l</a:t>
+            </a:r>
+            <a:r>
+              <a:rPr b="0" lang="en-US" sz="4400" spc="-1" strike="noStrike">
+                <a:latin typeface="Arial"/>
+              </a:rPr>
+              <a:t>e</a:t>
+            </a:r>
+            <a:r>
+              <a:rPr b="0" lang="en-US" sz="4400" spc="-1" strike="noStrike">
+                <a:latin typeface="Arial"/>
+              </a:rPr>
+              <a:t> </a:t>
+            </a:r>
+            <a:r>
+              <a:rPr b="0" lang="en-US" sz="4400" spc="-1" strike="noStrike">
+                <a:latin typeface="Arial"/>
+              </a:rPr>
+              <a:t>t</a:t>
+            </a:r>
+            <a:r>
+              <a:rPr b="0" lang="en-US" sz="4400" spc="-1" strike="noStrike">
+                <a:latin typeface="Arial"/>
+              </a:rPr>
+              <a:t>e</a:t>
+            </a:r>
+            <a:r>
+              <a:rPr b="0" lang="en-US" sz="4400" spc="-1" strike="noStrike">
+                <a:latin typeface="Arial"/>
+              </a:rPr>
+              <a:t>x</a:t>
+            </a:r>
+            <a:r>
+              <a:rPr b="0" lang="en-US" sz="4400" spc="-1" strike="noStrike">
+                <a:latin typeface="Arial"/>
+              </a:rPr>
+              <a:t>t</a:t>
+            </a:r>
+            <a:r>
+              <a:rPr b="0" lang="en-US" sz="4400" spc="-1" strike="noStrike">
+                <a:latin typeface="Arial"/>
+              </a:rPr>
+              <a:t> </a:t>
+            </a:r>
+            <a:r>
+              <a:rPr b="0" lang="en-US" sz="4400" spc="-1" strike="noStrike">
+                <a:latin typeface="Arial"/>
+              </a:rPr>
+              <a:t>f</a:t>
+            </a:r>
+            <a:r>
+              <a:rPr b="0" lang="en-US" sz="4400" spc="-1" strike="noStrike">
+                <a:latin typeface="Arial"/>
+              </a:rPr>
+              <a:t>o</a:t>
+            </a:r>
+            <a:r>
+              <a:rPr b="0" lang="en-US" sz="4400" spc="-1" strike="noStrike">
+                <a:latin typeface="Arial"/>
+              </a:rPr>
+              <a:t>r</a:t>
+            </a:r>
+            <a:r>
+              <a:rPr b="0" lang="en-US" sz="4400" spc="-1" strike="noStrike">
+                <a:latin typeface="Arial"/>
+              </a:rPr>
+              <a:t>m</a:t>
+            </a:r>
+            <a:r>
+              <a:rPr b="0" lang="en-US" sz="4400" spc="-1" strike="noStrike">
+                <a:latin typeface="Arial"/>
+              </a:rPr>
+              <a:t>a</a:t>
+            </a:r>
+            <a:r>
+              <a:rPr b="0" lang="en-US" sz="4400" spc="-1" strike="noStrike">
+                <a:latin typeface="Arial"/>
+              </a:rPr>
+              <a:t>t</a:t>
             </a:r>
             <a:endParaRPr b="0" lang="en-US" sz="4400" spc="-1" strike="noStrike">
               <a:latin typeface="Arial"/>
@@ -6498,7 +8228,7 @@
         <p:spPr>
           <a:xfrm>
             <a:off x="314280" y="4535640"/>
-            <a:ext cx="270000" cy="329760"/>
+            <a:ext cx="269640" cy="329400"/>
           </a:xfrm>
           <a:prstGeom prst="rect">
             <a:avLst/>
@@ -6528,7 +8258,7 @@
               </a:spcAft>
               <a:buNone/>
             </a:pPr>
-            <a:fld id="{8CBBF15A-2BF9-4FE5-AA96-02F33859C9E5}" type="slidenum">
+            <a:fld id="{35EA1B1E-7BD7-4DF6-9459-B7C54F0D57D4}" type="slidenum">
               <a:rPr b="0" lang="fr-FR" sz="800" spc="-1" strike="noStrike">
                 <a:solidFill>
                   <a:srgbClr val="000000"/>
@@ -6553,7 +8283,7 @@
         <p:spPr>
           <a:xfrm>
             <a:off x="619560" y="4749120"/>
-            <a:ext cx="360" cy="118080"/>
+            <a:ext cx="360" cy="117720"/>
           </a:xfrm>
           <a:prstGeom prst="rect">
             <a:avLst/>
@@ -6605,7 +8335,151 @@
               <a:rPr b="0" lang="en-US" sz="4400" spc="-1" strike="noStrike">
                 <a:latin typeface="Arial"/>
               </a:rPr>
-              <a:t>Click to edit the title text format</a:t>
+              <a:t>C</a:t>
+            </a:r>
+            <a:r>
+              <a:rPr b="0" lang="en-US" sz="4400" spc="-1" strike="noStrike">
+                <a:latin typeface="Arial"/>
+              </a:rPr>
+              <a:t>li</a:t>
+            </a:r>
+            <a:r>
+              <a:rPr b="0" lang="en-US" sz="4400" spc="-1" strike="noStrike">
+                <a:latin typeface="Arial"/>
+              </a:rPr>
+              <a:t>c</a:t>
+            </a:r>
+            <a:r>
+              <a:rPr b="0" lang="en-US" sz="4400" spc="-1" strike="noStrike">
+                <a:latin typeface="Arial"/>
+              </a:rPr>
+              <a:t>k </a:t>
+            </a:r>
+            <a:r>
+              <a:rPr b="0" lang="en-US" sz="4400" spc="-1" strike="noStrike">
+                <a:latin typeface="Arial"/>
+              </a:rPr>
+              <a:t>t</a:t>
+            </a:r>
+            <a:r>
+              <a:rPr b="0" lang="en-US" sz="4400" spc="-1" strike="noStrike">
+                <a:latin typeface="Arial"/>
+              </a:rPr>
+              <a:t>o </a:t>
+            </a:r>
+            <a:r>
+              <a:rPr b="0" lang="en-US" sz="4400" spc="-1" strike="noStrike">
+                <a:latin typeface="Arial"/>
+              </a:rPr>
+              <a:t>e</a:t>
+            </a:r>
+            <a:r>
+              <a:rPr b="0" lang="en-US" sz="4400" spc="-1" strike="noStrike">
+                <a:latin typeface="Arial"/>
+              </a:rPr>
+              <a:t>d</a:t>
+            </a:r>
+            <a:r>
+              <a:rPr b="0" lang="en-US" sz="4400" spc="-1" strike="noStrike">
+                <a:latin typeface="Arial"/>
+              </a:rPr>
+              <a:t>it </a:t>
+            </a:r>
+            <a:r>
+              <a:rPr b="0" lang="en-US" sz="4400" spc="-1" strike="noStrike">
+                <a:latin typeface="Arial"/>
+              </a:rPr>
+              <a:t>t</a:t>
+            </a:r>
+            <a:r>
+              <a:rPr b="0" lang="en-US" sz="4400" spc="-1" strike="noStrike">
+                <a:latin typeface="Arial"/>
+              </a:rPr>
+              <a:t>h</a:t>
+            </a:r>
+            <a:r>
+              <a:rPr b="0" lang="en-US" sz="4400" spc="-1" strike="noStrike">
+                <a:latin typeface="Arial"/>
+              </a:rPr>
+              <a:t>e </a:t>
+            </a:r>
+            <a:r>
+              <a:rPr b="0" lang="en-US" sz="4400" spc="-1" strike="noStrike">
+                <a:latin typeface="Arial"/>
+              </a:rPr>
+              <a:t>ti</a:t>
+            </a:r>
+            <a:r>
+              <a:rPr b="0" lang="en-US" sz="4400" spc="-1" strike="noStrike">
+                <a:latin typeface="Arial"/>
+              </a:rPr>
+              <a:t>tl</a:t>
+            </a:r>
+            <a:r>
+              <a:rPr b="0" lang="en-US" sz="4400" spc="-1" strike="noStrike">
+                <a:latin typeface="Arial"/>
+              </a:rPr>
+              <a:t>e </a:t>
+            </a:r>
+            <a:r>
+              <a:rPr b="0" lang="en-US" sz="4400" spc="-1" strike="noStrike">
+                <a:latin typeface="Arial"/>
+              </a:rPr>
+              <a:t>t</a:t>
+            </a:r>
+            <a:r>
+              <a:rPr b="0" lang="en-US" sz="4400" spc="-1" strike="noStrike">
+                <a:latin typeface="Arial"/>
+              </a:rPr>
+              <a:t>e</a:t>
+            </a:r>
+            <a:r>
+              <a:rPr b="0" lang="en-US" sz="4400" spc="-1" strike="noStrike">
+                <a:latin typeface="Arial"/>
+              </a:rPr>
+              <a:t>x</a:t>
+            </a:r>
+            <a:r>
+              <a:rPr b="0" lang="en-US" sz="4400" spc="-1" strike="noStrike">
+                <a:latin typeface="Arial"/>
+              </a:rPr>
+              <a:t>t </a:t>
+            </a:r>
+            <a:r>
+              <a:rPr b="0" lang="en-US" sz="4400" spc="-1" strike="noStrike">
+                <a:latin typeface="Arial"/>
+              </a:rPr>
+              <a:t>f</a:t>
+            </a:r>
+            <a:r>
+              <a:rPr b="0" lang="en-US" sz="4400" spc="-1" strike="noStrike">
+                <a:latin typeface="Arial"/>
+              </a:rPr>
+              <a:t>o</a:t>
+            </a:r>
+            <a:r>
+              <a:rPr b="0" lang="en-US" sz="4400" spc="-1" strike="noStrike">
+                <a:latin typeface="Arial"/>
+              </a:rPr>
+              <a:t>r</a:t>
+            </a:r>
+            <a:r>
+              <a:rPr b="0" lang="en-US" sz="4400" spc="-1" strike="noStrike">
+                <a:latin typeface="Arial"/>
+              </a:rPr>
+              <a:t>m</a:t>
+            </a:r>
+            <a:r>
+              <a:rPr b="0" lang="en-US" sz="4400" spc="-1" strike="noStrike">
+                <a:latin typeface="Arial"/>
+              </a:rPr>
+              <a:t>a</a:t>
+            </a:r>
+            <a:r>
+              <a:rPr b="0" lang="en-US" sz="4400" spc="-1" strike="noStrike">
+                <a:latin typeface="Arial"/>
+              </a:rPr>
+              <a:t>t</a:t>
             </a:r>
             <a:endParaRPr b="0" lang="en-US" sz="4400" spc="-1" strike="noStrike">
               <a:latin typeface="Arial"/>
@@ -6849,7 +8723,7 @@
         <p:spPr>
           <a:xfrm>
             <a:off x="314280" y="4535640"/>
-            <a:ext cx="270000" cy="329760"/>
+            <a:ext cx="269640" cy="329400"/>
           </a:xfrm>
           <a:prstGeom prst="rect">
             <a:avLst/>
@@ -6879,7 +8753,7 @@
               </a:spcAft>
               <a:buNone/>
             </a:pPr>
-            <a:fld id="{FAA7D79B-3570-47C7-88F4-3517DC2668DB}" type="slidenum">
+            <a:fld id="{E36514B7-FECC-4825-938E-A930F12BFC5C}" type="slidenum">
               <a:rPr b="0" lang="fr-FR" sz="800" spc="-1" strike="noStrike">
                 <a:solidFill>
                   <a:srgbClr val="000000"/>
@@ -6904,7 +8778,7 @@
         <p:spPr>
           <a:xfrm>
             <a:off x="619560" y="4749120"/>
-            <a:ext cx="360" cy="118080"/>
+            <a:ext cx="360" cy="117720"/>
           </a:xfrm>
           <a:prstGeom prst="rect">
             <a:avLst/>
@@ -6934,7 +8808,7 @@
         <p:spPr>
           <a:xfrm>
             <a:off x="457200" y="205200"/>
-            <a:ext cx="8228880" cy="858240"/>
+            <a:ext cx="8229240" cy="858600"/>
           </a:xfrm>
           <a:prstGeom prst="rect">
             <a:avLst/>
@@ -6949,13 +8823,118 @@
             <a:noAutofit/>
           </a:bodyPr>
           <a:p>
-            <a:r>
-              <a:rPr b="0" lang="en-US" sz="1800" spc="-1" strike="noStrike">
+            <a:pPr algn="ctr">
+              <a:buNone/>
+            </a:pPr>
+            <a:r>
+              <a:rPr b="0" lang="en-US" sz="4400" spc="-1" strike="noStrike">
                 <a:latin typeface="Arial"/>
               </a:rPr>
-              <a:t>Click to edit the title text format</a:t>
-            </a:r>
-            <a:endParaRPr b="0" lang="en-US" sz="1800" spc="-1" strike="noStrike">
+              <a:t>C</a:t>
+            </a:r>
+            <a:r>
+              <a:rPr b="0" lang="en-US" sz="4400" spc="-1" strike="noStrike">
+                <a:latin typeface="Arial"/>
+              </a:rPr>
+              <a:t>li</a:t>
+            </a:r>
+            <a:r>
+              <a:rPr b="0" lang="en-US" sz="4400" spc="-1" strike="noStrike">
+                <a:latin typeface="Arial"/>
+              </a:rPr>
+              <a:t>c</a:t>
+            </a:r>
+            <a:r>
+              <a:rPr b="0" lang="en-US" sz="4400" spc="-1" strike="noStrike">
+                <a:latin typeface="Arial"/>
+              </a:rPr>
+              <a:t>k </a:t>
+            </a:r>
+            <a:r>
+              <a:rPr b="0" lang="en-US" sz="4400" spc="-1" strike="noStrike">
+                <a:latin typeface="Arial"/>
+              </a:rPr>
+              <a:t>to </a:t>
+            </a:r>
+            <a:r>
+              <a:rPr b="0" lang="en-US" sz="4400" spc="-1" strike="noStrike">
+                <a:latin typeface="Arial"/>
+              </a:rPr>
+              <a:t>e</a:t>
+            </a:r>
+            <a:r>
+              <a:rPr b="0" lang="en-US" sz="4400" spc="-1" strike="noStrike">
+                <a:latin typeface="Arial"/>
+              </a:rPr>
+              <a:t>di</a:t>
+            </a:r>
+            <a:r>
+              <a:rPr b="0" lang="en-US" sz="4400" spc="-1" strike="noStrike">
+                <a:latin typeface="Arial"/>
+              </a:rPr>
+              <a:t>t </a:t>
+            </a:r>
+            <a:r>
+              <a:rPr b="0" lang="en-US" sz="4400" spc="-1" strike="noStrike">
+                <a:latin typeface="Arial"/>
+              </a:rPr>
+              <a:t>th</a:t>
+            </a:r>
+            <a:r>
+              <a:rPr b="0" lang="en-US" sz="4400" spc="-1" strike="noStrike">
+                <a:latin typeface="Arial"/>
+              </a:rPr>
+              <a:t>e </a:t>
+            </a:r>
+            <a:r>
+              <a:rPr b="0" lang="en-US" sz="4400" spc="-1" strike="noStrike">
+                <a:latin typeface="Arial"/>
+              </a:rPr>
+              <a:t>tit</a:t>
+            </a:r>
+            <a:r>
+              <a:rPr b="0" lang="en-US" sz="4400" spc="-1" strike="noStrike">
+                <a:latin typeface="Arial"/>
+              </a:rPr>
+              <a:t>le </a:t>
+            </a:r>
+            <a:r>
+              <a:rPr b="0" lang="en-US" sz="4400" spc="-1" strike="noStrike">
+                <a:latin typeface="Arial"/>
+              </a:rPr>
+              <a:t>te</a:t>
+            </a:r>
+            <a:r>
+              <a:rPr b="0" lang="en-US" sz="4400" spc="-1" strike="noStrike">
+                <a:latin typeface="Arial"/>
+              </a:rPr>
+              <a:t>xt </a:t>
+            </a:r>
+            <a:r>
+              <a:rPr b="0" lang="en-US" sz="4400" spc="-1" strike="noStrike">
+                <a:latin typeface="Arial"/>
+              </a:rPr>
+              <a:t>fo</a:t>
+            </a:r>
+            <a:r>
+              <a:rPr b="0" lang="en-US" sz="4400" spc="-1" strike="noStrike">
+                <a:latin typeface="Arial"/>
+              </a:rPr>
+              <a:t>r</a:t>
+            </a:r>
+            <a:r>
+              <a:rPr b="0" lang="en-US" sz="4400" spc="-1" strike="noStrike">
+                <a:latin typeface="Arial"/>
+              </a:rPr>
+              <a:t>m</a:t>
+            </a:r>
+            <a:r>
+              <a:rPr b="0" lang="en-US" sz="4400" spc="-1" strike="noStrike">
+                <a:latin typeface="Arial"/>
+              </a:rPr>
+              <a:t>at</a:t>
+            </a:r>
+            <a:endParaRPr b="0" lang="en-US" sz="4400" spc="-1" strike="noStrike">
               <a:latin typeface="Arial"/>
             </a:endParaRPr>
           </a:p>
@@ -6974,7 +8953,7 @@
         <p:spPr>
           <a:xfrm>
             <a:off x="457200" y="1203480"/>
-            <a:ext cx="8228880" cy="2982600"/>
+            <a:ext cx="8229240" cy="2982960"/>
           </a:xfrm>
           <a:prstGeom prst="rect">
             <a:avLst/>
@@ -7001,12 +8980,12 @@
               <a:buChar char=""/>
             </a:pPr>
             <a:r>
-              <a:rPr b="0" lang="en-US" sz="1800" spc="-1" strike="noStrike">
+              <a:rPr b="0" lang="en-US" sz="3200" spc="-1" strike="noStrike">
                 <a:latin typeface="Arial"/>
               </a:rPr>
               <a:t>Click to edit the outline text format</a:t>
             </a:r>
-            <a:endParaRPr b="0" lang="en-US" sz="1800" spc="-1" strike="noStrike">
+            <a:endParaRPr b="0" lang="en-US" sz="3200" spc="-1" strike="noStrike">
               <a:latin typeface="Arial"/>
             </a:endParaRPr>
           </a:p>
@@ -7023,12 +9002,12 @@
               <a:buChar char=""/>
             </a:pPr>
             <a:r>
-              <a:rPr b="0" lang="en-US" sz="1800" spc="-1" strike="noStrike">
+              <a:rPr b="0" lang="en-US" sz="2800" spc="-1" strike="noStrike">
                 <a:latin typeface="Arial"/>
               </a:rPr>
               <a:t>Second Outline Level</a:t>
             </a:r>
-            <a:endParaRPr b="0" lang="en-US" sz="1800" spc="-1" strike="noStrike">
+            <a:endParaRPr b="0" lang="en-US" sz="2800" spc="-1" strike="noStrike">
               <a:latin typeface="Arial"/>
             </a:endParaRPr>
           </a:p>
@@ -7045,12 +9024,12 @@
               <a:buChar char=""/>
             </a:pPr>
             <a:r>
-              <a:rPr b="0" lang="en-US" sz="1800" spc="-1" strike="noStrike">
+              <a:rPr b="0" lang="en-US" sz="2400" spc="-1" strike="noStrike">
                 <a:latin typeface="Arial"/>
               </a:rPr>
               <a:t>Third Outline Level</a:t>
             </a:r>
-            <a:endParaRPr b="0" lang="en-US" sz="1800" spc="-1" strike="noStrike">
+            <a:endParaRPr b="0" lang="en-US" sz="2400" spc="-1" strike="noStrike">
               <a:latin typeface="Arial"/>
             </a:endParaRPr>
           </a:p>
@@ -7067,12 +9046,12 @@
               <a:buChar char=""/>
             </a:pPr>
             <a:r>
-              <a:rPr b="0" lang="en-US" sz="1800" spc="-1" strike="noStrike">
+              <a:rPr b="0" lang="en-US" sz="2000" spc="-1" strike="noStrike">
                 <a:latin typeface="Arial"/>
               </a:rPr>
               <a:t>Fourth Outline Level</a:t>
             </a:r>
-            <a:endParaRPr b="0" lang="en-US" sz="1800" spc="-1" strike="noStrike">
+            <a:endParaRPr b="0" lang="en-US" sz="2000" spc="-1" strike="noStrike">
               <a:latin typeface="Arial"/>
             </a:endParaRPr>
           </a:p>
@@ -7089,12 +9068,12 @@
               <a:buChar char=""/>
             </a:pPr>
             <a:r>
-              <a:rPr b="0" lang="en-US" sz="1800" spc="-1" strike="noStrike">
+              <a:rPr b="0" lang="en-US" sz="2000" spc="-1" strike="noStrike">
                 <a:latin typeface="Arial"/>
               </a:rPr>
               <a:t>Fifth Outline Level</a:t>
             </a:r>
-            <a:endParaRPr b="0" lang="en-US" sz="1800" spc="-1" strike="noStrike">
+            <a:endParaRPr b="0" lang="en-US" sz="2000" spc="-1" strike="noStrike">
               <a:latin typeface="Arial"/>
             </a:endParaRPr>
           </a:p>
@@ -7111,12 +9090,12 @@
               <a:buChar char=""/>
             </a:pPr>
             <a:r>
-              <a:rPr b="0" lang="en-US" sz="1800" spc="-1" strike="noStrike">
+              <a:rPr b="0" lang="en-US" sz="2000" spc="-1" strike="noStrike">
                 <a:latin typeface="Arial"/>
               </a:rPr>
               <a:t>Sixth Outline Level</a:t>
             </a:r>
-            <a:endParaRPr b="0" lang="en-US" sz="1800" spc="-1" strike="noStrike">
+            <a:endParaRPr b="0" lang="en-US" sz="2000" spc="-1" strike="noStrike">
               <a:latin typeface="Arial"/>
             </a:endParaRPr>
           </a:p>
@@ -7133,12 +9112,12 @@
               <a:buChar char=""/>
             </a:pPr>
             <a:r>
-              <a:rPr b="0" lang="en-US" sz="1800" spc="-1" strike="noStrike">
+              <a:rPr b="0" lang="en-US" sz="2000" spc="-1" strike="noStrike">
                 <a:latin typeface="Arial"/>
               </a:rPr>
               <a:t>Seventh Outline Level</a:t>
             </a:r>
-            <a:endParaRPr b="0" lang="en-US" sz="1800" spc="-1" strike="noStrike">
+            <a:endParaRPr b="0" lang="en-US" sz="2000" spc="-1" strike="noStrike">
               <a:latin typeface="Arial"/>
             </a:endParaRPr>
           </a:p>
@@ -7197,7 +9176,7 @@
         <p:spPr>
           <a:xfrm>
             <a:off x="314280" y="4535640"/>
-            <a:ext cx="270000" cy="329760"/>
+            <a:ext cx="269640" cy="329400"/>
           </a:xfrm>
           <a:prstGeom prst="rect">
             <a:avLst/>
@@ -7227,7 +9206,7 @@
               </a:spcAft>
               <a:buNone/>
             </a:pPr>
-            <a:fld id="{021FA8C3-C928-46B2-81F5-4D0A996904F0}" type="slidenum">
+            <a:fld id="{631BCEA9-CF12-4C54-A84A-C0015308D0E2}" type="slidenum">
               <a:rPr b="0" lang="fr-FR" sz="800" spc="-1" strike="noStrike">
                 <a:solidFill>
                   <a:srgbClr val="000000"/>
@@ -7252,7 +9231,7 @@
         <p:spPr>
           <a:xfrm>
             <a:off x="619560" y="4749120"/>
-            <a:ext cx="360" cy="118080"/>
+            <a:ext cx="360" cy="117720"/>
           </a:xfrm>
           <a:prstGeom prst="rect">
             <a:avLst/>
@@ -7268,232 +9247,6 @@
           <a:effectRef idx="0"/>
           <a:fontRef idx="minor"/>
         </p:style>
-      </p:sp>
-      <p:sp>
-        <p:nvSpPr>
-          <p:cNvPr id="122" name="PlaceHolder 1"/>
-          <p:cNvSpPr>
-            <a:spLocks noGrp="1"/>
-          </p:cNvSpPr>
-          <p:nvPr>
-            <p:ph type="title"/>
-          </p:nvPr>
-        </p:nvSpPr>
-        <p:spPr>
-          <a:xfrm>
-            <a:off x="457200" y="205200"/>
-            <a:ext cx="8229240" cy="858600"/>
-          </a:xfrm>
-          <a:prstGeom prst="rect">
-            <a:avLst/>
-          </a:prstGeom>
-          <a:noFill/>
-          <a:ln w="0">
-            <a:noFill/>
-          </a:ln>
-        </p:spPr>
-        <p:txBody>
-          <a:bodyPr lIns="0" rIns="0" tIns="0" bIns="0" anchor="ctr">
-            <a:noAutofit/>
-          </a:bodyPr>
-          <a:p>
-            <a:pPr algn="ctr">
-              <a:buNone/>
-            </a:pPr>
-            <a:r>
-              <a:rPr b="0" lang="en-US" sz="4400" spc="-1" strike="noStrike">
-                <a:latin typeface="Arial"/>
-              </a:rPr>
-              <a:t>Click to edit the title text format</a:t>
-            </a:r>
-            <a:endParaRPr b="0" lang="en-US" sz="4400" spc="-1" strike="noStrike">
-              <a:latin typeface="Arial"/>
-            </a:endParaRPr>
-          </a:p>
-        </p:txBody>
-      </p:sp>
-      <p:sp>
-        <p:nvSpPr>
-          <p:cNvPr id="123" name="PlaceHolder 2"/>
-          <p:cNvSpPr>
-            <a:spLocks noGrp="1"/>
-          </p:cNvSpPr>
-          <p:nvPr>
-            <p:ph type="body"/>
-          </p:nvPr>
-        </p:nvSpPr>
-        <p:spPr>
-          <a:xfrm>
-            <a:off x="457200" y="1203480"/>
-            <a:ext cx="8229240" cy="2982960"/>
-          </a:xfrm>
-          <a:prstGeom prst="rect">
-            <a:avLst/>
-          </a:prstGeom>
-          <a:noFill/>
-          <a:ln w="0">
-            <a:noFill/>
-          </a:ln>
-        </p:spPr>
-        <p:txBody>
-          <a:bodyPr lIns="0" rIns="0" tIns="0" bIns="0" anchor="t">
-            <a:normAutofit/>
-          </a:bodyPr>
-          <a:p>
-            <a:pPr marL="432000" indent="-324000">
-              <a:spcBef>
-                <a:spcPts val="1417"/>
-              </a:spcBef>
-              <a:buClr>
-                <a:srgbClr val="000000"/>
-              </a:buClr>
-              <a:buSzPct val="45000"/>
-              <a:buFont typeface="Wingdings" charset="2"/>
-              <a:buChar char=""/>
-            </a:pPr>
-            <a:r>
-              <a:rPr b="0" lang="en-US" sz="3200" spc="-1" strike="noStrike">
-                <a:latin typeface="Arial"/>
-              </a:rPr>
-              <a:t>Click to edit the outline text format</a:t>
-            </a:r>
-            <a:endParaRPr b="0" lang="en-US" sz="3200" spc="-1" strike="noStrike">
-              <a:latin typeface="Arial"/>
-            </a:endParaRPr>
-          </a:p>
-          <a:p>
-            <a:pPr lvl="1" marL="864000" indent="-324000">
-              <a:spcBef>
-                <a:spcPts val="1134"/>
-              </a:spcBef>
-              <a:buClr>
-                <a:srgbClr val="000000"/>
-              </a:buClr>
-              <a:buSzPct val="75000"/>
-              <a:buFont typeface="Symbol" charset="2"/>
-              <a:buChar char=""/>
-            </a:pPr>
-            <a:r>
-              <a:rPr b="0" lang="en-US" sz="2800" spc="-1" strike="noStrike">
-                <a:latin typeface="Arial"/>
-              </a:rPr>
-              <a:t>Second Outline Level</a:t>
-            </a:r>
-            <a:endParaRPr b="0" lang="en-US" sz="2800" spc="-1" strike="noStrike">
-              <a:latin typeface="Arial"/>
-            </a:endParaRPr>
-          </a:p>
-          <a:p>
-            <a:pPr lvl="2" marL="1296000" indent="-288000">
-              <a:spcBef>
-                <a:spcPts val="850"/>
-              </a:spcBef>
-              <a:buClr>
-                <a:srgbClr val="000000"/>
-              </a:buClr>
-              <a:buSzPct val="45000"/>
-              <a:buFont typeface="Wingdings" charset="2"/>
-              <a:buChar char=""/>
-            </a:pPr>
-            <a:r>
-              <a:rPr b="0" lang="en-US" sz="2400" spc="-1" strike="noStrike">
-                <a:latin typeface="Arial"/>
-              </a:rPr>
-              <a:t>Third Outline Level</a:t>
-            </a:r>
-            <a:endParaRPr b="0" lang="en-US" sz="2400" spc="-1" strike="noStrike">
-              <a:latin typeface="Arial"/>
-            </a:endParaRPr>
-          </a:p>
-          <a:p>
-            <a:pPr lvl="3" marL="1728000" indent="-216000">
-              <a:spcBef>
-                <a:spcPts val="567"/>
-              </a:spcBef>
-              <a:buClr>
-                <a:srgbClr val="000000"/>
-              </a:buClr>
-              <a:buSzPct val="75000"/>
-              <a:buFont typeface="Symbol" charset="2"/>
-              <a:buChar char=""/>
-            </a:pPr>
-            <a:r>
-              <a:rPr b="0" lang="en-US" sz="2000" spc="-1" strike="noStrike">
-                <a:latin typeface="Arial"/>
-              </a:rPr>
-              <a:t>Fourth Outline Level</a:t>
-            </a:r>
-            <a:endParaRPr b="0" lang="en-US" sz="2000" spc="-1" strike="noStrike">
-              <a:latin typeface="Arial"/>
-            </a:endParaRPr>
-          </a:p>
-          <a:p>
-            <a:pPr lvl="4" marL="2160000" indent="-216000">
-              <a:spcBef>
-                <a:spcPts val="283"/>
-              </a:spcBef>
-              <a:buClr>
-                <a:srgbClr val="000000"/>
-              </a:buClr>
-              <a:buSzPct val="45000"/>
-              <a:buFont typeface="Wingdings" charset="2"/>
-              <a:buChar char=""/>
-            </a:pPr>
-            <a:r>
-              <a:rPr b="0" lang="en-US" sz="2000" spc="-1" strike="noStrike">
-                <a:latin typeface="Arial"/>
-              </a:rPr>
-              <a:t>Fifth Outline Level</a:t>
-            </a:r>
-            <a:endParaRPr b="0" lang="en-US" sz="2000" spc="-1" strike="noStrike">
-              <a:latin typeface="Arial"/>
-            </a:endParaRPr>
-          </a:p>
-          <a:p>
-            <a:pPr lvl="5" marL="2592000" indent="-216000">
-              <a:spcBef>
-                <a:spcPts val="283"/>
-              </a:spcBef>
-              <a:buClr>
-                <a:srgbClr val="000000"/>
-              </a:buClr>
-              <a:buSzPct val="45000"/>
-              <a:buFont typeface="Wingdings" charset="2"/>
-              <a:buChar char=""/>
-            </a:pPr>
-            <a:r>
-              <a:rPr b="0" lang="en-US" sz="2000" spc="-1" strike="noStrike">
-                <a:latin typeface="Arial"/>
-              </a:rPr>
-              <a:t>Sixth Outline Level</a:t>
-            </a:r>
-            <a:endParaRPr b="0" lang="en-US" sz="2000" spc="-1" strike="noStrike">
-              <a:latin typeface="Arial"/>
-            </a:endParaRPr>
-          </a:p>
-          <a:p>
-            <a:pPr lvl="6" marL="3024000" indent="-216000">
-              <a:spcBef>
-                <a:spcPts val="283"/>
-              </a:spcBef>
-              <a:buClr>
-                <a:srgbClr val="000000"/>
-              </a:buClr>
-              <a:buSzPct val="45000"/>
-              <a:buFont typeface="Wingdings" charset="2"/>
-              <a:buChar char=""/>
-            </a:pPr>
-            <a:r>
-              <a:rPr b="0" lang="en-US" sz="2000" spc="-1" strike="noStrike">
-                <a:latin typeface="Arial"/>
-              </a:rPr>
-              <a:t>Seventh Outline Level</a:t>
-            </a:r>
-            <a:endParaRPr b="0" lang="en-US" sz="2000" spc="-1" strike="noStrike">
-              <a:latin typeface="Arial"/>
-            </a:endParaRPr>
-          </a:p>
-        </p:txBody>
       </p:sp>
     </p:spTree>
   </p:cSld>
@@ -7511,6 +9264,453 @@
     <p:sldLayoutId id="2147483697" r:id="rId11"/>
     <p:sldLayoutId id="2147483698" r:id="rId12"/>
     <p:sldLayoutId id="2147483699" r:id="rId13"/>
+  </p:sldLayoutIdLst>
+</p:sldMaster>
+</file>
+
+<file path=ppt/slideMasters/slideMaster5.xml><?xml version="1.0" encoding="utf-8"?>
+<p:sldMaster xmlns:a="http://schemas.openxmlformats.org/drawingml/2006/main" xmlns:p="http://schemas.openxmlformats.org/presentationml/2006/main" xmlns:r="http://schemas.openxmlformats.org/officeDocument/2006/relationships" xmlns:p14="http://schemas.microsoft.com/office/powerpoint/2010/main" xmlns:p15="http://schemas.microsoft.com/office/powerpoint/2012/main" xmlns:mc="http://schemas.openxmlformats.org/markup-compatibility/2006">
+  <p:cSld>
+    <p:bg>
+      <p:bgPr>
+        <a:solidFill>
+          <a:srgbClr val="ffffff"/>
+        </a:solidFill>
+      </p:bgPr>
+    </p:bg>
+    <p:spTree>
+      <p:nvGrpSpPr>
+        <p:cNvPr id="1" name=""/>
+        <p:cNvGrpSpPr/>
+        <p:nvPr/>
+      </p:nvGrpSpPr>
+      <p:grpSpPr>
+        <a:xfrm>
+          <a:off x="0" y="0"/>
+          <a:ext cx="0" cy="0"/>
+          <a:chOff x="0" y="0"/>
+          <a:chExt cx="0" cy="0"/>
+        </a:xfrm>
+      </p:grpSpPr>
+      <p:sp>
+        <p:nvSpPr>
+          <p:cNvPr id="158" name="CustomShape 1"/>
+          <p:cNvSpPr/>
+          <p:nvPr/>
+        </p:nvSpPr>
+        <p:spPr>
+          <a:xfrm>
+            <a:off x="314280" y="4535640"/>
+            <a:ext cx="269640" cy="329400"/>
+          </a:xfrm>
+          <a:prstGeom prst="rect">
+            <a:avLst/>
+          </a:prstGeom>
+          <a:noFill/>
+          <a:ln w="0">
+            <a:noFill/>
+          </a:ln>
+        </p:spPr>
+        <p:style>
+          <a:lnRef idx="0"/>
+          <a:fillRef idx="0"/>
+          <a:effectRef idx="0"/>
+          <a:fontRef idx="minor"/>
+        </p:style>
+        <p:txBody>
+          <a:bodyPr lIns="7200" rIns="0" tIns="0" bIns="0" anchor="b">
+            <a:normAutofit/>
+          </a:bodyPr>
+          <a:p>
+            <a:pPr>
+              <a:lnSpc>
+                <a:spcPct val="85000"/>
+              </a:lnSpc>
+              <a:spcAft>
+                <a:spcPts val="1199"/>
+              </a:spcAft>
+              <a:buNone/>
+            </a:pPr>
+            <a:fld id="{C138ECDB-7AC2-4311-BBCF-7C791DC7009B}" type="slidenum">
+              <a:rPr b="0" lang="fr-FR" sz="800" spc="-1" strike="noStrike">
+                <a:solidFill>
+                  <a:srgbClr val="000000"/>
+                </a:solidFill>
+                <a:latin typeface="Helvetica 75 Bold"/>
+                <a:ea typeface="DejaVu Sans"/>
+              </a:rPr>
+              <a:t>&lt;number&gt;</a:t>
+            </a:fld>
+            <a:endParaRPr b="0" lang="en-US" sz="800" spc="-1" strike="noStrike">
+              <a:latin typeface="Arial"/>
+            </a:endParaRPr>
+          </a:p>
+        </p:txBody>
+      </p:sp>
+      <p:sp>
+        <p:nvSpPr>
+          <p:cNvPr id="159" name="CustomShape 4"/>
+          <p:cNvSpPr/>
+          <p:nvPr/>
+        </p:nvSpPr>
+        <p:spPr>
+          <a:xfrm>
+            <a:off x="619560" y="4749120"/>
+            <a:ext cx="360" cy="117720"/>
+          </a:xfrm>
+          <a:prstGeom prst="rect">
+            <a:avLst/>
+          </a:prstGeom>
+          <a:noFill/>
+          <a:ln w="0">
+            <a:noFill/>
+          </a:ln>
+        </p:spPr>
+        <p:style>
+          <a:lnRef idx="0"/>
+          <a:fillRef idx="0"/>
+          <a:effectRef idx="0"/>
+          <a:fontRef idx="minor"/>
+        </p:style>
+      </p:sp>
+      <p:sp>
+        <p:nvSpPr>
+          <p:cNvPr id="160" name="PlaceHolder 1"/>
+          <p:cNvSpPr>
+            <a:spLocks noGrp="1"/>
+          </p:cNvSpPr>
+          <p:nvPr>
+            <p:ph type="title"/>
+          </p:nvPr>
+        </p:nvSpPr>
+        <p:spPr>
+          <a:xfrm>
+            <a:off x="457200" y="205200"/>
+            <a:ext cx="8229240" cy="858600"/>
+          </a:xfrm>
+          <a:prstGeom prst="rect">
+            <a:avLst/>
+          </a:prstGeom>
+          <a:noFill/>
+          <a:ln w="0">
+            <a:noFill/>
+          </a:ln>
+        </p:spPr>
+        <p:txBody>
+          <a:bodyPr lIns="0" rIns="0" tIns="0" bIns="0" anchor="ctr">
+            <a:noAutofit/>
+          </a:bodyPr>
+          <a:p>
+            <a:pPr algn="ctr">
+              <a:buNone/>
+            </a:pPr>
+            <a:r>
+              <a:rPr b="0" lang="en-US" sz="4400" spc="-1" strike="noStrike">
+                <a:latin typeface="Arial"/>
+              </a:rPr>
+              <a:t>Cl</a:t>
+            </a:r>
+            <a:r>
+              <a:rPr b="0" lang="en-US" sz="4400" spc="-1" strike="noStrike">
+                <a:latin typeface="Arial"/>
+              </a:rPr>
+              <a:t>ic</a:t>
+            </a:r>
+            <a:r>
+              <a:rPr b="0" lang="en-US" sz="4400" spc="-1" strike="noStrike">
+                <a:latin typeface="Arial"/>
+              </a:rPr>
+              <a:t>k </a:t>
+            </a:r>
+            <a:r>
+              <a:rPr b="0" lang="en-US" sz="4400" spc="-1" strike="noStrike">
+                <a:latin typeface="Arial"/>
+              </a:rPr>
+              <a:t>to </a:t>
+            </a:r>
+            <a:r>
+              <a:rPr b="0" lang="en-US" sz="4400" spc="-1" strike="noStrike">
+                <a:latin typeface="Arial"/>
+              </a:rPr>
+              <a:t>e</a:t>
+            </a:r>
+            <a:r>
+              <a:rPr b="0" lang="en-US" sz="4400" spc="-1" strike="noStrike">
+                <a:latin typeface="Arial"/>
+              </a:rPr>
+              <a:t>di</a:t>
+            </a:r>
+            <a:r>
+              <a:rPr b="0" lang="en-US" sz="4400" spc="-1" strike="noStrike">
+                <a:latin typeface="Arial"/>
+              </a:rPr>
+              <a:t>t </a:t>
+            </a:r>
+            <a:r>
+              <a:rPr b="0" lang="en-US" sz="4400" spc="-1" strike="noStrike">
+                <a:latin typeface="Arial"/>
+              </a:rPr>
+              <a:t>th</a:t>
+            </a:r>
+            <a:r>
+              <a:rPr b="0" lang="en-US" sz="4400" spc="-1" strike="noStrike">
+                <a:latin typeface="Arial"/>
+              </a:rPr>
+              <a:t>e </a:t>
+            </a:r>
+            <a:r>
+              <a:rPr b="0" lang="en-US" sz="4400" spc="-1" strike="noStrike">
+                <a:latin typeface="Arial"/>
+              </a:rPr>
+              <a:t>titl</a:t>
+            </a:r>
+            <a:r>
+              <a:rPr b="0" lang="en-US" sz="4400" spc="-1" strike="noStrike">
+                <a:latin typeface="Arial"/>
+              </a:rPr>
+              <a:t>e </a:t>
+            </a:r>
+            <a:r>
+              <a:rPr b="0" lang="en-US" sz="4400" spc="-1" strike="noStrike">
+                <a:latin typeface="Arial"/>
+              </a:rPr>
+              <a:t>te</a:t>
+            </a:r>
+            <a:r>
+              <a:rPr b="0" lang="en-US" sz="4400" spc="-1" strike="noStrike">
+                <a:latin typeface="Arial"/>
+              </a:rPr>
+              <a:t>xt </a:t>
+            </a:r>
+            <a:r>
+              <a:rPr b="0" lang="en-US" sz="4400" spc="-1" strike="noStrike">
+                <a:latin typeface="Arial"/>
+              </a:rPr>
+              <a:t>fo</a:t>
+            </a:r>
+            <a:r>
+              <a:rPr b="0" lang="en-US" sz="4400" spc="-1" strike="noStrike">
+                <a:latin typeface="Arial"/>
+              </a:rPr>
+              <a:t>r</a:t>
+            </a:r>
+            <a:r>
+              <a:rPr b="0" lang="en-US" sz="4400" spc="-1" strike="noStrike">
+                <a:latin typeface="Arial"/>
+              </a:rPr>
+              <a:t>m</a:t>
+            </a:r>
+            <a:r>
+              <a:rPr b="0" lang="en-US" sz="4400" spc="-1" strike="noStrike">
+                <a:latin typeface="Arial"/>
+              </a:rPr>
+              <a:t>at</a:t>
+            </a:r>
+            <a:endParaRPr b="0" lang="en-US" sz="4400" spc="-1" strike="noStrike">
+              <a:latin typeface="Arial"/>
+            </a:endParaRPr>
+          </a:p>
+        </p:txBody>
+      </p:sp>
+      <p:sp>
+        <p:nvSpPr>
+          <p:cNvPr id="161" name="PlaceHolder 2"/>
+          <p:cNvSpPr>
+            <a:spLocks noGrp="1"/>
+          </p:cNvSpPr>
+          <p:nvPr>
+            <p:ph type="body"/>
+          </p:nvPr>
+        </p:nvSpPr>
+        <p:spPr>
+          <a:xfrm>
+            <a:off x="457200" y="1203480"/>
+            <a:ext cx="8229240" cy="2982960"/>
+          </a:xfrm>
+          <a:prstGeom prst="rect">
+            <a:avLst/>
+          </a:prstGeom>
+          <a:noFill/>
+          <a:ln w="0">
+            <a:noFill/>
+          </a:ln>
+        </p:spPr>
+        <p:txBody>
+          <a:bodyPr lIns="0" rIns="0" tIns="0" bIns="0" anchor="t">
+            <a:normAutofit/>
+          </a:bodyPr>
+          <a:p>
+            <a:pPr marL="432000" indent="-324000">
+              <a:spcBef>
+                <a:spcPts val="1417"/>
+              </a:spcBef>
+              <a:buClr>
+                <a:srgbClr val="000000"/>
+              </a:buClr>
+              <a:buSzPct val="45000"/>
+              <a:buFont typeface="Wingdings" charset="2"/>
+              <a:buChar char=""/>
+            </a:pPr>
+            <a:r>
+              <a:rPr b="0" lang="en-US" sz="3200" spc="-1" strike="noStrike">
+                <a:latin typeface="Arial"/>
+              </a:rPr>
+              <a:t>Click to edit the outline text format</a:t>
+            </a:r>
+            <a:endParaRPr b="0" lang="en-US" sz="3200" spc="-1" strike="noStrike">
+              <a:latin typeface="Arial"/>
+            </a:endParaRPr>
+          </a:p>
+          <a:p>
+            <a:pPr lvl="1" marL="864000" indent="-324000">
+              <a:spcBef>
+                <a:spcPts val="1134"/>
+              </a:spcBef>
+              <a:buClr>
+                <a:srgbClr val="000000"/>
+              </a:buClr>
+              <a:buSzPct val="75000"/>
+              <a:buFont typeface="Symbol" charset="2"/>
+              <a:buChar char=""/>
+            </a:pPr>
+            <a:r>
+              <a:rPr b="0" lang="en-US" sz="2800" spc="-1" strike="noStrike">
+                <a:latin typeface="Arial"/>
+              </a:rPr>
+              <a:t>Second Outline Level</a:t>
+            </a:r>
+            <a:endParaRPr b="0" lang="en-US" sz="2800" spc="-1" strike="noStrike">
+              <a:latin typeface="Arial"/>
+            </a:endParaRPr>
+          </a:p>
+          <a:p>
+            <a:pPr lvl="2" marL="1296000" indent="-288000">
+              <a:spcBef>
+                <a:spcPts val="850"/>
+              </a:spcBef>
+              <a:buClr>
+                <a:srgbClr val="000000"/>
+              </a:buClr>
+              <a:buSzPct val="45000"/>
+              <a:buFont typeface="Wingdings" charset="2"/>
+              <a:buChar char=""/>
+            </a:pPr>
+            <a:r>
+              <a:rPr b="0" lang="en-US" sz="2400" spc="-1" strike="noStrike">
+                <a:latin typeface="Arial"/>
+              </a:rPr>
+              <a:t>Third Outline Level</a:t>
+            </a:r>
+            <a:endParaRPr b="0" lang="en-US" sz="2400" spc="-1" strike="noStrike">
+              <a:latin typeface="Arial"/>
+            </a:endParaRPr>
+          </a:p>
+          <a:p>
+            <a:pPr lvl="3" marL="1728000" indent="-216000">
+              <a:spcBef>
+                <a:spcPts val="567"/>
+              </a:spcBef>
+              <a:buClr>
+                <a:srgbClr val="000000"/>
+              </a:buClr>
+              <a:buSzPct val="75000"/>
+              <a:buFont typeface="Symbol" charset="2"/>
+              <a:buChar char=""/>
+            </a:pPr>
+            <a:r>
+              <a:rPr b="0" lang="en-US" sz="2000" spc="-1" strike="noStrike">
+                <a:latin typeface="Arial"/>
+              </a:rPr>
+              <a:t>Fourth Outline Level</a:t>
+            </a:r>
+            <a:endParaRPr b="0" lang="en-US" sz="2000" spc="-1" strike="noStrike">
+              <a:latin typeface="Arial"/>
+            </a:endParaRPr>
+          </a:p>
+          <a:p>
+            <a:pPr lvl="4" marL="2160000" indent="-216000">
+              <a:spcBef>
+                <a:spcPts val="283"/>
+              </a:spcBef>
+              <a:buClr>
+                <a:srgbClr val="000000"/>
+              </a:buClr>
+              <a:buSzPct val="45000"/>
+              <a:buFont typeface="Wingdings" charset="2"/>
+              <a:buChar char=""/>
+            </a:pPr>
+            <a:r>
+              <a:rPr b="0" lang="en-US" sz="2000" spc="-1" strike="noStrike">
+                <a:latin typeface="Arial"/>
+              </a:rPr>
+              <a:t>Fifth Outline Level</a:t>
+            </a:r>
+            <a:endParaRPr b="0" lang="en-US" sz="2000" spc="-1" strike="noStrike">
+              <a:latin typeface="Arial"/>
+            </a:endParaRPr>
+          </a:p>
+          <a:p>
+            <a:pPr lvl="5" marL="2592000" indent="-216000">
+              <a:spcBef>
+                <a:spcPts val="283"/>
+              </a:spcBef>
+              <a:buClr>
+                <a:srgbClr val="000000"/>
+              </a:buClr>
+              <a:buSzPct val="45000"/>
+              <a:buFont typeface="Wingdings" charset="2"/>
+              <a:buChar char=""/>
+            </a:pPr>
+            <a:r>
+              <a:rPr b="0" lang="en-US" sz="2000" spc="-1" strike="noStrike">
+                <a:latin typeface="Arial"/>
+              </a:rPr>
+              <a:t>Sixth Outline Level</a:t>
+            </a:r>
+            <a:endParaRPr b="0" lang="en-US" sz="2000" spc="-1" strike="noStrike">
+              <a:latin typeface="Arial"/>
+            </a:endParaRPr>
+          </a:p>
+          <a:p>
+            <a:pPr lvl="6" marL="3024000" indent="-216000">
+              <a:spcBef>
+                <a:spcPts val="283"/>
+              </a:spcBef>
+              <a:buClr>
+                <a:srgbClr val="000000"/>
+              </a:buClr>
+              <a:buSzPct val="45000"/>
+              <a:buFont typeface="Wingdings" charset="2"/>
+              <a:buChar char=""/>
+            </a:pPr>
+            <a:r>
+              <a:rPr b="0" lang="en-US" sz="2000" spc="-1" strike="noStrike">
+                <a:latin typeface="Arial"/>
+              </a:rPr>
+              <a:t>Seventh Outline Level</a:t>
+            </a:r>
+            <a:endParaRPr b="0" lang="en-US" sz="2000" spc="-1" strike="noStrike">
+              <a:latin typeface="Arial"/>
+            </a:endParaRPr>
+          </a:p>
+        </p:txBody>
+      </p:sp>
+    </p:spTree>
+  </p:cSld>
+  <p:clrMap bg1="lt1" bg2="lt2" tx1="dk1" tx2="dk2" accent1="accent1" accent2="accent2" accent3="accent3" accent4="accent4" accent5="accent5" accent6="accent6" hlink="hlink" folHlink="folHlink"/>
+  <p:sldLayoutIdLst>
+    <p:sldLayoutId id="2147483701" r:id="rId2"/>
+    <p:sldLayoutId id="2147483702" r:id="rId3"/>
+    <p:sldLayoutId id="2147483703" r:id="rId4"/>
+    <p:sldLayoutId id="2147483704" r:id="rId5"/>
+    <p:sldLayoutId id="2147483705" r:id="rId6"/>
+    <p:sldLayoutId id="2147483706" r:id="rId7"/>
+    <p:sldLayoutId id="2147483707" r:id="rId8"/>
+    <p:sldLayoutId id="2147483708" r:id="rId9"/>
+    <p:sldLayoutId id="2147483709" r:id="rId10"/>
+    <p:sldLayoutId id="2147483710" r:id="rId11"/>
+    <p:sldLayoutId id="2147483711" r:id="rId12"/>
+    <p:sldLayoutId id="2147483712" r:id="rId13"/>
   </p:sldLayoutIdLst>
 </p:sldMaster>
 </file>
@@ -7534,14 +9734,14 @@
       </p:grpSpPr>
       <p:sp>
         <p:nvSpPr>
-          <p:cNvPr id="160" name="TextShape 7"/>
+          <p:cNvPr id="198" name="TextShape 7"/>
           <p:cNvSpPr/>
           <p:nvPr/>
         </p:nvSpPr>
         <p:spPr>
           <a:xfrm>
             <a:off x="314280" y="1184400"/>
-            <a:ext cx="8510400" cy="3360600"/>
+            <a:ext cx="8510040" cy="3360240"/>
           </a:xfrm>
           <a:prstGeom prst="rect">
             <a:avLst/>
@@ -7641,14 +9841,14 @@
       </p:sp>
       <p:sp>
         <p:nvSpPr>
-          <p:cNvPr id="161" name="TextShape 8"/>
+          <p:cNvPr id="199" name="TextShape 8"/>
           <p:cNvSpPr/>
           <p:nvPr/>
         </p:nvSpPr>
         <p:spPr>
           <a:xfrm>
             <a:off x="314280" y="267480"/>
-            <a:ext cx="8510400" cy="738720"/>
+            <a:ext cx="8510040" cy="738360"/>
           </a:xfrm>
           <a:prstGeom prst="rect">
             <a:avLst/>
@@ -7788,14 +9988,14 @@
       </p:sp>
       <p:sp>
         <p:nvSpPr>
-          <p:cNvPr id="162" name=""/>
+          <p:cNvPr id="200" name=""/>
           <p:cNvSpPr/>
           <p:nvPr/>
         </p:nvSpPr>
         <p:spPr>
           <a:xfrm>
             <a:off x="685800" y="2286000"/>
-            <a:ext cx="685440" cy="456840"/>
+            <a:ext cx="685080" cy="456480"/>
           </a:xfrm>
           <a:prstGeom prst="rect">
             <a:avLst/>
@@ -7844,14 +10044,14 @@
       </p:sp>
       <p:sp>
         <p:nvSpPr>
-          <p:cNvPr id="163" name=""/>
+          <p:cNvPr id="201" name=""/>
           <p:cNvSpPr/>
           <p:nvPr/>
         </p:nvSpPr>
         <p:spPr>
           <a:xfrm>
             <a:off x="2057400" y="2286360"/>
-            <a:ext cx="685440" cy="456840"/>
+            <a:ext cx="685080" cy="456480"/>
           </a:xfrm>
           <a:prstGeom prst="rect">
             <a:avLst/>
@@ -7900,14 +10100,14 @@
       </p:sp>
       <p:sp>
         <p:nvSpPr>
-          <p:cNvPr id="164" name=""/>
+          <p:cNvPr id="202" name=""/>
           <p:cNvSpPr/>
           <p:nvPr/>
         </p:nvSpPr>
         <p:spPr>
           <a:xfrm>
             <a:off x="3428640" y="2286000"/>
-            <a:ext cx="685440" cy="456840"/>
+            <a:ext cx="685080" cy="456480"/>
           </a:xfrm>
           <a:prstGeom prst="rect">
             <a:avLst/>
@@ -7956,14 +10156,14 @@
       </p:sp>
       <p:sp>
         <p:nvSpPr>
-          <p:cNvPr id="165" name=""/>
+          <p:cNvPr id="203" name=""/>
           <p:cNvSpPr/>
           <p:nvPr/>
         </p:nvSpPr>
         <p:spPr>
           <a:xfrm>
             <a:off x="1371960" y="2286360"/>
-            <a:ext cx="685440" cy="456840"/>
+            <a:ext cx="685080" cy="456480"/>
           </a:xfrm>
           <a:prstGeom prst="rect">
             <a:avLst/>
@@ -8012,14 +10212,14 @@
       </p:sp>
       <p:sp>
         <p:nvSpPr>
-          <p:cNvPr id="166" name=""/>
+          <p:cNvPr id="204" name=""/>
           <p:cNvSpPr/>
           <p:nvPr/>
         </p:nvSpPr>
         <p:spPr>
           <a:xfrm>
             <a:off x="2743560" y="2286000"/>
-            <a:ext cx="685440" cy="456840"/>
+            <a:ext cx="685080" cy="456480"/>
           </a:xfrm>
           <a:prstGeom prst="rect">
             <a:avLst/>
@@ -8068,14 +10268,14 @@
       </p:sp>
       <p:sp>
         <p:nvSpPr>
-          <p:cNvPr id="167" name=""/>
+          <p:cNvPr id="205" name=""/>
           <p:cNvSpPr/>
           <p:nvPr/>
         </p:nvSpPr>
         <p:spPr>
           <a:xfrm>
             <a:off x="4115160" y="2286000"/>
-            <a:ext cx="685440" cy="456840"/>
+            <a:ext cx="685080" cy="456480"/>
           </a:xfrm>
           <a:prstGeom prst="rect">
             <a:avLst/>
@@ -8124,14 +10324,14 @@
       </p:sp>
       <p:sp>
         <p:nvSpPr>
-          <p:cNvPr id="168" name=""/>
+          <p:cNvPr id="206" name=""/>
           <p:cNvSpPr/>
           <p:nvPr/>
         </p:nvSpPr>
         <p:spPr>
           <a:xfrm>
             <a:off x="857160" y="2743200"/>
-            <a:ext cx="514800" cy="344880"/>
+            <a:ext cx="514440" cy="344520"/>
           </a:xfrm>
           <a:prstGeom prst="rect">
             <a:avLst/>
@@ -8176,28 +10376,40 @@
       </p:sp>
       <p:sp>
         <p:nvSpPr>
-          <p:cNvPr id="169" name=""/>
-          <p:cNvSpPr txBox="1"/>
+          <p:cNvPr id="207" name=""/>
+          <p:cNvSpPr/>
           <p:nvPr/>
         </p:nvSpPr>
         <p:spPr>
           <a:xfrm>
             <a:off x="1544760" y="2779200"/>
-            <a:ext cx="250920" cy="217440"/>
-          </a:xfrm>
-          <a:prstGeom prst="rect">
-            <a:avLst/>
-          </a:prstGeom>
-          <a:noFill/>
-          <a:ln w="0">
-            <a:noFill/>
-          </a:ln>
-        </p:spPr>
+            <a:ext cx="250560" cy="217080"/>
+          </a:xfrm>
+          <a:prstGeom prst="rect">
+            <a:avLst/>
+          </a:prstGeom>
+          <a:noFill/>
+          <a:ln w="0">
+            <a:noFill/>
+          </a:ln>
+        </p:spPr>
+        <p:style>
+          <a:lnRef idx="0"/>
+          <a:fillRef idx="0"/>
+          <a:effectRef idx="0"/>
+          <a:fontRef idx="minor"/>
+        </p:style>
         <p:txBody>
           <a:bodyPr lIns="90000" rIns="90000" tIns="45000" bIns="45000" anchor="t">
             <a:noAutofit/>
           </a:bodyPr>
           <a:p>
+            <a:pPr>
+              <a:lnSpc>
+                <a:spcPct val="100000"/>
+              </a:lnSpc>
+              <a:buNone/>
+            </a:pPr>
             <a:r>
               <a:rPr b="0" lang="en-US" sz="1000" spc="-18" strike="noStrike">
                 <a:solidFill>
@@ -8216,14 +10428,14 @@
       </p:sp>
       <p:sp>
         <p:nvSpPr>
-          <p:cNvPr id="170" name=""/>
+          <p:cNvPr id="208" name=""/>
           <p:cNvSpPr/>
           <p:nvPr/>
         </p:nvSpPr>
         <p:spPr>
           <a:xfrm>
             <a:off x="2261520" y="2743200"/>
-            <a:ext cx="514800" cy="344880"/>
+            <a:ext cx="514440" cy="344520"/>
           </a:xfrm>
           <a:prstGeom prst="rect">
             <a:avLst/>
@@ -8268,28 +10480,40 @@
       </p:sp>
       <p:sp>
         <p:nvSpPr>
-          <p:cNvPr id="171" name=""/>
-          <p:cNvSpPr txBox="1"/>
+          <p:cNvPr id="209" name=""/>
+          <p:cNvSpPr/>
           <p:nvPr/>
         </p:nvSpPr>
         <p:spPr>
           <a:xfrm>
             <a:off x="2949120" y="2779200"/>
-            <a:ext cx="250920" cy="217440"/>
-          </a:xfrm>
-          <a:prstGeom prst="rect">
-            <a:avLst/>
-          </a:prstGeom>
-          <a:noFill/>
-          <a:ln w="0">
-            <a:noFill/>
-          </a:ln>
-        </p:spPr>
+            <a:ext cx="250560" cy="217080"/>
+          </a:xfrm>
+          <a:prstGeom prst="rect">
+            <a:avLst/>
+          </a:prstGeom>
+          <a:noFill/>
+          <a:ln w="0">
+            <a:noFill/>
+          </a:ln>
+        </p:spPr>
+        <p:style>
+          <a:lnRef idx="0"/>
+          <a:fillRef idx="0"/>
+          <a:effectRef idx="0"/>
+          <a:fontRef idx="minor"/>
+        </p:style>
         <p:txBody>
           <a:bodyPr lIns="90000" rIns="90000" tIns="45000" bIns="45000" anchor="t">
             <a:noAutofit/>
           </a:bodyPr>
           <a:p>
+            <a:pPr>
+              <a:lnSpc>
+                <a:spcPct val="100000"/>
+              </a:lnSpc>
+              <a:buNone/>
+            </a:pPr>
             <a:r>
               <a:rPr b="0" lang="en-US" sz="1000" spc="-18" strike="noStrike">
                 <a:solidFill>
@@ -8308,14 +10532,14 @@
       </p:sp>
       <p:sp>
         <p:nvSpPr>
-          <p:cNvPr id="172" name=""/>
+          <p:cNvPr id="210" name=""/>
           <p:cNvSpPr/>
           <p:nvPr/>
         </p:nvSpPr>
         <p:spPr>
           <a:xfrm>
             <a:off x="3657600" y="2742840"/>
-            <a:ext cx="514800" cy="344880"/>
+            <a:ext cx="514440" cy="344520"/>
           </a:xfrm>
           <a:prstGeom prst="rect">
             <a:avLst/>
@@ -8360,28 +10584,40 @@
       </p:sp>
       <p:sp>
         <p:nvSpPr>
-          <p:cNvPr id="173" name=""/>
-          <p:cNvSpPr txBox="1"/>
+          <p:cNvPr id="211" name=""/>
+          <p:cNvSpPr/>
           <p:nvPr/>
         </p:nvSpPr>
         <p:spPr>
           <a:xfrm>
             <a:off x="4345200" y="2778840"/>
-            <a:ext cx="250920" cy="217440"/>
-          </a:xfrm>
-          <a:prstGeom prst="rect">
-            <a:avLst/>
-          </a:prstGeom>
-          <a:noFill/>
-          <a:ln w="0">
-            <a:noFill/>
-          </a:ln>
-        </p:spPr>
+            <a:ext cx="250560" cy="217080"/>
+          </a:xfrm>
+          <a:prstGeom prst="rect">
+            <a:avLst/>
+          </a:prstGeom>
+          <a:noFill/>
+          <a:ln w="0">
+            <a:noFill/>
+          </a:ln>
+        </p:spPr>
+        <p:style>
+          <a:lnRef idx="0"/>
+          <a:fillRef idx="0"/>
+          <a:effectRef idx="0"/>
+          <a:fontRef idx="minor"/>
+        </p:style>
         <p:txBody>
           <a:bodyPr lIns="90000" rIns="90000" tIns="45000" bIns="45000" anchor="t">
             <a:noAutofit/>
           </a:bodyPr>
           <a:p>
+            <a:pPr>
+              <a:lnSpc>
+                <a:spcPct val="100000"/>
+              </a:lnSpc>
+              <a:buNone/>
+            </a:pPr>
             <a:r>
               <a:rPr b="0" lang="en-US" sz="1000" spc="-18" strike="noStrike">
                 <a:solidFill>
@@ -8425,14 +10661,14 @@
       </p:grpSpPr>
       <p:sp>
         <p:nvSpPr>
-          <p:cNvPr id="174" name="TextShape 1"/>
+          <p:cNvPr id="212" name="TextShape 1"/>
           <p:cNvSpPr/>
           <p:nvPr/>
         </p:nvSpPr>
         <p:spPr>
           <a:xfrm>
             <a:off x="314280" y="1184400"/>
-            <a:ext cx="8510400" cy="3360600"/>
+            <a:ext cx="8510040" cy="3360240"/>
           </a:xfrm>
           <a:prstGeom prst="rect">
             <a:avLst/>
@@ -8532,14 +10768,14 @@
       </p:sp>
       <p:sp>
         <p:nvSpPr>
-          <p:cNvPr id="175" name="TextShape 2"/>
+          <p:cNvPr id="213" name="TextShape 2"/>
           <p:cNvSpPr/>
           <p:nvPr/>
         </p:nvSpPr>
         <p:spPr>
           <a:xfrm>
             <a:off x="314280" y="267480"/>
-            <a:ext cx="8510400" cy="738720"/>
+            <a:ext cx="8510040" cy="738360"/>
           </a:xfrm>
           <a:prstGeom prst="rect">
             <a:avLst/>
@@ -8606,7 +10842,7 @@
       </p:sp>
       <p:pic>
         <p:nvPicPr>
-          <p:cNvPr id="176" name="" descr=""/>
+          <p:cNvPr id="214" name="" descr=""/>
           <p:cNvPicPr/>
           <p:nvPr/>
         </p:nvPicPr>
@@ -8617,7 +10853,7 @@
         <p:spPr>
           <a:xfrm>
             <a:off x="457200" y="1579320"/>
-            <a:ext cx="3657240" cy="1544040"/>
+            <a:ext cx="3656880" cy="1543680"/>
           </a:xfrm>
           <a:prstGeom prst="rect">
             <a:avLst/>
@@ -8629,14 +10865,14 @@
       </p:pic>
       <p:sp>
         <p:nvSpPr>
-          <p:cNvPr id="177" name=""/>
+          <p:cNvPr id="215" name=""/>
           <p:cNvSpPr/>
           <p:nvPr/>
         </p:nvSpPr>
         <p:spPr>
           <a:xfrm>
             <a:off x="4114800" y="457200"/>
-            <a:ext cx="685440" cy="456840"/>
+            <a:ext cx="685080" cy="456480"/>
           </a:xfrm>
           <a:prstGeom prst="rect">
             <a:avLst/>
@@ -8685,14 +10921,14 @@
       </p:sp>
       <p:sp>
         <p:nvSpPr>
-          <p:cNvPr id="178" name=""/>
+          <p:cNvPr id="216" name=""/>
           <p:cNvSpPr/>
           <p:nvPr/>
         </p:nvSpPr>
         <p:spPr>
           <a:xfrm>
             <a:off x="4800600" y="457200"/>
-            <a:ext cx="685440" cy="456840"/>
+            <a:ext cx="685080" cy="456480"/>
           </a:xfrm>
           <a:prstGeom prst="rect">
             <a:avLst/>
@@ -8715,14 +10951,14 @@
       </p:sp>
       <p:sp>
         <p:nvSpPr>
-          <p:cNvPr id="179" name=""/>
+          <p:cNvPr id="217" name=""/>
           <p:cNvSpPr/>
           <p:nvPr/>
         </p:nvSpPr>
         <p:spPr>
           <a:xfrm>
             <a:off x="5715000" y="914400"/>
-            <a:ext cx="685440" cy="456840"/>
+            <a:ext cx="685080" cy="456480"/>
           </a:xfrm>
           <a:prstGeom prst="rect">
             <a:avLst/>
@@ -8771,14 +11007,14 @@
       </p:sp>
       <p:sp>
         <p:nvSpPr>
-          <p:cNvPr id="180" name=""/>
+          <p:cNvPr id="218" name=""/>
           <p:cNvSpPr/>
           <p:nvPr/>
         </p:nvSpPr>
         <p:spPr>
           <a:xfrm>
             <a:off x="6400800" y="914400"/>
-            <a:ext cx="685440" cy="456840"/>
+            <a:ext cx="685080" cy="456480"/>
           </a:xfrm>
           <a:prstGeom prst="rect">
             <a:avLst/>
@@ -8801,14 +11037,14 @@
       </p:sp>
       <p:sp>
         <p:nvSpPr>
-          <p:cNvPr id="181" name=""/>
+          <p:cNvPr id="219" name=""/>
           <p:cNvSpPr/>
           <p:nvPr/>
         </p:nvSpPr>
         <p:spPr>
           <a:xfrm>
             <a:off x="7543800" y="685800"/>
-            <a:ext cx="685440" cy="456840"/>
+            <a:ext cx="685080" cy="456480"/>
           </a:xfrm>
           <a:prstGeom prst="rect">
             <a:avLst/>
@@ -8857,14 +11093,14 @@
       </p:sp>
       <p:sp>
         <p:nvSpPr>
-          <p:cNvPr id="182" name=""/>
+          <p:cNvPr id="220" name=""/>
           <p:cNvSpPr/>
           <p:nvPr/>
         </p:nvSpPr>
         <p:spPr>
           <a:xfrm>
             <a:off x="8229600" y="685800"/>
-            <a:ext cx="685440" cy="456840"/>
+            <a:ext cx="685080" cy="456480"/>
           </a:xfrm>
           <a:prstGeom prst="rect">
             <a:avLst/>
@@ -8913,7 +11149,7 @@
       </p:sp>
       <p:sp>
         <p:nvSpPr>
-          <p:cNvPr id="183" name=""/>
+          <p:cNvPr id="221" name=""/>
           <p:cNvSpPr/>
           <p:nvPr/>
         </p:nvSpPr>
@@ -8942,7 +11178,7 @@
       </p:sp>
       <p:sp>
         <p:nvSpPr>
-          <p:cNvPr id="184" name=""/>
+          <p:cNvPr id="222" name=""/>
           <p:cNvSpPr/>
           <p:nvPr/>
         </p:nvSpPr>
@@ -8996,14 +11232,14 @@
       </p:grpSpPr>
       <p:sp>
         <p:nvSpPr>
-          <p:cNvPr id="185" name="TextShape 4"/>
+          <p:cNvPr id="223" name="TextShape 4"/>
           <p:cNvSpPr/>
           <p:nvPr/>
         </p:nvSpPr>
         <p:spPr>
           <a:xfrm>
             <a:off x="314280" y="1184400"/>
-            <a:ext cx="8510400" cy="3360600"/>
+            <a:ext cx="8510040" cy="3360240"/>
           </a:xfrm>
           <a:prstGeom prst="rect">
             <a:avLst/>
@@ -9103,14 +11339,14 @@
       </p:sp>
       <p:sp>
         <p:nvSpPr>
-          <p:cNvPr id="186" name="TextShape 5"/>
+          <p:cNvPr id="224" name="TextShape 5"/>
           <p:cNvSpPr/>
           <p:nvPr/>
         </p:nvSpPr>
         <p:spPr>
           <a:xfrm>
             <a:off x="314280" y="267480"/>
-            <a:ext cx="8510400" cy="417960"/>
+            <a:ext cx="8510040" cy="417600"/>
           </a:xfrm>
           <a:prstGeom prst="rect">
             <a:avLst/>
@@ -9177,14 +11413,14 @@
       </p:sp>
       <p:sp>
         <p:nvSpPr>
-          <p:cNvPr id="187" name=""/>
+          <p:cNvPr id="225" name=""/>
           <p:cNvSpPr/>
           <p:nvPr/>
         </p:nvSpPr>
         <p:spPr>
           <a:xfrm>
             <a:off x="6629400" y="1600200"/>
-            <a:ext cx="685440" cy="456840"/>
+            <a:ext cx="685080" cy="456480"/>
           </a:xfrm>
           <a:prstGeom prst="rect">
             <a:avLst/>
@@ -9233,14 +11469,14 @@
       </p:sp>
       <p:sp>
         <p:nvSpPr>
-          <p:cNvPr id="188" name=""/>
+          <p:cNvPr id="226" name=""/>
           <p:cNvSpPr/>
           <p:nvPr/>
         </p:nvSpPr>
         <p:spPr>
           <a:xfrm>
             <a:off x="7315200" y="1600200"/>
-            <a:ext cx="685440" cy="456840"/>
+            <a:ext cx="685080" cy="456480"/>
           </a:xfrm>
           <a:prstGeom prst="rect">
             <a:avLst/>
@@ -9263,14 +11499,14 @@
       </p:sp>
       <p:sp>
         <p:nvSpPr>
-          <p:cNvPr id="189" name=""/>
+          <p:cNvPr id="227" name=""/>
           <p:cNvSpPr/>
           <p:nvPr/>
         </p:nvSpPr>
         <p:spPr>
           <a:xfrm>
             <a:off x="8001000" y="1600200"/>
-            <a:ext cx="685440" cy="456840"/>
+            <a:ext cx="685080" cy="456480"/>
           </a:xfrm>
           <a:prstGeom prst="rect">
             <a:avLst/>
@@ -9319,14 +11555,14 @@
       </p:sp>
       <p:sp>
         <p:nvSpPr>
-          <p:cNvPr id="190" name=""/>
+          <p:cNvPr id="228" name=""/>
           <p:cNvSpPr/>
           <p:nvPr/>
         </p:nvSpPr>
         <p:spPr>
           <a:xfrm>
             <a:off x="5630400" y="3042000"/>
-            <a:ext cx="685440" cy="456840"/>
+            <a:ext cx="685080" cy="456480"/>
           </a:xfrm>
           <a:prstGeom prst="rect">
             <a:avLst/>
@@ -9375,14 +11611,14 @@
       </p:sp>
       <p:sp>
         <p:nvSpPr>
-          <p:cNvPr id="191" name=""/>
+          <p:cNvPr id="229" name=""/>
           <p:cNvSpPr/>
           <p:nvPr/>
         </p:nvSpPr>
         <p:spPr>
           <a:xfrm>
             <a:off x="6316200" y="3042000"/>
-            <a:ext cx="685440" cy="456840"/>
+            <a:ext cx="685080" cy="456480"/>
           </a:xfrm>
           <a:prstGeom prst="rect">
             <a:avLst/>
@@ -9405,14 +11641,14 @@
       </p:sp>
       <p:sp>
         <p:nvSpPr>
-          <p:cNvPr id="192" name=""/>
+          <p:cNvPr id="230" name=""/>
           <p:cNvSpPr/>
           <p:nvPr/>
         </p:nvSpPr>
         <p:spPr>
           <a:xfrm>
             <a:off x="7002000" y="3042000"/>
-            <a:ext cx="685440" cy="456840"/>
+            <a:ext cx="685080" cy="456480"/>
           </a:xfrm>
           <a:prstGeom prst="rect">
             <a:avLst/>
@@ -9435,14 +11671,14 @@
       </p:sp>
       <p:sp>
         <p:nvSpPr>
-          <p:cNvPr id="193" name=""/>
+          <p:cNvPr id="231" name=""/>
           <p:cNvSpPr/>
           <p:nvPr/>
         </p:nvSpPr>
         <p:spPr>
           <a:xfrm>
             <a:off x="7002000" y="4413600"/>
-            <a:ext cx="685440" cy="456840"/>
+            <a:ext cx="685080" cy="456480"/>
           </a:xfrm>
           <a:prstGeom prst="rect">
             <a:avLst/>
@@ -9491,14 +11727,14 @@
       </p:sp>
       <p:sp>
         <p:nvSpPr>
-          <p:cNvPr id="194" name=""/>
+          <p:cNvPr id="232" name=""/>
           <p:cNvSpPr/>
           <p:nvPr/>
         </p:nvSpPr>
         <p:spPr>
           <a:xfrm>
             <a:off x="7687800" y="4413600"/>
-            <a:ext cx="685440" cy="456840"/>
+            <a:ext cx="685080" cy="456480"/>
           </a:xfrm>
           <a:prstGeom prst="rect">
             <a:avLst/>
@@ -9547,14 +11783,14 @@
       </p:sp>
       <p:sp>
         <p:nvSpPr>
-          <p:cNvPr id="195" name=""/>
+          <p:cNvPr id="233" name=""/>
           <p:cNvSpPr/>
           <p:nvPr/>
         </p:nvSpPr>
         <p:spPr>
           <a:xfrm>
             <a:off x="8373600" y="4413600"/>
-            <a:ext cx="685440" cy="456840"/>
+            <a:ext cx="685080" cy="456480"/>
           </a:xfrm>
           <a:prstGeom prst="rect">
             <a:avLst/>
@@ -9577,7 +11813,7 @@
       </p:sp>
       <p:sp>
         <p:nvSpPr>
-          <p:cNvPr id="196" name=""/>
+          <p:cNvPr id="234" name=""/>
           <p:cNvSpPr/>
           <p:nvPr/>
         </p:nvSpPr>
@@ -9606,7 +11842,7 @@
       </p:sp>
       <p:sp>
         <p:nvSpPr>
-          <p:cNvPr id="197" name=""/>
+          <p:cNvPr id="235" name=""/>
           <p:cNvSpPr/>
           <p:nvPr/>
         </p:nvSpPr>
@@ -9635,7 +11871,7 @@
       </p:sp>
       <p:sp>
         <p:nvSpPr>
-          <p:cNvPr id="198" name=""/>
+          <p:cNvPr id="236" name=""/>
           <p:cNvSpPr/>
           <p:nvPr/>
         </p:nvSpPr>
@@ -9664,7 +11900,7 @@
       </p:sp>
       <p:sp>
         <p:nvSpPr>
-          <p:cNvPr id="199" name=""/>
+          <p:cNvPr id="237" name=""/>
           <p:cNvSpPr/>
           <p:nvPr/>
         </p:nvSpPr>
@@ -9693,14 +11929,14 @@
       </p:sp>
       <p:sp>
         <p:nvSpPr>
-          <p:cNvPr id="200" name=""/>
+          <p:cNvPr id="238" name=""/>
           <p:cNvSpPr/>
           <p:nvPr/>
         </p:nvSpPr>
         <p:spPr>
           <a:xfrm>
             <a:off x="4114800" y="2514600"/>
-            <a:ext cx="685440" cy="456840"/>
+            <a:ext cx="685080" cy="456480"/>
           </a:xfrm>
           <a:prstGeom prst="rect">
             <a:avLst/>
@@ -9723,14 +11959,14 @@
       </p:sp>
       <p:sp>
         <p:nvSpPr>
-          <p:cNvPr id="201" name=""/>
+          <p:cNvPr id="239" name=""/>
           <p:cNvSpPr/>
           <p:nvPr/>
         </p:nvSpPr>
         <p:spPr>
           <a:xfrm>
             <a:off x="4114800" y="2971800"/>
-            <a:ext cx="685440" cy="456840"/>
+            <a:ext cx="685080" cy="456480"/>
           </a:xfrm>
           <a:prstGeom prst="rect">
             <a:avLst/>
@@ -9753,7 +11989,7 @@
       </p:sp>
       <p:sp>
         <p:nvSpPr>
-          <p:cNvPr id="202" name=""/>
+          <p:cNvPr id="240" name=""/>
           <p:cNvSpPr/>
           <p:nvPr/>
         </p:nvSpPr>
@@ -9782,7 +12018,7 @@
       </p:sp>
       <p:sp>
         <p:nvSpPr>
-          <p:cNvPr id="203" name=""/>
+          <p:cNvPr id="241" name=""/>
           <p:cNvSpPr/>
           <p:nvPr/>
         </p:nvSpPr>
@@ -9811,7 +12047,7 @@
       </p:sp>
       <p:pic>
         <p:nvPicPr>
-          <p:cNvPr id="204" name="" descr=""/>
+          <p:cNvPr id="242" name="" descr=""/>
           <p:cNvPicPr/>
           <p:nvPr/>
         </p:nvPicPr>
@@ -9822,7 +12058,7 @@
         <p:spPr>
           <a:xfrm>
             <a:off x="314280" y="685800"/>
-            <a:ext cx="3255480" cy="3885840"/>
+            <a:ext cx="3255120" cy="3885480"/>
           </a:xfrm>
           <a:prstGeom prst="rect">
             <a:avLst/>
@@ -9834,14 +12070,14 @@
       </p:pic>
       <p:sp>
         <p:nvSpPr>
-          <p:cNvPr id="205" name=""/>
+          <p:cNvPr id="243" name=""/>
           <p:cNvSpPr/>
           <p:nvPr/>
         </p:nvSpPr>
         <p:spPr>
           <a:xfrm>
             <a:off x="4114800" y="2514600"/>
-            <a:ext cx="514800" cy="344880"/>
+            <a:ext cx="514440" cy="344520"/>
           </a:xfrm>
           <a:prstGeom prst="rect">
             <a:avLst/>
@@ -9886,14 +12122,14 @@
       </p:sp>
       <p:sp>
         <p:nvSpPr>
-          <p:cNvPr id="206" name=""/>
+          <p:cNvPr id="244" name=""/>
           <p:cNvSpPr/>
           <p:nvPr/>
         </p:nvSpPr>
         <p:spPr>
           <a:xfrm>
             <a:off x="4114800" y="2971800"/>
-            <a:ext cx="514800" cy="344880"/>
+            <a:ext cx="514440" cy="344520"/>
           </a:xfrm>
           <a:prstGeom prst="rect">
             <a:avLst/>
@@ -9938,14 +12174,14 @@
       </p:sp>
       <p:sp>
         <p:nvSpPr>
-          <p:cNvPr id="207" name=""/>
+          <p:cNvPr id="245" name=""/>
           <p:cNvSpPr/>
           <p:nvPr/>
         </p:nvSpPr>
         <p:spPr>
           <a:xfrm>
             <a:off x="6717240" y="2057400"/>
-            <a:ext cx="514800" cy="344880"/>
+            <a:ext cx="514440" cy="344520"/>
           </a:xfrm>
           <a:prstGeom prst="rect">
             <a:avLst/>
@@ -9990,14 +12226,14 @@
       </p:sp>
       <p:sp>
         <p:nvSpPr>
-          <p:cNvPr id="208" name=""/>
+          <p:cNvPr id="246" name=""/>
           <p:cNvSpPr/>
           <p:nvPr/>
         </p:nvSpPr>
         <p:spPr>
           <a:xfrm>
             <a:off x="5715000" y="3499200"/>
-            <a:ext cx="514800" cy="344880"/>
+            <a:ext cx="514440" cy="344520"/>
           </a:xfrm>
           <a:prstGeom prst="rect">
             <a:avLst/>
@@ -10042,14 +12278,14 @@
       </p:sp>
       <p:sp>
         <p:nvSpPr>
-          <p:cNvPr id="209" name=""/>
+          <p:cNvPr id="247" name=""/>
           <p:cNvSpPr/>
           <p:nvPr/>
         </p:nvSpPr>
         <p:spPr>
           <a:xfrm>
             <a:off x="6428880" y="3499200"/>
-            <a:ext cx="514800" cy="344880"/>
+            <a:ext cx="514440" cy="344520"/>
           </a:xfrm>
           <a:prstGeom prst="rect">
             <a:avLst/>
@@ -10094,14 +12330,14 @@
       </p:sp>
       <p:sp>
         <p:nvSpPr>
-          <p:cNvPr id="210" name=""/>
+          <p:cNvPr id="248" name=""/>
           <p:cNvSpPr/>
           <p:nvPr/>
         </p:nvSpPr>
         <p:spPr>
           <a:xfrm>
             <a:off x="6944040" y="3499200"/>
-            <a:ext cx="743400" cy="344880"/>
+            <a:ext cx="743040" cy="344520"/>
           </a:xfrm>
           <a:prstGeom prst="rect">
             <a:avLst/>
@@ -10146,14 +12382,14 @@
       </p:sp>
       <p:sp>
         <p:nvSpPr>
-          <p:cNvPr id="211" name=""/>
+          <p:cNvPr id="249" name=""/>
           <p:cNvSpPr/>
           <p:nvPr/>
         </p:nvSpPr>
         <p:spPr>
           <a:xfrm>
             <a:off x="7800480" y="4870800"/>
-            <a:ext cx="514800" cy="344880"/>
+            <a:ext cx="514440" cy="344520"/>
           </a:xfrm>
           <a:prstGeom prst="rect">
             <a:avLst/>
@@ -10198,14 +12434,14 @@
       </p:sp>
       <p:sp>
         <p:nvSpPr>
-          <p:cNvPr id="212" name=""/>
+          <p:cNvPr id="250" name=""/>
           <p:cNvSpPr/>
           <p:nvPr/>
         </p:nvSpPr>
         <p:spPr>
           <a:xfrm>
             <a:off x="8315640" y="4870800"/>
-            <a:ext cx="743400" cy="344880"/>
+            <a:ext cx="743040" cy="344520"/>
           </a:xfrm>
           <a:prstGeom prst="rect">
             <a:avLst/>
@@ -10250,14 +12486,14 @@
       </p:sp>
       <p:sp>
         <p:nvSpPr>
-          <p:cNvPr id="213" name=""/>
+          <p:cNvPr id="251" name=""/>
           <p:cNvSpPr/>
           <p:nvPr/>
         </p:nvSpPr>
         <p:spPr>
           <a:xfrm>
             <a:off x="7086600" y="4870800"/>
-            <a:ext cx="514800" cy="344880"/>
+            <a:ext cx="514440" cy="344520"/>
           </a:xfrm>
           <a:prstGeom prst="rect">
             <a:avLst/>
@@ -10302,14 +12538,14 @@
       </p:sp>
       <p:sp>
         <p:nvSpPr>
-          <p:cNvPr id="214" name=""/>
+          <p:cNvPr id="252" name=""/>
           <p:cNvSpPr/>
           <p:nvPr/>
         </p:nvSpPr>
         <p:spPr>
           <a:xfrm>
             <a:off x="7473240" y="2059560"/>
-            <a:ext cx="514800" cy="344880"/>
+            <a:ext cx="514440" cy="344520"/>
           </a:xfrm>
           <a:prstGeom prst="rect">
             <a:avLst/>
@@ -10354,14 +12590,14 @@
       </p:sp>
       <p:sp>
         <p:nvSpPr>
-          <p:cNvPr id="215" name=""/>
+          <p:cNvPr id="253" name=""/>
           <p:cNvSpPr/>
           <p:nvPr/>
         </p:nvSpPr>
         <p:spPr>
           <a:xfrm>
             <a:off x="7988400" y="2059560"/>
-            <a:ext cx="743400" cy="344880"/>
+            <a:ext cx="743040" cy="344520"/>
           </a:xfrm>
           <a:prstGeom prst="rect">
             <a:avLst/>
@@ -10431,14 +12667,14 @@
       </p:grpSpPr>
       <p:sp>
         <p:nvSpPr>
-          <p:cNvPr id="216" name="TextShape 3"/>
+          <p:cNvPr id="254" name="TextShape 3"/>
           <p:cNvSpPr/>
           <p:nvPr/>
         </p:nvSpPr>
         <p:spPr>
           <a:xfrm>
             <a:off x="314280" y="1184400"/>
-            <a:ext cx="8510400" cy="3360600"/>
+            <a:ext cx="8510040" cy="3360240"/>
           </a:xfrm>
           <a:prstGeom prst="rect">
             <a:avLst/>
@@ -10538,14 +12774,14 @@
       </p:sp>
       <p:sp>
         <p:nvSpPr>
-          <p:cNvPr id="217" name="TextShape 6"/>
+          <p:cNvPr id="255" name="TextShape 6"/>
           <p:cNvSpPr/>
           <p:nvPr/>
         </p:nvSpPr>
         <p:spPr>
           <a:xfrm>
             <a:off x="314280" y="267480"/>
-            <a:ext cx="8510400" cy="417960"/>
+            <a:ext cx="8510040" cy="417600"/>
           </a:xfrm>
           <a:prstGeom prst="rect">
             <a:avLst/>
@@ -10612,7 +12848,7 @@
       </p:sp>
       <p:sp>
         <p:nvSpPr>
-          <p:cNvPr id="218" name="PlaceHolder 1"/>
+          <p:cNvPr id="256" name="PlaceHolder 1"/>
           <p:cNvSpPr>
             <a:spLocks noGrp="1"/>
           </p:cNvSpPr>
@@ -10623,7 +12859,7 @@
         <p:spPr>
           <a:xfrm>
             <a:off x="457200" y="1203480"/>
-            <a:ext cx="8228880" cy="2982600"/>
+            <a:ext cx="8228520" cy="2982240"/>
           </a:xfrm>
           <a:prstGeom prst="rect">
             <a:avLst/>
@@ -10674,7 +12910,7 @@
                 <a:srgbClr val="000000"/>
               </a:buClr>
               <a:buSzPct val="75000"/>
-              <a:buFont typeface="Symbol" charset="2"/>
+              <a:buFont typeface="Symbol"/>
               <a:buChar char=""/>
             </a:pPr>
             <a:r>
@@ -10724,7 +12960,7 @@
                 <a:srgbClr val="000000"/>
               </a:buClr>
               <a:buSzPct val="75000"/>
-              <a:buFont typeface="Symbol" charset="2"/>
+              <a:buFont typeface="Symbol"/>
               <a:buChar char=""/>
             </a:pPr>
             <a:r>
@@ -10738,6 +12974,1806 @@
             </a:endParaRPr>
           </a:p>
         </p:txBody>
+      </p:sp>
+    </p:spTree>
+  </p:cSld>
+  <p:transition spd="med">
+    <p:fade/>
+  </p:transition>
+</p:sld>
+</file>
+
+<file path=ppt/slides/slide5.xml><?xml version="1.0" encoding="utf-8"?>
+<p:sld xmlns:a="http://schemas.openxmlformats.org/drawingml/2006/main" xmlns:p="http://schemas.openxmlformats.org/presentationml/2006/main" xmlns:r="http://schemas.openxmlformats.org/officeDocument/2006/relationships" xmlns:p14="http://schemas.microsoft.com/office/powerpoint/2010/main" xmlns:p15="http://schemas.microsoft.com/office/powerpoint/2012/main" xmlns:mc="http://schemas.openxmlformats.org/markup-compatibility/2006">
+  <p:cSld>
+    <p:spTree>
+      <p:nvGrpSpPr>
+        <p:cNvPr id="1" name=""/>
+        <p:cNvGrpSpPr/>
+        <p:nvPr/>
+      </p:nvGrpSpPr>
+      <p:grpSpPr>
+        <a:xfrm>
+          <a:off x="0" y="0"/>
+          <a:ext cx="0" cy="0"/>
+          <a:chOff x="0" y="0"/>
+          <a:chExt cx="0" cy="0"/>
+        </a:xfrm>
+      </p:grpSpPr>
+      <p:sp>
+        <p:nvSpPr>
+          <p:cNvPr id="257" name="TextShape 9"/>
+          <p:cNvSpPr/>
+          <p:nvPr/>
+        </p:nvSpPr>
+        <p:spPr>
+          <a:xfrm>
+            <a:off x="314280" y="1184400"/>
+            <a:ext cx="8510040" cy="3360240"/>
+          </a:xfrm>
+          <a:prstGeom prst="rect">
+            <a:avLst/>
+          </a:prstGeom>
+          <a:noFill/>
+          <a:ln w="0">
+            <a:noFill/>
+          </a:ln>
+        </p:spPr>
+        <p:style>
+          <a:lnRef idx="0"/>
+          <a:fillRef idx="0"/>
+          <a:effectRef idx="0"/>
+          <a:fontRef idx="minor"/>
+        </p:style>
+        <p:txBody>
+          <a:bodyPr lIns="0" rIns="0" tIns="0" bIns="0" anchor="t">
+            <a:noAutofit/>
+          </a:bodyPr>
+          <a:p>
+            <a:pPr>
+              <a:lnSpc>
+                <a:spcPct val="100000"/>
+              </a:lnSpc>
+              <a:spcBef>
+                <a:spcPts val="281"/>
+              </a:spcBef>
+              <a:buNone/>
+            </a:pPr>
+            <a:endParaRPr b="0" lang="en-US" sz="2000" spc="-1" strike="noStrike">
+              <a:latin typeface="Arial"/>
+            </a:endParaRPr>
+          </a:p>
+          <a:p>
+            <a:pPr>
+              <a:lnSpc>
+                <a:spcPct val="100000"/>
+              </a:lnSpc>
+              <a:spcBef>
+                <a:spcPts val="281"/>
+              </a:spcBef>
+              <a:buNone/>
+            </a:pPr>
+            <a:endParaRPr b="0" lang="en-US" sz="2000" spc="-1" strike="noStrike">
+              <a:latin typeface="Arial"/>
+            </a:endParaRPr>
+          </a:p>
+          <a:p>
+            <a:pPr>
+              <a:lnSpc>
+                <a:spcPct val="90000"/>
+              </a:lnSpc>
+              <a:spcBef>
+                <a:spcPts val="601"/>
+              </a:spcBef>
+              <a:buNone/>
+            </a:pPr>
+            <a:endParaRPr b="0" lang="en-US" sz="2000" spc="-1" strike="noStrike">
+              <a:latin typeface="Arial"/>
+            </a:endParaRPr>
+          </a:p>
+          <a:p>
+            <a:pPr>
+              <a:lnSpc>
+                <a:spcPct val="90000"/>
+              </a:lnSpc>
+              <a:spcBef>
+                <a:spcPts val="601"/>
+              </a:spcBef>
+              <a:buNone/>
+            </a:pPr>
+            <a:r>
+              <a:rPr b="0" lang="fr-FR" sz="1400" spc="-18" strike="noStrike" baseline="30000">
+                <a:solidFill>
+                  <a:srgbClr val="000000"/>
+                </a:solidFill>
+                <a:latin typeface="Helvetica 75 Bold"/>
+                <a:ea typeface="DejaVu Sans"/>
+              </a:rPr>
+              <a:t>	</a:t>
+            </a:r>
+            <a:r>
+              <a:rPr b="0" lang="fr-FR" sz="1400" spc="-18" strike="noStrike" baseline="30000">
+                <a:solidFill>
+                  <a:srgbClr val="000000"/>
+                </a:solidFill>
+                <a:latin typeface="Helvetica 75 Bold"/>
+                <a:ea typeface="DejaVu Sans"/>
+              </a:rPr>
+              <a:t>	</a:t>
+            </a:r>
+            <a:endParaRPr b="0" lang="en-US" sz="1400" spc="-1" strike="noStrike">
+              <a:latin typeface="Arial"/>
+            </a:endParaRPr>
+          </a:p>
+        </p:txBody>
+      </p:sp>
+      <p:sp>
+        <p:nvSpPr>
+          <p:cNvPr id="258" name="TextShape 10"/>
+          <p:cNvSpPr/>
+          <p:nvPr/>
+        </p:nvSpPr>
+        <p:spPr>
+          <a:xfrm>
+            <a:off x="405360" y="268200"/>
+            <a:ext cx="8510040" cy="417600"/>
+          </a:xfrm>
+          <a:prstGeom prst="rect">
+            <a:avLst/>
+          </a:prstGeom>
+          <a:noFill/>
+          <a:ln w="0">
+            <a:noFill/>
+          </a:ln>
+        </p:spPr>
+        <p:style>
+          <a:lnRef idx="0"/>
+          <a:fillRef idx="0"/>
+          <a:effectRef idx="0"/>
+          <a:fontRef idx="minor"/>
+        </p:style>
+        <p:txBody>
+          <a:bodyPr lIns="0" rIns="0" tIns="0" bIns="0" anchor="t">
+            <a:noAutofit/>
+          </a:bodyPr>
+          <a:p>
+            <a:pPr>
+              <a:lnSpc>
+                <a:spcPct val="90000"/>
+              </a:lnSpc>
+              <a:buNone/>
+            </a:pPr>
+            <a:r>
+              <a:rPr b="0" lang="fr-FR" sz="2000" spc="-18" strike="noStrike">
+                <a:solidFill>
+                  <a:srgbClr val="ff7900"/>
+                </a:solidFill>
+                <a:latin typeface="Helvetica 75 Bold"/>
+                <a:ea typeface="DejaVu Sans"/>
+              </a:rPr>
+              <a:t>Arbre binaire</a:t>
+            </a:r>
+            <a:endParaRPr b="0" lang="en-US" sz="2000" spc="-1" strike="noStrike">
+              <a:latin typeface="Arial"/>
+            </a:endParaRPr>
+          </a:p>
+          <a:p>
+            <a:pPr>
+              <a:lnSpc>
+                <a:spcPct val="90000"/>
+              </a:lnSpc>
+              <a:buNone/>
+            </a:pPr>
+            <a:endParaRPr b="0" lang="en-US" sz="2000" spc="-1" strike="noStrike">
+              <a:latin typeface="Arial"/>
+            </a:endParaRPr>
+          </a:p>
+          <a:p>
+            <a:pPr>
+              <a:lnSpc>
+                <a:spcPct val="90000"/>
+              </a:lnSpc>
+              <a:buNone/>
+            </a:pPr>
+            <a:endParaRPr b="0" lang="en-US" sz="2000" spc="-1" strike="noStrike">
+              <a:latin typeface="Arial"/>
+            </a:endParaRPr>
+          </a:p>
+        </p:txBody>
+      </p:sp>
+      <p:sp>
+        <p:nvSpPr>
+          <p:cNvPr id="259" name=""/>
+          <p:cNvSpPr/>
+          <p:nvPr/>
+        </p:nvSpPr>
+        <p:spPr>
+          <a:xfrm flipH="1">
+            <a:off x="5943600" y="913680"/>
+            <a:ext cx="685800" cy="686520"/>
+          </a:xfrm>
+          <a:prstGeom prst="line">
+            <a:avLst/>
+          </a:prstGeom>
+          <a:ln w="19080">
+            <a:solidFill>
+              <a:srgbClr val="ff0000"/>
+            </a:solidFill>
+            <a:round/>
+            <a:tailEnd len="med" type="triangle" w="med"/>
+          </a:ln>
+        </p:spPr>
+        <p:style>
+          <a:lnRef idx="0"/>
+          <a:fillRef idx="0"/>
+          <a:effectRef idx="0"/>
+          <a:fontRef idx="minor"/>
+        </p:style>
+      </p:sp>
+      <p:sp>
+        <p:nvSpPr>
+          <p:cNvPr id="260" name=""/>
+          <p:cNvSpPr/>
+          <p:nvPr/>
+        </p:nvSpPr>
+        <p:spPr>
+          <a:xfrm>
+            <a:off x="3657600" y="457200"/>
+            <a:ext cx="685080" cy="456480"/>
+          </a:xfrm>
+          <a:prstGeom prst="rect">
+            <a:avLst/>
+          </a:prstGeom>
+          <a:solidFill>
+            <a:srgbClr val="729fcf"/>
+          </a:solidFill>
+          <a:ln w="0">
+            <a:solidFill>
+              <a:srgbClr val="3465a4"/>
+            </a:solidFill>
+          </a:ln>
+        </p:spPr>
+        <p:style>
+          <a:lnRef idx="0"/>
+          <a:fillRef idx="0"/>
+          <a:effectRef idx="0"/>
+          <a:fontRef idx="minor"/>
+        </p:style>
+      </p:sp>
+      <p:sp>
+        <p:nvSpPr>
+          <p:cNvPr id="261" name=""/>
+          <p:cNvSpPr/>
+          <p:nvPr/>
+        </p:nvSpPr>
+        <p:spPr>
+          <a:xfrm>
+            <a:off x="3828960" y="569160"/>
+            <a:ext cx="514440" cy="344520"/>
+          </a:xfrm>
+          <a:prstGeom prst="rect">
+            <a:avLst/>
+          </a:prstGeom>
+          <a:noFill/>
+          <a:ln w="0">
+            <a:noFill/>
+          </a:ln>
+        </p:spPr>
+        <p:style>
+          <a:lnRef idx="0"/>
+          <a:fillRef idx="0"/>
+          <a:effectRef idx="0"/>
+          <a:fontRef idx="minor"/>
+        </p:style>
+        <p:txBody>
+          <a:bodyPr lIns="90000" rIns="90000" tIns="45000" bIns="45000" anchor="t">
+            <a:noAutofit/>
+          </a:bodyPr>
+          <a:p>
+            <a:pPr>
+              <a:lnSpc>
+                <a:spcPct val="100000"/>
+              </a:lnSpc>
+              <a:buNone/>
+            </a:pPr>
+            <a:r>
+              <a:rPr b="0" lang="en-US" sz="1000" spc="-18" strike="noStrike">
+                <a:solidFill>
+                  <a:srgbClr val="ff7900"/>
+                </a:solidFill>
+                <a:latin typeface="Helvetica 75 Bold"/>
+                <a:ea typeface="DejaVu Sans"/>
+              </a:rPr>
+              <a:t>root</a:t>
+            </a:r>
+            <a:endParaRPr b="0" lang="en-US" sz="1000" spc="-1" strike="noStrike">
+              <a:latin typeface="Arial"/>
+            </a:endParaRPr>
+          </a:p>
+        </p:txBody>
+      </p:sp>
+      <p:sp>
+        <p:nvSpPr>
+          <p:cNvPr id="262" name=""/>
+          <p:cNvSpPr/>
+          <p:nvPr/>
+        </p:nvSpPr>
+        <p:spPr>
+          <a:xfrm>
+            <a:off x="6172200" y="913680"/>
+            <a:ext cx="514440" cy="344520"/>
+          </a:xfrm>
+          <a:prstGeom prst="rect">
+            <a:avLst/>
+          </a:prstGeom>
+          <a:noFill/>
+          <a:ln w="0">
+            <a:noFill/>
+          </a:ln>
+        </p:spPr>
+        <p:style>
+          <a:lnRef idx="0"/>
+          <a:fillRef idx="0"/>
+          <a:effectRef idx="0"/>
+          <a:fontRef idx="minor"/>
+        </p:style>
+        <p:txBody>
+          <a:bodyPr lIns="90000" rIns="90000" tIns="45000" bIns="45000" anchor="t">
+            <a:noAutofit/>
+          </a:bodyPr>
+          <a:p>
+            <a:pPr>
+              <a:lnSpc>
+                <a:spcPct val="100000"/>
+              </a:lnSpc>
+              <a:buNone/>
+            </a:pPr>
+            <a:r>
+              <a:rPr b="0" lang="en-US" sz="1000" spc="-18" strike="noStrike">
+                <a:solidFill>
+                  <a:srgbClr val="ff7900"/>
+                </a:solidFill>
+                <a:latin typeface="Helvetica 75 Bold"/>
+                <a:ea typeface="DejaVu Sans"/>
+              </a:rPr>
+              <a:t>left</a:t>
+            </a:r>
+            <a:endParaRPr b="0" lang="en-US" sz="1000" spc="-1" strike="noStrike">
+              <a:latin typeface="Arial"/>
+            </a:endParaRPr>
+          </a:p>
+        </p:txBody>
+      </p:sp>
+      <p:sp>
+        <p:nvSpPr>
+          <p:cNvPr id="263" name=""/>
+          <p:cNvSpPr/>
+          <p:nvPr/>
+        </p:nvSpPr>
+        <p:spPr>
+          <a:xfrm>
+            <a:off x="7029360" y="1027080"/>
+            <a:ext cx="743040" cy="344520"/>
+          </a:xfrm>
+          <a:prstGeom prst="rect">
+            <a:avLst/>
+          </a:prstGeom>
+          <a:noFill/>
+          <a:ln w="0">
+            <a:noFill/>
+          </a:ln>
+        </p:spPr>
+        <p:style>
+          <a:lnRef idx="0"/>
+          <a:fillRef idx="0"/>
+          <a:effectRef idx="0"/>
+          <a:fontRef idx="minor"/>
+        </p:style>
+        <p:txBody>
+          <a:bodyPr lIns="90000" rIns="90000" tIns="45000" bIns="45000" anchor="t">
+            <a:noAutofit/>
+          </a:bodyPr>
+          <a:p>
+            <a:pPr>
+              <a:lnSpc>
+                <a:spcPct val="100000"/>
+              </a:lnSpc>
+              <a:buNone/>
+            </a:pPr>
+            <a:r>
+              <a:rPr b="0" lang="en-US" sz="1000" spc="-18" strike="noStrike">
+                <a:solidFill>
+                  <a:srgbClr val="ff7900"/>
+                </a:solidFill>
+                <a:latin typeface="Helvetica 75 Bold"/>
+                <a:ea typeface="DejaVu Sans"/>
+              </a:rPr>
+              <a:t>right</a:t>
+            </a:r>
+            <a:endParaRPr b="0" lang="en-US" sz="1000" spc="-1" strike="noStrike">
+              <a:latin typeface="Arial"/>
+            </a:endParaRPr>
+          </a:p>
+        </p:txBody>
+      </p:sp>
+      <p:pic>
+        <p:nvPicPr>
+          <p:cNvPr id="264" name="" descr=""/>
+          <p:cNvPicPr/>
+          <p:nvPr/>
+        </p:nvPicPr>
+        <p:blipFill>
+          <a:blip r:embed="rId1"/>
+          <a:stretch/>
+        </p:blipFill>
+        <p:spPr>
+          <a:xfrm>
+            <a:off x="228600" y="762480"/>
+            <a:ext cx="2142720" cy="2437920"/>
+          </a:xfrm>
+          <a:prstGeom prst="rect">
+            <a:avLst/>
+          </a:prstGeom>
+          <a:ln w="0">
+            <a:noFill/>
+          </a:ln>
+        </p:spPr>
+      </p:pic>
+      <p:sp>
+        <p:nvSpPr>
+          <p:cNvPr id="265" name=""/>
+          <p:cNvSpPr/>
+          <p:nvPr/>
+        </p:nvSpPr>
+        <p:spPr>
+          <a:xfrm>
+            <a:off x="6401520" y="457200"/>
+            <a:ext cx="685080" cy="456480"/>
+          </a:xfrm>
+          <a:prstGeom prst="rect">
+            <a:avLst/>
+          </a:prstGeom>
+          <a:solidFill>
+            <a:srgbClr val="729fcf"/>
+          </a:solidFill>
+          <a:ln w="0">
+            <a:solidFill>
+              <a:srgbClr val="3465a4"/>
+            </a:solidFill>
+          </a:ln>
+        </p:spPr>
+        <p:style>
+          <a:lnRef idx="0"/>
+          <a:fillRef idx="0"/>
+          <a:effectRef idx="0"/>
+          <a:fontRef idx="minor"/>
+        </p:style>
+        <p:txBody>
+          <a:bodyPr lIns="90000" rIns="90000" tIns="45000" bIns="45000" anchor="ctr">
+            <a:noAutofit/>
+          </a:bodyPr>
+          <a:p>
+            <a:pPr algn="ctr">
+              <a:lnSpc>
+                <a:spcPct val="100000"/>
+              </a:lnSpc>
+              <a:buNone/>
+            </a:pPr>
+            <a:r>
+              <a:rPr b="0" lang="en-US" sz="1800" spc="-1" strike="noStrike">
+                <a:solidFill>
+                  <a:srgbClr val="000000"/>
+                </a:solidFill>
+                <a:latin typeface="Arial"/>
+                <a:ea typeface="DejaVu Sans"/>
+              </a:rPr>
+              <a:t>12</a:t>
+            </a:r>
+            <a:endParaRPr b="0" lang="en-US" sz="1800" spc="-1" strike="noStrike">
+              <a:latin typeface="Arial"/>
+            </a:endParaRPr>
+          </a:p>
+        </p:txBody>
+      </p:sp>
+      <p:sp>
+        <p:nvSpPr>
+          <p:cNvPr id="266" name=""/>
+          <p:cNvSpPr/>
+          <p:nvPr/>
+        </p:nvSpPr>
+        <p:spPr>
+          <a:xfrm>
+            <a:off x="6172200" y="569160"/>
+            <a:ext cx="514440" cy="344520"/>
+          </a:xfrm>
+          <a:prstGeom prst="rect">
+            <a:avLst/>
+          </a:prstGeom>
+          <a:noFill/>
+          <a:ln w="0">
+            <a:noFill/>
+          </a:ln>
+        </p:spPr>
+        <p:style>
+          <a:lnRef idx="0"/>
+          <a:fillRef idx="0"/>
+          <a:effectRef idx="0"/>
+          <a:fontRef idx="minor"/>
+        </p:style>
+        <p:txBody>
+          <a:bodyPr lIns="90000" rIns="90000" tIns="45000" bIns="45000" anchor="t">
+            <a:noAutofit/>
+          </a:bodyPr>
+          <a:p>
+            <a:pPr>
+              <a:lnSpc>
+                <a:spcPct val="100000"/>
+              </a:lnSpc>
+              <a:buNone/>
+            </a:pPr>
+            <a:r>
+              <a:rPr b="0" lang="en-US" sz="1000" spc="-18" strike="noStrike">
+                <a:solidFill>
+                  <a:srgbClr val="ff7900"/>
+                </a:solidFill>
+                <a:latin typeface="Helvetica 75 Bold"/>
+                <a:ea typeface="DejaVu Sans"/>
+              </a:rPr>
+              <a:t>value</a:t>
+            </a:r>
+            <a:endParaRPr b="0" lang="en-US" sz="1000" spc="-1" strike="noStrike">
+              <a:latin typeface="Arial"/>
+            </a:endParaRPr>
+          </a:p>
+        </p:txBody>
+      </p:sp>
+      <p:sp>
+        <p:nvSpPr>
+          <p:cNvPr id="267" name=""/>
+          <p:cNvSpPr/>
+          <p:nvPr/>
+        </p:nvSpPr>
+        <p:spPr>
+          <a:xfrm>
+            <a:off x="6858000" y="914400"/>
+            <a:ext cx="457200" cy="685800"/>
+          </a:xfrm>
+          <a:prstGeom prst="line">
+            <a:avLst/>
+          </a:prstGeom>
+          <a:ln w="19080">
+            <a:solidFill>
+              <a:srgbClr val="ff0000"/>
+            </a:solidFill>
+            <a:round/>
+            <a:tailEnd len="med" type="triangle" w="med"/>
+          </a:ln>
+        </p:spPr>
+        <p:style>
+          <a:lnRef idx="0"/>
+          <a:fillRef idx="0"/>
+          <a:effectRef idx="0"/>
+          <a:fontRef idx="minor"/>
+        </p:style>
+      </p:sp>
+      <p:sp>
+        <p:nvSpPr>
+          <p:cNvPr id="268" name=""/>
+          <p:cNvSpPr/>
+          <p:nvPr/>
+        </p:nvSpPr>
+        <p:spPr>
+          <a:xfrm flipH="1">
+            <a:off x="5029200" y="2056680"/>
+            <a:ext cx="685800" cy="686520"/>
+          </a:xfrm>
+          <a:prstGeom prst="line">
+            <a:avLst/>
+          </a:prstGeom>
+          <a:ln w="19080">
+            <a:solidFill>
+              <a:srgbClr val="ff0000"/>
+            </a:solidFill>
+            <a:round/>
+            <a:tailEnd len="med" type="triangle" w="med"/>
+          </a:ln>
+        </p:spPr>
+        <p:style>
+          <a:lnRef idx="0"/>
+          <a:fillRef idx="0"/>
+          <a:effectRef idx="0"/>
+          <a:fontRef idx="minor"/>
+        </p:style>
+      </p:sp>
+      <p:sp>
+        <p:nvSpPr>
+          <p:cNvPr id="269" name=""/>
+          <p:cNvSpPr/>
+          <p:nvPr/>
+        </p:nvSpPr>
+        <p:spPr>
+          <a:xfrm>
+            <a:off x="5257800" y="2056680"/>
+            <a:ext cx="514440" cy="344520"/>
+          </a:xfrm>
+          <a:prstGeom prst="rect">
+            <a:avLst/>
+          </a:prstGeom>
+          <a:noFill/>
+          <a:ln w="0">
+            <a:noFill/>
+          </a:ln>
+        </p:spPr>
+        <p:style>
+          <a:lnRef idx="0"/>
+          <a:fillRef idx="0"/>
+          <a:effectRef idx="0"/>
+          <a:fontRef idx="minor"/>
+        </p:style>
+        <p:txBody>
+          <a:bodyPr lIns="90000" rIns="90000" tIns="45000" bIns="45000" anchor="t">
+            <a:noAutofit/>
+          </a:bodyPr>
+          <a:p>
+            <a:pPr>
+              <a:lnSpc>
+                <a:spcPct val="100000"/>
+              </a:lnSpc>
+              <a:buNone/>
+            </a:pPr>
+            <a:r>
+              <a:rPr b="0" lang="en-US" sz="1000" spc="-18" strike="noStrike">
+                <a:solidFill>
+                  <a:srgbClr val="ff7900"/>
+                </a:solidFill>
+                <a:latin typeface="Helvetica 75 Bold"/>
+                <a:ea typeface="DejaVu Sans"/>
+              </a:rPr>
+              <a:t>left</a:t>
+            </a:r>
+            <a:endParaRPr b="0" lang="en-US" sz="1000" spc="-1" strike="noStrike">
+              <a:latin typeface="Arial"/>
+            </a:endParaRPr>
+          </a:p>
+        </p:txBody>
+      </p:sp>
+      <p:sp>
+        <p:nvSpPr>
+          <p:cNvPr id="270" name=""/>
+          <p:cNvSpPr/>
+          <p:nvPr/>
+        </p:nvSpPr>
+        <p:spPr>
+          <a:xfrm>
+            <a:off x="6114960" y="2170080"/>
+            <a:ext cx="743040" cy="344520"/>
+          </a:xfrm>
+          <a:prstGeom prst="rect">
+            <a:avLst/>
+          </a:prstGeom>
+          <a:noFill/>
+          <a:ln w="0">
+            <a:noFill/>
+          </a:ln>
+        </p:spPr>
+        <p:style>
+          <a:lnRef idx="0"/>
+          <a:fillRef idx="0"/>
+          <a:effectRef idx="0"/>
+          <a:fontRef idx="minor"/>
+        </p:style>
+        <p:txBody>
+          <a:bodyPr lIns="90000" rIns="90000" tIns="45000" bIns="45000" anchor="t">
+            <a:noAutofit/>
+          </a:bodyPr>
+          <a:p>
+            <a:pPr>
+              <a:lnSpc>
+                <a:spcPct val="100000"/>
+              </a:lnSpc>
+              <a:buNone/>
+            </a:pPr>
+            <a:r>
+              <a:rPr b="0" lang="en-US" sz="1000" spc="-18" strike="noStrike">
+                <a:solidFill>
+                  <a:srgbClr val="ff7900"/>
+                </a:solidFill>
+                <a:latin typeface="Helvetica 75 Bold"/>
+                <a:ea typeface="DejaVu Sans"/>
+              </a:rPr>
+              <a:t>right</a:t>
+            </a:r>
+            <a:endParaRPr b="0" lang="en-US" sz="1000" spc="-1" strike="noStrike">
+              <a:latin typeface="Arial"/>
+            </a:endParaRPr>
+          </a:p>
+        </p:txBody>
+      </p:sp>
+      <p:sp>
+        <p:nvSpPr>
+          <p:cNvPr id="271" name=""/>
+          <p:cNvSpPr/>
+          <p:nvPr/>
+        </p:nvSpPr>
+        <p:spPr>
+          <a:xfrm>
+            <a:off x="5487120" y="1600200"/>
+            <a:ext cx="685080" cy="456480"/>
+          </a:xfrm>
+          <a:prstGeom prst="rect">
+            <a:avLst/>
+          </a:prstGeom>
+          <a:solidFill>
+            <a:srgbClr val="729fcf"/>
+          </a:solidFill>
+          <a:ln w="0">
+            <a:solidFill>
+              <a:srgbClr val="3465a4"/>
+            </a:solidFill>
+          </a:ln>
+        </p:spPr>
+        <p:style>
+          <a:lnRef idx="0"/>
+          <a:fillRef idx="0"/>
+          <a:effectRef idx="0"/>
+          <a:fontRef idx="minor"/>
+        </p:style>
+        <p:txBody>
+          <a:bodyPr lIns="90000" rIns="90000" tIns="45000" bIns="45000" anchor="ctr">
+            <a:noAutofit/>
+          </a:bodyPr>
+          <a:p>
+            <a:pPr algn="ctr">
+              <a:lnSpc>
+                <a:spcPct val="100000"/>
+              </a:lnSpc>
+              <a:buNone/>
+            </a:pPr>
+            <a:r>
+              <a:rPr b="0" lang="en-US" sz="1800" spc="-1" strike="noStrike">
+                <a:solidFill>
+                  <a:srgbClr val="000000"/>
+                </a:solidFill>
+                <a:latin typeface="Arial"/>
+                <a:ea typeface="DejaVu Sans"/>
+              </a:rPr>
+              <a:t>2</a:t>
+            </a:r>
+            <a:endParaRPr b="0" lang="en-US" sz="1800" spc="-1" strike="noStrike">
+              <a:latin typeface="Arial"/>
+            </a:endParaRPr>
+          </a:p>
+        </p:txBody>
+      </p:sp>
+      <p:sp>
+        <p:nvSpPr>
+          <p:cNvPr id="272" name=""/>
+          <p:cNvSpPr/>
+          <p:nvPr/>
+        </p:nvSpPr>
+        <p:spPr>
+          <a:xfrm>
+            <a:off x="5257800" y="1712160"/>
+            <a:ext cx="514440" cy="344520"/>
+          </a:xfrm>
+          <a:prstGeom prst="rect">
+            <a:avLst/>
+          </a:prstGeom>
+          <a:noFill/>
+          <a:ln w="0">
+            <a:noFill/>
+          </a:ln>
+        </p:spPr>
+        <p:style>
+          <a:lnRef idx="0"/>
+          <a:fillRef idx="0"/>
+          <a:effectRef idx="0"/>
+          <a:fontRef idx="minor"/>
+        </p:style>
+      </p:sp>
+      <p:sp>
+        <p:nvSpPr>
+          <p:cNvPr id="273" name=""/>
+          <p:cNvSpPr/>
+          <p:nvPr/>
+        </p:nvSpPr>
+        <p:spPr>
+          <a:xfrm>
+            <a:off x="5943600" y="2057400"/>
+            <a:ext cx="228600" cy="685800"/>
+          </a:xfrm>
+          <a:prstGeom prst="line">
+            <a:avLst/>
+          </a:prstGeom>
+          <a:ln w="19080">
+            <a:solidFill>
+              <a:srgbClr val="ff0000"/>
+            </a:solidFill>
+            <a:round/>
+            <a:tailEnd len="med" type="triangle" w="med"/>
+          </a:ln>
+        </p:spPr>
+        <p:style>
+          <a:lnRef idx="0"/>
+          <a:fillRef idx="0"/>
+          <a:effectRef idx="0"/>
+          <a:fontRef idx="minor"/>
+        </p:style>
+      </p:sp>
+      <p:sp>
+        <p:nvSpPr>
+          <p:cNvPr id="274" name=""/>
+          <p:cNvSpPr/>
+          <p:nvPr/>
+        </p:nvSpPr>
+        <p:spPr>
+          <a:xfrm flipH="1">
+            <a:off x="7086600" y="2056680"/>
+            <a:ext cx="228600" cy="457920"/>
+          </a:xfrm>
+          <a:prstGeom prst="line">
+            <a:avLst/>
+          </a:prstGeom>
+          <a:ln w="19080">
+            <a:solidFill>
+              <a:srgbClr val="ff0000"/>
+            </a:solidFill>
+            <a:round/>
+            <a:tailEnd len="med" type="triangle" w="med"/>
+          </a:ln>
+        </p:spPr>
+        <p:style>
+          <a:lnRef idx="0"/>
+          <a:fillRef idx="0"/>
+          <a:effectRef idx="0"/>
+          <a:fontRef idx="minor"/>
+        </p:style>
+      </p:sp>
+      <p:sp>
+        <p:nvSpPr>
+          <p:cNvPr id="275" name=""/>
+          <p:cNvSpPr/>
+          <p:nvPr/>
+        </p:nvSpPr>
+        <p:spPr>
+          <a:xfrm>
+            <a:off x="6858000" y="2056680"/>
+            <a:ext cx="514440" cy="344520"/>
+          </a:xfrm>
+          <a:prstGeom prst="rect">
+            <a:avLst/>
+          </a:prstGeom>
+          <a:noFill/>
+          <a:ln w="0">
+            <a:noFill/>
+          </a:ln>
+        </p:spPr>
+        <p:style>
+          <a:lnRef idx="0"/>
+          <a:fillRef idx="0"/>
+          <a:effectRef idx="0"/>
+          <a:fontRef idx="minor"/>
+        </p:style>
+        <p:txBody>
+          <a:bodyPr lIns="90000" rIns="90000" tIns="45000" bIns="45000" anchor="t">
+            <a:noAutofit/>
+          </a:bodyPr>
+          <a:p>
+            <a:pPr>
+              <a:lnSpc>
+                <a:spcPct val="100000"/>
+              </a:lnSpc>
+              <a:buNone/>
+            </a:pPr>
+            <a:r>
+              <a:rPr b="0" lang="en-US" sz="1000" spc="-18" strike="noStrike">
+                <a:solidFill>
+                  <a:srgbClr val="ff7900"/>
+                </a:solidFill>
+                <a:latin typeface="Helvetica 75 Bold"/>
+                <a:ea typeface="DejaVu Sans"/>
+              </a:rPr>
+              <a:t>left</a:t>
+            </a:r>
+            <a:endParaRPr b="0" lang="en-US" sz="1000" spc="-1" strike="noStrike">
+              <a:latin typeface="Arial"/>
+            </a:endParaRPr>
+          </a:p>
+        </p:txBody>
+      </p:sp>
+      <p:sp>
+        <p:nvSpPr>
+          <p:cNvPr id="276" name=""/>
+          <p:cNvSpPr/>
+          <p:nvPr/>
+        </p:nvSpPr>
+        <p:spPr>
+          <a:xfrm>
+            <a:off x="7087320" y="1600200"/>
+            <a:ext cx="685080" cy="456480"/>
+          </a:xfrm>
+          <a:prstGeom prst="rect">
+            <a:avLst/>
+          </a:prstGeom>
+          <a:solidFill>
+            <a:srgbClr val="729fcf"/>
+          </a:solidFill>
+          <a:ln w="0">
+            <a:solidFill>
+              <a:srgbClr val="3465a4"/>
+            </a:solidFill>
+          </a:ln>
+        </p:spPr>
+        <p:style>
+          <a:lnRef idx="0"/>
+          <a:fillRef idx="0"/>
+          <a:effectRef idx="0"/>
+          <a:fontRef idx="minor"/>
+        </p:style>
+        <p:txBody>
+          <a:bodyPr lIns="90000" rIns="90000" tIns="45000" bIns="45000" anchor="ctr">
+            <a:noAutofit/>
+          </a:bodyPr>
+          <a:p>
+            <a:pPr algn="ctr">
+              <a:lnSpc>
+                <a:spcPct val="100000"/>
+              </a:lnSpc>
+              <a:buNone/>
+            </a:pPr>
+            <a:r>
+              <a:rPr b="0" lang="en-US" sz="1800" spc="-1" strike="noStrike">
+                <a:solidFill>
+                  <a:srgbClr val="000000"/>
+                </a:solidFill>
+                <a:latin typeface="Arial"/>
+                <a:ea typeface="DejaVu Sans"/>
+              </a:rPr>
+              <a:t>15</a:t>
+            </a:r>
+            <a:endParaRPr b="0" lang="en-US" sz="1800" spc="-1" strike="noStrike">
+              <a:latin typeface="Arial"/>
+            </a:endParaRPr>
+          </a:p>
+        </p:txBody>
+      </p:sp>
+      <p:sp>
+        <p:nvSpPr>
+          <p:cNvPr id="277" name=""/>
+          <p:cNvSpPr/>
+          <p:nvPr/>
+        </p:nvSpPr>
+        <p:spPr>
+          <a:xfrm>
+            <a:off x="7543800" y="2057400"/>
+            <a:ext cx="457200" cy="685800"/>
+          </a:xfrm>
+          <a:prstGeom prst="line">
+            <a:avLst/>
+          </a:prstGeom>
+          <a:ln w="19080">
+            <a:solidFill>
+              <a:srgbClr val="ff0000"/>
+            </a:solidFill>
+            <a:round/>
+            <a:tailEnd len="med" type="triangle" w="med"/>
+          </a:ln>
+        </p:spPr>
+        <p:style>
+          <a:lnRef idx="0"/>
+          <a:fillRef idx="0"/>
+          <a:effectRef idx="0"/>
+          <a:fontRef idx="minor"/>
+        </p:style>
+      </p:sp>
+      <p:sp>
+        <p:nvSpPr>
+          <p:cNvPr id="278" name=""/>
+          <p:cNvSpPr txBox="1"/>
+          <p:nvPr/>
+        </p:nvSpPr>
+        <p:spPr>
+          <a:xfrm>
+            <a:off x="6652800" y="2514600"/>
+            <a:ext cx="891000" cy="302040"/>
+          </a:xfrm>
+          <a:prstGeom prst="rect">
+            <a:avLst/>
+          </a:prstGeom>
+          <a:noFill/>
+          <a:ln w="0">
+            <a:noFill/>
+          </a:ln>
+        </p:spPr>
+        <p:txBody>
+          <a:bodyPr lIns="90000" rIns="90000" tIns="45000" bIns="45000" anchor="t">
+            <a:noAutofit/>
+          </a:bodyPr>
+          <a:p>
+            <a:r>
+              <a:rPr b="0" lang="en-US" sz="1500" spc="-1" strike="noStrike">
+                <a:solidFill>
+                  <a:srgbClr val="000000"/>
+                </a:solidFill>
+                <a:latin typeface="Arial"/>
+                <a:ea typeface="DejaVu Sans"/>
+              </a:rPr>
+              <a:t>None</a:t>
+            </a:r>
+            <a:endParaRPr b="0" lang="en-US" sz="1500" spc="-1" strike="noStrike">
+              <a:latin typeface="Arial"/>
+            </a:endParaRPr>
+          </a:p>
+        </p:txBody>
+      </p:sp>
+      <p:sp>
+        <p:nvSpPr>
+          <p:cNvPr id="279" name=""/>
+          <p:cNvSpPr/>
+          <p:nvPr/>
+        </p:nvSpPr>
+        <p:spPr>
+          <a:xfrm flipH="1">
+            <a:off x="4114800" y="3199680"/>
+            <a:ext cx="685800" cy="686520"/>
+          </a:xfrm>
+          <a:prstGeom prst="line">
+            <a:avLst/>
+          </a:prstGeom>
+          <a:ln w="19080">
+            <a:solidFill>
+              <a:srgbClr val="ff0000"/>
+            </a:solidFill>
+            <a:round/>
+            <a:tailEnd len="med" type="triangle" w="med"/>
+          </a:ln>
+        </p:spPr>
+        <p:style>
+          <a:lnRef idx="0"/>
+          <a:fillRef idx="0"/>
+          <a:effectRef idx="0"/>
+          <a:fontRef idx="minor"/>
+        </p:style>
+      </p:sp>
+      <p:sp>
+        <p:nvSpPr>
+          <p:cNvPr id="280" name=""/>
+          <p:cNvSpPr/>
+          <p:nvPr/>
+        </p:nvSpPr>
+        <p:spPr>
+          <a:xfrm>
+            <a:off x="4343400" y="3199680"/>
+            <a:ext cx="514440" cy="344520"/>
+          </a:xfrm>
+          <a:prstGeom prst="rect">
+            <a:avLst/>
+          </a:prstGeom>
+          <a:noFill/>
+          <a:ln w="0">
+            <a:noFill/>
+          </a:ln>
+        </p:spPr>
+        <p:style>
+          <a:lnRef idx="0"/>
+          <a:fillRef idx="0"/>
+          <a:effectRef idx="0"/>
+          <a:fontRef idx="minor"/>
+        </p:style>
+        <p:txBody>
+          <a:bodyPr lIns="90000" rIns="90000" tIns="45000" bIns="45000" anchor="t">
+            <a:noAutofit/>
+          </a:bodyPr>
+          <a:p>
+            <a:pPr>
+              <a:lnSpc>
+                <a:spcPct val="100000"/>
+              </a:lnSpc>
+              <a:buNone/>
+            </a:pPr>
+            <a:r>
+              <a:rPr b="0" lang="en-US" sz="1000" spc="-18" strike="noStrike">
+                <a:solidFill>
+                  <a:srgbClr val="ff7900"/>
+                </a:solidFill>
+                <a:latin typeface="Helvetica 75 Bold"/>
+                <a:ea typeface="DejaVu Sans"/>
+              </a:rPr>
+              <a:t>left</a:t>
+            </a:r>
+            <a:endParaRPr b="0" lang="en-US" sz="1000" spc="-1" strike="noStrike">
+              <a:latin typeface="Arial"/>
+            </a:endParaRPr>
+          </a:p>
+        </p:txBody>
+      </p:sp>
+      <p:sp>
+        <p:nvSpPr>
+          <p:cNvPr id="281" name=""/>
+          <p:cNvSpPr/>
+          <p:nvPr/>
+        </p:nvSpPr>
+        <p:spPr>
+          <a:xfrm>
+            <a:off x="5200560" y="3313080"/>
+            <a:ext cx="743040" cy="344520"/>
+          </a:xfrm>
+          <a:prstGeom prst="rect">
+            <a:avLst/>
+          </a:prstGeom>
+          <a:noFill/>
+          <a:ln w="0">
+            <a:noFill/>
+          </a:ln>
+        </p:spPr>
+        <p:style>
+          <a:lnRef idx="0"/>
+          <a:fillRef idx="0"/>
+          <a:effectRef idx="0"/>
+          <a:fontRef idx="minor"/>
+        </p:style>
+        <p:txBody>
+          <a:bodyPr lIns="90000" rIns="90000" tIns="45000" bIns="45000" anchor="t">
+            <a:noAutofit/>
+          </a:bodyPr>
+          <a:p>
+            <a:pPr>
+              <a:lnSpc>
+                <a:spcPct val="100000"/>
+              </a:lnSpc>
+              <a:buNone/>
+            </a:pPr>
+            <a:r>
+              <a:rPr b="0" lang="en-US" sz="1000" spc="-18" strike="noStrike">
+                <a:solidFill>
+                  <a:srgbClr val="ff7900"/>
+                </a:solidFill>
+                <a:latin typeface="Helvetica 75 Bold"/>
+                <a:ea typeface="DejaVu Sans"/>
+              </a:rPr>
+              <a:t>right</a:t>
+            </a:r>
+            <a:endParaRPr b="0" lang="en-US" sz="1000" spc="-1" strike="noStrike">
+              <a:latin typeface="Arial"/>
+            </a:endParaRPr>
+          </a:p>
+        </p:txBody>
+      </p:sp>
+      <p:sp>
+        <p:nvSpPr>
+          <p:cNvPr id="282" name=""/>
+          <p:cNvSpPr/>
+          <p:nvPr/>
+        </p:nvSpPr>
+        <p:spPr>
+          <a:xfrm>
+            <a:off x="4572720" y="2743200"/>
+            <a:ext cx="685080" cy="456480"/>
+          </a:xfrm>
+          <a:prstGeom prst="rect">
+            <a:avLst/>
+          </a:prstGeom>
+          <a:solidFill>
+            <a:srgbClr val="729fcf"/>
+          </a:solidFill>
+          <a:ln w="0">
+            <a:solidFill>
+              <a:srgbClr val="3465a4"/>
+            </a:solidFill>
+          </a:ln>
+        </p:spPr>
+        <p:style>
+          <a:lnRef idx="0"/>
+          <a:fillRef idx="0"/>
+          <a:effectRef idx="0"/>
+          <a:fontRef idx="minor"/>
+        </p:style>
+        <p:txBody>
+          <a:bodyPr lIns="90000" rIns="90000" tIns="45000" bIns="45000" anchor="ctr">
+            <a:noAutofit/>
+          </a:bodyPr>
+          <a:p>
+            <a:pPr algn="ctr">
+              <a:lnSpc>
+                <a:spcPct val="100000"/>
+              </a:lnSpc>
+              <a:buNone/>
+            </a:pPr>
+            <a:r>
+              <a:rPr b="0" lang="en-US" sz="1800" spc="-1" strike="noStrike">
+                <a:solidFill>
+                  <a:srgbClr val="000000"/>
+                </a:solidFill>
+                <a:latin typeface="Arial"/>
+                <a:ea typeface="DejaVu Sans"/>
+              </a:rPr>
+              <a:t>1</a:t>
+            </a:r>
+            <a:endParaRPr b="0" lang="en-US" sz="1800" spc="-1" strike="noStrike">
+              <a:latin typeface="Arial"/>
+            </a:endParaRPr>
+          </a:p>
+        </p:txBody>
+      </p:sp>
+      <p:sp>
+        <p:nvSpPr>
+          <p:cNvPr id="283" name=""/>
+          <p:cNvSpPr/>
+          <p:nvPr/>
+        </p:nvSpPr>
+        <p:spPr>
+          <a:xfrm>
+            <a:off x="4343400" y="2855160"/>
+            <a:ext cx="514440" cy="344520"/>
+          </a:xfrm>
+          <a:prstGeom prst="rect">
+            <a:avLst/>
+          </a:prstGeom>
+          <a:noFill/>
+          <a:ln w="0">
+            <a:noFill/>
+          </a:ln>
+        </p:spPr>
+        <p:style>
+          <a:lnRef idx="0"/>
+          <a:fillRef idx="0"/>
+          <a:effectRef idx="0"/>
+          <a:fontRef idx="minor"/>
+        </p:style>
+      </p:sp>
+      <p:sp>
+        <p:nvSpPr>
+          <p:cNvPr id="284" name=""/>
+          <p:cNvSpPr/>
+          <p:nvPr/>
+        </p:nvSpPr>
+        <p:spPr>
+          <a:xfrm>
+            <a:off x="5029200" y="3200400"/>
+            <a:ext cx="228600" cy="685800"/>
+          </a:xfrm>
+          <a:prstGeom prst="line">
+            <a:avLst/>
+          </a:prstGeom>
+          <a:ln w="19080">
+            <a:solidFill>
+              <a:srgbClr val="ff0000"/>
+            </a:solidFill>
+            <a:round/>
+            <a:tailEnd len="med" type="triangle" w="med"/>
+          </a:ln>
+        </p:spPr>
+        <p:style>
+          <a:lnRef idx="0"/>
+          <a:fillRef idx="0"/>
+          <a:effectRef idx="0"/>
+          <a:fontRef idx="minor"/>
+        </p:style>
+      </p:sp>
+      <p:sp>
+        <p:nvSpPr>
+          <p:cNvPr id="285" name=""/>
+          <p:cNvSpPr txBox="1"/>
+          <p:nvPr/>
+        </p:nvSpPr>
+        <p:spPr>
+          <a:xfrm>
+            <a:off x="3681000" y="3886200"/>
+            <a:ext cx="891000" cy="302040"/>
+          </a:xfrm>
+          <a:prstGeom prst="rect">
+            <a:avLst/>
+          </a:prstGeom>
+          <a:noFill/>
+          <a:ln w="0">
+            <a:noFill/>
+          </a:ln>
+        </p:spPr>
+        <p:txBody>
+          <a:bodyPr lIns="90000" rIns="90000" tIns="45000" bIns="45000" anchor="t">
+            <a:noAutofit/>
+          </a:bodyPr>
+          <a:p>
+            <a:r>
+              <a:rPr b="0" lang="en-US" sz="1500" spc="-1" strike="noStrike">
+                <a:solidFill>
+                  <a:srgbClr val="000000"/>
+                </a:solidFill>
+                <a:latin typeface="Arial"/>
+                <a:ea typeface="DejaVu Sans"/>
+              </a:rPr>
+              <a:t>None</a:t>
+            </a:r>
+            <a:endParaRPr b="0" lang="en-US" sz="1500" spc="-1" strike="noStrike">
+              <a:latin typeface="Arial"/>
+            </a:endParaRPr>
+          </a:p>
+        </p:txBody>
+      </p:sp>
+      <p:sp>
+        <p:nvSpPr>
+          <p:cNvPr id="286" name=""/>
+          <p:cNvSpPr txBox="1"/>
+          <p:nvPr/>
+        </p:nvSpPr>
+        <p:spPr>
+          <a:xfrm>
+            <a:off x="5029200" y="3886200"/>
+            <a:ext cx="891000" cy="302040"/>
+          </a:xfrm>
+          <a:prstGeom prst="rect">
+            <a:avLst/>
+          </a:prstGeom>
+          <a:noFill/>
+          <a:ln w="0">
+            <a:noFill/>
+          </a:ln>
+        </p:spPr>
+        <p:txBody>
+          <a:bodyPr lIns="90000" rIns="90000" tIns="45000" bIns="45000" anchor="t">
+            <a:noAutofit/>
+          </a:bodyPr>
+          <a:p>
+            <a:r>
+              <a:rPr b="0" lang="en-US" sz="1500" spc="-1" strike="noStrike">
+                <a:solidFill>
+                  <a:srgbClr val="000000"/>
+                </a:solidFill>
+                <a:latin typeface="Arial"/>
+                <a:ea typeface="DejaVu Sans"/>
+              </a:rPr>
+              <a:t>None</a:t>
+            </a:r>
+            <a:endParaRPr b="0" lang="en-US" sz="1500" spc="-1" strike="noStrike">
+              <a:latin typeface="Arial"/>
+            </a:endParaRPr>
+          </a:p>
+        </p:txBody>
+      </p:sp>
+      <p:sp>
+        <p:nvSpPr>
+          <p:cNvPr id="287" name=""/>
+          <p:cNvSpPr txBox="1"/>
+          <p:nvPr/>
+        </p:nvSpPr>
+        <p:spPr>
+          <a:xfrm>
+            <a:off x="5715000" y="2743200"/>
+            <a:ext cx="891000" cy="302040"/>
+          </a:xfrm>
+          <a:prstGeom prst="rect">
+            <a:avLst/>
+          </a:prstGeom>
+          <a:noFill/>
+          <a:ln w="0">
+            <a:noFill/>
+          </a:ln>
+        </p:spPr>
+        <p:txBody>
+          <a:bodyPr lIns="90000" rIns="90000" tIns="45000" bIns="45000" anchor="t">
+            <a:noAutofit/>
+          </a:bodyPr>
+          <a:p>
+            <a:r>
+              <a:rPr b="0" lang="en-US" sz="1500" spc="-1" strike="noStrike">
+                <a:solidFill>
+                  <a:srgbClr val="000000"/>
+                </a:solidFill>
+                <a:latin typeface="Arial"/>
+                <a:ea typeface="DejaVu Sans"/>
+              </a:rPr>
+              <a:t>None</a:t>
+            </a:r>
+            <a:endParaRPr b="0" lang="en-US" sz="1500" spc="-1" strike="noStrike">
+              <a:latin typeface="Arial"/>
+            </a:endParaRPr>
+          </a:p>
+        </p:txBody>
+      </p:sp>
+      <p:sp>
+        <p:nvSpPr>
+          <p:cNvPr id="288" name=""/>
+          <p:cNvSpPr/>
+          <p:nvPr/>
+        </p:nvSpPr>
+        <p:spPr>
+          <a:xfrm>
+            <a:off x="7715160" y="2170080"/>
+            <a:ext cx="743040" cy="344520"/>
+          </a:xfrm>
+          <a:prstGeom prst="rect">
+            <a:avLst/>
+          </a:prstGeom>
+          <a:noFill/>
+          <a:ln w="0">
+            <a:noFill/>
+          </a:ln>
+        </p:spPr>
+        <p:style>
+          <a:lnRef idx="0"/>
+          <a:fillRef idx="0"/>
+          <a:effectRef idx="0"/>
+          <a:fontRef idx="minor"/>
+        </p:style>
+        <p:txBody>
+          <a:bodyPr lIns="90000" rIns="90000" tIns="45000" bIns="45000" anchor="t">
+            <a:noAutofit/>
+          </a:bodyPr>
+          <a:p>
+            <a:pPr>
+              <a:lnSpc>
+                <a:spcPct val="100000"/>
+              </a:lnSpc>
+              <a:buNone/>
+            </a:pPr>
+            <a:r>
+              <a:rPr b="0" lang="en-US" sz="1000" spc="-18" strike="noStrike">
+                <a:solidFill>
+                  <a:srgbClr val="ff7900"/>
+                </a:solidFill>
+                <a:latin typeface="Helvetica 75 Bold"/>
+                <a:ea typeface="DejaVu Sans"/>
+              </a:rPr>
+              <a:t>right</a:t>
+            </a:r>
+            <a:endParaRPr b="0" lang="en-US" sz="1000" spc="-1" strike="noStrike">
+              <a:latin typeface="Arial"/>
+            </a:endParaRPr>
+          </a:p>
+        </p:txBody>
+      </p:sp>
+      <p:sp>
+        <p:nvSpPr>
+          <p:cNvPr id="289" name=""/>
+          <p:cNvSpPr/>
+          <p:nvPr/>
+        </p:nvSpPr>
+        <p:spPr>
+          <a:xfrm flipH="1">
+            <a:off x="7086600" y="3199680"/>
+            <a:ext cx="685800" cy="686520"/>
+          </a:xfrm>
+          <a:prstGeom prst="line">
+            <a:avLst/>
+          </a:prstGeom>
+          <a:ln w="19080">
+            <a:solidFill>
+              <a:srgbClr val="ff0000"/>
+            </a:solidFill>
+            <a:round/>
+            <a:tailEnd len="med" type="triangle" w="med"/>
+          </a:ln>
+        </p:spPr>
+        <p:style>
+          <a:lnRef idx="0"/>
+          <a:fillRef idx="0"/>
+          <a:effectRef idx="0"/>
+          <a:fontRef idx="minor"/>
+        </p:style>
+      </p:sp>
+      <p:sp>
+        <p:nvSpPr>
+          <p:cNvPr id="290" name=""/>
+          <p:cNvSpPr/>
+          <p:nvPr/>
+        </p:nvSpPr>
+        <p:spPr>
+          <a:xfrm>
+            <a:off x="7315200" y="3199680"/>
+            <a:ext cx="514440" cy="344520"/>
+          </a:xfrm>
+          <a:prstGeom prst="rect">
+            <a:avLst/>
+          </a:prstGeom>
+          <a:noFill/>
+          <a:ln w="0">
+            <a:noFill/>
+          </a:ln>
+        </p:spPr>
+        <p:style>
+          <a:lnRef idx="0"/>
+          <a:fillRef idx="0"/>
+          <a:effectRef idx="0"/>
+          <a:fontRef idx="minor"/>
+        </p:style>
+        <p:txBody>
+          <a:bodyPr lIns="90000" rIns="90000" tIns="45000" bIns="45000" anchor="t">
+            <a:noAutofit/>
+          </a:bodyPr>
+          <a:p>
+            <a:pPr>
+              <a:lnSpc>
+                <a:spcPct val="100000"/>
+              </a:lnSpc>
+              <a:buNone/>
+            </a:pPr>
+            <a:r>
+              <a:rPr b="0" lang="en-US" sz="1000" spc="-18" strike="noStrike">
+                <a:solidFill>
+                  <a:srgbClr val="ff7900"/>
+                </a:solidFill>
+                <a:latin typeface="Helvetica 75 Bold"/>
+                <a:ea typeface="DejaVu Sans"/>
+              </a:rPr>
+              <a:t>left</a:t>
+            </a:r>
+            <a:endParaRPr b="0" lang="en-US" sz="1000" spc="-1" strike="noStrike">
+              <a:latin typeface="Arial"/>
+            </a:endParaRPr>
+          </a:p>
+        </p:txBody>
+      </p:sp>
+      <p:sp>
+        <p:nvSpPr>
+          <p:cNvPr id="291" name=""/>
+          <p:cNvSpPr/>
+          <p:nvPr/>
+        </p:nvSpPr>
+        <p:spPr>
+          <a:xfrm>
+            <a:off x="8172360" y="3313080"/>
+            <a:ext cx="743040" cy="344520"/>
+          </a:xfrm>
+          <a:prstGeom prst="rect">
+            <a:avLst/>
+          </a:prstGeom>
+          <a:noFill/>
+          <a:ln w="0">
+            <a:noFill/>
+          </a:ln>
+        </p:spPr>
+        <p:style>
+          <a:lnRef idx="0"/>
+          <a:fillRef idx="0"/>
+          <a:effectRef idx="0"/>
+          <a:fontRef idx="minor"/>
+        </p:style>
+        <p:txBody>
+          <a:bodyPr lIns="90000" rIns="90000" tIns="45000" bIns="45000" anchor="t">
+            <a:noAutofit/>
+          </a:bodyPr>
+          <a:p>
+            <a:pPr>
+              <a:lnSpc>
+                <a:spcPct val="100000"/>
+              </a:lnSpc>
+              <a:buNone/>
+            </a:pPr>
+            <a:r>
+              <a:rPr b="0" lang="en-US" sz="1000" spc="-18" strike="noStrike">
+                <a:solidFill>
+                  <a:srgbClr val="ff7900"/>
+                </a:solidFill>
+                <a:latin typeface="Helvetica 75 Bold"/>
+                <a:ea typeface="DejaVu Sans"/>
+              </a:rPr>
+              <a:t>right</a:t>
+            </a:r>
+            <a:endParaRPr b="0" lang="en-US" sz="1000" spc="-1" strike="noStrike">
+              <a:latin typeface="Arial"/>
+            </a:endParaRPr>
+          </a:p>
+        </p:txBody>
+      </p:sp>
+      <p:sp>
+        <p:nvSpPr>
+          <p:cNvPr id="292" name=""/>
+          <p:cNvSpPr/>
+          <p:nvPr/>
+        </p:nvSpPr>
+        <p:spPr>
+          <a:xfrm>
+            <a:off x="7544520" y="2743200"/>
+            <a:ext cx="685080" cy="456480"/>
+          </a:xfrm>
+          <a:prstGeom prst="rect">
+            <a:avLst/>
+          </a:prstGeom>
+          <a:solidFill>
+            <a:srgbClr val="729fcf"/>
+          </a:solidFill>
+          <a:ln w="0">
+            <a:solidFill>
+              <a:srgbClr val="3465a4"/>
+            </a:solidFill>
+          </a:ln>
+        </p:spPr>
+        <p:style>
+          <a:lnRef idx="0"/>
+          <a:fillRef idx="0"/>
+          <a:effectRef idx="0"/>
+          <a:fontRef idx="minor"/>
+        </p:style>
+        <p:txBody>
+          <a:bodyPr lIns="90000" rIns="90000" tIns="45000" bIns="45000" anchor="ctr">
+            <a:noAutofit/>
+          </a:bodyPr>
+          <a:p>
+            <a:pPr algn="ctr">
+              <a:lnSpc>
+                <a:spcPct val="100000"/>
+              </a:lnSpc>
+              <a:buNone/>
+            </a:pPr>
+            <a:r>
+              <a:rPr b="0" lang="en-US" sz="1800" spc="-1" strike="noStrike">
+                <a:solidFill>
+                  <a:srgbClr val="000000"/>
+                </a:solidFill>
+                <a:latin typeface="Arial"/>
+                <a:ea typeface="DejaVu Sans"/>
+              </a:rPr>
+              <a:t>18</a:t>
+            </a:r>
+            <a:endParaRPr b="0" lang="en-US" sz="1800" spc="-1" strike="noStrike">
+              <a:latin typeface="Arial"/>
+            </a:endParaRPr>
+          </a:p>
+        </p:txBody>
+      </p:sp>
+      <p:sp>
+        <p:nvSpPr>
+          <p:cNvPr id="293" name=""/>
+          <p:cNvSpPr/>
+          <p:nvPr/>
+        </p:nvSpPr>
+        <p:spPr>
+          <a:xfrm>
+            <a:off x="7315200" y="2855160"/>
+            <a:ext cx="514440" cy="344520"/>
+          </a:xfrm>
+          <a:prstGeom prst="rect">
+            <a:avLst/>
+          </a:prstGeom>
+          <a:noFill/>
+          <a:ln w="0">
+            <a:noFill/>
+          </a:ln>
+        </p:spPr>
+        <p:style>
+          <a:lnRef idx="0"/>
+          <a:fillRef idx="0"/>
+          <a:effectRef idx="0"/>
+          <a:fontRef idx="minor"/>
+        </p:style>
+      </p:sp>
+      <p:sp>
+        <p:nvSpPr>
+          <p:cNvPr id="294" name=""/>
+          <p:cNvSpPr/>
+          <p:nvPr/>
+        </p:nvSpPr>
+        <p:spPr>
+          <a:xfrm>
+            <a:off x="8001000" y="3200400"/>
+            <a:ext cx="228600" cy="685800"/>
+          </a:xfrm>
+          <a:prstGeom prst="line">
+            <a:avLst/>
+          </a:prstGeom>
+          <a:ln w="19080">
+            <a:solidFill>
+              <a:srgbClr val="ff0000"/>
+            </a:solidFill>
+            <a:round/>
+            <a:tailEnd len="med" type="triangle" w="med"/>
+          </a:ln>
+        </p:spPr>
+        <p:style>
+          <a:lnRef idx="0"/>
+          <a:fillRef idx="0"/>
+          <a:effectRef idx="0"/>
+          <a:fontRef idx="minor"/>
+        </p:style>
+      </p:sp>
+      <p:sp>
+        <p:nvSpPr>
+          <p:cNvPr id="295" name=""/>
+          <p:cNvSpPr txBox="1"/>
+          <p:nvPr/>
+        </p:nvSpPr>
+        <p:spPr>
+          <a:xfrm>
+            <a:off x="6652800" y="3886200"/>
+            <a:ext cx="891000" cy="302040"/>
+          </a:xfrm>
+          <a:prstGeom prst="rect">
+            <a:avLst/>
+          </a:prstGeom>
+          <a:noFill/>
+          <a:ln w="0">
+            <a:noFill/>
+          </a:ln>
+        </p:spPr>
+        <p:txBody>
+          <a:bodyPr lIns="90000" rIns="90000" tIns="45000" bIns="45000" anchor="t">
+            <a:noAutofit/>
+          </a:bodyPr>
+          <a:p>
+            <a:r>
+              <a:rPr b="0" lang="en-US" sz="1500" spc="-1" strike="noStrike">
+                <a:solidFill>
+                  <a:srgbClr val="000000"/>
+                </a:solidFill>
+                <a:latin typeface="Arial"/>
+                <a:ea typeface="DejaVu Sans"/>
+              </a:rPr>
+              <a:t>None</a:t>
+            </a:r>
+            <a:endParaRPr b="0" lang="en-US" sz="1500" spc="-1" strike="noStrike">
+              <a:latin typeface="Arial"/>
+            </a:endParaRPr>
+          </a:p>
+        </p:txBody>
+      </p:sp>
+      <p:sp>
+        <p:nvSpPr>
+          <p:cNvPr id="296" name=""/>
+          <p:cNvSpPr txBox="1"/>
+          <p:nvPr/>
+        </p:nvSpPr>
+        <p:spPr>
+          <a:xfrm>
+            <a:off x="8001000" y="3886200"/>
+            <a:ext cx="891000" cy="302040"/>
+          </a:xfrm>
+          <a:prstGeom prst="rect">
+            <a:avLst/>
+          </a:prstGeom>
+          <a:noFill/>
+          <a:ln w="0">
+            <a:noFill/>
+          </a:ln>
+        </p:spPr>
+        <p:txBody>
+          <a:bodyPr lIns="90000" rIns="90000" tIns="45000" bIns="45000" anchor="t">
+            <a:noAutofit/>
+          </a:bodyPr>
+          <a:p>
+            <a:r>
+              <a:rPr b="0" lang="en-US" sz="1500" spc="-1" strike="noStrike">
+                <a:solidFill>
+                  <a:srgbClr val="000000"/>
+                </a:solidFill>
+                <a:latin typeface="Arial"/>
+                <a:ea typeface="DejaVu Sans"/>
+              </a:rPr>
+              <a:t>None</a:t>
+            </a:r>
+            <a:endParaRPr b="0" lang="en-US" sz="1500" spc="-1" strike="noStrike">
+              <a:latin typeface="Arial"/>
+            </a:endParaRPr>
+          </a:p>
+        </p:txBody>
+      </p:sp>
+      <p:sp>
+        <p:nvSpPr>
+          <p:cNvPr id="297" name=""/>
+          <p:cNvSpPr/>
+          <p:nvPr/>
+        </p:nvSpPr>
+        <p:spPr>
+          <a:xfrm flipV="1">
+            <a:off x="4342680" y="569160"/>
+            <a:ext cx="2058840" cy="116640"/>
+          </a:xfrm>
+          <a:prstGeom prst="line">
+            <a:avLst/>
+          </a:prstGeom>
+          <a:ln w="19080">
+            <a:solidFill>
+              <a:srgbClr val="ff0000"/>
+            </a:solidFill>
+            <a:round/>
+            <a:tailEnd len="med" type="triangle" w="med"/>
+          </a:ln>
+        </p:spPr>
+        <p:style>
+          <a:lnRef idx="0"/>
+          <a:fillRef idx="0"/>
+          <a:effectRef idx="0"/>
+          <a:fontRef idx="minor"/>
+        </p:style>
       </p:sp>
     </p:spTree>
   </p:cSld>
@@ -11649,4 +15685,230 @@
     </a:fmtScheme>
   </a:themeElements>
 </a:theme>
+</file>
+
+<file path=ppt/theme/theme5.xml><?xml version="1.0" encoding="utf-8"?>
+<a:theme xmlns:a="http://schemas.openxmlformats.org/drawingml/2006/main" name="Office Theme">
+  <a:themeElements>
+    <a:clrScheme name="Office">
+      <a:dk1>
+        <a:sysClr val="windowText" lastClr="000000"/>
+      </a:dk1>
+      <a:lt1>
+        <a:sysClr val="window" lastClr="FFFFFF"/>
+      </a:lt1>
+      <a:dk2>
+        <a:srgbClr val="8f8f8f"/>
+      </a:dk2>
+      <a:lt2>
+        <a:srgbClr val="ff7900"/>
+      </a:lt2>
+      <a:accent1>
+        <a:srgbClr val="ff7900"/>
+      </a:accent1>
+      <a:accent2>
+        <a:srgbClr val="4bb4e6"/>
+      </a:accent2>
+      <a:accent3>
+        <a:srgbClr val="50be87"/>
+      </a:accent3>
+      <a:accent4>
+        <a:srgbClr val="ffb4e6"/>
+      </a:accent4>
+      <a:accent5>
+        <a:srgbClr val="a885d8"/>
+      </a:accent5>
+      <a:accent6>
+        <a:srgbClr val="ffd200"/>
+      </a:accent6>
+      <a:hlink>
+        <a:srgbClr val="ff7900"/>
+      </a:hlink>
+      <a:folHlink>
+        <a:srgbClr val="ff7900"/>
+      </a:folHlink>
+    </a:clrScheme>
+    <a:fontScheme name="Office">
+      <a:majorFont>
+        <a:latin typeface="Arial"/>
+        <a:ea typeface="DejaVu Sans"/>
+        <a:cs typeface="DejaVu Sans"/>
+      </a:majorFont>
+      <a:minorFont>
+        <a:latin typeface="Arial"/>
+        <a:ea typeface="DejaVu Sans"/>
+        <a:cs typeface="DejaVu Sans"/>
+      </a:minorFont>
+    </a:fontScheme>
+    <a:fmtScheme name="Office">
+      <a:fillStyleLst>
+        <a:solidFill>
+          <a:schemeClr val="phClr"/>
+        </a:solidFill>
+        <a:gradFill rotWithShape="1">
+          <a:gsLst>
+            <a:gs pos="0">
+              <a:schemeClr val="phClr">
+                <a:tint val="50000"/>
+                <a:satMod val="300000"/>
+              </a:schemeClr>
+            </a:gs>
+            <a:gs pos="35000">
+              <a:schemeClr val="phClr">
+                <a:tint val="37000"/>
+                <a:satMod val="300000"/>
+              </a:schemeClr>
+            </a:gs>
+            <a:gs pos="100000">
+              <a:schemeClr val="phClr">
+                <a:tint val="15000"/>
+                <a:satMod val="350000"/>
+              </a:schemeClr>
+            </a:gs>
+          </a:gsLst>
+          <a:lin ang="16200000" scaled="1"/>
+        </a:gradFill>
+        <a:gradFill rotWithShape="1">
+          <a:gsLst>
+            <a:gs pos="0">
+              <a:schemeClr val="phClr">
+                <a:shade val="51000"/>
+                <a:satMod val="130000"/>
+              </a:schemeClr>
+            </a:gs>
+            <a:gs pos="80000">
+              <a:schemeClr val="phClr">
+                <a:shade val="93000"/>
+                <a:satMod val="130000"/>
+              </a:schemeClr>
+            </a:gs>
+            <a:gs pos="100000">
+              <a:schemeClr val="phClr">
+                <a:shade val="94000"/>
+                <a:satMod val="135000"/>
+              </a:schemeClr>
+            </a:gs>
+          </a:gsLst>
+          <a:lin ang="16200000" scaled="0"/>
+        </a:gradFill>
+      </a:fillStyleLst>
+      <a:lnStyleLst>
+        <a:ln w="9525" cap="flat" cmpd="sng" algn="ctr">
+          <a:solidFill>
+            <a:schemeClr val="phClr">
+              <a:shade val="95000"/>
+              <a:satMod val="105000"/>
+            </a:schemeClr>
+          </a:solidFill>
+          <a:prstDash val="solid"/>
+          <a:miter/>
+        </a:ln>
+        <a:ln w="25400" cap="flat" cmpd="sng" algn="ctr">
+          <a:solidFill>
+            <a:schemeClr val="phClr"/>
+          </a:solidFill>
+          <a:prstDash val="solid"/>
+          <a:miter/>
+        </a:ln>
+        <a:ln w="38100" cap="flat" cmpd="sng" algn="ctr">
+          <a:solidFill>
+            <a:schemeClr val="phClr"/>
+          </a:solidFill>
+          <a:prstDash val="solid"/>
+          <a:miter/>
+        </a:ln>
+      </a:lnStyleLst>
+      <a:effectStyleLst>
+        <a:effectStyle>
+          <a:effectLst>
+            <a:outerShdw blurRad="40000" dist="20000" dir="5400000" rotWithShape="0">
+              <a:srgbClr val="000000">
+                <a:alpha val="38000"/>
+              </a:srgbClr>
+            </a:outerShdw>
+          </a:effectLst>
+        </a:effectStyle>
+        <a:effectStyle>
+          <a:effectLst>
+            <a:outerShdw blurRad="40000" dist="23000" dir="5400000" rotWithShape="0">
+              <a:srgbClr val="000000">
+                <a:alpha val="35000"/>
+              </a:srgbClr>
+            </a:outerShdw>
+          </a:effectLst>
+        </a:effectStyle>
+        <a:effectStyle>
+          <a:effectLst>
+            <a:outerShdw blurRad="40000" dist="23000" dir="5400000" rotWithShape="0">
+              <a:srgbClr val="000000">
+                <a:alpha val="35000"/>
+              </a:srgbClr>
+            </a:outerShdw>
+          </a:effectLst>
+          <a:scene3d>
+            <a:camera prst="orthographicFront">
+              <a:rot lat="0" lon="0" rev="0"/>
+            </a:camera>
+            <a:lightRig rig="threePt" dir="t">
+              <a:rot lat="0" lon="0" rev="1200000"/>
+            </a:lightRig>
+          </a:scene3d>
+          <a:sp3d>
+            <a:bevelT w="63500" h="25400"/>
+          </a:sp3d>
+        </a:effectStyle>
+      </a:effectStyleLst>
+      <a:bgFillStyleLst>
+        <a:solidFill>
+          <a:schemeClr val="phClr"/>
+        </a:solidFill>
+        <a:gradFill rotWithShape="1">
+          <a:gsLst>
+            <a:gs pos="0">
+              <a:schemeClr val="phClr">
+                <a:tint val="40000"/>
+                <a:satMod val="350000"/>
+              </a:schemeClr>
+            </a:gs>
+            <a:gs pos="40000">
+              <a:schemeClr val="phClr">
+                <a:tint val="45000"/>
+                <a:shade val="99000"/>
+                <a:satMod val="350000"/>
+              </a:schemeClr>
+            </a:gs>
+            <a:gs pos="100000">
+              <a:schemeClr val="phClr">
+                <a:shade val="20000"/>
+                <a:satMod val="255000"/>
+              </a:schemeClr>
+            </a:gs>
+          </a:gsLst>
+          <a:path path="circle">
+            <a:fillToRect l="50000" t="-80000" r="50000" b="180000"/>
+          </a:path>
+        </a:gradFill>
+        <a:gradFill rotWithShape="1">
+          <a:gsLst>
+            <a:gs pos="0">
+              <a:schemeClr val="phClr">
+                <a:tint val="80000"/>
+                <a:satMod val="300000"/>
+              </a:schemeClr>
+            </a:gs>
+            <a:gs pos="100000">
+              <a:schemeClr val="phClr">
+                <a:shade val="30000"/>
+                <a:satMod val="200000"/>
+              </a:schemeClr>
+            </a:gs>
+          </a:gsLst>
+          <a:path path="circle">
+            <a:fillToRect l="50000" t="50000" r="50000" b="50000"/>
+          </a:path>
+        </a:gradFill>
+      </a:bgFillStyleLst>
+    </a:fmtScheme>
+  </a:themeElements>
+</a:theme>
 </file>